--- a/presentation/따릉따릉이.pptx
+++ b/presentation/따릉따릉이.pptx
@@ -1,6 +1,6 @@
 
 <file path=ppt/presentation.xml><?xml version="1.0" encoding="utf-8"?>
-<p:presentation xmlns:r="http://schemas.openxmlformats.org/officeDocument/2006/relationships" xmlns:c="http://schemas.openxmlformats.org/drawingml/2006/chart" xmlns:a="http://schemas.openxmlformats.org/drawingml/2006/main" xmlns:dgm="http://schemas.openxmlformats.org/drawingml/2006/diagram" xmlns:dsp="http://schemas.microsoft.com/office/drawing/2008/diagram" xmlns:p="http://schemas.openxmlformats.org/presentationml/2006/main">
+<p:presentation xmlns:a="http://schemas.openxmlformats.org/drawingml/2006/main" xmlns:r="http://schemas.openxmlformats.org/officeDocument/2006/relationships" xmlns:p="http://schemas.openxmlformats.org/presentationml/2006/main">
   <p:sldMasterIdLst>
     <p:sldMasterId id="2147483665" r:id="rId1"/>
   </p:sldMasterIdLst>
@@ -106,6 +106,11 @@
       </a:defRPr>
     </a:lvl9pPr>
   </p:defaultTextStyle>
+  <p:extLst>
+    <p:ext uri="{EFAFB233-063F-42B5-8137-9DF3F51BA10A}">
+      <p15:sldGuideLst xmlns:p15="http://schemas.microsoft.com/office/powerpoint/2012/main"/>
+    </p:ext>
+  </p:extLst>
 </p:presentation>
 </file>
 
@@ -256,7 +261,7 @@
           <a:p>
             <a:fld id="{C7A4BBC1-7771-4B55-AE4A-59235E598ABC}" type="datetimeFigureOut">
               <a:rPr lang="ko-KR" altLang="en-US" smtClean="0"/>
-              <a:t>2023-03-06</a:t>
+              <a:t>2023-09-21</a:t>
             </a:fld>
             <a:endParaRPr lang="ko-KR" altLang="en-US"/>
           </a:p>
@@ -454,7 +459,7 @@
           <a:p>
             <a:fld id="{C7A4BBC1-7771-4B55-AE4A-59235E598ABC}" type="datetimeFigureOut">
               <a:rPr lang="ko-KR" altLang="en-US" smtClean="0"/>
-              <a:t>2023-03-06</a:t>
+              <a:t>2023-09-21</a:t>
             </a:fld>
             <a:endParaRPr lang="ko-KR" altLang="en-US"/>
           </a:p>
@@ -662,7 +667,7 @@
           <a:p>
             <a:fld id="{C7A4BBC1-7771-4B55-AE4A-59235E598ABC}" type="datetimeFigureOut">
               <a:rPr lang="ko-KR" altLang="en-US" smtClean="0"/>
-              <a:t>2023-03-06</a:t>
+              <a:t>2023-09-21</a:t>
             </a:fld>
             <a:endParaRPr lang="ko-KR" altLang="en-US"/>
           </a:p>
@@ -936,7 +941,7 @@
           <a:p>
             <a:fld id="{C7A4BBC1-7771-4B55-AE4A-59235E598ABC}" type="datetimeFigureOut">
               <a:rPr lang="ko-KR" altLang="en-US" smtClean="0"/>
-              <a:t>2023-03-06</a:t>
+              <a:t>2023-09-21</a:t>
             </a:fld>
             <a:endParaRPr lang="ko-KR" altLang="en-US"/>
           </a:p>
@@ -1211,7 +1216,7 @@
           <a:p>
             <a:fld id="{C7A4BBC1-7771-4B55-AE4A-59235E598ABC}" type="datetimeFigureOut">
               <a:rPr lang="ko-KR" altLang="en-US" smtClean="0"/>
-              <a:t>2023-03-06</a:t>
+              <a:t>2023-09-21</a:t>
             </a:fld>
             <a:endParaRPr lang="ko-KR" altLang="en-US"/>
           </a:p>
@@ -1476,7 +1481,7 @@
           <a:p>
             <a:fld id="{C7A4BBC1-7771-4B55-AE4A-59235E598ABC}" type="datetimeFigureOut">
               <a:rPr lang="ko-KR" altLang="en-US" smtClean="0"/>
-              <a:t>2023-03-06</a:t>
+              <a:t>2023-09-21</a:t>
             </a:fld>
             <a:endParaRPr lang="ko-KR" altLang="en-US"/>
           </a:p>
@@ -1888,7 +1893,7 @@
           <a:p>
             <a:fld id="{C7A4BBC1-7771-4B55-AE4A-59235E598ABC}" type="datetimeFigureOut">
               <a:rPr lang="ko-KR" altLang="en-US" smtClean="0"/>
-              <a:t>2023-03-06</a:t>
+              <a:t>2023-09-21</a:t>
             </a:fld>
             <a:endParaRPr lang="ko-KR" altLang="en-US"/>
           </a:p>
@@ -2029,7 +2034,7 @@
           <a:p>
             <a:fld id="{C7A4BBC1-7771-4B55-AE4A-59235E598ABC}" type="datetimeFigureOut">
               <a:rPr lang="ko-KR" altLang="en-US" smtClean="0"/>
-              <a:t>2023-03-06</a:t>
+              <a:t>2023-09-21</a:t>
             </a:fld>
             <a:endParaRPr lang="ko-KR" altLang="en-US"/>
           </a:p>
@@ -2142,7 +2147,7 @@
           <a:p>
             <a:fld id="{C7A4BBC1-7771-4B55-AE4A-59235E598ABC}" type="datetimeFigureOut">
               <a:rPr lang="ko-KR" altLang="en-US" smtClean="0"/>
-              <a:t>2023-03-06</a:t>
+              <a:t>2023-09-21</a:t>
             </a:fld>
             <a:endParaRPr lang="ko-KR" altLang="en-US"/>
           </a:p>
@@ -2453,7 +2458,7 @@
           <a:p>
             <a:fld id="{C7A4BBC1-7771-4B55-AE4A-59235E598ABC}" type="datetimeFigureOut">
               <a:rPr lang="ko-KR" altLang="en-US" smtClean="0"/>
-              <a:t>2023-03-06</a:t>
+              <a:t>2023-09-21</a:t>
             </a:fld>
             <a:endParaRPr lang="ko-KR" altLang="en-US"/>
           </a:p>
@@ -2741,7 +2746,7 @@
           <a:p>
             <a:fld id="{C7A4BBC1-7771-4B55-AE4A-59235E598ABC}" type="datetimeFigureOut">
               <a:rPr lang="ko-KR" altLang="en-US" smtClean="0"/>
-              <a:t>2023-03-06</a:t>
+              <a:t>2023-09-21</a:t>
             </a:fld>
             <a:endParaRPr lang="ko-KR" altLang="en-US"/>
           </a:p>
@@ -2982,7 +2987,7 @@
           <a:p>
             <a:fld id="{C7A4BBC1-7771-4B55-AE4A-59235E598ABC}" type="datetimeFigureOut">
               <a:rPr lang="ko-KR" altLang="en-US" smtClean="0"/>
-              <a:t>2023-03-06</a:t>
+              <a:t>2023-09-21</a:t>
             </a:fld>
             <a:endParaRPr lang="ko-KR" altLang="en-US"/>
           </a:p>
@@ -3384,7 +3389,7 @@
 </file>
 
 <file path=ppt/slides/slide1.xml><?xml version="1.0" encoding="utf-8"?>
-<p:sld xmlns:r="http://schemas.openxmlformats.org/officeDocument/2006/relationships" xmlns:c="http://schemas.openxmlformats.org/drawingml/2006/chart" xmlns:a="http://schemas.openxmlformats.org/drawingml/2006/main" xmlns:dgm="http://schemas.openxmlformats.org/drawingml/2006/diagram" xmlns:dsp="http://schemas.microsoft.com/office/drawing/2008/diagram" xmlns:p="http://schemas.openxmlformats.org/presentationml/2006/main">
+<p:sld xmlns:a="http://schemas.openxmlformats.org/drawingml/2006/main" xmlns:r="http://schemas.openxmlformats.org/officeDocument/2006/relationships" xmlns:p="http://schemas.openxmlformats.org/presentationml/2006/main">
   <p:cSld>
     <p:spTree>
       <p:nvGrpSpPr>
@@ -3410,26 +3415,82 @@
         </p:nvGraphicFramePr>
         <p:xfrm>
           <a:off x="1558926" y="546340"/>
-          <a:ext cx="9074149" cy="6311661"/>
+          <a:ext cx="9074149" cy="6311654"/>
         </p:xfrm>
         <a:graphic>
           <a:graphicData uri="http://schemas.openxmlformats.org/drawingml/2006/table">
             <a:tbl>
+              <a:tblPr/>
               <a:tblGrid>
-                <a:gridCol w="952800"/>
-                <a:gridCol w="124835"/>
-                <a:gridCol w="1640981"/>
-                <a:gridCol w="1820014"/>
-                <a:gridCol w="278124"/>
-                <a:gridCol w="769027"/>
-                <a:gridCol w="571622"/>
-                <a:gridCol w="724619"/>
-                <a:gridCol w="2192127"/>
+                <a:gridCol w="952800">
+                  <a:extLst>
+                    <a:ext uri="{9D8B030D-6E8A-4147-A177-3AD203B41FA5}">
+                      <a16:colId xmlns:a16="http://schemas.microsoft.com/office/drawing/2014/main" val="20000"/>
+                    </a:ext>
+                  </a:extLst>
+                </a:gridCol>
+                <a:gridCol w="124835">
+                  <a:extLst>
+                    <a:ext uri="{9D8B030D-6E8A-4147-A177-3AD203B41FA5}">
+                      <a16:colId xmlns:a16="http://schemas.microsoft.com/office/drawing/2014/main" val="20001"/>
+                    </a:ext>
+                  </a:extLst>
+                </a:gridCol>
+                <a:gridCol w="1640981">
+                  <a:extLst>
+                    <a:ext uri="{9D8B030D-6E8A-4147-A177-3AD203B41FA5}">
+                      <a16:colId xmlns:a16="http://schemas.microsoft.com/office/drawing/2014/main" val="20002"/>
+                    </a:ext>
+                  </a:extLst>
+                </a:gridCol>
+                <a:gridCol w="1820014">
+                  <a:extLst>
+                    <a:ext uri="{9D8B030D-6E8A-4147-A177-3AD203B41FA5}">
+                      <a16:colId xmlns:a16="http://schemas.microsoft.com/office/drawing/2014/main" val="20003"/>
+                    </a:ext>
+                  </a:extLst>
+                </a:gridCol>
+                <a:gridCol w="278124">
+                  <a:extLst>
+                    <a:ext uri="{9D8B030D-6E8A-4147-A177-3AD203B41FA5}">
+                      <a16:colId xmlns:a16="http://schemas.microsoft.com/office/drawing/2014/main" val="20004"/>
+                    </a:ext>
+                  </a:extLst>
+                </a:gridCol>
+                <a:gridCol w="769027">
+                  <a:extLst>
+                    <a:ext uri="{9D8B030D-6E8A-4147-A177-3AD203B41FA5}">
+                      <a16:colId xmlns:a16="http://schemas.microsoft.com/office/drawing/2014/main" val="20005"/>
+                    </a:ext>
+                  </a:extLst>
+                </a:gridCol>
+                <a:gridCol w="571622">
+                  <a:extLst>
+                    <a:ext uri="{9D8B030D-6E8A-4147-A177-3AD203B41FA5}">
+                      <a16:colId xmlns:a16="http://schemas.microsoft.com/office/drawing/2014/main" val="20006"/>
+                    </a:ext>
+                  </a:extLst>
+                </a:gridCol>
+                <a:gridCol w="724619">
+                  <a:extLst>
+                    <a:ext uri="{9D8B030D-6E8A-4147-A177-3AD203B41FA5}">
+                      <a16:colId xmlns:a16="http://schemas.microsoft.com/office/drawing/2014/main" val="20007"/>
+                    </a:ext>
+                  </a:extLst>
+                </a:gridCol>
+                <a:gridCol w="2192127">
+                  <a:extLst>
+                    <a:ext uri="{9D8B030D-6E8A-4147-A177-3AD203B41FA5}">
+                      <a16:colId xmlns:a16="http://schemas.microsoft.com/office/drawing/2014/main" val="20008"/>
+                    </a:ext>
+                  </a:extLst>
+                </a:gridCol>
               </a:tblGrid>
               <a:tr h="362793">
                 <a:tc rowSpan="2">
                   <a:txBody>
-                    <a:bodyPr vert="horz" lIns="46713" tIns="12915" rIns="46713" bIns="12915" anchor="ctr" anchorCtr="0"/>
+                    <a:bodyPr/>
+                    <a:lstStyle/>
                     <a:p>
                       <a:pPr marL="0" marR="0" indent="0" algn="ctr" latinLnBrk="0">
                         <a:lnSpc>
@@ -3515,7 +3576,8 @@
                 </a:tc>
                 <a:tc rowSpan="2" gridSpan="6">
                   <a:txBody>
-                    <a:bodyPr vert="horz" lIns="46713" tIns="12915" rIns="46713" bIns="12915" anchor="ctr" anchorCtr="0"/>
+                    <a:bodyPr/>
+                    <a:lstStyle/>
                     <a:p>
                       <a:pPr marL="0" marR="0" indent="0" algn="ctr" latinLnBrk="0">
                         <a:lnSpc>
@@ -3541,15 +3603,6 @@
                         </a:rPr>
                         <a:t>따릉따릉이</a:t>
                       </a:r>
-                      <a:endParaRPr lang="ko-KR" altLang="en-US" sz="1200" kern="0" spc="0">
-                        <a:solidFill>
-                          <a:schemeClr val="tx1"/>
-                        </a:solidFill>
-                        <a:effectLst/>
-                        <a:latin typeface="+mn-ea"/>
-                        <a:ea typeface="+mn-ea"/>
-                        <a:cs typeface="함초롬바탕"/>
-                      </a:endParaRPr>
                     </a:p>
                   </a:txBody>
                   <a:tcPr marL="46713" marR="46713" marT="12915" marB="12915" anchor="ctr">
@@ -3597,6 +3650,7 @@
                 <a:tc rowSpan="2" hMerge="1">
                   <a:txBody>
                     <a:bodyPr/>
+                    <a:lstStyle/>
                     <a:p>
                       <a:pPr latinLnBrk="1">
                         <a:defRPr/>
@@ -3604,11 +3658,12 @@
                       <a:endParaRPr lang="ko-KR" altLang="en-US"/>
                     </a:p>
                   </a:txBody>
-                  <a:tcPr marL="91440" marR="91440"/>
+                  <a:tcPr/>
                 </a:tc>
                 <a:tc rowSpan="2" hMerge="1">
                   <a:txBody>
                     <a:bodyPr/>
+                    <a:lstStyle/>
                     <a:p>
                       <a:pPr marL="0" marR="0" indent="0" algn="ctr" latinLnBrk="0">
                         <a:lnSpc>
@@ -3677,6 +3732,7 @@
                 <a:tc rowSpan="2" hMerge="1">
                   <a:txBody>
                     <a:bodyPr/>
+                    <a:lstStyle/>
                     <a:p>
                       <a:pPr latinLnBrk="1">
                         <a:defRPr/>
@@ -3684,11 +3740,12 @@
                       <a:endParaRPr lang="ko-KR" altLang="en-US"/>
                     </a:p>
                   </a:txBody>
-                  <a:tcPr marL="91440" marR="91440"/>
+                  <a:tcPr/>
                 </a:tc>
                 <a:tc rowSpan="2" hMerge="1">
                   <a:txBody>
                     <a:bodyPr/>
+                    <a:lstStyle/>
                     <a:p>
                       <a:pPr latinLnBrk="1">
                         <a:defRPr/>
@@ -3696,11 +3753,12 @@
                       <a:endParaRPr lang="ko-KR" altLang="en-US"/>
                     </a:p>
                   </a:txBody>
-                  <a:tcPr marL="91440" marR="91440"/>
+                  <a:tcPr/>
                 </a:tc>
                 <a:tc rowSpan="2" hMerge="1">
                   <a:txBody>
                     <a:bodyPr/>
+                    <a:lstStyle/>
                     <a:p>
                       <a:pPr latinLnBrk="1">
                         <a:defRPr/>
@@ -3708,11 +3766,12 @@
                       <a:endParaRPr lang="ko-KR" altLang="en-US"/>
                     </a:p>
                   </a:txBody>
-                  <a:tcPr marL="91440" marR="91440"/>
+                  <a:tcPr/>
                 </a:tc>
                 <a:tc rowSpan="2">
                   <a:txBody>
-                    <a:bodyPr vert="horz" lIns="46713" tIns="12915" rIns="46713" bIns="12915" anchor="ctr" anchorCtr="0"/>
+                    <a:bodyPr/>
+                    <a:lstStyle/>
                     <a:p>
                       <a:pPr marL="0" marR="0" indent="0" algn="ctr" latinLnBrk="0">
                         <a:lnSpc>
@@ -3795,7 +3854,8 @@
                 </a:tc>
                 <a:tc>
                   <a:txBody>
-                    <a:bodyPr vert="horz" lIns="46713" tIns="12915" rIns="46713" bIns="12915" anchor="ctr" anchorCtr="0"/>
+                    <a:bodyPr/>
+                    <a:lstStyle/>
                     <a:p>
                       <a:pPr marL="0" marR="0" indent="0" algn="ctr" latinLnBrk="0">
                         <a:lnSpc>
@@ -3820,14 +3880,6 @@
                         </a:rPr>
                         <a:t>서다현</a:t>
                       </a:r>
-                      <a:endParaRPr lang="ko-KR" altLang="en-US" sz="1200" kern="0" spc="0">
-                        <a:solidFill>
-                          <a:srgbClr val="000000"/>
-                        </a:solidFill>
-                        <a:effectLst/>
-                        <a:latin typeface="+mn-ea"/>
-                        <a:ea typeface="+mn-ea"/>
-                      </a:endParaRPr>
                     </a:p>
                   </a:txBody>
                   <a:tcPr marL="46713" marR="46713" marT="12915" marB="12915" anchor="ctr">
@@ -3869,11 +3921,17 @@
                     </a:lnB>
                   </a:tcPr>
                 </a:tc>
+                <a:extLst>
+                  <a:ext uri="{0D108BD9-81ED-4DB2-BD59-A6C34878D82A}">
+                    <a16:rowId xmlns:a16="http://schemas.microsoft.com/office/drawing/2014/main" val="10000"/>
+                  </a:ext>
+                </a:extLst>
               </a:tr>
               <a:tr h="362793">
                 <a:tc vMerge="1">
                   <a:txBody>
                     <a:bodyPr/>
+                    <a:lstStyle/>
                     <a:p>
                       <a:pPr latinLnBrk="1">
                         <a:defRPr/>
@@ -3881,11 +3939,12 @@
                       <a:endParaRPr lang="ko-KR" altLang="en-US"/>
                     </a:p>
                   </a:txBody>
-                  <a:tcPr marL="91440" marR="91440"/>
+                  <a:tcPr/>
                 </a:tc>
                 <a:tc gridSpan="6" vMerge="1">
                   <a:txBody>
                     <a:bodyPr/>
+                    <a:lstStyle/>
                     <a:p>
                       <a:pPr latinLnBrk="1">
                         <a:defRPr/>
@@ -3893,11 +3952,12 @@
                       <a:endParaRPr lang="ko-KR" altLang="en-US"/>
                     </a:p>
                   </a:txBody>
-                  <a:tcPr marL="91440" marR="91440"/>
+                  <a:tcPr/>
                 </a:tc>
                 <a:tc hMerge="1" vMerge="1">
                   <a:txBody>
                     <a:bodyPr/>
+                    <a:lstStyle/>
                     <a:p>
                       <a:pPr latinLnBrk="1">
                         <a:defRPr/>
@@ -3905,11 +3965,12 @@
                       <a:endParaRPr lang="ko-KR" altLang="en-US"/>
                     </a:p>
                   </a:txBody>
-                  <a:tcPr marL="91440" marR="91440"/>
+                  <a:tcPr/>
                 </a:tc>
                 <a:tc hMerge="1" vMerge="1">
                   <a:txBody>
                     <a:bodyPr/>
+                    <a:lstStyle/>
                     <a:p>
                       <a:pPr latinLnBrk="1">
                         <a:defRPr/>
@@ -3917,11 +3978,12 @@
                       <a:endParaRPr lang="ko-KR" altLang="en-US"/>
                     </a:p>
                   </a:txBody>
-                  <a:tcPr marL="91440" marR="91440"/>
+                  <a:tcPr/>
                 </a:tc>
                 <a:tc hMerge="1" vMerge="1">
                   <a:txBody>
                     <a:bodyPr/>
+                    <a:lstStyle/>
                     <a:p>
                       <a:pPr latinLnBrk="1">
                         <a:defRPr/>
@@ -3929,11 +3991,12 @@
                       <a:endParaRPr lang="ko-KR" altLang="en-US"/>
                     </a:p>
                   </a:txBody>
-                  <a:tcPr marL="91440" marR="91440"/>
+                  <a:tcPr/>
                 </a:tc>
                 <a:tc hMerge="1" vMerge="1">
                   <a:txBody>
                     <a:bodyPr/>
+                    <a:lstStyle/>
                     <a:p>
                       <a:pPr latinLnBrk="1">
                         <a:defRPr/>
@@ -3941,11 +4004,12 @@
                       <a:endParaRPr lang="ko-KR" altLang="en-US"/>
                     </a:p>
                   </a:txBody>
-                  <a:tcPr marL="91440" marR="91440"/>
+                  <a:tcPr/>
                 </a:tc>
                 <a:tc hMerge="1" vMerge="1">
                   <a:txBody>
                     <a:bodyPr/>
+                    <a:lstStyle/>
                     <a:p>
                       <a:pPr latinLnBrk="1">
                         <a:defRPr/>
@@ -3953,11 +4017,12 @@
                       <a:endParaRPr lang="ko-KR" altLang="en-US"/>
                     </a:p>
                   </a:txBody>
-                  <a:tcPr marL="91440" marR="91440"/>
+                  <a:tcPr/>
                 </a:tc>
                 <a:tc vMerge="1">
                   <a:txBody>
                     <a:bodyPr/>
+                    <a:lstStyle/>
                     <a:p>
                       <a:pPr latinLnBrk="1">
                         <a:defRPr/>
@@ -3965,11 +4030,12 @@
                       <a:endParaRPr lang="ko-KR" altLang="en-US"/>
                     </a:p>
                   </a:txBody>
-                  <a:tcPr marL="91440" marR="91440"/>
+                  <a:tcPr/>
                 </a:tc>
                 <a:tc>
                   <a:txBody>
-                    <a:bodyPr vert="horz" lIns="46713" tIns="12915" rIns="46713" bIns="12915" anchor="ctr" anchorCtr="0"/>
+                    <a:bodyPr/>
+                    <a:lstStyle/>
                     <a:p>
                       <a:pPr marL="0" marR="0" indent="0" algn="ctr" latinLnBrk="0">
                         <a:lnSpc>
@@ -4033,11 +4099,17 @@
                     </a:lnB>
                   </a:tcPr>
                 </a:tc>
+                <a:extLst>
+                  <a:ext uri="{0D108BD9-81ED-4DB2-BD59-A6C34878D82A}">
+                    <a16:rowId xmlns:a16="http://schemas.microsoft.com/office/drawing/2014/main" val="10001"/>
+                  </a:ext>
+                </a:extLst>
               </a:tr>
               <a:tr h="527886">
                 <a:tc rowSpan="2" gridSpan="3">
                   <a:txBody>
-                    <a:bodyPr vert="horz" lIns="46713" tIns="12915" rIns="46713" bIns="12915" anchor="ctr" anchorCtr="0"/>
+                    <a:bodyPr/>
+                    <a:lstStyle/>
                     <a:p>
                       <a:pPr marL="0" marR="0" indent="0" algn="ctr" latinLnBrk="0">
                         <a:lnSpc>
@@ -4116,6 +4188,7 @@
                 <a:tc rowSpan="2" hMerge="1">
                   <a:txBody>
                     <a:bodyPr/>
+                    <a:lstStyle/>
                     <a:p>
                       <a:pPr latinLnBrk="1">
                         <a:defRPr/>
@@ -4123,11 +4196,12 @@
                       <a:endParaRPr lang="ko-KR" altLang="en-US"/>
                     </a:p>
                   </a:txBody>
-                  <a:tcPr marL="91440" marR="91440"/>
+                  <a:tcPr/>
                 </a:tc>
                 <a:tc rowSpan="2" hMerge="1">
                   <a:txBody>
                     <a:bodyPr/>
+                    <a:lstStyle/>
                     <a:p>
                       <a:pPr latinLnBrk="1">
                         <a:defRPr/>
@@ -4135,11 +4209,12 @@
                       <a:endParaRPr lang="ko-KR" altLang="en-US"/>
                     </a:p>
                   </a:txBody>
-                  <a:tcPr marL="91440" marR="91440"/>
+                  <a:tcPr/>
                 </a:tc>
                 <a:tc gridSpan="2">
                   <a:txBody>
-                    <a:bodyPr vert="horz" lIns="46713" tIns="12915" rIns="46713" bIns="12915" anchor="ctr" anchorCtr="0"/>
+                    <a:bodyPr/>
+                    <a:lstStyle/>
                     <a:p>
                       <a:pPr marL="0" marR="0" indent="0" algn="ctr" latinLnBrk="0">
                         <a:lnSpc>
@@ -4242,6 +4317,7 @@
                 <a:tc hMerge="1">
                   <a:txBody>
                     <a:bodyPr/>
+                    <a:lstStyle/>
                     <a:p>
                       <a:pPr latinLnBrk="1">
                         <a:defRPr/>
@@ -4249,11 +4325,12 @@
                       <a:endParaRPr lang="ko-KR" altLang="en-US"/>
                     </a:p>
                   </a:txBody>
-                  <a:tcPr marL="91440" marR="91440"/>
+                  <a:tcPr/>
                 </a:tc>
                 <a:tc gridSpan="4">
                   <a:txBody>
-                    <a:bodyPr vert="horz" lIns="46713" tIns="12915" rIns="46713" bIns="12915" anchor="ctr" anchorCtr="0"/>
+                    <a:bodyPr/>
+                    <a:lstStyle/>
                     <a:p>
                       <a:pPr marL="0" marR="0" indent="0" algn="ctr" latinLnBrk="0">
                         <a:lnSpc>
@@ -4279,15 +4356,6 @@
                         </a:rPr>
                         <a:t>팀장없는팀</a:t>
                       </a:r>
-                      <a:endParaRPr lang="ko-KR" altLang="en-US" sz="1200" b="1" kern="0" spc="0">
-                        <a:solidFill>
-                          <a:srgbClr val="000000"/>
-                        </a:solidFill>
-                        <a:effectLst/>
-                        <a:latin typeface="+mn-ea"/>
-                        <a:ea typeface="+mn-ea"/>
-                        <a:cs typeface="함초롬바탕"/>
-                      </a:endParaRPr>
                     </a:p>
                   </a:txBody>
                   <a:tcPr marL="46713" marR="46713" marT="12915" marB="12915" anchor="ctr">
@@ -4332,6 +4400,7 @@
                 <a:tc hMerge="1">
                   <a:txBody>
                     <a:bodyPr/>
+                    <a:lstStyle/>
                     <a:p>
                       <a:pPr latinLnBrk="1">
                         <a:defRPr/>
@@ -4339,11 +4408,12 @@
                       <a:endParaRPr lang="ko-KR" altLang="en-US"/>
                     </a:p>
                   </a:txBody>
-                  <a:tcPr marL="91440" marR="91440"/>
+                  <a:tcPr/>
                 </a:tc>
                 <a:tc hMerge="1">
                   <a:txBody>
                     <a:bodyPr/>
+                    <a:lstStyle/>
                     <a:p>
                       <a:pPr latinLnBrk="1">
                         <a:defRPr/>
@@ -4351,11 +4421,12 @@
                       <a:endParaRPr lang="ko-KR" altLang="en-US"/>
                     </a:p>
                   </a:txBody>
-                  <a:tcPr marL="91440" marR="91440"/>
+                  <a:tcPr/>
                 </a:tc>
                 <a:tc hMerge="1">
                   <a:txBody>
                     <a:bodyPr/>
+                    <a:lstStyle/>
                     <a:p>
                       <a:pPr latinLnBrk="1">
                         <a:defRPr/>
@@ -4363,7 +4434,7 @@
                       <a:endParaRPr lang="ko-KR" altLang="en-US"/>
                     </a:p>
                   </a:txBody>
-                  <a:tcPr marL="91440" marR="91440">
+                  <a:tcPr>
                     <a:lnL w="3556" cap="flat" cmpd="sng" algn="ctr">
                       <a:solidFill>
                         <a:srgbClr val="000000"/>
@@ -4375,11 +4446,17 @@
                     </a:lnL>
                   </a:tcPr>
                 </a:tc>
+                <a:extLst>
+                  <a:ext uri="{0D108BD9-81ED-4DB2-BD59-A6C34878D82A}">
+                    <a16:rowId xmlns:a16="http://schemas.microsoft.com/office/drawing/2014/main" val="10002"/>
+                  </a:ext>
+                </a:extLst>
               </a:tr>
               <a:tr h="1843207">
                 <a:tc gridSpan="3" vMerge="1">
                   <a:txBody>
                     <a:bodyPr/>
+                    <a:lstStyle/>
                     <a:p>
                       <a:pPr latinLnBrk="1">
                         <a:defRPr/>
@@ -4387,11 +4464,12 @@
                       <a:endParaRPr lang="ko-KR" altLang="en-US"/>
                     </a:p>
                   </a:txBody>
-                  <a:tcPr marL="91440" marR="91440"/>
+                  <a:tcPr/>
                 </a:tc>
                 <a:tc hMerge="1" vMerge="1">
                   <a:txBody>
                     <a:bodyPr/>
+                    <a:lstStyle/>
                     <a:p>
                       <a:pPr latinLnBrk="1">
                         <a:defRPr/>
@@ -4399,11 +4477,12 @@
                       <a:endParaRPr lang="ko-KR" altLang="en-US"/>
                     </a:p>
                   </a:txBody>
-                  <a:tcPr marL="91440" marR="91440"/>
+                  <a:tcPr/>
                 </a:tc>
                 <a:tc hMerge="1" vMerge="1">
                   <a:txBody>
                     <a:bodyPr/>
+                    <a:lstStyle/>
                     <a:p>
                       <a:pPr latinLnBrk="1">
                         <a:defRPr/>
@@ -4411,11 +4490,12 @@
                       <a:endParaRPr lang="ko-KR" altLang="en-US"/>
                     </a:p>
                   </a:txBody>
-                  <a:tcPr marL="91440" marR="91440"/>
+                  <a:tcPr/>
                 </a:tc>
                 <a:tc gridSpan="2">
                   <a:txBody>
-                    <a:bodyPr vert="horz" lIns="46713" tIns="12915" rIns="46713" bIns="12915" anchor="ctr" anchorCtr="0"/>
+                    <a:bodyPr/>
+                    <a:lstStyle/>
                     <a:p>
                       <a:pPr marL="0" marR="0" indent="0" algn="ctr" latinLnBrk="0">
                         <a:lnSpc>
@@ -4441,15 +4521,6 @@
                         </a:rPr>
                         <a:t>목표달성을 위해</a:t>
                       </a:r>
-                      <a:endParaRPr lang="ko-KR" altLang="en-US" sz="1200" b="1" kern="0" spc="0">
-                        <a:solidFill>
-                          <a:srgbClr val="000000"/>
-                        </a:solidFill>
-                        <a:effectLst/>
-                        <a:latin typeface="+mn-ea"/>
-                        <a:ea typeface="+mn-ea"/>
-                        <a:cs typeface="함초롬바탕"/>
-                      </a:endParaRPr>
                     </a:p>
                     <a:p>
                       <a:pPr marL="0" marR="0" indent="0" algn="ctr" latinLnBrk="0">
@@ -4476,15 +4547,6 @@
                         </a:rPr>
                         <a:t>팀이 지켜야 할 </a:t>
                       </a:r>
-                      <a:endParaRPr lang="ko-KR" altLang="en-US" sz="1200" b="1" kern="0" spc="0">
-                        <a:solidFill>
-                          <a:srgbClr val="000000"/>
-                        </a:solidFill>
-                        <a:effectLst/>
-                        <a:latin typeface="+mn-ea"/>
-                        <a:ea typeface="+mn-ea"/>
-                        <a:cs typeface="함초롬바탕"/>
-                      </a:endParaRPr>
                     </a:p>
                     <a:p>
                       <a:pPr marL="0" marR="0" indent="0" algn="ctr" latinLnBrk="0">
@@ -4511,15 +4573,6 @@
                         </a:rPr>
                         <a:t>Rules</a:t>
                       </a:r>
-                      <a:endParaRPr lang="en-US" altLang="ko-KR" sz="1200" b="1" kern="0" spc="0">
-                        <a:solidFill>
-                          <a:srgbClr val="000000"/>
-                        </a:solidFill>
-                        <a:effectLst/>
-                        <a:latin typeface="+mn-ea"/>
-                        <a:ea typeface="+mn-ea"/>
-                        <a:cs typeface="함초롬바탕"/>
-                      </a:endParaRPr>
                     </a:p>
                     <a:p>
                       <a:pPr marL="0" marR="0" indent="0" algn="ctr" latinLnBrk="0">
@@ -4623,6 +4676,7 @@
                 <a:tc hMerge="1">
                   <a:txBody>
                     <a:bodyPr/>
+                    <a:lstStyle/>
                     <a:p>
                       <a:pPr latinLnBrk="1">
                         <a:defRPr/>
@@ -4630,11 +4684,12 @@
                       <a:endParaRPr lang="ko-KR" altLang="en-US"/>
                     </a:p>
                   </a:txBody>
-                  <a:tcPr marL="91440" marR="91440"/>
+                  <a:tcPr/>
                 </a:tc>
                 <a:tc gridSpan="4">
                   <a:txBody>
-                    <a:bodyPr vert="horz" lIns="46713" tIns="12915" rIns="46713" bIns="12915" anchor="ctr" anchorCtr="0"/>
+                    <a:bodyPr/>
+                    <a:lstStyle/>
                     <a:p>
                       <a:pPr marL="0" marR="0" indent="0" algn="l" latinLnBrk="0">
                         <a:lnSpc>
@@ -4660,15 +4715,6 @@
                         </a:rPr>
                         <a:t>의견 잘 말하기</a:t>
                       </a:r>
-                      <a:endParaRPr lang="ko-KR" altLang="en-US" sz="1200" b="1" kern="0" spc="0">
-                        <a:solidFill>
-                          <a:srgbClr val="000000"/>
-                        </a:solidFill>
-                        <a:effectLst/>
-                        <a:latin typeface="+mn-ea"/>
-                        <a:ea typeface="+mn-ea"/>
-                        <a:cs typeface="함초롬바탕"/>
-                      </a:endParaRPr>
                     </a:p>
                     <a:p>
                       <a:pPr marL="0" marR="0" indent="0" algn="l" latinLnBrk="0">
@@ -4731,15 +4777,6 @@
                         </a:rPr>
                         <a:t>)</a:t>
                       </a:r>
-                      <a:endParaRPr lang="en-US" altLang="ko-KR" sz="1200" b="1" kern="0" spc="0">
-                        <a:solidFill>
-                          <a:srgbClr val="000000"/>
-                        </a:solidFill>
-                        <a:effectLst/>
-                        <a:latin typeface="+mn-ea"/>
-                        <a:ea typeface="+mn-ea"/>
-                        <a:cs typeface="함초롬바탕"/>
-                      </a:endParaRPr>
                     </a:p>
                     <a:p>
                       <a:pPr marL="0" marR="0" indent="0" algn="l" latinLnBrk="0">
@@ -4766,15 +4803,6 @@
                         </a:rPr>
                         <a:t>연락 잘되기</a:t>
                       </a:r>
-                      <a:endParaRPr lang="ko-KR" altLang="en-US" sz="1200" b="1" kern="0" spc="0">
-                        <a:solidFill>
-                          <a:srgbClr val="000000"/>
-                        </a:solidFill>
-                        <a:effectLst/>
-                        <a:latin typeface="+mn-ea"/>
-                        <a:ea typeface="+mn-ea"/>
-                        <a:cs typeface="함초롬바탕"/>
-                      </a:endParaRPr>
                     </a:p>
                     <a:p>
                       <a:pPr marL="0" marR="0" indent="0" algn="l" latinLnBrk="0">
@@ -4801,15 +4829,6 @@
                         </a:rPr>
                         <a:t>맡은 바 책임을 다하기</a:t>
                       </a:r>
-                      <a:endParaRPr lang="ko-KR" altLang="en-US" sz="1200" b="1" kern="0" spc="0">
-                        <a:solidFill>
-                          <a:srgbClr val="000000"/>
-                        </a:solidFill>
-                        <a:effectLst/>
-                        <a:latin typeface="+mn-ea"/>
-                        <a:ea typeface="+mn-ea"/>
-                        <a:cs typeface="함초롬바탕"/>
-                      </a:endParaRPr>
                     </a:p>
                   </a:txBody>
                   <a:tcPr marL="46713" marR="46713" marT="12915" marB="12915" anchor="ctr">
@@ -4854,6 +4873,7 @@
                 <a:tc hMerge="1">
                   <a:txBody>
                     <a:bodyPr/>
+                    <a:lstStyle/>
                     <a:p>
                       <a:pPr latinLnBrk="1">
                         <a:defRPr/>
@@ -4861,11 +4881,12 @@
                       <a:endParaRPr lang="ko-KR" altLang="en-US"/>
                     </a:p>
                   </a:txBody>
-                  <a:tcPr marL="91440" marR="91440"/>
+                  <a:tcPr/>
                 </a:tc>
                 <a:tc hMerge="1">
                   <a:txBody>
                     <a:bodyPr/>
+                    <a:lstStyle/>
                     <a:p>
                       <a:pPr latinLnBrk="1">
                         <a:defRPr/>
@@ -4873,11 +4894,12 @@
                       <a:endParaRPr lang="ko-KR" altLang="en-US"/>
                     </a:p>
                   </a:txBody>
-                  <a:tcPr marL="91440" marR="91440"/>
+                  <a:tcPr/>
                 </a:tc>
                 <a:tc hMerge="1">
                   <a:txBody>
                     <a:bodyPr/>
+                    <a:lstStyle/>
                     <a:p>
                       <a:pPr latinLnBrk="1">
                         <a:defRPr/>
@@ -4885,7 +4907,7 @@
                       <a:endParaRPr lang="ko-KR" altLang="en-US"/>
                     </a:p>
                   </a:txBody>
-                  <a:tcPr marL="91440" marR="91440">
+                  <a:tcPr>
                     <a:lnL w="3556" cap="flat" cmpd="sng" algn="ctr">
                       <a:solidFill>
                         <a:srgbClr val="000000"/>
@@ -4897,11 +4919,17 @@
                     </a:lnL>
                   </a:tcPr>
                 </a:tc>
+                <a:extLst>
+                  <a:ext uri="{0D108BD9-81ED-4DB2-BD59-A6C34878D82A}">
+                    <a16:rowId xmlns:a16="http://schemas.microsoft.com/office/drawing/2014/main" val="10003"/>
+                  </a:ext>
+                </a:extLst>
               </a:tr>
               <a:tr h="572989">
                 <a:tc gridSpan="2">
                   <a:txBody>
-                    <a:bodyPr vert="horz" lIns="46713" tIns="12915" rIns="46713" bIns="12915" anchor="ctr" anchorCtr="0"/>
+                    <a:bodyPr/>
+                    <a:lstStyle/>
                     <a:p>
                       <a:pPr marL="0" marR="0" indent="0" algn="ctr" latinLnBrk="0">
                         <a:lnSpc>
@@ -4984,6 +5012,7 @@
                 <a:tc hMerge="1">
                   <a:txBody>
                     <a:bodyPr/>
+                    <a:lstStyle/>
                     <a:p>
                       <a:pPr latinLnBrk="1">
                         <a:defRPr/>
@@ -4991,11 +5020,12 @@
                       <a:endParaRPr lang="ko-KR" altLang="en-US"/>
                     </a:p>
                   </a:txBody>
-                  <a:tcPr marL="91440" marR="91440"/>
+                  <a:tcPr/>
                 </a:tc>
                 <a:tc>
                   <a:txBody>
-                    <a:bodyPr vert="horz" lIns="46713" tIns="12915" rIns="46713" bIns="12915" anchor="ctr" anchorCtr="0"/>
+                    <a:bodyPr/>
+                    <a:lstStyle/>
                     <a:p>
                       <a:pPr marL="0" marR="0" indent="0" algn="ctr" latinLnBrk="0">
                         <a:lnSpc>
@@ -5077,7 +5107,8 @@
                 </a:tc>
                 <a:tc>
                   <a:txBody>
-                    <a:bodyPr vert="horz" lIns="46713" tIns="12915" rIns="46713" bIns="12915" anchor="ctr" anchorCtr="0"/>
+                    <a:bodyPr/>
+                    <a:lstStyle/>
                     <a:p>
                       <a:pPr marL="0" marR="0" indent="0" algn="ctr" latinLnBrk="0">
                         <a:lnSpc>
@@ -5159,7 +5190,8 @@
                 </a:tc>
                 <a:tc gridSpan="2">
                   <a:txBody>
-                    <a:bodyPr vert="horz" lIns="46713" tIns="12915" rIns="46713" bIns="12915" anchor="ctr" anchorCtr="0"/>
+                    <a:bodyPr/>
+                    <a:lstStyle/>
                     <a:p>
                       <a:pPr marL="0" marR="0" indent="0" algn="ctr" latinLnBrk="0">
                         <a:lnSpc>
@@ -5242,6 +5274,7 @@
                 <a:tc hMerge="1">
                   <a:txBody>
                     <a:bodyPr/>
+                    <a:lstStyle/>
                     <a:p>
                       <a:pPr marL="0" marR="0" indent="0" algn="ctr" latinLnBrk="0">
                         <a:lnSpc>
@@ -5305,7 +5338,8 @@
                 </a:tc>
                 <a:tc gridSpan="3">
                   <a:txBody>
-                    <a:bodyPr vert="horz" lIns="46713" tIns="12915" rIns="46713" bIns="12915" anchor="ctr" anchorCtr="0"/>
+                    <a:bodyPr/>
+                    <a:lstStyle/>
                     <a:p>
                       <a:pPr marL="0" marR="0" indent="0" algn="ctr" latinLnBrk="0">
                         <a:lnSpc>
@@ -5388,6 +5422,7 @@
                 <a:tc hMerge="1">
                   <a:txBody>
                     <a:bodyPr/>
+                    <a:lstStyle/>
                     <a:p>
                       <a:pPr latinLnBrk="1">
                         <a:defRPr/>
@@ -5395,11 +5430,12 @@
                       <a:endParaRPr lang="ko-KR" altLang="en-US"/>
                     </a:p>
                   </a:txBody>
-                  <a:tcPr marL="91440" marR="91440"/>
+                  <a:tcPr/>
                 </a:tc>
                 <a:tc hMerge="1">
                   <a:txBody>
                     <a:bodyPr/>
+                    <a:lstStyle/>
                     <a:p>
                       <a:pPr latinLnBrk="1">
                         <a:defRPr/>
@@ -5407,13 +5443,19 @@
                       <a:endParaRPr lang="ko-KR" altLang="en-US"/>
                     </a:p>
                   </a:txBody>
-                  <a:tcPr marL="91440" marR="91440"/>
-                </a:tc>
+                  <a:tcPr/>
+                </a:tc>
+                <a:extLst>
+                  <a:ext uri="{0D108BD9-81ED-4DB2-BD59-A6C34878D82A}">
+                    <a16:rowId xmlns:a16="http://schemas.microsoft.com/office/drawing/2014/main" val="10004"/>
+                  </a:ext>
+                </a:extLst>
               </a:tr>
               <a:tr h="440331">
                 <a:tc gridSpan="2">
                   <a:txBody>
-                    <a:bodyPr vert="horz" lIns="46713" tIns="12915" rIns="46713" bIns="12915" anchor="ctr" anchorCtr="0"/>
+                    <a:bodyPr/>
+                    <a:lstStyle/>
                     <a:p>
                       <a:pPr marL="0" marR="0" indent="0" algn="ctr" latinLnBrk="0">
                         <a:lnSpc>
@@ -5439,15 +5481,6 @@
                         </a:rPr>
                         <a:t>서다현</a:t>
                       </a:r>
-                      <a:endParaRPr lang="ko-KR" altLang="en-US" sz="1200" kern="0" spc="0">
-                        <a:solidFill>
-                          <a:srgbClr val="000000"/>
-                        </a:solidFill>
-                        <a:effectLst/>
-                        <a:latin typeface="+mn-ea"/>
-                        <a:ea typeface="+mn-ea"/>
-                        <a:cs typeface="함초롬바탕"/>
-                      </a:endParaRPr>
                     </a:p>
                   </a:txBody>
                   <a:tcPr marL="46713" marR="46713" marT="12915" marB="12915" anchor="ctr">
@@ -5492,6 +5525,7 @@
                 <a:tc hMerge="1">
                   <a:txBody>
                     <a:bodyPr/>
+                    <a:lstStyle/>
                     <a:p>
                       <a:pPr latinLnBrk="1">
                         <a:defRPr/>
@@ -5499,11 +5533,12 @@
                       <a:endParaRPr lang="ko-KR" altLang="en-US"/>
                     </a:p>
                   </a:txBody>
-                  <a:tcPr marL="91440" marR="91440"/>
+                  <a:tcPr/>
                 </a:tc>
                 <a:tc>
                   <a:txBody>
-                    <a:bodyPr vert="horz" lIns="46713" tIns="12915" rIns="46713" bIns="12915" anchor="ctr" anchorCtr="0"/>
+                    <a:bodyPr/>
+                    <a:lstStyle/>
                     <a:p>
                       <a:pPr marL="0" marR="0" indent="0" algn="ctr" latinLnBrk="0">
                         <a:lnSpc>
@@ -5521,7 +5556,6 @@
                         <a:rPr lang="en-US" altLang="ko-KR" sz="1200"/>
                         <a:t>010-4828-4220</a:t>
                       </a:r>
-                      <a:endParaRPr lang="en-US" altLang="ko-KR" sz="1200"/>
                     </a:p>
                   </a:txBody>
                   <a:tcPr marL="46713" marR="46713" marT="12915" marB="12915" anchor="ctr">
@@ -5565,7 +5599,8 @@
                 </a:tc>
                 <a:tc>
                   <a:txBody>
-                    <a:bodyPr vert="horz" lIns="46713" tIns="12915" rIns="46713" bIns="12915" anchor="ctr" anchorCtr="0"/>
+                    <a:bodyPr/>
+                    <a:lstStyle/>
                     <a:p>
                       <a:pPr latinLnBrk="1">
                         <a:defRPr/>
@@ -5574,7 +5609,6 @@
                         <a:rPr lang="en-US" altLang="ko-KR" sz="1200"/>
                         <a:t>siren199704@gmail.com</a:t>
                       </a:r>
-                      <a:endParaRPr lang="en-US" altLang="ko-KR" sz="1200"/>
                     </a:p>
                   </a:txBody>
                   <a:tcPr marL="46713" marR="46713" marT="12915" marB="12915" anchor="ctr">
@@ -5618,7 +5652,8 @@
                 </a:tc>
                 <a:tc gridSpan="2">
                   <a:txBody>
-                    <a:bodyPr vert="horz" lIns="46713" tIns="12915" rIns="46713" bIns="12915" anchor="ctr" anchorCtr="0"/>
+                    <a:bodyPr/>
+                    <a:lstStyle/>
                     <a:p>
                       <a:pPr algn="ctr" latinLnBrk="1">
                         <a:defRPr/>
@@ -5668,6 +5703,7 @@
                 <a:tc hMerge="1">
                   <a:txBody>
                     <a:bodyPr/>
+                    <a:lstStyle/>
                     <a:p>
                       <a:pPr marL="0" marR="0" indent="0" algn="ctr" latinLnBrk="0">
                         <a:lnSpc>
@@ -5731,7 +5767,8 @@
                 </a:tc>
                 <a:tc gridSpan="3">
                   <a:txBody>
-                    <a:bodyPr vert="horz" lIns="46713" tIns="12915" rIns="46713" bIns="12915" anchor="ctr" anchorCtr="0"/>
+                    <a:bodyPr/>
+                    <a:lstStyle/>
                     <a:p>
                       <a:pPr latinLnBrk="1">
                         <a:defRPr/>
@@ -5764,7 +5801,6 @@
                         <a:rPr lang="ko-KR" altLang="en-US" sz="1200"/>
                         <a:t> 회원 시스템 구축</a:t>
                       </a:r>
-                      <a:endParaRPr lang="ko-KR" altLang="en-US" sz="1200"/>
                     </a:p>
                   </a:txBody>
                   <a:tcPr marL="46713" marR="46713" marT="12915" marB="12915" anchor="ctr">
@@ -5809,6 +5845,7 @@
                 <a:tc hMerge="1">
                   <a:txBody>
                     <a:bodyPr/>
+                    <a:lstStyle/>
                     <a:p>
                       <a:pPr latinLnBrk="1">
                         <a:defRPr/>
@@ -5816,11 +5853,12 @@
                       <a:endParaRPr lang="ko-KR" altLang="en-US"/>
                     </a:p>
                   </a:txBody>
-                  <a:tcPr marL="91440" marR="91440"/>
+                  <a:tcPr/>
                 </a:tc>
                 <a:tc hMerge="1">
                   <a:txBody>
                     <a:bodyPr/>
+                    <a:lstStyle/>
                     <a:p>
                       <a:pPr latinLnBrk="1">
                         <a:defRPr/>
@@ -5828,13 +5866,19 @@
                       <a:endParaRPr lang="ko-KR" altLang="en-US"/>
                     </a:p>
                   </a:txBody>
-                  <a:tcPr marL="91440" marR="91440"/>
-                </a:tc>
+                  <a:tcPr/>
+                </a:tc>
+                <a:extLst>
+                  <a:ext uri="{0D108BD9-81ED-4DB2-BD59-A6C34878D82A}">
+                    <a16:rowId xmlns:a16="http://schemas.microsoft.com/office/drawing/2014/main" val="10005"/>
+                  </a:ext>
+                </a:extLst>
               </a:tr>
               <a:tr h="440331">
                 <a:tc gridSpan="2">
                   <a:txBody>
-                    <a:bodyPr vert="horz" lIns="46713" tIns="12915" rIns="46713" bIns="12915" anchor="ctr" anchorCtr="0"/>
+                    <a:bodyPr/>
+                    <a:lstStyle/>
                     <a:p>
                       <a:pPr marL="0" marR="0" indent="0" algn="ctr" latinLnBrk="0">
                         <a:lnSpc>
@@ -5852,7 +5896,6 @@
                         <a:rPr lang="ko-KR" altLang="en-US" sz="1200"/>
                         <a:t>박철규</a:t>
                       </a:r>
-                      <a:endParaRPr lang="ko-KR" altLang="en-US" sz="1200"/>
                     </a:p>
                   </a:txBody>
                   <a:tcPr marL="46713" marR="46713" marT="12915" marB="12915" anchor="ctr">
@@ -5897,6 +5940,7 @@
                 <a:tc hMerge="1">
                   <a:txBody>
                     <a:bodyPr/>
+                    <a:lstStyle/>
                     <a:p>
                       <a:pPr latinLnBrk="1">
                         <a:defRPr/>
@@ -5904,11 +5948,12 @@
                       <a:endParaRPr lang="ko-KR" altLang="en-US"/>
                     </a:p>
                   </a:txBody>
-                  <a:tcPr marL="91440" marR="91440"/>
+                  <a:tcPr/>
                 </a:tc>
                 <a:tc>
                   <a:txBody>
-                    <a:bodyPr vert="horz" lIns="46713" tIns="12915" rIns="46713" bIns="12915" anchor="ctr" anchorCtr="0"/>
+                    <a:bodyPr/>
+                    <a:lstStyle/>
                     <a:p>
                       <a:pPr marL="0" marR="0" indent="0" algn="ctr" latinLnBrk="0">
                         <a:lnSpc>
@@ -5926,7 +5971,6 @@
                         <a:rPr lang="en-US" altLang="ko-KR" sz="1200"/>
                         <a:t>010-4120-3620</a:t>
                       </a:r>
-                      <a:endParaRPr lang="en-US" altLang="ko-KR" sz="1200"/>
                     </a:p>
                   </a:txBody>
                   <a:tcPr marL="46713" marR="46713" marT="12915" marB="12915" anchor="ctr">
@@ -5970,7 +6014,8 @@
                 </a:tc>
                 <a:tc>
                   <a:txBody>
-                    <a:bodyPr vert="horz" lIns="46713" tIns="12915" rIns="46713" bIns="12915" anchor="ctr" anchorCtr="0"/>
+                    <a:bodyPr/>
+                    <a:lstStyle/>
                     <a:p>
                       <a:pPr latinLnBrk="1">
                         <a:defRPr/>
@@ -5979,7 +6024,6 @@
                         <a:rPr lang="en-US" altLang="ko-KR" sz="1200"/>
                         <a:t>cjfrb24@naver.com</a:t>
                       </a:r>
-                      <a:endParaRPr lang="en-US" altLang="ko-KR" sz="1200"/>
                     </a:p>
                   </a:txBody>
                   <a:tcPr marL="46713" marR="46713" marT="12915" marB="12915" anchor="ctr">
@@ -6023,7 +6067,8 @@
                 </a:tc>
                 <a:tc gridSpan="2">
                   <a:txBody>
-                    <a:bodyPr vert="horz" lIns="46713" tIns="12915" rIns="46713" bIns="12915" anchor="ctr" anchorCtr="0"/>
+                    <a:bodyPr/>
+                    <a:lstStyle/>
                     <a:p>
                       <a:pPr algn="ctr" latinLnBrk="1">
                         <a:defRPr/>
@@ -6073,6 +6118,7 @@
                 <a:tc hMerge="1">
                   <a:txBody>
                     <a:bodyPr/>
+                    <a:lstStyle/>
                     <a:p>
                       <a:pPr marL="0" marR="0" indent="0" algn="ctr" latinLnBrk="0">
                         <a:lnSpc>
@@ -6136,7 +6182,8 @@
                 </a:tc>
                 <a:tc gridSpan="3">
                   <a:txBody>
-                    <a:bodyPr vert="horz" lIns="46713" tIns="12915" rIns="46713" bIns="12915" anchor="ctr" anchorCtr="0"/>
+                    <a:bodyPr/>
+                    <a:lstStyle/>
                     <a:p>
                       <a:pPr latinLnBrk="1">
                         <a:defRPr/>
@@ -6145,7 +6192,6 @@
                         <a:rPr lang="ko-KR" altLang="en-US" sz="1200"/>
                         <a:t>게시판</a:t>
                       </a:r>
-                      <a:endParaRPr lang="ko-KR" altLang="en-US" sz="1200"/>
                     </a:p>
                   </a:txBody>
                   <a:tcPr marL="46713" marR="46713" marT="12915" marB="12915" anchor="ctr">
@@ -6190,6 +6236,7 @@
                 <a:tc hMerge="1">
                   <a:txBody>
                     <a:bodyPr/>
+                    <a:lstStyle/>
                     <a:p>
                       <a:pPr latinLnBrk="1">
                         <a:defRPr/>
@@ -6197,11 +6244,12 @@
                       <a:endParaRPr lang="ko-KR" altLang="en-US"/>
                     </a:p>
                   </a:txBody>
-                  <a:tcPr marL="91440" marR="91440"/>
+                  <a:tcPr/>
                 </a:tc>
                 <a:tc hMerge="1">
                   <a:txBody>
                     <a:bodyPr/>
+                    <a:lstStyle/>
                     <a:p>
                       <a:pPr latinLnBrk="1">
                         <a:defRPr/>
@@ -6209,13 +6257,19 @@
                       <a:endParaRPr lang="ko-KR" altLang="en-US"/>
                     </a:p>
                   </a:txBody>
-                  <a:tcPr marL="91440" marR="91440"/>
-                </a:tc>
+                  <a:tcPr/>
+                </a:tc>
+                <a:extLst>
+                  <a:ext uri="{0D108BD9-81ED-4DB2-BD59-A6C34878D82A}">
+                    <a16:rowId xmlns:a16="http://schemas.microsoft.com/office/drawing/2014/main" val="10006"/>
+                  </a:ext>
+                </a:extLst>
               </a:tr>
               <a:tr h="440331">
                 <a:tc gridSpan="2">
                   <a:txBody>
-                    <a:bodyPr vert="horz" lIns="46713" tIns="12915" rIns="46713" bIns="12915" anchor="ctr" anchorCtr="0"/>
+                    <a:bodyPr/>
+                    <a:lstStyle/>
                     <a:p>
                       <a:pPr marL="0" marR="0" indent="0" algn="ctr" latinLnBrk="0">
                         <a:lnSpc>
@@ -6233,7 +6287,6 @@
                         <a:rPr lang="ko-KR" altLang="en-US" sz="1200"/>
                         <a:t>황영선</a:t>
                       </a:r>
-                      <a:endParaRPr lang="ko-KR" altLang="en-US" sz="1200"/>
                     </a:p>
                   </a:txBody>
                   <a:tcPr marL="46713" marR="46713" marT="12915" marB="12915" anchor="ctr">
@@ -6278,6 +6331,7 @@
                 <a:tc hMerge="1">
                   <a:txBody>
                     <a:bodyPr/>
+                    <a:lstStyle/>
                     <a:p>
                       <a:pPr latinLnBrk="1">
                         <a:defRPr/>
@@ -6285,11 +6339,12 @@
                       <a:endParaRPr lang="ko-KR" altLang="en-US"/>
                     </a:p>
                   </a:txBody>
-                  <a:tcPr marL="91440" marR="91440"/>
+                  <a:tcPr/>
                 </a:tc>
                 <a:tc>
                   <a:txBody>
-                    <a:bodyPr vert="horz" lIns="46713" tIns="12915" rIns="46713" bIns="12915" anchor="ctr" anchorCtr="0"/>
+                    <a:bodyPr/>
+                    <a:lstStyle/>
                     <a:p>
                       <a:pPr marL="0" marR="0" indent="0" algn="ctr" latinLnBrk="0">
                         <a:lnSpc>
@@ -6307,7 +6362,6 @@
                         <a:rPr lang="en-US" altLang="ko-KR" sz="1200"/>
                         <a:t>010-6695-1079</a:t>
                       </a:r>
-                      <a:endParaRPr lang="en-US" altLang="ko-KR" sz="1200"/>
                     </a:p>
                   </a:txBody>
                   <a:tcPr marL="46713" marR="46713" marT="12915" marB="12915" anchor="ctr">
@@ -6351,7 +6405,8 @@
                 </a:tc>
                 <a:tc>
                   <a:txBody>
-                    <a:bodyPr vert="horz" lIns="46713" tIns="12915" rIns="46713" bIns="12915" anchor="ctr" anchorCtr="0"/>
+                    <a:bodyPr/>
+                    <a:lstStyle/>
                     <a:p>
                       <a:pPr latinLnBrk="1">
                         <a:defRPr/>
@@ -6360,7 +6415,6 @@
                         <a:rPr lang="en-US" altLang="ko-KR" sz="1200"/>
                         <a:t>us1079@naver.com</a:t>
                       </a:r>
-                      <a:endParaRPr lang="en-US" altLang="ko-KR" sz="1200"/>
                     </a:p>
                   </a:txBody>
                   <a:tcPr marL="46713" marR="46713" marT="12915" marB="12915" anchor="ctr">
@@ -6404,7 +6458,8 @@
                 </a:tc>
                 <a:tc gridSpan="2">
                   <a:txBody>
-                    <a:bodyPr vert="horz" lIns="46713" tIns="12915" rIns="46713" bIns="12915" anchor="ctr" anchorCtr="0"/>
+                    <a:bodyPr/>
+                    <a:lstStyle/>
                     <a:p>
                       <a:pPr algn="ctr" latinLnBrk="1">
                         <a:defRPr/>
@@ -6454,6 +6509,7 @@
                 <a:tc hMerge="1">
                   <a:txBody>
                     <a:bodyPr/>
+                    <a:lstStyle/>
                     <a:p>
                       <a:pPr marL="0" marR="0" indent="0" algn="ctr" latinLnBrk="0">
                         <a:lnSpc>
@@ -6517,7 +6573,8 @@
                 </a:tc>
                 <a:tc gridSpan="3">
                   <a:txBody>
-                    <a:bodyPr vert="horz" lIns="46713" tIns="12915" rIns="46713" bIns="12915" anchor="ctr" anchorCtr="0"/>
+                    <a:bodyPr/>
+                    <a:lstStyle/>
                     <a:p>
                       <a:pPr latinLnBrk="1">
                         <a:defRPr/>
@@ -6534,7 +6591,6 @@
                         <a:rPr lang="ko-KR" altLang="en-US" sz="1200"/>
                         <a:t> 게시판</a:t>
                       </a:r>
-                      <a:endParaRPr lang="ko-KR" altLang="en-US" sz="1200"/>
                     </a:p>
                   </a:txBody>
                   <a:tcPr marL="46713" marR="46713" marT="12915" marB="12915" anchor="ctr">
@@ -6579,6 +6635,7 @@
                 <a:tc hMerge="1">
                   <a:txBody>
                     <a:bodyPr/>
+                    <a:lstStyle/>
                     <a:p>
                       <a:pPr latinLnBrk="1">
                         <a:defRPr/>
@@ -6586,11 +6643,12 @@
                       <a:endParaRPr lang="ko-KR" altLang="en-US"/>
                     </a:p>
                   </a:txBody>
-                  <a:tcPr marL="91440" marR="91440"/>
+                  <a:tcPr/>
                 </a:tc>
                 <a:tc hMerge="1">
                   <a:txBody>
                     <a:bodyPr/>
+                    <a:lstStyle/>
                     <a:p>
                       <a:pPr latinLnBrk="1">
                         <a:defRPr/>
@@ -6598,13 +6656,19 @@
                       <a:endParaRPr lang="ko-KR" altLang="en-US"/>
                     </a:p>
                   </a:txBody>
-                  <a:tcPr marL="91440" marR="91440"/>
-                </a:tc>
+                  <a:tcPr/>
+                </a:tc>
+                <a:extLst>
+                  <a:ext uri="{0D108BD9-81ED-4DB2-BD59-A6C34878D82A}">
+                    <a16:rowId xmlns:a16="http://schemas.microsoft.com/office/drawing/2014/main" val="10007"/>
+                  </a:ext>
+                </a:extLst>
               </a:tr>
               <a:tr h="440331">
                 <a:tc gridSpan="2">
                   <a:txBody>
-                    <a:bodyPr vert="horz" lIns="46713" tIns="12915" rIns="46713" bIns="12915" anchor="ctr" anchorCtr="0"/>
+                    <a:bodyPr/>
+                    <a:lstStyle/>
                     <a:p>
                       <a:pPr marL="0" marR="0" indent="0" algn="ctr" latinLnBrk="0">
                         <a:lnSpc>
@@ -6622,7 +6686,6 @@
                         <a:rPr lang="ko-KR" altLang="en-US" sz="1200"/>
                         <a:t>정민석</a:t>
                       </a:r>
-                      <a:endParaRPr lang="ko-KR" altLang="en-US" sz="1200"/>
                     </a:p>
                   </a:txBody>
                   <a:tcPr marL="46713" marR="46713" marT="12915" marB="12915" anchor="ctr">
@@ -6667,6 +6730,7 @@
                 <a:tc hMerge="1">
                   <a:txBody>
                     <a:bodyPr/>
+                    <a:lstStyle/>
                     <a:p>
                       <a:pPr latinLnBrk="1">
                         <a:defRPr/>
@@ -6674,11 +6738,12 @@
                       <a:endParaRPr lang="ko-KR" altLang="en-US"/>
                     </a:p>
                   </a:txBody>
-                  <a:tcPr marL="91440" marR="91440"/>
+                  <a:tcPr/>
                 </a:tc>
                 <a:tc>
                   <a:txBody>
-                    <a:bodyPr vert="horz" lIns="46713" tIns="12915" rIns="46713" bIns="12915" anchor="ctr" anchorCtr="0"/>
+                    <a:bodyPr/>
+                    <a:lstStyle/>
                     <a:p>
                       <a:pPr marL="0" marR="0" indent="0" algn="ctr" latinLnBrk="0">
                         <a:lnSpc>
@@ -6696,7 +6761,6 @@
                         <a:rPr lang="en-US" altLang="ko-KR" sz="1200"/>
                         <a:t>010-2078-7190</a:t>
                       </a:r>
-                      <a:endParaRPr lang="en-US" altLang="ko-KR" sz="1200"/>
                     </a:p>
                   </a:txBody>
                   <a:tcPr marL="46713" marR="46713" marT="12915" marB="12915" anchor="ctr">
@@ -6740,7 +6804,8 @@
                 </a:tc>
                 <a:tc>
                   <a:txBody>
-                    <a:bodyPr vert="horz" lIns="46713" tIns="12915" rIns="46713" bIns="12915" anchor="ctr" anchorCtr="0"/>
+                    <a:bodyPr/>
+                    <a:lstStyle/>
                     <a:p>
                       <a:pPr latinLnBrk="1">
                         <a:defRPr/>
@@ -6749,7 +6814,6 @@
                         <a:rPr lang="en-US" altLang="ko-KR" sz="1200"/>
                         <a:t>alstjr5858@naver.com</a:t>
                       </a:r>
-                      <a:endParaRPr lang="en-US" altLang="ko-KR" sz="1200"/>
                     </a:p>
                   </a:txBody>
                   <a:tcPr marL="46713" marR="46713" marT="12915" marB="12915" anchor="ctr">
@@ -6793,7 +6857,8 @@
                 </a:tc>
                 <a:tc gridSpan="2">
                   <a:txBody>
-                    <a:bodyPr vert="horz" lIns="46713" tIns="12915" rIns="46713" bIns="12915" anchor="ctr" anchorCtr="0"/>
+                    <a:bodyPr/>
+                    <a:lstStyle/>
                     <a:p>
                       <a:pPr algn="ctr" latinLnBrk="1">
                         <a:defRPr/>
@@ -6843,6 +6908,7 @@
                 <a:tc hMerge="1">
                   <a:txBody>
                     <a:bodyPr/>
+                    <a:lstStyle/>
                     <a:p>
                       <a:pPr marL="0" marR="0" indent="0" algn="ctr" latinLnBrk="0">
                         <a:lnSpc>
@@ -6906,7 +6972,8 @@
                 </a:tc>
                 <a:tc gridSpan="3">
                   <a:txBody>
-                    <a:bodyPr vert="horz" lIns="46713" tIns="12915" rIns="46713" bIns="12915" anchor="ctr" anchorCtr="0"/>
+                    <a:bodyPr/>
+                    <a:lstStyle/>
                     <a:p>
                       <a:pPr latinLnBrk="1">
                         <a:defRPr/>
@@ -6915,7 +6982,6 @@
                         <a:rPr lang="ko-KR" altLang="en-US" sz="1200"/>
                         <a:t>게시판</a:t>
                       </a:r>
-                      <a:endParaRPr lang="ko-KR" altLang="en-US" sz="1200"/>
                     </a:p>
                   </a:txBody>
                   <a:tcPr marL="46713" marR="46713" marT="12915" marB="12915" anchor="ctr">
@@ -6960,6 +7026,7 @@
                 <a:tc hMerge="1">
                   <a:txBody>
                     <a:bodyPr/>
+                    <a:lstStyle/>
                     <a:p>
                       <a:pPr latinLnBrk="1">
                         <a:defRPr/>
@@ -6967,11 +7034,12 @@
                       <a:endParaRPr lang="ko-KR" altLang="en-US"/>
                     </a:p>
                   </a:txBody>
-                  <a:tcPr marL="91440" marR="91440"/>
+                  <a:tcPr/>
                 </a:tc>
                 <a:tc hMerge="1">
                   <a:txBody>
                     <a:bodyPr/>
+                    <a:lstStyle/>
                     <a:p>
                       <a:pPr latinLnBrk="1">
                         <a:defRPr/>
@@ -6979,13 +7047,19 @@
                       <a:endParaRPr lang="ko-KR" altLang="en-US"/>
                     </a:p>
                   </a:txBody>
-                  <a:tcPr marL="91440" marR="91440"/>
-                </a:tc>
+                  <a:tcPr/>
+                </a:tc>
+                <a:extLst>
+                  <a:ext uri="{0D108BD9-81ED-4DB2-BD59-A6C34878D82A}">
+                    <a16:rowId xmlns:a16="http://schemas.microsoft.com/office/drawing/2014/main" val="10008"/>
+                  </a:ext>
+                </a:extLst>
               </a:tr>
               <a:tr h="440331">
                 <a:tc gridSpan="2">
                   <a:txBody>
-                    <a:bodyPr vert="horz" lIns="46713" tIns="12915" rIns="46713" bIns="12915" anchor="ctr" anchorCtr="0"/>
+                    <a:bodyPr/>
+                    <a:lstStyle/>
                     <a:p>
                       <a:pPr marL="0" marR="0" indent="0" algn="ctr" latinLnBrk="0">
                         <a:lnSpc>
@@ -7003,7 +7077,6 @@
                         <a:rPr lang="ko-KR" altLang="en-US" sz="1200"/>
                         <a:t>권지현</a:t>
                       </a:r>
-                      <a:endParaRPr lang="ko-KR" altLang="en-US" sz="1200"/>
                     </a:p>
                   </a:txBody>
                   <a:tcPr marL="46713" marR="46713" marT="12915" marB="12915" anchor="ctr">
@@ -7048,6 +7121,7 @@
                 <a:tc hMerge="1">
                   <a:txBody>
                     <a:bodyPr/>
+                    <a:lstStyle/>
                     <a:p>
                       <a:pPr latinLnBrk="1">
                         <a:defRPr/>
@@ -7055,11 +7129,12 @@
                       <a:endParaRPr lang="ko-KR" altLang="en-US"/>
                     </a:p>
                   </a:txBody>
-                  <a:tcPr marL="91440" marR="91440"/>
+                  <a:tcPr/>
                 </a:tc>
                 <a:tc>
                   <a:txBody>
-                    <a:bodyPr vert="horz" lIns="46713" tIns="12915" rIns="46713" bIns="12915" anchor="ctr" anchorCtr="0"/>
+                    <a:bodyPr/>
+                    <a:lstStyle/>
                     <a:p>
                       <a:pPr marL="0" marR="0" indent="0" algn="ctr" latinLnBrk="0">
                         <a:lnSpc>
@@ -7077,7 +7152,6 @@
                         <a:rPr lang="en-US" altLang="ko-KR" sz="1200"/>
                         <a:t>010-8984-7604</a:t>
                       </a:r>
-                      <a:endParaRPr lang="en-US" altLang="ko-KR" sz="1200"/>
                     </a:p>
                   </a:txBody>
                   <a:tcPr marL="46713" marR="46713" marT="12915" marB="12915" anchor="ctr">
@@ -7121,7 +7195,8 @@
                 </a:tc>
                 <a:tc>
                   <a:txBody>
-                    <a:bodyPr vert="horz" lIns="46713" tIns="12915" rIns="46713" bIns="12915" anchor="ctr" anchorCtr="0"/>
+                    <a:bodyPr/>
+                    <a:lstStyle/>
                     <a:p>
                       <a:pPr latinLnBrk="1">
                         <a:defRPr/>
@@ -7130,7 +7205,6 @@
                         <a:rPr lang="en-US" altLang="ko-KR" sz="1200"/>
                         <a:t>jihyunkwon0326@gmail.com</a:t>
                       </a:r>
-                      <a:endParaRPr lang="en-US" altLang="ko-KR" sz="1200"/>
                     </a:p>
                   </a:txBody>
                   <a:tcPr marL="46713" marR="46713" marT="12915" marB="12915" anchor="ctr">
@@ -7174,7 +7248,8 @@
                 </a:tc>
                 <a:tc gridSpan="2">
                   <a:txBody>
-                    <a:bodyPr vert="horz" lIns="46713" tIns="12915" rIns="46713" bIns="12915" anchor="ctr" anchorCtr="0"/>
+                    <a:bodyPr/>
+                    <a:lstStyle/>
                     <a:p>
                       <a:pPr algn="ctr" latinLnBrk="1">
                         <a:defRPr/>
@@ -7224,6 +7299,7 @@
                 <a:tc hMerge="1">
                   <a:txBody>
                     <a:bodyPr/>
+                    <a:lstStyle/>
                     <a:p>
                       <a:pPr marL="0" marR="0" indent="0" algn="ctr" latinLnBrk="0">
                         <a:lnSpc>
@@ -7287,7 +7363,8 @@
                 </a:tc>
                 <a:tc gridSpan="3">
                   <a:txBody>
-                    <a:bodyPr vert="horz" lIns="46713" tIns="12915" rIns="46713" bIns="12915" anchor="ctr" anchorCtr="0"/>
+                    <a:bodyPr/>
+                    <a:lstStyle/>
                     <a:p>
                       <a:pPr latinLnBrk="1">
                         <a:defRPr/>
@@ -7341,6 +7418,7 @@
                 <a:tc hMerge="1">
                   <a:txBody>
                     <a:bodyPr/>
+                    <a:lstStyle/>
                     <a:p>
                       <a:pPr latinLnBrk="1">
                         <a:defRPr/>
@@ -7348,11 +7426,12 @@
                       <a:endParaRPr lang="ko-KR" altLang="en-US"/>
                     </a:p>
                   </a:txBody>
-                  <a:tcPr marL="91440" marR="91440"/>
+                  <a:tcPr/>
                 </a:tc>
                 <a:tc hMerge="1">
                   <a:txBody>
                     <a:bodyPr/>
+                    <a:lstStyle/>
                     <a:p>
                       <a:pPr latinLnBrk="1">
                         <a:defRPr/>
@@ -7360,13 +7439,19 @@
                       <a:endParaRPr lang="ko-KR" altLang="en-US"/>
                     </a:p>
                   </a:txBody>
-                  <a:tcPr marL="91440" marR="91440"/>
-                </a:tc>
+                  <a:tcPr/>
+                </a:tc>
+                <a:extLst>
+                  <a:ext uri="{0D108BD9-81ED-4DB2-BD59-A6C34878D82A}">
+                    <a16:rowId xmlns:a16="http://schemas.microsoft.com/office/drawing/2014/main" val="10009"/>
+                  </a:ext>
+                </a:extLst>
               </a:tr>
               <a:tr h="440331">
                 <a:tc gridSpan="2">
                   <a:txBody>
-                    <a:bodyPr vert="horz" lIns="46713" tIns="12915" rIns="46713" bIns="12915" anchor="ctr" anchorCtr="0"/>
+                    <a:bodyPr/>
+                    <a:lstStyle/>
                     <a:p>
                       <a:pPr marL="0" marR="0" indent="0" algn="ctr" latinLnBrk="0">
                         <a:lnSpc>
@@ -7384,7 +7469,6 @@
                         <a:rPr lang="ko-KR" altLang="en-US" sz="1200"/>
                         <a:t>고훈</a:t>
                       </a:r>
-                      <a:endParaRPr lang="ko-KR" altLang="en-US" sz="1200"/>
                     </a:p>
                   </a:txBody>
                   <a:tcPr marL="46713" marR="46713" marT="12915" marB="12915" anchor="ctr">
@@ -7429,6 +7513,7 @@
                 <a:tc hMerge="1">
                   <a:txBody>
                     <a:bodyPr/>
+                    <a:lstStyle/>
                     <a:p>
                       <a:pPr latinLnBrk="1">
                         <a:defRPr/>
@@ -7436,11 +7521,12 @@
                       <a:endParaRPr lang="ko-KR" altLang="en-US"/>
                     </a:p>
                   </a:txBody>
-                  <a:tcPr marL="91440" marR="91440"/>
+                  <a:tcPr/>
                 </a:tc>
                 <a:tc>
                   <a:txBody>
-                    <a:bodyPr vert="horz" lIns="46713" tIns="12915" rIns="46713" bIns="12915" anchor="ctr" anchorCtr="0"/>
+                    <a:bodyPr/>
+                    <a:lstStyle/>
                     <a:p>
                       <a:pPr marL="0" marR="0" indent="0" algn="ctr" latinLnBrk="0">
                         <a:lnSpc>
@@ -7458,7 +7544,6 @@
                         <a:rPr lang="en-US" altLang="ko-KR" sz="1200"/>
                         <a:t>010-2640-1718</a:t>
                       </a:r>
-                      <a:endParaRPr lang="en-US" altLang="ko-KR" sz="1200"/>
                     </a:p>
                   </a:txBody>
                   <a:tcPr marL="46713" marR="46713" marT="12915" marB="12915" anchor="ctr">
@@ -7502,7 +7587,8 @@
                 </a:tc>
                 <a:tc>
                   <a:txBody>
-                    <a:bodyPr vert="horz" lIns="46713" tIns="12915" rIns="46713" bIns="12915" anchor="ctr" anchorCtr="0"/>
+                    <a:bodyPr/>
+                    <a:lstStyle/>
                     <a:p>
                       <a:pPr latinLnBrk="1">
                         <a:defRPr/>
@@ -7511,7 +7597,6 @@
                         <a:rPr lang="en-US" altLang="ko-KR" sz="1200"/>
                         <a:t>briankh1221@gmail.com</a:t>
                       </a:r>
-                      <a:endParaRPr lang="en-US" altLang="ko-KR" sz="1200"/>
                     </a:p>
                   </a:txBody>
                   <a:tcPr marL="46713" marR="46713" marT="12915" marB="12915" anchor="ctr">
@@ -7555,7 +7640,8 @@
                 </a:tc>
                 <a:tc gridSpan="2">
                   <a:txBody>
-                    <a:bodyPr vert="horz" lIns="46713" tIns="12915" rIns="46713" bIns="12915" anchor="ctr" anchorCtr="0"/>
+                    <a:bodyPr/>
+                    <a:lstStyle/>
                     <a:p>
                       <a:pPr algn="ctr" latinLnBrk="1">
                         <a:defRPr/>
@@ -7605,6 +7691,7 @@
                 <a:tc hMerge="1">
                   <a:txBody>
                     <a:bodyPr/>
+                    <a:lstStyle/>
                     <a:p>
                       <a:pPr marL="0" marR="0" indent="0" algn="ctr" latinLnBrk="0">
                         <a:lnSpc>
@@ -7668,7 +7755,8 @@
                 </a:tc>
                 <a:tc gridSpan="3">
                   <a:txBody>
-                    <a:bodyPr vert="horz" lIns="46713" tIns="12915" rIns="46713" bIns="12915" anchor="ctr" anchorCtr="0"/>
+                    <a:bodyPr/>
+                    <a:lstStyle/>
                     <a:p>
                       <a:pPr latinLnBrk="1">
                         <a:defRPr/>
@@ -7677,7 +7765,6 @@
                         <a:rPr lang="ko-KR" altLang="en-US" sz="1200"/>
                         <a:t>게시판</a:t>
                       </a:r>
-                      <a:endParaRPr lang="ko-KR" altLang="en-US" sz="1200"/>
                     </a:p>
                   </a:txBody>
                   <a:tcPr marL="46713" marR="46713" marT="12915" marB="12915" anchor="ctr">
@@ -7722,6 +7809,7 @@
                 <a:tc hMerge="1">
                   <a:txBody>
                     <a:bodyPr/>
+                    <a:lstStyle/>
                     <a:p>
                       <a:pPr latinLnBrk="1">
                         <a:defRPr/>
@@ -7729,11 +7817,12 @@
                       <a:endParaRPr lang="ko-KR" altLang="en-US"/>
                     </a:p>
                   </a:txBody>
-                  <a:tcPr marL="91440" marR="91440"/>
+                  <a:tcPr/>
                 </a:tc>
                 <a:tc hMerge="1">
                   <a:txBody>
                     <a:bodyPr/>
+                    <a:lstStyle/>
                     <a:p>
                       <a:pPr latinLnBrk="1">
                         <a:defRPr/>
@@ -7741,8 +7830,13 @@
                       <a:endParaRPr lang="ko-KR" altLang="en-US"/>
                     </a:p>
                   </a:txBody>
-                  <a:tcPr marL="91440" marR="91440"/>
-                </a:tc>
+                  <a:tcPr/>
+                </a:tc>
+                <a:extLst>
+                  <a:ext uri="{0D108BD9-81ED-4DB2-BD59-A6C34878D82A}">
+                    <a16:rowId xmlns:a16="http://schemas.microsoft.com/office/drawing/2014/main" val="10010"/>
+                  </a:ext>
+                </a:extLst>
               </a:tr>
             </a:tbl>
           </a:graphicData>
@@ -7826,7 +7920,6 @@
               <a:rPr lang="en-US" altLang="ko-KR"/>
               <a:t>/30</a:t>
             </a:r>
-            <a:endParaRPr lang="en-US" altLang="ko-KR"/>
           </a:p>
         </p:txBody>
       </p:sp>
@@ -7835,11 +7928,11 @@
   <p:clrMapOvr>
     <a:masterClrMapping/>
   </p:clrMapOvr>
-  <mc:AlternateContent xmlns:mc="http://schemas.openxmlformats.org/markup-compatibility/2006">
-    <mc:Choice xmlns:p14="http://schemas.microsoft.com/office/powerpoint/2010/main" Requires="p14">
-      <p:transition xmlns:mc="http://schemas.openxmlformats.org/markup-compatibility/2006" xmlns:p14="http://schemas.microsoft.com/office/powerpoint/2010/main" mc:Ignorable="p14" p14:dur="500"/>
+  <mc:AlternateContent xmlns:mc="http://schemas.openxmlformats.org/markup-compatibility/2006" xmlns:p14="http://schemas.microsoft.com/office/powerpoint/2010/main">
+    <mc:Choice Requires="p14">
+      <p:transition/>
     </mc:Choice>
-    <mc:Fallback>
+    <mc:Fallback xmlns="" xmlns:c="http://schemas.openxmlformats.org/drawingml/2006/chart" xmlns:dgm="http://schemas.openxmlformats.org/drawingml/2006/diagram" xmlns:dsp="http://schemas.microsoft.com/office/drawing/2008/diagram">
       <p:transition/>
     </mc:Fallback>
   </mc:AlternateContent>
@@ -7847,7 +7940,7 @@
 </file>
 
 <file path=ppt/slides/slide2.xml><?xml version="1.0" encoding="utf-8"?>
-<p:sld xmlns:r="http://schemas.openxmlformats.org/officeDocument/2006/relationships" xmlns:c="http://schemas.openxmlformats.org/drawingml/2006/chart" xmlns:a="http://schemas.openxmlformats.org/drawingml/2006/main" xmlns:dgm="http://schemas.openxmlformats.org/drawingml/2006/diagram" xmlns:dsp="http://schemas.microsoft.com/office/drawing/2008/diagram" xmlns:p="http://schemas.openxmlformats.org/presentationml/2006/main">
+<p:sld xmlns:a="http://schemas.openxmlformats.org/drawingml/2006/main" xmlns:r="http://schemas.openxmlformats.org/officeDocument/2006/relationships" xmlns:p="http://schemas.openxmlformats.org/presentationml/2006/main">
   <p:cSld>
     <p:spTree>
       <p:nvGrpSpPr>
@@ -7922,29 +8015,95 @@
         </p:nvGraphicFramePr>
         <p:xfrm>
           <a:off x="1558926" y="804534"/>
-          <a:ext cx="9074131" cy="5627669"/>
+          <a:ext cx="9074131" cy="5630129"/>
         </p:xfrm>
         <a:graphic>
           <a:graphicData uri="http://schemas.openxmlformats.org/drawingml/2006/table">
             <a:tbl>
               <a:tblPr firstRow="1" bandRow="1"/>
               <a:tblGrid>
-                <a:gridCol w="1399661"/>
-                <a:gridCol w="1329500"/>
-                <a:gridCol w="652773"/>
-                <a:gridCol w="706755"/>
-                <a:gridCol w="716280"/>
-                <a:gridCol w="711527"/>
-                <a:gridCol w="711527"/>
-                <a:gridCol w="711527"/>
-                <a:gridCol w="711527"/>
-                <a:gridCol w="711527"/>
-                <a:gridCol w="711527"/>
+                <a:gridCol w="1399661">
+                  <a:extLst>
+                    <a:ext uri="{9D8B030D-6E8A-4147-A177-3AD203B41FA5}">
+                      <a16:colId xmlns:a16="http://schemas.microsoft.com/office/drawing/2014/main" val="20000"/>
+                    </a:ext>
+                  </a:extLst>
+                </a:gridCol>
+                <a:gridCol w="1329500">
+                  <a:extLst>
+                    <a:ext uri="{9D8B030D-6E8A-4147-A177-3AD203B41FA5}">
+                      <a16:colId xmlns:a16="http://schemas.microsoft.com/office/drawing/2014/main" val="20001"/>
+                    </a:ext>
+                  </a:extLst>
+                </a:gridCol>
+                <a:gridCol w="652773">
+                  <a:extLst>
+                    <a:ext uri="{9D8B030D-6E8A-4147-A177-3AD203B41FA5}">
+                      <a16:colId xmlns:a16="http://schemas.microsoft.com/office/drawing/2014/main" val="20002"/>
+                    </a:ext>
+                  </a:extLst>
+                </a:gridCol>
+                <a:gridCol w="706755">
+                  <a:extLst>
+                    <a:ext uri="{9D8B030D-6E8A-4147-A177-3AD203B41FA5}">
+                      <a16:colId xmlns:a16="http://schemas.microsoft.com/office/drawing/2014/main" val="20003"/>
+                    </a:ext>
+                  </a:extLst>
+                </a:gridCol>
+                <a:gridCol w="716280">
+                  <a:extLst>
+                    <a:ext uri="{9D8B030D-6E8A-4147-A177-3AD203B41FA5}">
+                      <a16:colId xmlns:a16="http://schemas.microsoft.com/office/drawing/2014/main" val="20004"/>
+                    </a:ext>
+                  </a:extLst>
+                </a:gridCol>
+                <a:gridCol w="711527">
+                  <a:extLst>
+                    <a:ext uri="{9D8B030D-6E8A-4147-A177-3AD203B41FA5}">
+                      <a16:colId xmlns:a16="http://schemas.microsoft.com/office/drawing/2014/main" val="20005"/>
+                    </a:ext>
+                  </a:extLst>
+                </a:gridCol>
+                <a:gridCol w="711527">
+                  <a:extLst>
+                    <a:ext uri="{9D8B030D-6E8A-4147-A177-3AD203B41FA5}">
+                      <a16:colId xmlns:a16="http://schemas.microsoft.com/office/drawing/2014/main" val="20006"/>
+                    </a:ext>
+                  </a:extLst>
+                </a:gridCol>
+                <a:gridCol w="711527">
+                  <a:extLst>
+                    <a:ext uri="{9D8B030D-6E8A-4147-A177-3AD203B41FA5}">
+                      <a16:colId xmlns:a16="http://schemas.microsoft.com/office/drawing/2014/main" val="20007"/>
+                    </a:ext>
+                  </a:extLst>
+                </a:gridCol>
+                <a:gridCol w="711527">
+                  <a:extLst>
+                    <a:ext uri="{9D8B030D-6E8A-4147-A177-3AD203B41FA5}">
+                      <a16:colId xmlns:a16="http://schemas.microsoft.com/office/drawing/2014/main" val="20008"/>
+                    </a:ext>
+                  </a:extLst>
+                </a:gridCol>
+                <a:gridCol w="711527">
+                  <a:extLst>
+                    <a:ext uri="{9D8B030D-6E8A-4147-A177-3AD203B41FA5}">
+                      <a16:colId xmlns:a16="http://schemas.microsoft.com/office/drawing/2014/main" val="20009"/>
+                    </a:ext>
+                  </a:extLst>
+                </a:gridCol>
+                <a:gridCol w="711527">
+                  <a:extLst>
+                    <a:ext uri="{9D8B030D-6E8A-4147-A177-3AD203B41FA5}">
+                      <a16:colId xmlns:a16="http://schemas.microsoft.com/office/drawing/2014/main" val="20010"/>
+                    </a:ext>
+                  </a:extLst>
+                </a:gridCol>
               </a:tblGrid>
               <a:tr h="378546">
                 <a:tc>
                   <a:txBody>
-                    <a:bodyPr vert="horz" lIns="91440" tIns="45720" rIns="91440" bIns="45720" anchor="ctr" anchorCtr="0"/>
+                    <a:bodyPr/>
                     <a:lstStyle>
                       <a:lvl1pPr marL="0" algn="l" defTabSz="914400" rtl="0" eaLnBrk="1" latinLnBrk="1" hangingPunct="1">
                         <a:defRPr sz="1800" b="1" kern="1200">
@@ -8026,19 +8185,14 @@
                       <a:r>
                         <a:rPr lang="ko-KR" altLang="en-US" sz="1200">
                           <a:solidFill>
-                            <a:srgbClr val="000f2f"/>
+                            <a:srgbClr val="000F2F"/>
                           </a:solidFill>
                         </a:rPr>
                         <a:t>구분</a:t>
                       </a:r>
-                      <a:endParaRPr lang="ko-KR" altLang="en-US" sz="1200">
-                        <a:solidFill>
-                          <a:srgbClr val="000f2f"/>
-                        </a:solidFill>
-                      </a:endParaRPr>
-                    </a:p>
-                  </a:txBody>
-                  <a:tcPr marL="91440" marR="91440" anchor="ctr">
+                    </a:p>
+                  </a:txBody>
+                  <a:tcPr anchor="ctr">
                     <a:lnL w="12700" cap="flat" cmpd="sng" algn="ctr">
                       <a:solidFill>
                         <a:sysClr val="windowText" lastClr="000000"/>
@@ -8092,7 +8246,7 @@
                 </a:tc>
                 <a:tc gridSpan="10">
                   <a:txBody>
-                    <a:bodyPr vert="horz" lIns="91440" tIns="45720" rIns="91440" bIns="45720" anchor="ctr" anchorCtr="0"/>
+                    <a:bodyPr/>
                     <a:lstStyle>
                       <a:lvl1pPr marL="0" algn="l" defTabSz="914400" rtl="0" eaLnBrk="1" latinLnBrk="1" hangingPunct="1">
                         <a:defRPr sz="1800" b="1" kern="1200">
@@ -8174,19 +8328,14 @@
                       <a:r>
                         <a:rPr lang="ko-KR" altLang="en-US" sz="1200">
                           <a:solidFill>
-                            <a:srgbClr val="000f2f"/>
+                            <a:srgbClr val="000F2F"/>
                           </a:solidFill>
                         </a:rPr>
                         <a:t>주요내용</a:t>
                       </a:r>
-                      <a:endParaRPr lang="ko-KR" altLang="en-US" sz="1200">
-                        <a:solidFill>
-                          <a:srgbClr val="000f2f"/>
-                        </a:solidFill>
-                      </a:endParaRPr>
-                    </a:p>
-                  </a:txBody>
-                  <a:tcPr marL="91440" marR="91440" anchor="ctr">
+                    </a:p>
+                  </a:txBody>
+                  <a:tcPr anchor="ctr">
                     <a:lnL w="12700" cap="flat" cmpd="sng" algn="ctr">
                       <a:solidFill>
                         <a:sysClr val="windowText" lastClr="000000"/>
@@ -8241,6 +8390,7 @@
                 <a:tc hMerge="1">
                   <a:txBody>
                     <a:bodyPr/>
+                    <a:lstStyle/>
                     <a:p>
                       <a:pPr latinLnBrk="1">
                         <a:defRPr/>
@@ -8248,11 +8398,12 @@
                       <a:endParaRPr lang="ko-KR" altLang="en-US"/>
                     </a:p>
                   </a:txBody>
-                  <a:tcPr marL="91440" marR="91440"/>
+                  <a:tcPr/>
                 </a:tc>
                 <a:tc hMerge="1">
                   <a:txBody>
                     <a:bodyPr/>
+                    <a:lstStyle/>
                     <a:p>
                       <a:pPr latinLnBrk="1">
                         <a:defRPr/>
@@ -8260,11 +8411,12 @@
                       <a:endParaRPr lang="ko-KR" altLang="en-US"/>
                     </a:p>
                   </a:txBody>
-                  <a:tcPr marL="91440" marR="91440"/>
+                  <a:tcPr/>
                 </a:tc>
                 <a:tc hMerge="1">
                   <a:txBody>
                     <a:bodyPr/>
+                    <a:lstStyle/>
                     <a:p>
                       <a:pPr latinLnBrk="1">
                         <a:defRPr/>
@@ -8272,11 +8424,12 @@
                       <a:endParaRPr lang="ko-KR" altLang="en-US"/>
                     </a:p>
                   </a:txBody>
-                  <a:tcPr marL="91440" marR="91440"/>
+                  <a:tcPr/>
                 </a:tc>
                 <a:tc hMerge="1">
                   <a:txBody>
                     <a:bodyPr/>
+                    <a:lstStyle/>
                     <a:p>
                       <a:pPr latinLnBrk="1">
                         <a:defRPr/>
@@ -8284,11 +8437,12 @@
                       <a:endParaRPr lang="ko-KR" altLang="en-US"/>
                     </a:p>
                   </a:txBody>
-                  <a:tcPr marL="91440" marR="91440"/>
+                  <a:tcPr/>
                 </a:tc>
                 <a:tc hMerge="1">
                   <a:txBody>
                     <a:bodyPr/>
+                    <a:lstStyle/>
                     <a:p>
                       <a:pPr latinLnBrk="1">
                         <a:defRPr/>
@@ -8296,11 +8450,12 @@
                       <a:endParaRPr lang="ko-KR" altLang="en-US"/>
                     </a:p>
                   </a:txBody>
-                  <a:tcPr marL="91440" marR="91440"/>
+                  <a:tcPr/>
                 </a:tc>
                 <a:tc hMerge="1">
                   <a:txBody>
                     <a:bodyPr/>
+                    <a:lstStyle/>
                     <a:p>
                       <a:pPr latinLnBrk="1">
                         <a:defRPr/>
@@ -8308,11 +8463,12 @@
                       <a:endParaRPr lang="ko-KR" altLang="en-US"/>
                     </a:p>
                   </a:txBody>
-                  <a:tcPr marL="91440" marR="91440"/>
+                  <a:tcPr/>
                 </a:tc>
                 <a:tc hMerge="1">
                   <a:txBody>
                     <a:bodyPr/>
+                    <a:lstStyle/>
                     <a:p>
                       <a:pPr latinLnBrk="1">
                         <a:defRPr/>
@@ -8320,11 +8476,12 @@
                       <a:endParaRPr lang="ko-KR" altLang="en-US"/>
                     </a:p>
                   </a:txBody>
-                  <a:tcPr marL="91440" marR="91440"/>
+                  <a:tcPr/>
                 </a:tc>
                 <a:tc hMerge="1">
                   <a:txBody>
                     <a:bodyPr/>
+                    <a:lstStyle/>
                     <a:p>
                       <a:pPr latinLnBrk="1">
                         <a:defRPr/>
@@ -8332,11 +8489,12 @@
                       <a:endParaRPr lang="ko-KR" altLang="en-US"/>
                     </a:p>
                   </a:txBody>
-                  <a:tcPr marL="91440" marR="91440"/>
+                  <a:tcPr/>
                 </a:tc>
                 <a:tc hMerge="1">
                   <a:txBody>
                     <a:bodyPr/>
+                    <a:lstStyle/>
                     <a:p>
                       <a:pPr latinLnBrk="1">
                         <a:defRPr/>
@@ -8344,13 +8502,18 @@
                       <a:endParaRPr lang="ko-KR" altLang="en-US"/>
                     </a:p>
                   </a:txBody>
-                  <a:tcPr marL="91440" marR="91440"/>
-                </a:tc>
+                  <a:tcPr/>
+                </a:tc>
+                <a:extLst>
+                  <a:ext uri="{0D108BD9-81ED-4DB2-BD59-A6C34878D82A}">
+                    <a16:rowId xmlns:a16="http://schemas.microsoft.com/office/drawing/2014/main" val="10000"/>
+                  </a:ext>
+                </a:extLst>
               </a:tr>
               <a:tr h="951006">
                 <a:tc>
                   <a:txBody>
-                    <a:bodyPr vert="horz" lIns="91440" tIns="45720" rIns="91440" bIns="45720" anchor="ctr" anchorCtr="0"/>
+                    <a:bodyPr/>
                     <a:lstStyle>
                       <a:lvl1pPr marL="0" algn="l" defTabSz="914400" rtl="0" eaLnBrk="1" latinLnBrk="1" hangingPunct="1">
                         <a:defRPr sz="1800" kern="1200">
@@ -8440,14 +8603,6 @@
                         </a:rPr>
                         <a:t>프로젝트 산출물 </a:t>
                       </a:r>
-                      <a:endParaRPr lang="ko-KR" altLang="en-US" sz="1200" b="1" kern="0" spc="-60">
-                        <a:solidFill>
-                          <a:srgbClr val="000000"/>
-                        </a:solidFill>
-                        <a:effectLst/>
-                        <a:latin typeface="휴먼명조"/>
-                        <a:ea typeface="휴먼명조"/>
-                      </a:endParaRPr>
                     </a:p>
                     <a:p>
                       <a:pPr algn="ctr" latinLnBrk="1">
@@ -8466,12 +8621,12 @@
                       </a:r>
                       <a:endParaRPr lang="ko-KR" altLang="en-US" sz="1200" b="1">
                         <a:solidFill>
-                          <a:srgbClr val="000f2f"/>
+                          <a:srgbClr val="000F2F"/>
                         </a:solidFill>
                       </a:endParaRPr>
                     </a:p>
                   </a:txBody>
-                  <a:tcPr marL="91440" marR="91440" anchor="ctr">
+                  <a:tcPr anchor="ctr">
                     <a:lnL w="12700" cap="flat" cmpd="sng" algn="ctr">
                       <a:solidFill>
                         <a:sysClr val="windowText" lastClr="000000"/>
@@ -8521,7 +8676,7 @@
                 </a:tc>
                 <a:tc gridSpan="10">
                   <a:txBody>
-                    <a:bodyPr vert="horz" lIns="91440" tIns="45720" rIns="91440" bIns="45720" anchor="ctr" anchorCtr="0"/>
+                    <a:bodyPr/>
                     <a:lstStyle>
                       <a:lvl1pPr marL="0" algn="l" defTabSz="914400" rtl="0" eaLnBrk="1" latinLnBrk="1" hangingPunct="1">
                         <a:defRPr sz="1800" kern="1200">
@@ -8603,7 +8758,7 @@
                       <a:r>
                         <a:rPr lang="ko-KR" altLang="en-US" sz="1200">
                           <a:solidFill>
-                            <a:srgbClr val="000f2f"/>
+                            <a:srgbClr val="000F2F"/>
                           </a:solidFill>
                         </a:rPr>
                         <a:t>요구사항정의서</a:t>
@@ -8611,7 +8766,7 @@
                       <a:r>
                         <a:rPr lang="en-US" altLang="ko-KR" sz="1200">
                           <a:solidFill>
-                            <a:srgbClr val="000f2f"/>
+                            <a:srgbClr val="000F2F"/>
                           </a:solidFill>
                         </a:rPr>
                         <a:t>, </a:t>
@@ -8619,7 +8774,7 @@
                       <a:r>
                         <a:rPr lang="ko-KR" altLang="en-US" sz="1200">
                           <a:solidFill>
-                            <a:srgbClr val="000f2f"/>
+                            <a:srgbClr val="000F2F"/>
                           </a:solidFill>
                         </a:rPr>
                         <a:t>화면정의서</a:t>
@@ -8627,7 +8782,7 @@
                       <a:r>
                         <a:rPr lang="en-US" altLang="ko-KR" sz="1200">
                           <a:solidFill>
-                            <a:srgbClr val="000f2f"/>
+                            <a:srgbClr val="000F2F"/>
                           </a:solidFill>
                         </a:rPr>
                         <a:t>, WBS, ERD, </a:t>
@@ -8635,7 +8790,7 @@
                       <a:r>
                         <a:rPr lang="ko-KR" altLang="en-US" sz="1200">
                           <a:solidFill>
-                            <a:srgbClr val="000f2f"/>
+                            <a:srgbClr val="000F2F"/>
                           </a:solidFill>
                         </a:rPr>
                         <a:t>테스트 시나리오</a:t>
@@ -8643,7 +8798,7 @@
                       <a:r>
                         <a:rPr lang="en-US" altLang="ko-KR" sz="1200">
                           <a:solidFill>
-                            <a:srgbClr val="000f2f"/>
+                            <a:srgbClr val="000F2F"/>
                           </a:solidFill>
                         </a:rPr>
                         <a:t>, </a:t>
@@ -8651,7 +8806,7 @@
                       <a:r>
                         <a:rPr lang="ko-KR" altLang="en-US" sz="1200">
                           <a:solidFill>
-                            <a:srgbClr val="000f2f"/>
+                            <a:srgbClr val="000F2F"/>
                           </a:solidFill>
                         </a:rPr>
                         <a:t>소프트웨어 구성도</a:t>
@@ -8659,7 +8814,7 @@
                       <a:r>
                         <a:rPr lang="en-US" altLang="ko-KR" sz="1200">
                           <a:solidFill>
-                            <a:srgbClr val="000f2f"/>
+                            <a:srgbClr val="000F2F"/>
                           </a:solidFill>
                         </a:rPr>
                         <a:t>, </a:t>
@@ -8667,7 +8822,7 @@
                       <a:r>
                         <a:rPr lang="ko-KR" altLang="en-US" sz="1200">
                           <a:solidFill>
-                            <a:srgbClr val="000f2f"/>
+                            <a:srgbClr val="000F2F"/>
                           </a:solidFill>
                         </a:rPr>
                         <a:t>시스템 구성도</a:t>
@@ -8675,7 +8830,7 @@
                       <a:r>
                         <a:rPr lang="en-US" altLang="ko-KR" sz="1200">
                           <a:solidFill>
-                            <a:srgbClr val="000f2f"/>
+                            <a:srgbClr val="000F2F"/>
                           </a:solidFill>
                         </a:rPr>
                         <a:t>, </a:t>
@@ -8683,7 +8838,7 @@
                       <a:r>
                         <a:rPr lang="ko-KR" altLang="en-US" sz="1200">
                           <a:solidFill>
-                            <a:srgbClr val="000f2f"/>
+                            <a:srgbClr val="000F2F"/>
                           </a:solidFill>
                         </a:rPr>
                         <a:t>테스트 시나리오</a:t>
@@ -8691,7 +8846,7 @@
                       <a:r>
                         <a:rPr lang="en-US" altLang="ko-KR" sz="1200">
                           <a:solidFill>
-                            <a:srgbClr val="000f2f"/>
+                            <a:srgbClr val="000F2F"/>
                           </a:solidFill>
                         </a:rPr>
                         <a:t>, </a:t>
@@ -8699,7 +8854,7 @@
                       <a:r>
                         <a:rPr lang="ko-KR" altLang="en-US" sz="1200">
                           <a:solidFill>
-                            <a:srgbClr val="000f2f"/>
+                            <a:srgbClr val="000F2F"/>
                           </a:solidFill>
                         </a:rPr>
                         <a:t>사용자</a:t>
@@ -8707,7 +8862,7 @@
                       <a:r>
                         <a:rPr lang="en-US" altLang="ko-KR" sz="1200">
                           <a:solidFill>
-                            <a:srgbClr val="000f2f"/>
+                            <a:srgbClr val="000F2F"/>
                           </a:solidFill>
                         </a:rPr>
                         <a:t>·</a:t>
@@ -8715,19 +8870,14 @@
                       <a:r>
                         <a:rPr lang="ko-KR" altLang="en-US" sz="1200">
                           <a:solidFill>
-                            <a:srgbClr val="000f2f"/>
+                            <a:srgbClr val="000F2F"/>
                           </a:solidFill>
                         </a:rPr>
                         <a:t>운영자 매뉴얼</a:t>
                       </a:r>
-                      <a:endParaRPr lang="ko-KR" altLang="en-US" sz="1200">
-                        <a:solidFill>
-                          <a:srgbClr val="000f2f"/>
-                        </a:solidFill>
-                      </a:endParaRPr>
-                    </a:p>
-                  </a:txBody>
-                  <a:tcPr marL="91440" marR="91440" anchor="ctr">
+                    </a:p>
+                  </a:txBody>
+                  <a:tcPr anchor="ctr">
                     <a:lnL w="12700" cap="flat" cmpd="sng" algn="ctr">
                       <a:solidFill>
                         <a:sysClr val="windowText" lastClr="000000"/>
@@ -8778,6 +8928,7 @@
                 <a:tc hMerge="1">
                   <a:txBody>
                     <a:bodyPr/>
+                    <a:lstStyle/>
                     <a:p>
                       <a:pPr latinLnBrk="1">
                         <a:defRPr/>
@@ -8785,11 +8936,12 @@
                       <a:endParaRPr lang="ko-KR" altLang="en-US"/>
                     </a:p>
                   </a:txBody>
-                  <a:tcPr marL="91440" marR="91440"/>
+                  <a:tcPr/>
                 </a:tc>
                 <a:tc hMerge="1">
                   <a:txBody>
                     <a:bodyPr/>
+                    <a:lstStyle/>
                     <a:p>
                       <a:pPr latinLnBrk="1">
                         <a:defRPr/>
@@ -8797,11 +8949,12 @@
                       <a:endParaRPr lang="ko-KR" altLang="en-US"/>
                     </a:p>
                   </a:txBody>
-                  <a:tcPr marL="91440" marR="91440"/>
+                  <a:tcPr/>
                 </a:tc>
                 <a:tc hMerge="1">
                   <a:txBody>
                     <a:bodyPr/>
+                    <a:lstStyle/>
                     <a:p>
                       <a:pPr latinLnBrk="1">
                         <a:defRPr/>
@@ -8809,11 +8962,12 @@
                       <a:endParaRPr lang="ko-KR" altLang="en-US"/>
                     </a:p>
                   </a:txBody>
-                  <a:tcPr marL="91440" marR="91440"/>
+                  <a:tcPr/>
                 </a:tc>
                 <a:tc hMerge="1">
                   <a:txBody>
                     <a:bodyPr/>
+                    <a:lstStyle/>
                     <a:p>
                       <a:pPr latinLnBrk="1">
                         <a:defRPr/>
@@ -8821,11 +8975,12 @@
                       <a:endParaRPr lang="ko-KR" altLang="en-US"/>
                     </a:p>
                   </a:txBody>
-                  <a:tcPr marL="91440" marR="91440"/>
+                  <a:tcPr/>
                 </a:tc>
                 <a:tc hMerge="1">
                   <a:txBody>
                     <a:bodyPr/>
+                    <a:lstStyle/>
                     <a:p>
                       <a:pPr latinLnBrk="1">
                         <a:defRPr/>
@@ -8833,11 +8988,12 @@
                       <a:endParaRPr lang="ko-KR" altLang="en-US"/>
                     </a:p>
                   </a:txBody>
-                  <a:tcPr marL="91440" marR="91440"/>
+                  <a:tcPr/>
                 </a:tc>
                 <a:tc hMerge="1">
                   <a:txBody>
                     <a:bodyPr/>
+                    <a:lstStyle/>
                     <a:p>
                       <a:pPr latinLnBrk="1">
                         <a:defRPr/>
@@ -8845,11 +9001,12 @@
                       <a:endParaRPr lang="ko-KR" altLang="en-US"/>
                     </a:p>
                   </a:txBody>
-                  <a:tcPr marL="91440" marR="91440"/>
+                  <a:tcPr/>
                 </a:tc>
                 <a:tc hMerge="1">
                   <a:txBody>
                     <a:bodyPr/>
+                    <a:lstStyle/>
                     <a:p>
                       <a:pPr latinLnBrk="1">
                         <a:defRPr/>
@@ -8857,11 +9014,12 @@
                       <a:endParaRPr lang="ko-KR" altLang="en-US"/>
                     </a:p>
                   </a:txBody>
-                  <a:tcPr marL="91440" marR="91440"/>
+                  <a:tcPr/>
                 </a:tc>
                 <a:tc hMerge="1">
                   <a:txBody>
                     <a:bodyPr/>
+                    <a:lstStyle/>
                     <a:p>
                       <a:pPr latinLnBrk="1">
                         <a:defRPr/>
@@ -8869,11 +9027,12 @@
                       <a:endParaRPr lang="ko-KR" altLang="en-US"/>
                     </a:p>
                   </a:txBody>
-                  <a:tcPr marL="91440" marR="91440"/>
+                  <a:tcPr/>
                 </a:tc>
                 <a:tc hMerge="1">
                   <a:txBody>
                     <a:bodyPr/>
+                    <a:lstStyle/>
                     <a:p>
                       <a:pPr latinLnBrk="1">
                         <a:defRPr/>
@@ -8881,13 +9040,18 @@
                       <a:endParaRPr lang="ko-KR" altLang="en-US"/>
                     </a:p>
                   </a:txBody>
-                  <a:tcPr marL="91440" marR="91440"/>
-                </a:tc>
+                  <a:tcPr/>
+                </a:tc>
+                <a:extLst>
+                  <a:ext uri="{0D108BD9-81ED-4DB2-BD59-A6C34878D82A}">
+                    <a16:rowId xmlns:a16="http://schemas.microsoft.com/office/drawing/2014/main" val="10001"/>
+                  </a:ext>
+                </a:extLst>
               </a:tr>
               <a:tr h="257850">
                 <a:tc rowSpan="9">
                   <a:txBody>
-                    <a:bodyPr vert="horz" lIns="91440" tIns="45720" rIns="91440" bIns="45720" anchor="ctr" anchorCtr="0"/>
+                    <a:bodyPr/>
                     <a:lstStyle>
                       <a:lvl1pPr marL="0" algn="l" defTabSz="914400" rtl="0" eaLnBrk="1" latinLnBrk="1" hangingPunct="1">
                         <a:defRPr sz="1800" kern="1200">
@@ -8979,12 +9143,12 @@
                       </a:r>
                       <a:endParaRPr lang="ko-KR" altLang="en-US" sz="1200" b="1">
                         <a:solidFill>
-                          <a:srgbClr val="000f2f"/>
+                          <a:srgbClr val="000F2F"/>
                         </a:solidFill>
                       </a:endParaRPr>
                     </a:p>
                   </a:txBody>
-                  <a:tcPr marL="91440" marR="91440" anchor="ctr">
+                  <a:tcPr anchor="ctr">
                     <a:lnL w="12700" cap="flat" cmpd="sng" algn="ctr">
                       <a:solidFill>
                         <a:sysClr val="windowText" lastClr="000000"/>
@@ -9034,7 +9198,7 @@
                 </a:tc>
                 <a:tc rowSpan="2" gridSpan="2">
                   <a:txBody>
-                    <a:bodyPr vert="horz" lIns="91440" tIns="45720" rIns="91440" bIns="45720" anchor="ctr" anchorCtr="0"/>
+                    <a:bodyPr/>
                     <a:lstStyle>
                       <a:lvl1pPr marL="0" algn="l" defTabSz="914400" rtl="0" eaLnBrk="1" latinLnBrk="1" hangingPunct="1">
                         <a:defRPr sz="1800" kern="1200">
@@ -9116,19 +9280,14 @@
                       <a:r>
                         <a:rPr lang="ko-KR" altLang="en-US" sz="1100" b="1">
                           <a:solidFill>
-                            <a:srgbClr val="000f2f"/>
+                            <a:srgbClr val="000F2F"/>
                           </a:solidFill>
                         </a:rPr>
                         <a:t>수행절차</a:t>
                       </a:r>
-                      <a:endParaRPr lang="ko-KR" altLang="en-US" sz="1100" b="1">
-                        <a:solidFill>
-                          <a:srgbClr val="000f2f"/>
-                        </a:solidFill>
-                      </a:endParaRPr>
-                    </a:p>
-                  </a:txBody>
-                  <a:tcPr marL="91440" marR="91440" anchor="ctr">
+                    </a:p>
+                  </a:txBody>
+                  <a:tcPr anchor="ctr">
                     <a:lnL w="12700" cap="flat" cmpd="sng" algn="ctr">
                       <a:solidFill>
                         <a:sysClr val="windowText" lastClr="000000"/>
@@ -9189,6 +9348,7 @@
                 <a:tc rowSpan="2" hMerge="1">
                   <a:txBody>
                     <a:bodyPr/>
+                    <a:lstStyle/>
                     <a:p>
                       <a:pPr latinLnBrk="1">
                         <a:defRPr/>
@@ -9196,11 +9356,12 @@
                       <a:endParaRPr lang="ko-KR" altLang="en-US"/>
                     </a:p>
                   </a:txBody>
-                  <a:tcPr marL="91440" marR="91440"/>
+                  <a:tcPr/>
                 </a:tc>
                 <a:tc gridSpan="8">
                   <a:txBody>
-                    <a:bodyPr vert="horz" lIns="91440" tIns="45720" rIns="91440" bIns="45720" anchor="ctr" anchorCtr="0"/>
+                    <a:bodyPr/>
+                    <a:lstStyle/>
                     <a:p>
                       <a:pPr algn="ctr" latinLnBrk="1">
                         <a:defRPr/>
@@ -9208,19 +9369,14 @@
                       <a:r>
                         <a:rPr lang="ko-KR" altLang="en-US" sz="1100" b="1">
                           <a:solidFill>
-                            <a:srgbClr val="000f2f"/>
+                            <a:srgbClr val="000F2F"/>
                           </a:solidFill>
                         </a:rPr>
                         <a:t>일정</a:t>
                       </a:r>
-                      <a:endParaRPr lang="ko-KR" altLang="en-US" sz="1100" b="1">
-                        <a:solidFill>
-                          <a:srgbClr val="000f2f"/>
-                        </a:solidFill>
-                      </a:endParaRPr>
-                    </a:p>
-                  </a:txBody>
-                  <a:tcPr marL="91440" marR="91440" anchor="ctr">
+                    </a:p>
+                  </a:txBody>
+                  <a:tcPr anchor="ctr">
                     <a:lnL w="6350" cap="flat" cmpd="sng" algn="ctr">
                       <a:solidFill>
                         <a:schemeClr val="tx1">
@@ -9281,6 +9437,7 @@
                 <a:tc hMerge="1">
                   <a:txBody>
                     <a:bodyPr/>
+                    <a:lstStyle/>
                     <a:p>
                       <a:pPr latinLnBrk="1">
                         <a:defRPr/>
@@ -9288,11 +9445,12 @@
                       <a:endParaRPr lang="ko-KR" altLang="en-US"/>
                     </a:p>
                   </a:txBody>
-                  <a:tcPr marL="91440" marR="91440"/>
+                  <a:tcPr/>
                 </a:tc>
                 <a:tc hMerge="1">
                   <a:txBody>
                     <a:bodyPr/>
+                    <a:lstStyle/>
                     <a:p>
                       <a:pPr latinLnBrk="1">
                         <a:defRPr/>
@@ -9300,11 +9458,12 @@
                       <a:endParaRPr lang="ko-KR" altLang="en-US"/>
                     </a:p>
                   </a:txBody>
-                  <a:tcPr marL="91440" marR="91440"/>
+                  <a:tcPr/>
                 </a:tc>
                 <a:tc hMerge="1">
                   <a:txBody>
                     <a:bodyPr/>
+                    <a:lstStyle/>
                     <a:p>
                       <a:pPr latinLnBrk="1">
                         <a:defRPr/>
@@ -9312,11 +9471,12 @@
                       <a:endParaRPr lang="ko-KR" altLang="en-US"/>
                     </a:p>
                   </a:txBody>
-                  <a:tcPr marL="91440" marR="91440"/>
+                  <a:tcPr/>
                 </a:tc>
                 <a:tc hMerge="1">
                   <a:txBody>
                     <a:bodyPr/>
+                    <a:lstStyle/>
                     <a:p>
                       <a:pPr latinLnBrk="1">
                         <a:defRPr/>
@@ -9324,11 +9484,12 @@
                       <a:endParaRPr lang="ko-KR" altLang="en-US"/>
                     </a:p>
                   </a:txBody>
-                  <a:tcPr marL="91440" marR="91440"/>
+                  <a:tcPr/>
                 </a:tc>
                 <a:tc hMerge="1">
                   <a:txBody>
                     <a:bodyPr/>
+                    <a:lstStyle/>
                     <a:p>
                       <a:pPr latinLnBrk="1">
                         <a:defRPr/>
@@ -9336,11 +9497,12 @@
                       <a:endParaRPr lang="ko-KR" altLang="en-US"/>
                     </a:p>
                   </a:txBody>
-                  <a:tcPr marL="91440" marR="91440"/>
+                  <a:tcPr/>
                 </a:tc>
                 <a:tc hMerge="1">
                   <a:txBody>
                     <a:bodyPr/>
+                    <a:lstStyle/>
                     <a:p>
                       <a:pPr latinLnBrk="1">
                         <a:defRPr/>
@@ -9348,11 +9510,12 @@
                       <a:endParaRPr lang="ko-KR" altLang="en-US"/>
                     </a:p>
                   </a:txBody>
-                  <a:tcPr marL="91440" marR="91440"/>
+                  <a:tcPr/>
                 </a:tc>
                 <a:tc hMerge="1">
                   <a:txBody>
                     <a:bodyPr/>
+                    <a:lstStyle/>
                     <a:p>
                       <a:pPr latinLnBrk="1">
                         <a:defRPr/>
@@ -9360,13 +9523,19 @@
                       <a:endParaRPr lang="ko-KR" altLang="en-US"/>
                     </a:p>
                   </a:txBody>
-                  <a:tcPr marL="91440" marR="91440"/>
-                </a:tc>
+                  <a:tcPr/>
+                </a:tc>
+                <a:extLst>
+                  <a:ext uri="{0D108BD9-81ED-4DB2-BD59-A6C34878D82A}">
+                    <a16:rowId xmlns:a16="http://schemas.microsoft.com/office/drawing/2014/main" val="10002"/>
+                  </a:ext>
+                </a:extLst>
               </a:tr>
               <a:tr h="257850">
                 <a:tc vMerge="1">
                   <a:txBody>
                     <a:bodyPr/>
+                    <a:lstStyle/>
                     <a:p>
                       <a:pPr latinLnBrk="1">
                         <a:defRPr/>
@@ -9374,11 +9543,12 @@
                       <a:endParaRPr lang="ko-KR" altLang="en-US"/>
                     </a:p>
                   </a:txBody>
-                  <a:tcPr marL="91440" marR="91440"/>
+                  <a:tcPr/>
                 </a:tc>
                 <a:tc gridSpan="2" vMerge="1">
                   <a:txBody>
                     <a:bodyPr/>
+                    <a:lstStyle/>
                     <a:p>
                       <a:pPr latinLnBrk="1">
                         <a:defRPr/>
@@ -9386,11 +9556,12 @@
                       <a:endParaRPr lang="ko-KR" altLang="en-US"/>
                     </a:p>
                   </a:txBody>
-                  <a:tcPr marL="91440" marR="91440"/>
+                  <a:tcPr/>
                 </a:tc>
                 <a:tc hMerge="1" vMerge="1">
                   <a:txBody>
                     <a:bodyPr/>
+                    <a:lstStyle/>
                     <a:p>
                       <a:pPr latinLnBrk="1">
                         <a:defRPr/>
@@ -9398,11 +9569,12 @@
                       <a:endParaRPr lang="ko-KR" altLang="en-US"/>
                     </a:p>
                   </a:txBody>
-                  <a:tcPr marL="91440" marR="91440"/>
+                  <a:tcPr/>
                 </a:tc>
                 <a:tc>
                   <a:txBody>
-                    <a:bodyPr vert="horz" lIns="91440" tIns="45720" rIns="91440" bIns="45720" anchor="ctr" anchorCtr="0"/>
+                    <a:bodyPr/>
+                    <a:lstStyle/>
                     <a:p>
                       <a:pPr algn="ctr" latinLnBrk="1">
                         <a:defRPr/>
@@ -9410,19 +9582,14 @@
                       <a:r>
                         <a:rPr lang="en-US" altLang="ko-KR" sz="1100" b="1">
                           <a:solidFill>
-                            <a:srgbClr val="000f2f"/>
+                            <a:srgbClr val="000F2F"/>
                           </a:solidFill>
                         </a:rPr>
                         <a:t>9/21</a:t>
                       </a:r>
-                      <a:endParaRPr lang="en-US" altLang="ko-KR" sz="1100" b="1">
-                        <a:solidFill>
-                          <a:srgbClr val="000f2f"/>
-                        </a:solidFill>
-                      </a:endParaRPr>
-                    </a:p>
-                  </a:txBody>
-                  <a:tcPr marL="91440" marR="91440" anchor="ctr">
+                    </a:p>
+                  </a:txBody>
+                  <a:tcPr anchor="ctr">
                     <a:lnL w="6350" cap="flat" cmpd="sng" algn="ctr">
                       <a:solidFill>
                         <a:schemeClr val="tx1">
@@ -9484,7 +9651,8 @@
                 </a:tc>
                 <a:tc>
                   <a:txBody>
-                    <a:bodyPr vert="horz" lIns="91440" tIns="45720" rIns="91440" bIns="45720" anchor="ctr" anchorCtr="0"/>
+                    <a:bodyPr/>
+                    <a:lstStyle/>
                     <a:p>
                       <a:pPr algn="ctr" latinLnBrk="1">
                         <a:defRPr/>
@@ -9492,19 +9660,14 @@
                       <a:r>
                         <a:rPr lang="en-US" altLang="ko-KR" sz="1100" b="1">
                           <a:solidFill>
-                            <a:srgbClr val="000f2f"/>
+                            <a:srgbClr val="000F2F"/>
                           </a:solidFill>
                         </a:rPr>
                         <a:t>9/22</a:t>
                       </a:r>
-                      <a:endParaRPr lang="en-US" altLang="ko-KR" sz="1100" b="1">
-                        <a:solidFill>
-                          <a:srgbClr val="000f2f"/>
-                        </a:solidFill>
-                      </a:endParaRPr>
-                    </a:p>
-                  </a:txBody>
-                  <a:tcPr marL="91440" marR="91440" anchor="ctr">
+                    </a:p>
+                  </a:txBody>
+                  <a:tcPr anchor="ctr">
                     <a:lnL w="6350" cap="flat" cmpd="sng" algn="ctr">
                       <a:solidFill>
                         <a:schemeClr val="tx1">
@@ -9566,7 +9729,8 @@
                 </a:tc>
                 <a:tc>
                   <a:txBody>
-                    <a:bodyPr vert="horz" lIns="91440" tIns="45720" rIns="91440" bIns="45720" anchor="ctr" anchorCtr="0"/>
+                    <a:bodyPr/>
+                    <a:lstStyle/>
                     <a:p>
                       <a:pPr algn="ctr" latinLnBrk="1">
                         <a:defRPr/>
@@ -9574,19 +9738,19 @@
                       <a:r>
                         <a:rPr lang="en-US" altLang="ko-KR" sz="1100" b="1">
                           <a:solidFill>
-                            <a:srgbClr val="000f2f"/>
+                            <a:srgbClr val="000F2F"/>
                           </a:solidFill>
                         </a:rPr>
                         <a:t>3/08</a:t>
                       </a:r>
                       <a:endParaRPr lang="ko-KR" altLang="en-US" sz="1100" b="1">
                         <a:solidFill>
-                          <a:srgbClr val="000f2f"/>
+                          <a:srgbClr val="000F2F"/>
                         </a:solidFill>
                       </a:endParaRPr>
                     </a:p>
                   </a:txBody>
-                  <a:tcPr marL="91440" marR="91440" anchor="ctr">
+                  <a:tcPr anchor="ctr">
                     <a:lnL w="6350" cap="flat" cmpd="sng" algn="ctr">
                       <a:solidFill>
                         <a:schemeClr val="tx1">
@@ -9648,7 +9812,8 @@
                 </a:tc>
                 <a:tc>
                   <a:txBody>
-                    <a:bodyPr vert="horz" lIns="91440" tIns="45720" rIns="91440" bIns="45720" anchor="ctr" anchorCtr="0"/>
+                    <a:bodyPr/>
+                    <a:lstStyle/>
                     <a:p>
                       <a:pPr algn="ctr" latinLnBrk="1">
                         <a:defRPr/>
@@ -9656,19 +9821,19 @@
                       <a:r>
                         <a:rPr lang="en-US" altLang="ko-KR" sz="1100" b="1">
                           <a:solidFill>
-                            <a:srgbClr val="000f2f"/>
+                            <a:srgbClr val="000F2F"/>
                           </a:solidFill>
                         </a:rPr>
                         <a:t>3/09</a:t>
                       </a:r>
                       <a:endParaRPr lang="ko-KR" altLang="en-US" sz="1100" b="1">
                         <a:solidFill>
-                          <a:srgbClr val="000f2f"/>
+                          <a:srgbClr val="000F2F"/>
                         </a:solidFill>
                       </a:endParaRPr>
                     </a:p>
                   </a:txBody>
-                  <a:tcPr marL="91440" marR="91440" anchor="ctr">
+                  <a:tcPr anchor="ctr">
                     <a:lnL w="6350" cap="flat" cmpd="sng" algn="ctr">
                       <a:solidFill>
                         <a:schemeClr val="tx1">
@@ -9730,7 +9895,8 @@
                 </a:tc>
                 <a:tc>
                   <a:txBody>
-                    <a:bodyPr vert="horz" lIns="91440" tIns="45720" rIns="91440" bIns="45720" anchor="ctr" anchorCtr="0"/>
+                    <a:bodyPr/>
+                    <a:lstStyle/>
                     <a:p>
                       <a:pPr algn="ctr" latinLnBrk="1">
                         <a:defRPr/>
@@ -9738,19 +9904,19 @@
                       <a:r>
                         <a:rPr lang="en-US" altLang="ko-KR" sz="1100" b="1">
                           <a:solidFill>
-                            <a:srgbClr val="000f2f"/>
+                            <a:srgbClr val="000F2F"/>
                           </a:solidFill>
                         </a:rPr>
                         <a:t>3/10</a:t>
                       </a:r>
                       <a:endParaRPr lang="ko-KR" altLang="en-US" sz="1100" b="1">
                         <a:solidFill>
-                          <a:srgbClr val="000f2f"/>
+                          <a:srgbClr val="000F2F"/>
                         </a:solidFill>
                       </a:endParaRPr>
                     </a:p>
                   </a:txBody>
-                  <a:tcPr marL="91440" marR="91440" anchor="ctr">
+                  <a:tcPr anchor="ctr">
                     <a:lnL w="6350" cap="flat" cmpd="sng" algn="ctr">
                       <a:solidFill>
                         <a:schemeClr val="tx1">
@@ -9812,19 +9978,20 @@
                 </a:tc>
                 <a:tc>
                   <a:txBody>
-                    <a:bodyPr vert="horz" lIns="91440" tIns="45720" rIns="91440" bIns="45720" anchor="ctr" anchorCtr="0"/>
+                    <a:bodyPr/>
+                    <a:lstStyle/>
                     <a:p>
                       <a:pPr algn="ctr" latinLnBrk="1">
                         <a:defRPr/>
                       </a:pPr>
                       <a:endParaRPr lang="ko-KR" altLang="en-US" sz="1100" b="1">
                         <a:solidFill>
-                          <a:srgbClr val="000f2f"/>
+                          <a:srgbClr val="000F2F"/>
                         </a:solidFill>
                       </a:endParaRPr>
                     </a:p>
                   </a:txBody>
-                  <a:tcPr marL="91440" marR="91440" anchor="ctr">
+                  <a:tcPr anchor="ctr">
                     <a:lnL w="6350" cap="flat" cmpd="sng" algn="ctr">
                       <a:solidFill>
                         <a:schemeClr val="tx1">
@@ -9886,19 +10053,20 @@
                 </a:tc>
                 <a:tc>
                   <a:txBody>
-                    <a:bodyPr vert="horz" lIns="91440" tIns="45720" rIns="91440" bIns="45720" anchor="ctr" anchorCtr="0"/>
+                    <a:bodyPr/>
+                    <a:lstStyle/>
                     <a:p>
                       <a:pPr algn="ctr" latinLnBrk="1">
                         <a:defRPr/>
                       </a:pPr>
                       <a:endParaRPr lang="ko-KR" altLang="en-US" sz="1100" b="1">
                         <a:solidFill>
-                          <a:srgbClr val="000f2f"/>
+                          <a:srgbClr val="000F2F"/>
                         </a:solidFill>
                       </a:endParaRPr>
                     </a:p>
                   </a:txBody>
-                  <a:tcPr marL="91440" marR="91440" anchor="ctr">
+                  <a:tcPr anchor="ctr">
                     <a:lnL w="6350" cap="flat" cmpd="sng" algn="ctr">
                       <a:solidFill>
                         <a:schemeClr val="tx1">
@@ -9960,19 +10128,20 @@
                 </a:tc>
                 <a:tc>
                   <a:txBody>
-                    <a:bodyPr vert="horz" lIns="91440" tIns="45720" rIns="91440" bIns="45720" anchor="ctr" anchorCtr="0"/>
+                    <a:bodyPr/>
+                    <a:lstStyle/>
                     <a:p>
                       <a:pPr algn="ctr" latinLnBrk="1">
                         <a:defRPr/>
                       </a:pPr>
                       <a:endParaRPr lang="ko-KR" altLang="en-US" sz="1100" b="1">
                         <a:solidFill>
-                          <a:srgbClr val="000f2f"/>
+                          <a:srgbClr val="000F2F"/>
                         </a:solidFill>
                       </a:endParaRPr>
                     </a:p>
                   </a:txBody>
-                  <a:tcPr marL="91440" marR="91440" anchor="ctr">
+                  <a:tcPr anchor="ctr">
                     <a:lnL w="6350" cap="flat" cmpd="sng" algn="ctr">
                       <a:solidFill>
                         <a:schemeClr val="tx1">
@@ -10029,11 +10198,17 @@
                     <a:noFill/>
                   </a:tcPr>
                 </a:tc>
+                <a:extLst>
+                  <a:ext uri="{0D108BD9-81ED-4DB2-BD59-A6C34878D82A}">
+                    <a16:rowId xmlns:a16="http://schemas.microsoft.com/office/drawing/2014/main" val="10003"/>
+                  </a:ext>
+                </a:extLst>
               </a:tr>
               <a:tr h="277637">
                 <a:tc vMerge="1">
                   <a:txBody>
                     <a:bodyPr/>
+                    <a:lstStyle/>
                     <a:p>
                       <a:pPr latinLnBrk="1">
                         <a:defRPr/>
@@ -10041,11 +10216,12 @@
                       <a:endParaRPr lang="ko-KR" altLang="en-US"/>
                     </a:p>
                   </a:txBody>
-                  <a:tcPr marL="91440" marR="91440"/>
+                  <a:tcPr/>
                 </a:tc>
                 <a:tc gridSpan="2">
                   <a:txBody>
-                    <a:bodyPr vert="horz" lIns="91440" tIns="45720" rIns="91440" bIns="45720" anchor="ctr" anchorCtr="0"/>
+                    <a:bodyPr/>
+                    <a:lstStyle/>
                     <a:p>
                       <a:pPr algn="ctr" latinLnBrk="1">
                         <a:defRPr/>
@@ -10053,7 +10229,7 @@
                       <a:r>
                         <a:rPr lang="en-US" altLang="ko-KR" sz="1100" b="1">
                           <a:solidFill>
-                            <a:srgbClr val="000f2f"/>
+                            <a:srgbClr val="000F2F"/>
                           </a:solidFill>
                         </a:rPr>
                         <a:t>CSR </a:t>
@@ -10061,19 +10237,14 @@
                       <a:r>
                         <a:rPr lang="ko-KR" altLang="en-US" sz="1100" b="1">
                           <a:solidFill>
-                            <a:srgbClr val="000f2f"/>
+                            <a:srgbClr val="000F2F"/>
                           </a:solidFill>
                         </a:rPr>
                         <a:t>및 기능 명세</a:t>
                       </a:r>
-                      <a:endParaRPr lang="ko-KR" altLang="en-US" sz="1100" b="1">
-                        <a:solidFill>
-                          <a:srgbClr val="000f2f"/>
-                        </a:solidFill>
-                      </a:endParaRPr>
-                    </a:p>
-                  </a:txBody>
-                  <a:tcPr marL="91440" marR="91440" anchor="ctr">
+                    </a:p>
+                  </a:txBody>
+                  <a:tcPr anchor="ctr">
                     <a:lnL w="12700" cap="flat" cmpd="sng" algn="ctr">
                       <a:solidFill>
                         <a:sysClr val="windowText" lastClr="000000"/>
@@ -10133,6 +10304,7 @@
                 <a:tc hMerge="1">
                   <a:txBody>
                     <a:bodyPr/>
+                    <a:lstStyle/>
                     <a:p>
                       <a:pPr latinLnBrk="1">
                         <a:defRPr/>
@@ -10140,23 +10312,24 @@
                       <a:endParaRPr lang="ko-KR" altLang="en-US"/>
                     </a:p>
                   </a:txBody>
-                  <a:tcPr marL="91440" marR="91440"/>
+                  <a:tcPr/>
                 </a:tc>
                 <a:tc>
                   <a:txBody>
-                    <a:bodyPr vert="horz" lIns="91440" tIns="45720" rIns="91440" bIns="45720" anchor="ctr" anchorCtr="0"/>
+                    <a:bodyPr/>
+                    <a:lstStyle/>
                     <a:p>
                       <a:pPr algn="ctr" latinLnBrk="1">
                         <a:defRPr/>
                       </a:pPr>
                       <a:endParaRPr lang="ko-KR" altLang="en-US" sz="1100" b="1">
                         <a:solidFill>
-                          <a:srgbClr val="000f2f"/>
+                          <a:srgbClr val="000F2F"/>
                         </a:solidFill>
                       </a:endParaRPr>
                     </a:p>
                   </a:txBody>
-                  <a:tcPr marL="91440" marR="91440" anchor="ctr">
+                  <a:tcPr anchor="ctr">
                     <a:lnL w="6350" cap="flat" cmpd="sng" algn="ctr">
                       <a:solidFill>
                         <a:schemeClr val="tx1">
@@ -10223,19 +10396,20 @@
                 </a:tc>
                 <a:tc>
                   <a:txBody>
-                    <a:bodyPr vert="horz" lIns="91440" tIns="45720" rIns="91440" bIns="45720" anchor="ctr" anchorCtr="0"/>
+                    <a:bodyPr/>
+                    <a:lstStyle/>
                     <a:p>
                       <a:pPr algn="ctr" latinLnBrk="1">
                         <a:defRPr/>
                       </a:pPr>
                       <a:endParaRPr lang="ko-KR" altLang="en-US" sz="1100" b="1">
                         <a:solidFill>
-                          <a:srgbClr val="000f2f"/>
+                          <a:srgbClr val="000F2F"/>
                         </a:solidFill>
                       </a:endParaRPr>
                     </a:p>
                   </a:txBody>
-                  <a:tcPr marL="91440" marR="91440" anchor="ctr">
+                  <a:tcPr anchor="ctr">
                     <a:lnL w="6350" cap="flat" cmpd="sng" algn="ctr">
                       <a:solidFill>
                         <a:schemeClr val="tx1">
@@ -10297,19 +10471,20 @@
                 </a:tc>
                 <a:tc>
                   <a:txBody>
-                    <a:bodyPr vert="horz" lIns="91440" tIns="45720" rIns="91440" bIns="45720" anchor="ctr" anchorCtr="0"/>
+                    <a:bodyPr/>
+                    <a:lstStyle/>
                     <a:p>
                       <a:pPr algn="ctr" latinLnBrk="1">
                         <a:defRPr/>
                       </a:pPr>
                       <a:endParaRPr lang="ko-KR" altLang="en-US" sz="1100" b="1">
                         <a:solidFill>
-                          <a:srgbClr val="000f2f"/>
+                          <a:srgbClr val="000F2F"/>
                         </a:solidFill>
                       </a:endParaRPr>
                     </a:p>
                   </a:txBody>
-                  <a:tcPr marL="91440" marR="91440" anchor="ctr">
+                  <a:tcPr anchor="ctr">
                     <a:lnL w="6350" cap="flat" cmpd="sng" algn="ctr">
                       <a:solidFill>
                         <a:schemeClr val="tx1">
@@ -10371,19 +10546,20 @@
                 </a:tc>
                 <a:tc>
                   <a:txBody>
-                    <a:bodyPr vert="horz" lIns="91440" tIns="45720" rIns="91440" bIns="45720" anchor="ctr" anchorCtr="0"/>
+                    <a:bodyPr/>
+                    <a:lstStyle/>
                     <a:p>
                       <a:pPr algn="ctr" latinLnBrk="1">
                         <a:defRPr/>
                       </a:pPr>
                       <a:endParaRPr lang="ko-KR" altLang="en-US" sz="1100" b="1">
                         <a:solidFill>
-                          <a:srgbClr val="000f2f"/>
+                          <a:srgbClr val="000F2F"/>
                         </a:solidFill>
                       </a:endParaRPr>
                     </a:p>
                   </a:txBody>
-                  <a:tcPr marL="91440" marR="91440" anchor="ctr">
+                  <a:tcPr anchor="ctr">
                     <a:lnL w="6350" cap="flat" cmpd="sng" algn="ctr">
                       <a:solidFill>
                         <a:schemeClr val="tx1">
@@ -10445,19 +10621,20 @@
                 </a:tc>
                 <a:tc>
                   <a:txBody>
-                    <a:bodyPr vert="horz" lIns="91440" tIns="45720" rIns="91440" bIns="45720" anchor="ctr" anchorCtr="0"/>
+                    <a:bodyPr/>
+                    <a:lstStyle/>
                     <a:p>
                       <a:pPr algn="ctr" latinLnBrk="1">
                         <a:defRPr/>
                       </a:pPr>
                       <a:endParaRPr lang="ko-KR" altLang="en-US" sz="1100" b="1">
                         <a:solidFill>
-                          <a:srgbClr val="000f2f"/>
+                          <a:srgbClr val="000F2F"/>
                         </a:solidFill>
                       </a:endParaRPr>
                     </a:p>
                   </a:txBody>
-                  <a:tcPr marL="91440" marR="91440" anchor="ctr">
+                  <a:tcPr anchor="ctr">
                     <a:lnL w="6350" cap="flat" cmpd="sng" algn="ctr">
                       <a:solidFill>
                         <a:schemeClr val="tx1">
@@ -10519,19 +10696,20 @@
                 </a:tc>
                 <a:tc>
                   <a:txBody>
-                    <a:bodyPr vert="horz" lIns="91440" tIns="45720" rIns="91440" bIns="45720" anchor="ctr" anchorCtr="0"/>
+                    <a:bodyPr/>
+                    <a:lstStyle/>
                     <a:p>
                       <a:pPr algn="ctr" latinLnBrk="1">
                         <a:defRPr/>
                       </a:pPr>
                       <a:endParaRPr lang="ko-KR" altLang="en-US" sz="1100" b="1">
                         <a:solidFill>
-                          <a:srgbClr val="000f2f"/>
+                          <a:srgbClr val="000F2F"/>
                         </a:solidFill>
                       </a:endParaRPr>
                     </a:p>
                   </a:txBody>
-                  <a:tcPr marL="91440" marR="91440" anchor="ctr">
+                  <a:tcPr anchor="ctr">
                     <a:lnL w="6350" cap="flat" cmpd="sng" algn="ctr">
                       <a:solidFill>
                         <a:schemeClr val="tx1">
@@ -10593,19 +10771,20 @@
                 </a:tc>
                 <a:tc>
                   <a:txBody>
-                    <a:bodyPr vert="horz" lIns="91440" tIns="45720" rIns="91440" bIns="45720" anchor="ctr" anchorCtr="0"/>
+                    <a:bodyPr/>
+                    <a:lstStyle/>
                     <a:p>
                       <a:pPr algn="ctr" latinLnBrk="1">
                         <a:defRPr/>
                       </a:pPr>
                       <a:endParaRPr lang="ko-KR" altLang="en-US" sz="1100" b="1">
                         <a:solidFill>
-                          <a:srgbClr val="000f2f"/>
+                          <a:srgbClr val="000F2F"/>
                         </a:solidFill>
                       </a:endParaRPr>
                     </a:p>
                   </a:txBody>
-                  <a:tcPr marL="91440" marR="91440" anchor="ctr">
+                  <a:tcPr anchor="ctr">
                     <a:lnL w="6350" cap="flat" cmpd="sng" algn="ctr">
                       <a:solidFill>
                         <a:schemeClr val="tx1">
@@ -10667,19 +10846,20 @@
                 </a:tc>
                 <a:tc>
                   <a:txBody>
-                    <a:bodyPr vert="horz" lIns="91440" tIns="45720" rIns="91440" bIns="45720" anchor="ctr" anchorCtr="0"/>
+                    <a:bodyPr/>
+                    <a:lstStyle/>
                     <a:p>
                       <a:pPr algn="ctr" latinLnBrk="1">
                         <a:defRPr/>
                       </a:pPr>
                       <a:endParaRPr lang="ko-KR" altLang="en-US" sz="1100" b="1">
                         <a:solidFill>
-                          <a:srgbClr val="000f2f"/>
+                          <a:srgbClr val="000F2F"/>
                         </a:solidFill>
                       </a:endParaRPr>
                     </a:p>
                   </a:txBody>
-                  <a:tcPr marL="91440" marR="91440" anchor="ctr">
+                  <a:tcPr anchor="ctr">
                     <a:lnL w="6350" cap="flat" cmpd="sng" algn="ctr">
                       <a:solidFill>
                         <a:schemeClr val="tx1">
@@ -10736,11 +10916,17 @@
                     <a:noFill/>
                   </a:tcPr>
                 </a:tc>
+                <a:extLst>
+                  <a:ext uri="{0D108BD9-81ED-4DB2-BD59-A6C34878D82A}">
+                    <a16:rowId xmlns:a16="http://schemas.microsoft.com/office/drawing/2014/main" val="10004"/>
+                  </a:ext>
+                </a:extLst>
               </a:tr>
               <a:tr h="277637">
                 <a:tc vMerge="1">
                   <a:txBody>
                     <a:bodyPr/>
+                    <a:lstStyle/>
                     <a:p>
                       <a:pPr latinLnBrk="1">
                         <a:defRPr/>
@@ -10748,11 +10934,12 @@
                       <a:endParaRPr lang="ko-KR" altLang="en-US"/>
                     </a:p>
                   </a:txBody>
-                  <a:tcPr marL="91440" marR="91440"/>
+                  <a:tcPr/>
                 </a:tc>
                 <a:tc gridSpan="2">
                   <a:txBody>
-                    <a:bodyPr vert="horz" lIns="91440" tIns="45720" rIns="91440" bIns="45720" anchor="ctr" anchorCtr="0"/>
+                    <a:bodyPr/>
+                    <a:lstStyle/>
                     <a:p>
                       <a:pPr algn="ctr" latinLnBrk="1">
                         <a:defRPr/>
@@ -10760,7 +10947,7 @@
                       <a:r>
                         <a:rPr lang="en-US" altLang="ko-KR" sz="1100" b="1">
                           <a:solidFill>
-                            <a:srgbClr val="000f2f"/>
+                            <a:srgbClr val="000F2F"/>
                           </a:solidFill>
                         </a:rPr>
                         <a:t>ERD </a:t>
@@ -10768,19 +10955,14 @@
                       <a:r>
                         <a:rPr lang="ko-KR" altLang="en-US" sz="1100" b="1">
                           <a:solidFill>
-                            <a:srgbClr val="000f2f"/>
+                            <a:srgbClr val="000F2F"/>
                           </a:solidFill>
                         </a:rPr>
                         <a:t>설계</a:t>
                       </a:r>
-                      <a:endParaRPr lang="ko-KR" altLang="en-US" sz="1100" b="1">
-                        <a:solidFill>
-                          <a:srgbClr val="000f2f"/>
-                        </a:solidFill>
-                      </a:endParaRPr>
-                    </a:p>
-                  </a:txBody>
-                  <a:tcPr marL="91440" marR="91440" anchor="ctr">
+                    </a:p>
+                  </a:txBody>
+                  <a:tcPr anchor="ctr">
                     <a:lnL w="12700" cap="flat" cmpd="sng" algn="ctr">
                       <a:solidFill>
                         <a:sysClr val="windowText" lastClr="000000"/>
@@ -10840,6 +11022,7 @@
                 <a:tc hMerge="1">
                   <a:txBody>
                     <a:bodyPr/>
+                    <a:lstStyle/>
                     <a:p>
                       <a:pPr latinLnBrk="1">
                         <a:defRPr/>
@@ -10847,23 +11030,24 @@
                       <a:endParaRPr lang="ko-KR" altLang="en-US"/>
                     </a:p>
                   </a:txBody>
-                  <a:tcPr marL="91440" marR="91440"/>
+                  <a:tcPr/>
                 </a:tc>
                 <a:tc>
                   <a:txBody>
-                    <a:bodyPr vert="horz" lIns="91440" tIns="45720" rIns="91440" bIns="45720" anchor="ctr" anchorCtr="0"/>
+                    <a:bodyPr/>
+                    <a:lstStyle/>
                     <a:p>
                       <a:pPr algn="ctr" latinLnBrk="1">
                         <a:defRPr/>
                       </a:pPr>
                       <a:endParaRPr lang="ko-KR" altLang="en-US" sz="1100" b="1">
                         <a:solidFill>
-                          <a:srgbClr val="000f2f"/>
+                          <a:srgbClr val="000F2F"/>
                         </a:solidFill>
                       </a:endParaRPr>
                     </a:p>
                   </a:txBody>
-                  <a:tcPr marL="91440" marR="91440" anchor="ctr">
+                  <a:tcPr anchor="ctr">
                     <a:lnL w="6350" cap="flat" cmpd="sng" algn="ctr">
                       <a:solidFill>
                         <a:schemeClr val="tx1">
@@ -10930,19 +11114,20 @@
                 </a:tc>
                 <a:tc>
                   <a:txBody>
-                    <a:bodyPr vert="horz" lIns="91440" tIns="45720" rIns="91440" bIns="45720" anchor="ctr" anchorCtr="0"/>
+                    <a:bodyPr/>
+                    <a:lstStyle/>
                     <a:p>
                       <a:pPr algn="ctr" latinLnBrk="1">
                         <a:defRPr/>
                       </a:pPr>
                       <a:endParaRPr lang="ko-KR" altLang="en-US" sz="1100" b="1">
                         <a:solidFill>
-                          <a:srgbClr val="000f2f"/>
+                          <a:srgbClr val="000F2F"/>
                         </a:solidFill>
                       </a:endParaRPr>
                     </a:p>
                   </a:txBody>
-                  <a:tcPr marL="91440" marR="91440" anchor="ctr">
+                  <a:tcPr anchor="ctr">
                     <a:lnL w="6350" cap="flat" cmpd="sng" algn="ctr">
                       <a:solidFill>
                         <a:schemeClr val="tx1">
@@ -11009,19 +11194,20 @@
                 </a:tc>
                 <a:tc>
                   <a:txBody>
-                    <a:bodyPr vert="horz" lIns="91440" tIns="45720" rIns="91440" bIns="45720" anchor="ctr" anchorCtr="0"/>
+                    <a:bodyPr/>
+                    <a:lstStyle/>
                     <a:p>
                       <a:pPr algn="ctr" latinLnBrk="1">
                         <a:defRPr/>
                       </a:pPr>
                       <a:endParaRPr lang="ko-KR" altLang="en-US" sz="1100" b="1">
                         <a:solidFill>
-                          <a:srgbClr val="000f2f"/>
+                          <a:srgbClr val="000F2F"/>
                         </a:solidFill>
                       </a:endParaRPr>
                     </a:p>
                   </a:txBody>
-                  <a:tcPr marL="91440" marR="91440" anchor="ctr">
+                  <a:tcPr anchor="ctr">
                     <a:lnL w="6350" cap="flat" cmpd="sng" algn="ctr">
                       <a:solidFill>
                         <a:schemeClr val="tx1">
@@ -11088,19 +11274,20 @@
                 </a:tc>
                 <a:tc>
                   <a:txBody>
-                    <a:bodyPr vert="horz" lIns="91440" tIns="45720" rIns="91440" bIns="45720" anchor="ctr" anchorCtr="0"/>
+                    <a:bodyPr/>
+                    <a:lstStyle/>
                     <a:p>
                       <a:pPr algn="ctr" latinLnBrk="1">
                         <a:defRPr/>
                       </a:pPr>
                       <a:endParaRPr lang="ko-KR" altLang="en-US" sz="1100" b="1">
                         <a:solidFill>
-                          <a:srgbClr val="000f2f"/>
+                          <a:srgbClr val="000F2F"/>
                         </a:solidFill>
                       </a:endParaRPr>
                     </a:p>
                   </a:txBody>
-                  <a:tcPr marL="91440" marR="91440" anchor="ctr">
+                  <a:tcPr anchor="ctr">
                     <a:lnL w="6350" cap="flat" cmpd="sng" algn="ctr">
                       <a:solidFill>
                         <a:schemeClr val="tx1">
@@ -11162,19 +11349,20 @@
                 </a:tc>
                 <a:tc>
                   <a:txBody>
-                    <a:bodyPr vert="horz" lIns="91440" tIns="45720" rIns="91440" bIns="45720" anchor="ctr" anchorCtr="0"/>
+                    <a:bodyPr/>
+                    <a:lstStyle/>
                     <a:p>
                       <a:pPr algn="ctr" latinLnBrk="1">
                         <a:defRPr/>
                       </a:pPr>
                       <a:endParaRPr lang="ko-KR" altLang="en-US" sz="1100" b="1">
                         <a:solidFill>
-                          <a:srgbClr val="000f2f"/>
+                          <a:srgbClr val="000F2F"/>
                         </a:solidFill>
                       </a:endParaRPr>
                     </a:p>
                   </a:txBody>
-                  <a:tcPr marL="91440" marR="91440" anchor="ctr">
+                  <a:tcPr anchor="ctr">
                     <a:lnL w="6350" cap="flat" cmpd="sng" algn="ctr">
                       <a:solidFill>
                         <a:schemeClr val="tx1">
@@ -11236,19 +11424,20 @@
                 </a:tc>
                 <a:tc>
                   <a:txBody>
-                    <a:bodyPr vert="horz" lIns="91440" tIns="45720" rIns="91440" bIns="45720" anchor="ctr" anchorCtr="0"/>
+                    <a:bodyPr/>
+                    <a:lstStyle/>
                     <a:p>
                       <a:pPr algn="ctr" latinLnBrk="1">
                         <a:defRPr/>
                       </a:pPr>
                       <a:endParaRPr lang="ko-KR" altLang="en-US" sz="1100" b="1">
                         <a:solidFill>
-                          <a:srgbClr val="000f2f"/>
+                          <a:srgbClr val="000F2F"/>
                         </a:solidFill>
                       </a:endParaRPr>
                     </a:p>
                   </a:txBody>
-                  <a:tcPr marL="91440" marR="91440" anchor="ctr">
+                  <a:tcPr anchor="ctr">
                     <a:lnL w="6350" cap="flat" cmpd="sng" algn="ctr">
                       <a:solidFill>
                         <a:schemeClr val="tx1">
@@ -11310,19 +11499,20 @@
                 </a:tc>
                 <a:tc>
                   <a:txBody>
-                    <a:bodyPr vert="horz" lIns="91440" tIns="45720" rIns="91440" bIns="45720" anchor="ctr" anchorCtr="0"/>
+                    <a:bodyPr/>
+                    <a:lstStyle/>
                     <a:p>
                       <a:pPr algn="ctr" latinLnBrk="1">
                         <a:defRPr/>
                       </a:pPr>
                       <a:endParaRPr lang="ko-KR" altLang="en-US" sz="1100" b="1">
                         <a:solidFill>
-                          <a:srgbClr val="000f2f"/>
+                          <a:srgbClr val="000F2F"/>
                         </a:solidFill>
                       </a:endParaRPr>
                     </a:p>
                   </a:txBody>
-                  <a:tcPr marL="91440" marR="91440" anchor="ctr">
+                  <a:tcPr anchor="ctr">
                     <a:lnL w="6350" cap="flat" cmpd="sng" algn="ctr">
                       <a:solidFill>
                         <a:schemeClr val="tx1">
@@ -11384,19 +11574,20 @@
                 </a:tc>
                 <a:tc>
                   <a:txBody>
-                    <a:bodyPr vert="horz" lIns="91440" tIns="45720" rIns="91440" bIns="45720" anchor="ctr" anchorCtr="0"/>
+                    <a:bodyPr/>
+                    <a:lstStyle/>
                     <a:p>
                       <a:pPr algn="ctr" latinLnBrk="1">
                         <a:defRPr/>
                       </a:pPr>
                       <a:endParaRPr lang="ko-KR" altLang="en-US" sz="1100" b="1">
                         <a:solidFill>
-                          <a:srgbClr val="000f2f"/>
+                          <a:srgbClr val="000F2F"/>
                         </a:solidFill>
                       </a:endParaRPr>
                     </a:p>
                   </a:txBody>
-                  <a:tcPr marL="91440" marR="91440" anchor="ctr">
+                  <a:tcPr anchor="ctr">
                     <a:lnL w="6350" cap="flat" cmpd="sng" algn="ctr">
                       <a:solidFill>
                         <a:schemeClr val="tx1">
@@ -11453,11 +11644,17 @@
                     <a:noFill/>
                   </a:tcPr>
                 </a:tc>
+                <a:extLst>
+                  <a:ext uri="{0D108BD9-81ED-4DB2-BD59-A6C34878D82A}">
+                    <a16:rowId xmlns:a16="http://schemas.microsoft.com/office/drawing/2014/main" val="10005"/>
+                  </a:ext>
+                </a:extLst>
               </a:tr>
               <a:tr h="277637">
                 <a:tc vMerge="1">
                   <a:txBody>
                     <a:bodyPr/>
+                    <a:lstStyle/>
                     <a:p>
                       <a:pPr latinLnBrk="1">
                         <a:defRPr/>
@@ -11465,11 +11662,12 @@
                       <a:endParaRPr lang="ko-KR" altLang="en-US"/>
                     </a:p>
                   </a:txBody>
-                  <a:tcPr marL="91440" marR="91440"/>
+                  <a:tcPr/>
                 </a:tc>
                 <a:tc gridSpan="2">
                   <a:txBody>
-                    <a:bodyPr vert="horz" lIns="91440" tIns="45720" rIns="91440" bIns="45720" anchor="ctr" anchorCtr="0"/>
+                    <a:bodyPr/>
+                    <a:lstStyle/>
                     <a:p>
                       <a:pPr algn="ctr" latinLnBrk="1">
                         <a:defRPr/>
@@ -11477,19 +11675,14 @@
                       <a:r>
                         <a:rPr lang="ko-KR" altLang="en-US" sz="1100" b="1">
                           <a:solidFill>
-                            <a:srgbClr val="000f2f"/>
+                            <a:srgbClr val="000F2F"/>
                           </a:solidFill>
                         </a:rPr>
                         <a:t>백엔드 설계 및 개발</a:t>
                       </a:r>
-                      <a:endParaRPr lang="ko-KR" altLang="en-US" sz="1100" b="1">
-                        <a:solidFill>
-                          <a:srgbClr val="000f2f"/>
-                        </a:solidFill>
-                      </a:endParaRPr>
-                    </a:p>
-                  </a:txBody>
-                  <a:tcPr marL="91440" marR="91440" anchor="ctr">
+                    </a:p>
+                  </a:txBody>
+                  <a:tcPr anchor="ctr">
                     <a:lnL w="12700" cap="flat" cmpd="sng" algn="ctr">
                       <a:solidFill>
                         <a:sysClr val="windowText" lastClr="000000"/>
@@ -11549,6 +11742,7 @@
                 <a:tc hMerge="1">
                   <a:txBody>
                     <a:bodyPr/>
+                    <a:lstStyle/>
                     <a:p>
                       <a:pPr latinLnBrk="1">
                         <a:defRPr/>
@@ -11556,23 +11750,24 @@
                       <a:endParaRPr lang="ko-KR" altLang="en-US"/>
                     </a:p>
                   </a:txBody>
-                  <a:tcPr marL="91440" marR="91440"/>
+                  <a:tcPr/>
                 </a:tc>
                 <a:tc>
                   <a:txBody>
-                    <a:bodyPr vert="horz" lIns="91440" tIns="45720" rIns="91440" bIns="45720" anchor="ctr" anchorCtr="0"/>
+                    <a:bodyPr/>
+                    <a:lstStyle/>
                     <a:p>
                       <a:pPr algn="ctr" latinLnBrk="1">
                         <a:defRPr/>
                       </a:pPr>
                       <a:endParaRPr lang="ko-KR" altLang="en-US" sz="1100" b="1">
                         <a:solidFill>
-                          <a:srgbClr val="000f2f"/>
+                          <a:srgbClr val="000F2F"/>
                         </a:solidFill>
                       </a:endParaRPr>
                     </a:p>
                   </a:txBody>
-                  <a:tcPr marL="91440" marR="91440" anchor="ctr">
+                  <a:tcPr anchor="ctr">
                     <a:lnL w="6350" cap="flat" cmpd="sng" algn="ctr">
                       <a:solidFill>
                         <a:schemeClr val="tx1">
@@ -11634,19 +11829,20 @@
                 </a:tc>
                 <a:tc>
                   <a:txBody>
-                    <a:bodyPr vert="horz" lIns="91440" tIns="45720" rIns="91440" bIns="45720" anchor="ctr" anchorCtr="0"/>
+                    <a:bodyPr/>
+                    <a:lstStyle/>
                     <a:p>
                       <a:pPr algn="ctr" latinLnBrk="1">
                         <a:defRPr/>
                       </a:pPr>
                       <a:endParaRPr lang="ko-KR" altLang="en-US" sz="1100" b="1">
                         <a:solidFill>
-                          <a:srgbClr val="000f2f"/>
+                          <a:srgbClr val="000F2F"/>
                         </a:solidFill>
                       </a:endParaRPr>
                     </a:p>
                   </a:txBody>
-                  <a:tcPr marL="91440" marR="91440" anchor="ctr">
+                  <a:tcPr anchor="ctr">
                     <a:lnL w="6350" cap="flat" cmpd="sng" algn="ctr">
                       <a:solidFill>
                         <a:schemeClr val="tx1">
@@ -11713,19 +11909,20 @@
                 </a:tc>
                 <a:tc>
                   <a:txBody>
-                    <a:bodyPr vert="horz" lIns="91440" tIns="45720" rIns="91440" bIns="45720" anchor="ctr" anchorCtr="0"/>
+                    <a:bodyPr/>
+                    <a:lstStyle/>
                     <a:p>
                       <a:pPr algn="ctr" latinLnBrk="1">
                         <a:defRPr/>
                       </a:pPr>
                       <a:endParaRPr lang="ko-KR" altLang="en-US" sz="1100" b="1">
                         <a:solidFill>
-                          <a:srgbClr val="000f2f"/>
+                          <a:srgbClr val="000F2F"/>
                         </a:solidFill>
                       </a:endParaRPr>
                     </a:p>
                   </a:txBody>
-                  <a:tcPr marL="91440" marR="91440" anchor="ctr">
+                  <a:tcPr anchor="ctr">
                     <a:lnL w="6350" cap="flat" cmpd="sng" algn="ctr">
                       <a:solidFill>
                         <a:schemeClr val="tx1">
@@ -11792,19 +11989,20 @@
                 </a:tc>
                 <a:tc>
                   <a:txBody>
-                    <a:bodyPr vert="horz" lIns="91440" tIns="45720" rIns="91440" bIns="45720" anchor="ctr" anchorCtr="0"/>
+                    <a:bodyPr/>
+                    <a:lstStyle/>
                     <a:p>
                       <a:pPr algn="ctr" latinLnBrk="1">
                         <a:defRPr/>
                       </a:pPr>
                       <a:endParaRPr lang="ko-KR" altLang="en-US" sz="1100" b="1">
                         <a:solidFill>
-                          <a:srgbClr val="000f2f"/>
+                          <a:srgbClr val="000F2F"/>
                         </a:solidFill>
                       </a:endParaRPr>
                     </a:p>
                   </a:txBody>
-                  <a:tcPr marL="91440" marR="91440" anchor="ctr">
+                  <a:tcPr anchor="ctr">
                     <a:lnL w="6350" cap="flat" cmpd="sng" algn="ctr">
                       <a:solidFill>
                         <a:schemeClr val="tx1">
@@ -11871,19 +12069,20 @@
                 </a:tc>
                 <a:tc>
                   <a:txBody>
-                    <a:bodyPr vert="horz" lIns="91440" tIns="45720" rIns="91440" bIns="45720" anchor="ctr" anchorCtr="0"/>
+                    <a:bodyPr/>
+                    <a:lstStyle/>
                     <a:p>
                       <a:pPr algn="ctr" latinLnBrk="1">
                         <a:defRPr/>
                       </a:pPr>
                       <a:endParaRPr lang="ko-KR" altLang="en-US" sz="1100" b="1">
                         <a:solidFill>
-                          <a:srgbClr val="000f2f"/>
+                          <a:srgbClr val="000F2F"/>
                         </a:solidFill>
                       </a:endParaRPr>
                     </a:p>
                   </a:txBody>
-                  <a:tcPr marL="91440" marR="91440" anchor="ctr">
+                  <a:tcPr anchor="ctr">
                     <a:lnL w="6350" cap="flat" cmpd="sng" algn="ctr">
                       <a:solidFill>
                         <a:schemeClr val="tx1">
@@ -11945,19 +12144,20 @@
                 </a:tc>
                 <a:tc>
                   <a:txBody>
-                    <a:bodyPr vert="horz" lIns="91440" tIns="45720" rIns="91440" bIns="45720" anchor="ctr" anchorCtr="0"/>
+                    <a:bodyPr/>
+                    <a:lstStyle/>
                     <a:p>
                       <a:pPr algn="ctr" latinLnBrk="1">
                         <a:defRPr/>
                       </a:pPr>
                       <a:endParaRPr lang="ko-KR" altLang="en-US" sz="1100" b="1">
                         <a:solidFill>
-                          <a:srgbClr val="000f2f"/>
+                          <a:srgbClr val="000F2F"/>
                         </a:solidFill>
                       </a:endParaRPr>
                     </a:p>
                   </a:txBody>
-                  <a:tcPr marL="91440" marR="91440" anchor="ctr">
+                  <a:tcPr anchor="ctr">
                     <a:lnL w="6350" cap="flat" cmpd="sng" algn="ctr">
                       <a:solidFill>
                         <a:schemeClr val="tx1">
@@ -12019,19 +12219,20 @@
                 </a:tc>
                 <a:tc>
                   <a:txBody>
-                    <a:bodyPr vert="horz" lIns="91440" tIns="45720" rIns="91440" bIns="45720" anchor="ctr" anchorCtr="0"/>
+                    <a:bodyPr/>
+                    <a:lstStyle/>
                     <a:p>
                       <a:pPr algn="ctr" latinLnBrk="1">
                         <a:defRPr/>
                       </a:pPr>
                       <a:endParaRPr lang="ko-KR" altLang="en-US" sz="1100" b="1">
                         <a:solidFill>
-                          <a:srgbClr val="000f2f"/>
+                          <a:srgbClr val="000F2F"/>
                         </a:solidFill>
                       </a:endParaRPr>
                     </a:p>
                   </a:txBody>
-                  <a:tcPr marL="91440" marR="91440" anchor="ctr">
+                  <a:tcPr anchor="ctr">
                     <a:lnL w="6350" cap="flat" cmpd="sng" algn="ctr">
                       <a:solidFill>
                         <a:schemeClr val="tx1">
@@ -12093,19 +12294,20 @@
                 </a:tc>
                 <a:tc>
                   <a:txBody>
-                    <a:bodyPr vert="horz" lIns="91440" tIns="45720" rIns="91440" bIns="45720" anchor="ctr" anchorCtr="0"/>
+                    <a:bodyPr/>
+                    <a:lstStyle/>
                     <a:p>
                       <a:pPr algn="ctr" latinLnBrk="1">
                         <a:defRPr/>
                       </a:pPr>
                       <a:endParaRPr lang="ko-KR" altLang="en-US" sz="1100" b="1">
                         <a:solidFill>
-                          <a:srgbClr val="000f2f"/>
+                          <a:srgbClr val="000F2F"/>
                         </a:solidFill>
                       </a:endParaRPr>
                     </a:p>
                   </a:txBody>
-                  <a:tcPr marL="91440" marR="91440" anchor="ctr">
+                  <a:tcPr anchor="ctr">
                     <a:lnL w="6350" cap="flat" cmpd="sng" algn="ctr">
                       <a:solidFill>
                         <a:schemeClr val="tx1">
@@ -12162,11 +12364,17 @@
                     <a:noFill/>
                   </a:tcPr>
                 </a:tc>
+                <a:extLst>
+                  <a:ext uri="{0D108BD9-81ED-4DB2-BD59-A6C34878D82A}">
+                    <a16:rowId xmlns:a16="http://schemas.microsoft.com/office/drawing/2014/main" val="10006"/>
+                  </a:ext>
+                </a:extLst>
               </a:tr>
               <a:tr h="277637">
                 <a:tc vMerge="1">
                   <a:txBody>
                     <a:bodyPr/>
+                    <a:lstStyle/>
                     <a:p>
                       <a:pPr latinLnBrk="1">
                         <a:defRPr/>
@@ -12174,11 +12382,12 @@
                       <a:endParaRPr lang="ko-KR" altLang="en-US"/>
                     </a:p>
                   </a:txBody>
-                  <a:tcPr marL="91440" marR="91440"/>
+                  <a:tcPr/>
                 </a:tc>
                 <a:tc gridSpan="2">
                   <a:txBody>
-                    <a:bodyPr vert="horz" lIns="91440" tIns="45720" rIns="91440" bIns="45720" anchor="ctr" anchorCtr="0"/>
+                    <a:bodyPr/>
+                    <a:lstStyle/>
                     <a:p>
                       <a:pPr algn="ctr" latinLnBrk="1">
                         <a:defRPr/>
@@ -12186,19 +12395,14 @@
                       <a:r>
                         <a:rPr lang="ko-KR" altLang="en-US" sz="1100" b="1">
                           <a:solidFill>
-                            <a:srgbClr val="000f2f"/>
+                            <a:srgbClr val="000F2F"/>
                           </a:solidFill>
                         </a:rPr>
                         <a:t>프론트 엔드 설계 및 개발</a:t>
                       </a:r>
-                      <a:endParaRPr lang="ko-KR" altLang="en-US" sz="1100" b="1">
-                        <a:solidFill>
-                          <a:srgbClr val="000f2f"/>
-                        </a:solidFill>
-                      </a:endParaRPr>
-                    </a:p>
-                  </a:txBody>
-                  <a:tcPr marL="91440" marR="91440" anchor="ctr">
+                    </a:p>
+                  </a:txBody>
+                  <a:tcPr anchor="ctr">
                     <a:lnL w="12700" cap="flat" cmpd="sng" algn="ctr">
                       <a:solidFill>
                         <a:sysClr val="windowText" lastClr="000000"/>
@@ -12258,6 +12462,7 @@
                 <a:tc hMerge="1">
                   <a:txBody>
                     <a:bodyPr/>
+                    <a:lstStyle/>
                     <a:p>
                       <a:pPr latinLnBrk="1">
                         <a:defRPr/>
@@ -12265,11 +12470,12 @@
                       <a:endParaRPr lang="ko-KR" altLang="en-US"/>
                     </a:p>
                   </a:txBody>
-                  <a:tcPr marL="91440" marR="91440"/>
+                  <a:tcPr/>
                 </a:tc>
                 <a:tc>
                   <a:txBody>
-                    <a:bodyPr vert="horz" lIns="91440" tIns="45720" rIns="91440" bIns="45720" anchor="ctr" anchorCtr="0"/>
+                    <a:bodyPr/>
+                    <a:lstStyle/>
                     <a:p>
                       <a:pPr algn="ctr" latinLnBrk="1">
                         <a:defRPr/>
@@ -12277,19 +12483,19 @@
                       <a:r>
                         <a:rPr lang="en-US" altLang="ko-KR" sz="1100" b="1">
                           <a:solidFill>
-                            <a:srgbClr val="000f2f"/>
+                            <a:srgbClr val="000F2F"/>
                           </a:solidFill>
                         </a:rPr>
                         <a:t>3/13</a:t>
                       </a:r>
                       <a:endParaRPr lang="ko-KR" altLang="en-US" sz="1100" b="1">
                         <a:solidFill>
-                          <a:srgbClr val="000f2f"/>
+                          <a:srgbClr val="000F2F"/>
                         </a:solidFill>
                       </a:endParaRPr>
                     </a:p>
                   </a:txBody>
-                  <a:tcPr marL="91440" marR="91440" anchor="ctr">
+                  <a:tcPr anchor="ctr">
                     <a:lnL w="6350" cap="flat" cmpd="sng" algn="ctr">
                       <a:solidFill>
                         <a:schemeClr val="tx1">
@@ -12351,19 +12557,20 @@
                 </a:tc>
                 <a:tc>
                   <a:txBody>
-                    <a:bodyPr vert="horz" lIns="91440" tIns="45720" rIns="91440" bIns="45720" anchor="ctr" anchorCtr="0"/>
+                    <a:bodyPr/>
+                    <a:lstStyle/>
                     <a:p>
                       <a:pPr algn="ctr" latinLnBrk="1">
                         <a:defRPr/>
                       </a:pPr>
                       <a:endParaRPr lang="ko-KR" altLang="en-US" sz="1100" b="1">
                         <a:solidFill>
-                          <a:srgbClr val="000f2f"/>
+                          <a:srgbClr val="000F2F"/>
                         </a:solidFill>
                       </a:endParaRPr>
                     </a:p>
                   </a:txBody>
-                  <a:tcPr marL="91440" marR="91440" anchor="ctr">
+                  <a:tcPr anchor="ctr">
                     <a:lnL w="6350" cap="flat" cmpd="sng" algn="ctr">
                       <a:solidFill>
                         <a:schemeClr val="tx1">
@@ -12430,7 +12637,8 @@
                 </a:tc>
                 <a:tc>
                   <a:txBody>
-                    <a:bodyPr vert="horz" lIns="91440" tIns="45720" rIns="91440" bIns="45720" anchor="ctr" anchorCtr="0"/>
+                    <a:bodyPr/>
+                    <a:lstStyle/>
                     <a:p>
                       <a:pPr algn="ctr" latinLnBrk="1">
                         <a:defRPr/>
@@ -12438,19 +12646,19 @@
                       <a:r>
                         <a:rPr lang="en-US" altLang="ko-KR" sz="1100" b="1">
                           <a:solidFill>
-                            <a:srgbClr val="000f2f"/>
+                            <a:srgbClr val="000F2F"/>
                           </a:solidFill>
                         </a:rPr>
                         <a:t>3/15</a:t>
                       </a:r>
                       <a:endParaRPr lang="ko-KR" altLang="en-US" sz="1100" b="1">
                         <a:solidFill>
-                          <a:srgbClr val="000f2f"/>
+                          <a:srgbClr val="000F2F"/>
                         </a:solidFill>
                       </a:endParaRPr>
                     </a:p>
                   </a:txBody>
-                  <a:tcPr marL="91440" marR="91440" anchor="ctr">
+                  <a:tcPr anchor="ctr">
                     <a:lnL w="6350" cap="flat" cmpd="sng" algn="ctr">
                       <a:solidFill>
                         <a:schemeClr val="tx1">
@@ -12517,7 +12725,8 @@
                 </a:tc>
                 <a:tc>
                   <a:txBody>
-                    <a:bodyPr vert="horz" lIns="91440" tIns="45720" rIns="91440" bIns="45720" anchor="ctr" anchorCtr="0"/>
+                    <a:bodyPr/>
+                    <a:lstStyle/>
                     <a:p>
                       <a:pPr algn="ctr" latinLnBrk="1">
                         <a:defRPr/>
@@ -12525,19 +12734,14 @@
                       <a:r>
                         <a:rPr lang="en-US" altLang="ko-KR" sz="1100" b="1">
                           <a:solidFill>
-                            <a:srgbClr val="000f2f"/>
+                            <a:srgbClr val="000F2F"/>
                           </a:solidFill>
                         </a:rPr>
                         <a:t>9/29</a:t>
                       </a:r>
-                      <a:endParaRPr lang="en-US" altLang="ko-KR" sz="1100" b="1">
-                        <a:solidFill>
-                          <a:srgbClr val="000f2f"/>
-                        </a:solidFill>
-                      </a:endParaRPr>
-                    </a:p>
-                  </a:txBody>
-                  <a:tcPr marL="91440" marR="91440" anchor="ctr">
+                    </a:p>
+                  </a:txBody>
+                  <a:tcPr anchor="ctr">
                     <a:lnL w="6350" cap="flat" cmpd="sng" algn="ctr">
                       <a:solidFill>
                         <a:schemeClr val="tx1">
@@ -12604,7 +12808,8 @@
                 </a:tc>
                 <a:tc>
                   <a:txBody>
-                    <a:bodyPr vert="horz" lIns="91440" tIns="45720" rIns="91440" bIns="45720" anchor="ctr" anchorCtr="0"/>
+                    <a:bodyPr/>
+                    <a:lstStyle/>
                     <a:p>
                       <a:pPr algn="ctr" latinLnBrk="1">
                         <a:defRPr/>
@@ -12612,19 +12817,19 @@
                       <a:r>
                         <a:rPr lang="en-US" altLang="ko-KR" sz="1100" b="1">
                           <a:solidFill>
-                            <a:srgbClr val="000f2f"/>
+                            <a:srgbClr val="000F2F"/>
                           </a:solidFill>
                         </a:rPr>
                         <a:t>3/17</a:t>
                       </a:r>
                       <a:endParaRPr lang="ko-KR" altLang="en-US" sz="1100" b="1">
                         <a:solidFill>
-                          <a:srgbClr val="000f2f"/>
+                          <a:srgbClr val="000F2F"/>
                         </a:solidFill>
                       </a:endParaRPr>
                     </a:p>
                   </a:txBody>
-                  <a:tcPr marL="91440" marR="91440" anchor="ctr">
+                  <a:tcPr anchor="ctr">
                     <a:lnL w="6350" cap="flat" cmpd="sng" algn="ctr">
                       <a:solidFill>
                         <a:schemeClr val="tx1">
@@ -12686,19 +12891,20 @@
                 </a:tc>
                 <a:tc>
                   <a:txBody>
-                    <a:bodyPr vert="horz" lIns="91440" tIns="45720" rIns="91440" bIns="45720" anchor="ctr" anchorCtr="0"/>
+                    <a:bodyPr/>
+                    <a:lstStyle/>
                     <a:p>
                       <a:pPr algn="ctr" latinLnBrk="1">
                         <a:defRPr/>
                       </a:pPr>
                       <a:endParaRPr lang="ko-KR" altLang="en-US" sz="1100" b="1">
                         <a:solidFill>
-                          <a:srgbClr val="000f2f"/>
+                          <a:srgbClr val="000F2F"/>
                         </a:solidFill>
                       </a:endParaRPr>
                     </a:p>
                   </a:txBody>
-                  <a:tcPr marL="91440" marR="91440" anchor="ctr">
+                  <a:tcPr anchor="ctr">
                     <a:lnL w="6350" cap="flat" cmpd="sng" algn="ctr">
                       <a:solidFill>
                         <a:schemeClr val="tx1">
@@ -12760,19 +12966,20 @@
                 </a:tc>
                 <a:tc>
                   <a:txBody>
-                    <a:bodyPr vert="horz" lIns="91440" tIns="45720" rIns="91440" bIns="45720" anchor="ctr" anchorCtr="0"/>
+                    <a:bodyPr/>
+                    <a:lstStyle/>
                     <a:p>
                       <a:pPr algn="ctr" latinLnBrk="1">
                         <a:defRPr/>
                       </a:pPr>
                       <a:endParaRPr lang="ko-KR" altLang="en-US" sz="1100" b="1">
                         <a:solidFill>
-                          <a:srgbClr val="000f2f"/>
+                          <a:srgbClr val="000F2F"/>
                         </a:solidFill>
                       </a:endParaRPr>
                     </a:p>
                   </a:txBody>
-                  <a:tcPr marL="91440" marR="91440" anchor="ctr">
+                  <a:tcPr anchor="ctr">
                     <a:lnL w="6350" cap="flat" cmpd="sng" algn="ctr">
                       <a:solidFill>
                         <a:schemeClr val="tx1">
@@ -12834,19 +13041,20 @@
                 </a:tc>
                 <a:tc>
                   <a:txBody>
-                    <a:bodyPr vert="horz" lIns="91440" tIns="45720" rIns="91440" bIns="45720" anchor="ctr" anchorCtr="0"/>
+                    <a:bodyPr/>
+                    <a:lstStyle/>
                     <a:p>
                       <a:pPr algn="ctr" latinLnBrk="1">
                         <a:defRPr/>
                       </a:pPr>
                       <a:endParaRPr lang="ko-KR" altLang="en-US" sz="1100" b="1">
                         <a:solidFill>
-                          <a:srgbClr val="000f2f"/>
+                          <a:srgbClr val="000F2F"/>
                         </a:solidFill>
                       </a:endParaRPr>
                     </a:p>
                   </a:txBody>
-                  <a:tcPr marL="91440" marR="91440" anchor="ctr">
+                  <a:tcPr anchor="ctr">
                     <a:lnL w="6350" cap="flat" cmpd="sng" algn="ctr">
                       <a:solidFill>
                         <a:schemeClr val="tx1">
@@ -12903,11 +13111,17 @@
                     <a:noFill/>
                   </a:tcPr>
                 </a:tc>
+                <a:extLst>
+                  <a:ext uri="{0D108BD9-81ED-4DB2-BD59-A6C34878D82A}">
+                    <a16:rowId xmlns:a16="http://schemas.microsoft.com/office/drawing/2014/main" val="10007"/>
+                  </a:ext>
+                </a:extLst>
               </a:tr>
               <a:tr h="277637">
                 <a:tc vMerge="1">
                   <a:txBody>
                     <a:bodyPr/>
+                    <a:lstStyle/>
                     <a:p>
                       <a:pPr latinLnBrk="1">
                         <a:defRPr/>
@@ -12915,11 +13129,12 @@
                       <a:endParaRPr lang="ko-KR" altLang="en-US"/>
                     </a:p>
                   </a:txBody>
-                  <a:tcPr marL="91440" marR="91440"/>
+                  <a:tcPr/>
                 </a:tc>
                 <a:tc gridSpan="2">
                   <a:txBody>
-                    <a:bodyPr vert="horz" lIns="91440" tIns="45720" rIns="91440" bIns="45720" anchor="ctr" anchorCtr="0"/>
+                    <a:bodyPr/>
+                    <a:lstStyle/>
                     <a:p>
                       <a:pPr algn="ctr" latinLnBrk="1">
                         <a:defRPr/>
@@ -12927,7 +13142,7 @@
                       <a:r>
                         <a:rPr lang="ko-KR" altLang="en-US" sz="1100" b="1">
                           <a:solidFill>
-                            <a:srgbClr val="000f2f"/>
+                            <a:srgbClr val="000F2F"/>
                           </a:solidFill>
                         </a:rPr>
                         <a:t>테스트</a:t>
@@ -12935,7 +13150,7 @@
                       <a:r>
                         <a:rPr lang="en-US" altLang="ko-KR" sz="1100" b="1">
                           <a:solidFill>
-                            <a:srgbClr val="000f2f"/>
+                            <a:srgbClr val="000F2F"/>
                           </a:solidFill>
                         </a:rPr>
                         <a:t>(</a:t>
@@ -12943,7 +13158,7 @@
                       <a:r>
                         <a:rPr lang="ko-KR" altLang="en-US" sz="1100" b="1">
                           <a:solidFill>
-                            <a:srgbClr val="000f2f"/>
+                            <a:srgbClr val="000F2F"/>
                           </a:solidFill>
                         </a:rPr>
                         <a:t>통합</a:t>
@@ -12951,7 +13166,7 @@
                       <a:r>
                         <a:rPr lang="en-US" altLang="ko-KR" sz="1100" b="1">
                           <a:solidFill>
-                            <a:srgbClr val="000f2f"/>
+                            <a:srgbClr val="000F2F"/>
                           </a:solidFill>
                         </a:rPr>
                         <a:t>, OpenAPI </a:t>
@@ -12959,7 +13174,7 @@
                       <a:r>
                         <a:rPr lang="ko-KR" altLang="en-US" sz="1100" b="1">
                           <a:solidFill>
-                            <a:srgbClr val="000f2f"/>
+                            <a:srgbClr val="000F2F"/>
                           </a:solidFill>
                         </a:rPr>
                         <a:t>등</a:t>
@@ -12967,19 +13182,19 @@
                       <a:r>
                         <a:rPr lang="en-US" altLang="ko-KR" sz="1100" b="1">
                           <a:solidFill>
-                            <a:srgbClr val="000f2f"/>
+                            <a:srgbClr val="000F2F"/>
                           </a:solidFill>
                         </a:rPr>
                         <a:t>)</a:t>
                       </a:r>
                       <a:endParaRPr lang="ko-KR" altLang="en-US" sz="1100" b="1">
                         <a:solidFill>
-                          <a:srgbClr val="000f2f"/>
+                          <a:srgbClr val="000F2F"/>
                         </a:solidFill>
                       </a:endParaRPr>
                     </a:p>
                   </a:txBody>
-                  <a:tcPr marL="91440" marR="91440" anchor="ctr">
+                  <a:tcPr anchor="ctr">
                     <a:lnL w="12700" cap="flat" cmpd="sng" algn="ctr">
                       <a:solidFill>
                         <a:sysClr val="windowText" lastClr="000000"/>
@@ -13039,6 +13254,7 @@
                 <a:tc hMerge="1">
                   <a:txBody>
                     <a:bodyPr/>
+                    <a:lstStyle/>
                     <a:p>
                       <a:pPr latinLnBrk="1">
                         <a:defRPr/>
@@ -13046,23 +13262,24 @@
                       <a:endParaRPr lang="ko-KR" altLang="en-US"/>
                     </a:p>
                   </a:txBody>
-                  <a:tcPr marL="91440" marR="91440"/>
+                  <a:tcPr/>
                 </a:tc>
                 <a:tc>
                   <a:txBody>
-                    <a:bodyPr vert="horz" lIns="91440" tIns="45720" rIns="91440" bIns="45720" anchor="ctr" anchorCtr="0"/>
+                    <a:bodyPr/>
+                    <a:lstStyle/>
                     <a:p>
                       <a:pPr algn="ctr" latinLnBrk="1">
                         <a:defRPr/>
                       </a:pPr>
                       <a:endParaRPr lang="ko-KR" altLang="en-US" sz="1100" b="1">
                         <a:solidFill>
-                          <a:srgbClr val="000f2f"/>
+                          <a:srgbClr val="000F2F"/>
                         </a:solidFill>
                       </a:endParaRPr>
                     </a:p>
                   </a:txBody>
-                  <a:tcPr marL="91440" marR="91440" anchor="ctr">
+                  <a:tcPr anchor="ctr">
                     <a:lnL w="6350" cap="flat" cmpd="sng" algn="ctr">
                       <a:solidFill>
                         <a:schemeClr val="tx1">
@@ -13124,19 +13341,20 @@
                 </a:tc>
                 <a:tc>
                   <a:txBody>
-                    <a:bodyPr vert="horz" lIns="91440" tIns="45720" rIns="91440" bIns="45720" anchor="ctr" anchorCtr="0"/>
+                    <a:bodyPr/>
+                    <a:lstStyle/>
                     <a:p>
                       <a:pPr algn="ctr" latinLnBrk="1">
                         <a:defRPr/>
                       </a:pPr>
                       <a:endParaRPr lang="ko-KR" altLang="en-US" sz="1100" b="1">
                         <a:solidFill>
-                          <a:srgbClr val="000f2f"/>
+                          <a:srgbClr val="000F2F"/>
                         </a:solidFill>
                       </a:endParaRPr>
                     </a:p>
                   </a:txBody>
-                  <a:tcPr marL="91440" marR="91440" anchor="ctr">
+                  <a:tcPr anchor="ctr">
                     <a:lnL w="6350" cap="flat" cmpd="sng" algn="ctr">
                       <a:solidFill>
                         <a:schemeClr val="tx1">
@@ -13198,19 +13416,20 @@
                 </a:tc>
                 <a:tc>
                   <a:txBody>
-                    <a:bodyPr vert="horz" lIns="91440" tIns="45720" rIns="91440" bIns="45720" anchor="ctr" anchorCtr="0"/>
+                    <a:bodyPr/>
+                    <a:lstStyle/>
                     <a:p>
                       <a:pPr algn="ctr" latinLnBrk="1">
                         <a:defRPr/>
                       </a:pPr>
                       <a:endParaRPr lang="ko-KR" altLang="en-US" sz="1100" b="1">
                         <a:solidFill>
-                          <a:srgbClr val="000f2f"/>
+                          <a:srgbClr val="000F2F"/>
                         </a:solidFill>
                       </a:endParaRPr>
                     </a:p>
                   </a:txBody>
-                  <a:tcPr marL="91440" marR="91440" anchor="ctr">
+                  <a:tcPr anchor="ctr">
                     <a:lnL w="6350" cap="flat" cmpd="sng" algn="ctr">
                       <a:solidFill>
                         <a:schemeClr val="tx1">
@@ -13272,19 +13491,20 @@
                 </a:tc>
                 <a:tc>
                   <a:txBody>
-                    <a:bodyPr vert="horz" lIns="91440" tIns="45720" rIns="91440" bIns="45720" anchor="ctr" anchorCtr="0"/>
+                    <a:bodyPr/>
+                    <a:lstStyle/>
                     <a:p>
                       <a:pPr algn="ctr" latinLnBrk="1">
                         <a:defRPr/>
                       </a:pPr>
                       <a:endParaRPr lang="ko-KR" altLang="en-US" sz="1100" b="1">
                         <a:solidFill>
-                          <a:srgbClr val="000f2f"/>
+                          <a:srgbClr val="000F2F"/>
                         </a:solidFill>
                       </a:endParaRPr>
                     </a:p>
                   </a:txBody>
-                  <a:tcPr marL="91440" marR="91440" anchor="ctr">
+                  <a:tcPr anchor="ctr">
                     <a:lnL w="6350" cap="flat" cmpd="sng" algn="ctr">
                       <a:solidFill>
                         <a:schemeClr val="tx1">
@@ -13346,19 +13566,20 @@
                 </a:tc>
                 <a:tc>
                   <a:txBody>
-                    <a:bodyPr vert="horz" lIns="91440" tIns="45720" rIns="91440" bIns="45720" anchor="ctr" anchorCtr="0"/>
+                    <a:bodyPr/>
+                    <a:lstStyle/>
                     <a:p>
                       <a:pPr algn="ctr" latinLnBrk="1">
                         <a:defRPr/>
                       </a:pPr>
                       <a:endParaRPr lang="ko-KR" altLang="en-US" sz="1100" b="1">
                         <a:solidFill>
-                          <a:srgbClr val="000f2f"/>
+                          <a:srgbClr val="000F2F"/>
                         </a:solidFill>
                       </a:endParaRPr>
                     </a:p>
                   </a:txBody>
-                  <a:tcPr marL="91440" marR="91440" anchor="ctr">
+                  <a:tcPr anchor="ctr">
                     <a:lnL w="6350" cap="flat" cmpd="sng" algn="ctr">
                       <a:solidFill>
                         <a:schemeClr val="tx1">
@@ -13425,19 +13646,20 @@
                 </a:tc>
                 <a:tc>
                   <a:txBody>
-                    <a:bodyPr vert="horz" lIns="91440" tIns="45720" rIns="91440" bIns="45720" anchor="ctr" anchorCtr="0"/>
+                    <a:bodyPr/>
+                    <a:lstStyle/>
                     <a:p>
                       <a:pPr algn="ctr" latinLnBrk="1">
                         <a:defRPr/>
                       </a:pPr>
                       <a:endParaRPr lang="ko-KR" altLang="en-US" sz="1100" b="1">
                         <a:solidFill>
-                          <a:srgbClr val="000f2f"/>
+                          <a:srgbClr val="000F2F"/>
                         </a:solidFill>
                       </a:endParaRPr>
                     </a:p>
                   </a:txBody>
-                  <a:tcPr marL="91440" marR="91440" anchor="ctr">
+                  <a:tcPr anchor="ctr">
                     <a:lnL w="6350" cap="flat" cmpd="sng" algn="ctr">
                       <a:solidFill>
                         <a:schemeClr val="tx1">
@@ -13504,19 +13726,20 @@
                 </a:tc>
                 <a:tc>
                   <a:txBody>
-                    <a:bodyPr vert="horz" lIns="91440" tIns="45720" rIns="91440" bIns="45720" anchor="ctr" anchorCtr="0"/>
+                    <a:bodyPr/>
+                    <a:lstStyle/>
                     <a:p>
                       <a:pPr algn="ctr" latinLnBrk="1">
                         <a:defRPr/>
                       </a:pPr>
                       <a:endParaRPr lang="ko-KR" altLang="en-US" sz="1100" b="1">
                         <a:solidFill>
-                          <a:srgbClr val="000f2f"/>
+                          <a:srgbClr val="000F2F"/>
                         </a:solidFill>
                       </a:endParaRPr>
                     </a:p>
                   </a:txBody>
-                  <a:tcPr marL="91440" marR="91440" anchor="ctr">
+                  <a:tcPr anchor="ctr">
                     <a:lnL w="6350" cap="flat" cmpd="sng" algn="ctr">
                       <a:solidFill>
                         <a:schemeClr val="tx1">
@@ -13578,19 +13801,20 @@
                 </a:tc>
                 <a:tc>
                   <a:txBody>
-                    <a:bodyPr vert="horz" lIns="91440" tIns="45720" rIns="91440" bIns="45720" anchor="ctr" anchorCtr="0"/>
+                    <a:bodyPr/>
+                    <a:lstStyle/>
                     <a:p>
                       <a:pPr algn="ctr" latinLnBrk="1">
                         <a:defRPr/>
                       </a:pPr>
                       <a:endParaRPr lang="ko-KR" altLang="en-US" sz="1100" b="1">
                         <a:solidFill>
-                          <a:srgbClr val="000f2f"/>
+                          <a:srgbClr val="000F2F"/>
                         </a:solidFill>
                       </a:endParaRPr>
                     </a:p>
                   </a:txBody>
-                  <a:tcPr marL="91440" marR="91440" anchor="ctr">
+                  <a:tcPr anchor="ctr">
                     <a:lnL w="6350" cap="flat" cmpd="sng" algn="ctr">
                       <a:solidFill>
                         <a:schemeClr val="tx1">
@@ -13647,11 +13871,17 @@
                     <a:noFill/>
                   </a:tcPr>
                 </a:tc>
+                <a:extLst>
+                  <a:ext uri="{0D108BD9-81ED-4DB2-BD59-A6C34878D82A}">
+                    <a16:rowId xmlns:a16="http://schemas.microsoft.com/office/drawing/2014/main" val="10008"/>
+                  </a:ext>
+                </a:extLst>
               </a:tr>
               <a:tr h="277637">
                 <a:tc vMerge="1">
                   <a:txBody>
                     <a:bodyPr/>
+                    <a:lstStyle/>
                     <a:p>
                       <a:pPr latinLnBrk="1">
                         <a:defRPr/>
@@ -13659,11 +13889,12 @@
                       <a:endParaRPr lang="ko-KR" altLang="en-US"/>
                     </a:p>
                   </a:txBody>
-                  <a:tcPr marL="91440" marR="91440"/>
+                  <a:tcPr/>
                 </a:tc>
                 <a:tc gridSpan="2">
                   <a:txBody>
-                    <a:bodyPr vert="horz" lIns="91440" tIns="45720" rIns="91440" bIns="45720" anchor="ctr" anchorCtr="0"/>
+                    <a:bodyPr/>
+                    <a:lstStyle/>
                     <a:p>
                       <a:pPr algn="ctr" latinLnBrk="1">
                         <a:defRPr/>
@@ -13671,19 +13902,14 @@
                       <a:r>
                         <a:rPr lang="ko-KR" altLang="en-US" sz="1100" b="1">
                           <a:solidFill>
-                            <a:srgbClr val="000f2f"/>
+                            <a:srgbClr val="000F2F"/>
                           </a:solidFill>
                         </a:rPr>
                         <a:t>배포 및 테스트</a:t>
                       </a:r>
-                      <a:endParaRPr lang="ko-KR" altLang="en-US" sz="1100" b="1">
-                        <a:solidFill>
-                          <a:srgbClr val="000f2f"/>
-                        </a:solidFill>
-                      </a:endParaRPr>
-                    </a:p>
-                  </a:txBody>
-                  <a:tcPr marL="91440" marR="91440" anchor="ctr">
+                    </a:p>
+                  </a:txBody>
+                  <a:tcPr anchor="ctr">
                     <a:lnL w="12700" cap="flat" cmpd="sng" algn="ctr">
                       <a:solidFill>
                         <a:sysClr val="windowText" lastClr="000000"/>
@@ -13743,6 +13969,7 @@
                 <a:tc hMerge="1">
                   <a:txBody>
                     <a:bodyPr/>
+                    <a:lstStyle/>
                     <a:p>
                       <a:pPr latinLnBrk="1">
                         <a:defRPr/>
@@ -13750,23 +13977,24 @@
                       <a:endParaRPr lang="ko-KR" altLang="en-US"/>
                     </a:p>
                   </a:txBody>
-                  <a:tcPr marL="91440" marR="91440"/>
+                  <a:tcPr/>
                 </a:tc>
                 <a:tc>
                   <a:txBody>
-                    <a:bodyPr vert="horz" lIns="91440" tIns="45720" rIns="91440" bIns="45720" anchor="ctr" anchorCtr="0"/>
+                    <a:bodyPr/>
+                    <a:lstStyle/>
                     <a:p>
                       <a:pPr algn="ctr" latinLnBrk="1">
                         <a:defRPr/>
                       </a:pPr>
                       <a:endParaRPr lang="ko-KR" altLang="en-US" sz="1100" b="1">
                         <a:solidFill>
-                          <a:srgbClr val="000f2f"/>
+                          <a:srgbClr val="000F2F"/>
                         </a:solidFill>
                       </a:endParaRPr>
                     </a:p>
                   </a:txBody>
-                  <a:tcPr marL="91440" marR="91440" anchor="ctr">
+                  <a:tcPr anchor="ctr">
                     <a:lnL w="6350" cap="flat" cmpd="sng" algn="ctr">
                       <a:solidFill>
                         <a:schemeClr val="tx1">
@@ -13828,19 +14056,20 @@
                 </a:tc>
                 <a:tc>
                   <a:txBody>
-                    <a:bodyPr vert="horz" lIns="91440" tIns="45720" rIns="91440" bIns="45720" anchor="ctr" anchorCtr="0"/>
+                    <a:bodyPr/>
+                    <a:lstStyle/>
                     <a:p>
                       <a:pPr algn="ctr" latinLnBrk="1">
                         <a:defRPr/>
                       </a:pPr>
                       <a:endParaRPr lang="ko-KR" altLang="en-US" sz="1100" b="1">
                         <a:solidFill>
-                          <a:srgbClr val="000f2f"/>
+                          <a:srgbClr val="000F2F"/>
                         </a:solidFill>
                       </a:endParaRPr>
                     </a:p>
                   </a:txBody>
-                  <a:tcPr marL="91440" marR="91440" anchor="ctr">
+                  <a:tcPr anchor="ctr">
                     <a:lnL w="6350" cap="flat" cmpd="sng" algn="ctr">
                       <a:solidFill>
                         <a:schemeClr val="tx1">
@@ -13902,19 +14131,20 @@
                 </a:tc>
                 <a:tc>
                   <a:txBody>
-                    <a:bodyPr vert="horz" lIns="91440" tIns="45720" rIns="91440" bIns="45720" anchor="ctr" anchorCtr="0"/>
+                    <a:bodyPr/>
+                    <a:lstStyle/>
                     <a:p>
                       <a:pPr algn="ctr" latinLnBrk="1">
                         <a:defRPr/>
                       </a:pPr>
                       <a:endParaRPr lang="ko-KR" altLang="en-US" sz="1100" b="1">
                         <a:solidFill>
-                          <a:srgbClr val="000f2f"/>
+                          <a:srgbClr val="000F2F"/>
                         </a:solidFill>
                       </a:endParaRPr>
                     </a:p>
                   </a:txBody>
-                  <a:tcPr marL="91440" marR="91440" anchor="ctr">
+                  <a:tcPr anchor="ctr">
                     <a:lnL w="6350" cap="flat" cmpd="sng" algn="ctr">
                       <a:solidFill>
                         <a:schemeClr val="tx1">
@@ -13976,19 +14206,20 @@
                 </a:tc>
                 <a:tc>
                   <a:txBody>
-                    <a:bodyPr vert="horz" lIns="91440" tIns="45720" rIns="91440" bIns="45720" anchor="ctr" anchorCtr="0"/>
+                    <a:bodyPr/>
+                    <a:lstStyle/>
                     <a:p>
                       <a:pPr algn="ctr" latinLnBrk="1">
                         <a:defRPr/>
                       </a:pPr>
                       <a:endParaRPr lang="ko-KR" altLang="en-US" sz="1100" b="1">
                         <a:solidFill>
-                          <a:srgbClr val="000f2f"/>
+                          <a:srgbClr val="000F2F"/>
                         </a:solidFill>
                       </a:endParaRPr>
                     </a:p>
                   </a:txBody>
-                  <a:tcPr marL="91440" marR="91440" anchor="ctr">
+                  <a:tcPr anchor="ctr">
                     <a:lnL w="6350" cap="flat" cmpd="sng" algn="ctr">
                       <a:solidFill>
                         <a:schemeClr val="tx1">
@@ -14050,19 +14281,20 @@
                 </a:tc>
                 <a:tc>
                   <a:txBody>
-                    <a:bodyPr vert="horz" lIns="91440" tIns="45720" rIns="91440" bIns="45720" anchor="ctr" anchorCtr="0"/>
+                    <a:bodyPr/>
+                    <a:lstStyle/>
                     <a:p>
                       <a:pPr algn="ctr" latinLnBrk="1">
                         <a:defRPr/>
                       </a:pPr>
                       <a:endParaRPr lang="ko-KR" altLang="en-US" sz="1100" b="1">
                         <a:solidFill>
-                          <a:srgbClr val="000f2f"/>
+                          <a:srgbClr val="000F2F"/>
                         </a:solidFill>
                       </a:endParaRPr>
                     </a:p>
                   </a:txBody>
-                  <a:tcPr marL="91440" marR="91440" anchor="ctr">
+                  <a:tcPr anchor="ctr">
                     <a:lnL w="6350" cap="flat" cmpd="sng" algn="ctr">
                       <a:solidFill>
                         <a:schemeClr val="tx1">
@@ -14124,19 +14356,20 @@
                 </a:tc>
                 <a:tc>
                   <a:txBody>
-                    <a:bodyPr vert="horz" lIns="91440" tIns="45720" rIns="91440" bIns="45720" anchor="ctr" anchorCtr="0"/>
+                    <a:bodyPr/>
+                    <a:lstStyle/>
                     <a:p>
                       <a:pPr algn="ctr" latinLnBrk="1">
                         <a:defRPr/>
                       </a:pPr>
                       <a:endParaRPr lang="ko-KR" altLang="en-US" sz="1100" b="1">
                         <a:solidFill>
-                          <a:srgbClr val="000f2f"/>
+                          <a:srgbClr val="000F2F"/>
                         </a:solidFill>
                       </a:endParaRPr>
                     </a:p>
                   </a:txBody>
-                  <a:tcPr marL="91440" marR="91440" anchor="ctr">
+                  <a:tcPr anchor="ctr">
                     <a:lnL w="6350" cap="flat" cmpd="sng" algn="ctr">
                       <a:solidFill>
                         <a:schemeClr val="tx1">
@@ -14203,19 +14436,20 @@
                 </a:tc>
                 <a:tc>
                   <a:txBody>
-                    <a:bodyPr vert="horz" lIns="91440" tIns="45720" rIns="91440" bIns="45720" anchor="ctr" anchorCtr="0"/>
+                    <a:bodyPr/>
+                    <a:lstStyle/>
                     <a:p>
                       <a:pPr algn="ctr" latinLnBrk="1">
                         <a:defRPr/>
                       </a:pPr>
                       <a:endParaRPr lang="ko-KR" altLang="en-US" sz="1100" b="1">
                         <a:solidFill>
-                          <a:srgbClr val="000f2f"/>
+                          <a:srgbClr val="000F2F"/>
                         </a:solidFill>
                       </a:endParaRPr>
                     </a:p>
                   </a:txBody>
-                  <a:tcPr marL="91440" marR="91440" anchor="ctr">
+                  <a:tcPr anchor="ctr">
                     <a:lnL w="6350" cap="flat" cmpd="sng" algn="ctr">
                       <a:solidFill>
                         <a:schemeClr val="tx1">
@@ -14282,19 +14516,20 @@
                 </a:tc>
                 <a:tc>
                   <a:txBody>
-                    <a:bodyPr vert="horz" lIns="91440" tIns="45720" rIns="91440" bIns="45720" anchor="ctr" anchorCtr="0"/>
+                    <a:bodyPr/>
+                    <a:lstStyle/>
                     <a:p>
                       <a:pPr algn="ctr" latinLnBrk="1">
                         <a:defRPr/>
                       </a:pPr>
                       <a:endParaRPr lang="ko-KR" altLang="en-US" sz="1100" b="1">
                         <a:solidFill>
-                          <a:srgbClr val="000f2f"/>
+                          <a:srgbClr val="000F2F"/>
                         </a:solidFill>
                       </a:endParaRPr>
                     </a:p>
                   </a:txBody>
-                  <a:tcPr marL="91440" marR="91440" anchor="ctr">
+                  <a:tcPr anchor="ctr">
                     <a:lnL w="6350" cap="flat" cmpd="sng" algn="ctr">
                       <a:solidFill>
                         <a:schemeClr val="tx1">
@@ -14351,11 +14586,17 @@
                     <a:noFill/>
                   </a:tcPr>
                 </a:tc>
+                <a:extLst>
+                  <a:ext uri="{0D108BD9-81ED-4DB2-BD59-A6C34878D82A}">
+                    <a16:rowId xmlns:a16="http://schemas.microsoft.com/office/drawing/2014/main" val="10009"/>
+                  </a:ext>
+                </a:extLst>
               </a:tr>
               <a:tr h="277637">
                 <a:tc vMerge="1">
                   <a:txBody>
                     <a:bodyPr/>
+                    <a:lstStyle/>
                     <a:p>
                       <a:pPr latinLnBrk="1">
                         <a:defRPr/>
@@ -14363,11 +14604,12 @@
                       <a:endParaRPr lang="ko-KR" altLang="en-US"/>
                     </a:p>
                   </a:txBody>
-                  <a:tcPr marL="91440" marR="91440"/>
+                  <a:tcPr/>
                 </a:tc>
                 <a:tc gridSpan="2">
                   <a:txBody>
-                    <a:bodyPr vert="horz" lIns="91440" tIns="45720" rIns="91440" bIns="45720" anchor="ctr" anchorCtr="0"/>
+                    <a:bodyPr/>
+                    <a:lstStyle/>
                     <a:p>
                       <a:pPr algn="ctr" latinLnBrk="1">
                         <a:defRPr/>
@@ -14375,19 +14617,14 @@
                       <a:r>
                         <a:rPr lang="ko-KR" altLang="en-US" sz="1100" b="1">
                           <a:solidFill>
-                            <a:srgbClr val="000f2f"/>
+                            <a:srgbClr val="000F2F"/>
                           </a:solidFill>
                         </a:rPr>
                         <a:t>데모시연</a:t>
                       </a:r>
-                      <a:endParaRPr lang="ko-KR" altLang="en-US" sz="1100" b="1">
-                        <a:solidFill>
-                          <a:srgbClr val="000f2f"/>
-                        </a:solidFill>
-                      </a:endParaRPr>
-                    </a:p>
-                  </a:txBody>
-                  <a:tcPr marL="91440" marR="91440" anchor="ctr">
+                    </a:p>
+                  </a:txBody>
+                  <a:tcPr anchor="ctr">
                     <a:lnL w="12700" cap="flat" cmpd="sng" algn="ctr">
                       <a:solidFill>
                         <a:sysClr val="windowText" lastClr="000000"/>
@@ -14444,6 +14681,7 @@
                 <a:tc hMerge="1">
                   <a:txBody>
                     <a:bodyPr/>
+                    <a:lstStyle/>
                     <a:p>
                       <a:pPr latinLnBrk="1">
                         <a:defRPr/>
@@ -14451,23 +14689,24 @@
                       <a:endParaRPr lang="ko-KR" altLang="en-US"/>
                     </a:p>
                   </a:txBody>
-                  <a:tcPr marL="91440" marR="91440"/>
+                  <a:tcPr/>
                 </a:tc>
                 <a:tc>
                   <a:txBody>
-                    <a:bodyPr vert="horz" lIns="91440" tIns="45720" rIns="91440" bIns="45720" anchor="ctr" anchorCtr="0"/>
+                    <a:bodyPr/>
+                    <a:lstStyle/>
                     <a:p>
                       <a:pPr algn="ctr" latinLnBrk="1">
                         <a:defRPr/>
                       </a:pPr>
                       <a:endParaRPr lang="ko-KR" altLang="en-US" sz="1100" b="1">
                         <a:solidFill>
-                          <a:srgbClr val="000f2f"/>
+                          <a:srgbClr val="000F2F"/>
                         </a:solidFill>
                       </a:endParaRPr>
                     </a:p>
                   </a:txBody>
-                  <a:tcPr marL="91440" marR="91440" anchor="ctr">
+                  <a:tcPr anchor="ctr">
                     <a:lnL w="6350" cap="flat" cmpd="sng" algn="ctr">
                       <a:solidFill>
                         <a:schemeClr val="tx1">
@@ -14526,19 +14765,20 @@
                 </a:tc>
                 <a:tc>
                   <a:txBody>
-                    <a:bodyPr vert="horz" lIns="91440" tIns="45720" rIns="91440" bIns="45720" anchor="ctr" anchorCtr="0"/>
+                    <a:bodyPr/>
+                    <a:lstStyle/>
                     <a:p>
                       <a:pPr algn="ctr" latinLnBrk="1">
                         <a:defRPr/>
                       </a:pPr>
                       <a:endParaRPr lang="ko-KR" altLang="en-US" sz="1100" b="1">
                         <a:solidFill>
-                          <a:srgbClr val="000f2f"/>
+                          <a:srgbClr val="000F2F"/>
                         </a:solidFill>
                       </a:endParaRPr>
                     </a:p>
                   </a:txBody>
-                  <a:tcPr marL="91440" marR="91440" anchor="ctr">
+                  <a:tcPr anchor="ctr">
                     <a:lnL w="6350" cap="flat" cmpd="sng" algn="ctr">
                       <a:solidFill>
                         <a:schemeClr val="tx1">
@@ -14597,19 +14837,20 @@
                 </a:tc>
                 <a:tc>
                   <a:txBody>
-                    <a:bodyPr vert="horz" lIns="91440" tIns="45720" rIns="91440" bIns="45720" anchor="ctr" anchorCtr="0"/>
+                    <a:bodyPr/>
+                    <a:lstStyle/>
                     <a:p>
                       <a:pPr algn="ctr" latinLnBrk="1">
                         <a:defRPr/>
                       </a:pPr>
                       <a:endParaRPr lang="ko-KR" altLang="en-US" sz="1100" b="1">
                         <a:solidFill>
-                          <a:srgbClr val="000f2f"/>
+                          <a:srgbClr val="000F2F"/>
                         </a:solidFill>
                       </a:endParaRPr>
                     </a:p>
                   </a:txBody>
-                  <a:tcPr marL="91440" marR="91440" anchor="ctr">
+                  <a:tcPr anchor="ctr">
                     <a:lnL w="6350" cap="flat" cmpd="sng" algn="ctr">
                       <a:solidFill>
                         <a:schemeClr val="tx1">
@@ -14668,19 +14909,20 @@
                 </a:tc>
                 <a:tc>
                   <a:txBody>
-                    <a:bodyPr vert="horz" lIns="91440" tIns="45720" rIns="91440" bIns="45720" anchor="ctr" anchorCtr="0"/>
+                    <a:bodyPr/>
+                    <a:lstStyle/>
                     <a:p>
                       <a:pPr algn="ctr" latinLnBrk="1">
                         <a:defRPr/>
                       </a:pPr>
                       <a:endParaRPr lang="ko-KR" altLang="en-US" sz="1100" b="1">
                         <a:solidFill>
-                          <a:srgbClr val="000f2f"/>
+                          <a:srgbClr val="000F2F"/>
                         </a:solidFill>
                       </a:endParaRPr>
                     </a:p>
                   </a:txBody>
-                  <a:tcPr marL="91440" marR="91440" anchor="ctr">
+                  <a:tcPr anchor="ctr">
                     <a:lnL w="6350" cap="flat" cmpd="sng" algn="ctr">
                       <a:solidFill>
                         <a:schemeClr val="tx1">
@@ -14739,19 +14981,20 @@
                 </a:tc>
                 <a:tc>
                   <a:txBody>
-                    <a:bodyPr vert="horz" lIns="91440" tIns="45720" rIns="91440" bIns="45720" anchor="ctr" anchorCtr="0"/>
+                    <a:bodyPr/>
+                    <a:lstStyle/>
                     <a:p>
                       <a:pPr algn="ctr" latinLnBrk="1">
                         <a:defRPr/>
                       </a:pPr>
                       <a:endParaRPr lang="ko-KR" altLang="en-US" sz="1100" b="1">
                         <a:solidFill>
-                          <a:srgbClr val="000f2f"/>
+                          <a:srgbClr val="000F2F"/>
                         </a:solidFill>
                       </a:endParaRPr>
                     </a:p>
                   </a:txBody>
-                  <a:tcPr marL="91440" marR="91440" anchor="ctr">
+                  <a:tcPr anchor="ctr">
                     <a:lnL w="6350" cap="flat" cmpd="sng" algn="ctr">
                       <a:solidFill>
                         <a:schemeClr val="tx1">
@@ -14810,19 +15053,20 @@
                 </a:tc>
                 <a:tc>
                   <a:txBody>
-                    <a:bodyPr vert="horz" lIns="91440" tIns="45720" rIns="91440" bIns="45720" anchor="ctr" anchorCtr="0"/>
+                    <a:bodyPr/>
+                    <a:lstStyle/>
                     <a:p>
                       <a:pPr algn="ctr" latinLnBrk="1">
                         <a:defRPr/>
                       </a:pPr>
                       <a:endParaRPr lang="ko-KR" altLang="en-US" sz="1100" b="1">
                         <a:solidFill>
-                          <a:srgbClr val="000f2f"/>
+                          <a:srgbClr val="000F2F"/>
                         </a:solidFill>
                       </a:endParaRPr>
                     </a:p>
                   </a:txBody>
-                  <a:tcPr marL="91440" marR="91440" anchor="ctr">
+                  <a:tcPr anchor="ctr">
                     <a:lnL w="6350" cap="flat" cmpd="sng" algn="ctr">
                       <a:solidFill>
                         <a:schemeClr val="tx1">
@@ -14881,19 +15125,20 @@
                 </a:tc>
                 <a:tc>
                   <a:txBody>
-                    <a:bodyPr vert="horz" lIns="91440" tIns="45720" rIns="91440" bIns="45720" anchor="ctr" anchorCtr="0"/>
+                    <a:bodyPr/>
+                    <a:lstStyle/>
                     <a:p>
                       <a:pPr algn="ctr" latinLnBrk="1">
                         <a:defRPr/>
                       </a:pPr>
                       <a:endParaRPr lang="ko-KR" altLang="en-US" sz="1100" b="1">
                         <a:solidFill>
-                          <a:srgbClr val="000f2f"/>
+                          <a:srgbClr val="000F2F"/>
                         </a:solidFill>
                       </a:endParaRPr>
                     </a:p>
                   </a:txBody>
-                  <a:tcPr marL="91440" marR="91440" anchor="ctr">
+                  <a:tcPr anchor="ctr">
                     <a:lnL w="6350" cap="flat" cmpd="sng" algn="ctr">
                       <a:solidFill>
                         <a:schemeClr val="tx1">
@@ -14957,19 +15202,20 @@
                 </a:tc>
                 <a:tc>
                   <a:txBody>
-                    <a:bodyPr vert="horz" lIns="91440" tIns="45720" rIns="91440" bIns="45720" anchor="ctr" anchorCtr="0"/>
+                    <a:bodyPr/>
+                    <a:lstStyle/>
                     <a:p>
                       <a:pPr algn="ctr" latinLnBrk="1">
                         <a:defRPr/>
                       </a:pPr>
                       <a:endParaRPr lang="ko-KR" altLang="en-US" sz="1100" b="1">
                         <a:solidFill>
-                          <a:srgbClr val="000f2f"/>
+                          <a:srgbClr val="000F2F"/>
                         </a:solidFill>
                       </a:endParaRPr>
                     </a:p>
                   </a:txBody>
-                  <a:tcPr marL="91440" marR="91440" anchor="ctr">
+                  <a:tcPr anchor="ctr">
                     <a:lnL w="6350" cap="flat" cmpd="sng" algn="ctr">
                       <a:solidFill>
                         <a:schemeClr val="tx1">
@@ -15028,11 +15274,16 @@
                     </a:solidFill>
                   </a:tcPr>
                 </a:tc>
+                <a:extLst>
+                  <a:ext uri="{0D108BD9-81ED-4DB2-BD59-A6C34878D82A}">
+                    <a16:rowId xmlns:a16="http://schemas.microsoft.com/office/drawing/2014/main" val="10010"/>
+                  </a:ext>
+                </a:extLst>
               </a:tr>
               <a:tr h="306493">
                 <a:tc rowSpan="6">
                   <a:txBody>
-                    <a:bodyPr vert="horz" lIns="91440" tIns="45720" rIns="91440" bIns="45720" anchor="ctr" anchorCtr="0"/>
+                    <a:bodyPr/>
                     <a:lstStyle>
                       <a:lvl1pPr marL="0" algn="l" defTabSz="914400" rtl="0" eaLnBrk="1" latinLnBrk="1" hangingPunct="1">
                         <a:defRPr sz="1800" kern="1200">
@@ -15122,14 +15373,6 @@
                         </a:rPr>
                         <a:t>팀원 역할 </a:t>
                       </a:r>
-                      <a:endParaRPr lang="ko-KR" altLang="en-US" sz="1200" b="1" kern="0" spc="-60">
-                        <a:solidFill>
-                          <a:srgbClr val="000000"/>
-                        </a:solidFill>
-                        <a:effectLst/>
-                        <a:latin typeface="휴먼명조"/>
-                        <a:ea typeface="휴먼명조"/>
-                      </a:endParaRPr>
                     </a:p>
                     <a:p>
                       <a:pPr algn="ctr" latinLnBrk="1">
@@ -15148,12 +15391,12 @@
                       </a:r>
                       <a:endParaRPr lang="ko-KR" altLang="en-US" sz="1200" b="1">
                         <a:solidFill>
-                          <a:srgbClr val="000f2f"/>
+                          <a:srgbClr val="000F2F"/>
                         </a:solidFill>
                       </a:endParaRPr>
                     </a:p>
                   </a:txBody>
-                  <a:tcPr marL="91440" marR="91440" anchor="ctr">
+                  <a:tcPr anchor="ctr">
                     <a:lnL w="12700" cap="flat" cmpd="sng" algn="ctr">
                       <a:solidFill>
                         <a:sysClr val="windowText" lastClr="000000"/>
@@ -15203,7 +15446,7 @@
                 </a:tc>
                 <a:tc>
                   <a:txBody>
-                    <a:bodyPr vert="horz" lIns="91440" tIns="45720" rIns="91440" bIns="45720" anchor="ctr" anchorCtr="0"/>
+                    <a:bodyPr/>
                     <a:lstStyle>
                       <a:lvl1pPr marL="0" algn="l" defTabSz="914400" rtl="0" eaLnBrk="1" latinLnBrk="1" hangingPunct="1">
                         <a:defRPr sz="1800" kern="1200">
@@ -15285,19 +15528,14 @@
                       <a:r>
                         <a:rPr lang="ko-KR" altLang="en-US" sz="1200" b="1">
                           <a:solidFill>
-                            <a:srgbClr val="000f2f"/>
+                            <a:srgbClr val="000F2F"/>
                           </a:solidFill>
                         </a:rPr>
                         <a:t>팀원</a:t>
                       </a:r>
-                      <a:endParaRPr lang="ko-KR" altLang="en-US" sz="1200" b="1">
-                        <a:solidFill>
-                          <a:srgbClr val="000f2f"/>
-                        </a:solidFill>
-                      </a:endParaRPr>
-                    </a:p>
-                  </a:txBody>
-                  <a:tcPr marL="91440" marR="91440" anchor="ctr">
+                    </a:p>
+                  </a:txBody>
+                  <a:tcPr anchor="ctr">
                     <a:lnL w="12700" cap="flat" cmpd="sng" algn="ctr">
                       <a:solidFill>
                         <a:sysClr val="windowText" lastClr="000000"/>
@@ -15357,7 +15595,8 @@
                 </a:tc>
                 <a:tc gridSpan="9">
                   <a:txBody>
-                    <a:bodyPr vert="horz" lIns="91440" tIns="45720" rIns="91440" bIns="45720" anchor="ctr" anchorCtr="0"/>
+                    <a:bodyPr/>
+                    <a:lstStyle/>
                     <a:p>
                       <a:pPr algn="ctr" latinLnBrk="1">
                         <a:defRPr/>
@@ -15365,19 +15604,14 @@
                       <a:r>
                         <a:rPr lang="ko-KR" altLang="en-US" sz="1200" b="1">
                           <a:solidFill>
-                            <a:srgbClr val="000f2f"/>
+                            <a:srgbClr val="000F2F"/>
                           </a:solidFill>
                         </a:rPr>
                         <a:t>역할</a:t>
                       </a:r>
-                      <a:endParaRPr lang="ko-KR" altLang="en-US" sz="1200" b="1">
-                        <a:solidFill>
-                          <a:srgbClr val="000f2f"/>
-                        </a:solidFill>
-                      </a:endParaRPr>
-                    </a:p>
-                  </a:txBody>
-                  <a:tcPr marL="91440" marR="91440" anchor="ctr">
+                    </a:p>
+                  </a:txBody>
+                  <a:tcPr anchor="ctr">
                     <a:lnL w="6350" cap="flat" cmpd="sng" algn="ctr">
                       <a:solidFill>
                         <a:schemeClr val="tx1">
@@ -15438,6 +15672,7 @@
                 <a:tc hMerge="1">
                   <a:txBody>
                     <a:bodyPr/>
+                    <a:lstStyle/>
                     <a:p>
                       <a:pPr latinLnBrk="1">
                         <a:defRPr/>
@@ -15445,11 +15680,12 @@
                       <a:endParaRPr lang="ko-KR" altLang="en-US"/>
                     </a:p>
                   </a:txBody>
-                  <a:tcPr marL="91440" marR="91440"/>
+                  <a:tcPr/>
                 </a:tc>
                 <a:tc hMerge="1">
                   <a:txBody>
                     <a:bodyPr/>
+                    <a:lstStyle/>
                     <a:p>
                       <a:pPr latinLnBrk="1">
                         <a:defRPr/>
@@ -15457,11 +15693,12 @@
                       <a:endParaRPr lang="ko-KR" altLang="en-US"/>
                     </a:p>
                   </a:txBody>
-                  <a:tcPr marL="91440" marR="91440"/>
+                  <a:tcPr/>
                 </a:tc>
                 <a:tc hMerge="1">
                   <a:txBody>
                     <a:bodyPr/>
+                    <a:lstStyle/>
                     <a:p>
                       <a:pPr latinLnBrk="1">
                         <a:defRPr/>
@@ -15469,11 +15706,12 @@
                       <a:endParaRPr lang="ko-KR" altLang="en-US"/>
                     </a:p>
                   </a:txBody>
-                  <a:tcPr marL="91440" marR="91440"/>
+                  <a:tcPr/>
                 </a:tc>
                 <a:tc hMerge="1">
                   <a:txBody>
                     <a:bodyPr/>
+                    <a:lstStyle/>
                     <a:p>
                       <a:pPr latinLnBrk="1">
                         <a:defRPr/>
@@ -15481,11 +15719,12 @@
                       <a:endParaRPr lang="ko-KR" altLang="en-US"/>
                     </a:p>
                   </a:txBody>
-                  <a:tcPr marL="91440" marR="91440"/>
+                  <a:tcPr/>
                 </a:tc>
                 <a:tc hMerge="1">
                   <a:txBody>
                     <a:bodyPr/>
+                    <a:lstStyle/>
                     <a:p>
                       <a:pPr latinLnBrk="1">
                         <a:defRPr/>
@@ -15493,11 +15732,12 @@
                       <a:endParaRPr lang="ko-KR" altLang="en-US"/>
                     </a:p>
                   </a:txBody>
-                  <a:tcPr marL="91440" marR="91440"/>
+                  <a:tcPr/>
                 </a:tc>
                 <a:tc hMerge="1">
                   <a:txBody>
                     <a:bodyPr/>
+                    <a:lstStyle/>
                     <a:p>
                       <a:pPr latinLnBrk="1">
                         <a:defRPr/>
@@ -15505,11 +15745,12 @@
                       <a:endParaRPr lang="ko-KR" altLang="en-US"/>
                     </a:p>
                   </a:txBody>
-                  <a:tcPr marL="91440" marR="91440"/>
+                  <a:tcPr/>
                 </a:tc>
                 <a:tc hMerge="1">
                   <a:txBody>
                     <a:bodyPr/>
+                    <a:lstStyle/>
                     <a:p>
                       <a:pPr latinLnBrk="1">
                         <a:defRPr/>
@@ -15517,11 +15758,12 @@
                       <a:endParaRPr lang="ko-KR" altLang="en-US"/>
                     </a:p>
                   </a:txBody>
-                  <a:tcPr marL="91440" marR="91440"/>
+                  <a:tcPr/>
                 </a:tc>
                 <a:tc hMerge="1">
                   <a:txBody>
                     <a:bodyPr/>
+                    <a:lstStyle/>
                     <a:p>
                       <a:pPr latinLnBrk="1">
                         <a:defRPr/>
@@ -15529,13 +15771,19 @@
                       <a:endParaRPr lang="ko-KR" altLang="en-US"/>
                     </a:p>
                   </a:txBody>
-                  <a:tcPr marL="91440" marR="91440"/>
-                </a:tc>
+                  <a:tcPr/>
+                </a:tc>
+                <a:extLst>
+                  <a:ext uri="{0D108BD9-81ED-4DB2-BD59-A6C34878D82A}">
+                    <a16:rowId xmlns:a16="http://schemas.microsoft.com/office/drawing/2014/main" val="10011"/>
+                  </a:ext>
+                </a:extLst>
               </a:tr>
               <a:tr h="306493">
                 <a:tc vMerge="1">
                   <a:txBody>
                     <a:bodyPr/>
+                    <a:lstStyle/>
                     <a:p>
                       <a:pPr latinLnBrk="1">
                         <a:defRPr/>
@@ -15543,23 +15791,24 @@
                       <a:endParaRPr lang="ko-KR" altLang="en-US"/>
                     </a:p>
                   </a:txBody>
-                  <a:tcPr marL="91440" marR="91440"/>
+                  <a:tcPr/>
                 </a:tc>
                 <a:tc>
                   <a:txBody>
-                    <a:bodyPr vert="horz" lIns="91440" tIns="45720" rIns="91440" bIns="45720" anchor="ctr" anchorCtr="0"/>
+                    <a:bodyPr/>
+                    <a:lstStyle/>
                     <a:p>
                       <a:pPr algn="ctr" latinLnBrk="1">
                         <a:defRPr/>
                       </a:pPr>
                       <a:endParaRPr lang="ko-KR" altLang="en-US" sz="1200">
                         <a:solidFill>
-                          <a:srgbClr val="000f2f"/>
+                          <a:srgbClr val="000F2F"/>
                         </a:solidFill>
                       </a:endParaRPr>
                     </a:p>
                   </a:txBody>
-                  <a:tcPr marL="91440" marR="91440" anchor="ctr">
+                  <a:tcPr anchor="ctr">
                     <a:lnL w="12700" cap="flat" cmpd="sng" algn="ctr">
                       <a:solidFill>
                         <a:sysClr val="windowText" lastClr="000000"/>
@@ -15618,7 +15867,8 @@
                 </a:tc>
                 <a:tc gridSpan="9">
                   <a:txBody>
-                    <a:bodyPr vert="horz" lIns="91440" tIns="45720" rIns="91440" bIns="45720" anchor="ctr" anchorCtr="0"/>
+                    <a:bodyPr/>
+                    <a:lstStyle/>
                     <a:p>
                       <a:pPr latinLnBrk="1">
                         <a:defRPr/>
@@ -15626,7 +15876,7 @@
                       <a:r>
                         <a:rPr lang="ko-KR" altLang="en-US" sz="1200">
                           <a:solidFill>
-                            <a:srgbClr val="000f2f"/>
+                            <a:srgbClr val="000F2F"/>
                           </a:solidFill>
                         </a:rPr>
                         <a:t>전체 프로젝트 조정 및 총괄</a:t>
@@ -15634,7 +15884,7 @@
                       <a:r>
                         <a:rPr lang="en-US" altLang="ko-KR" sz="1200">
                           <a:solidFill>
-                            <a:srgbClr val="000f2f"/>
+                            <a:srgbClr val="000F2F"/>
                           </a:solidFill>
                         </a:rPr>
                         <a:t>, </a:t>
@@ -15642,7 +15892,7 @@
                       <a:r>
                         <a:rPr lang="ko-KR" altLang="en-US" sz="1200">
                           <a:solidFill>
-                            <a:srgbClr val="000f2f"/>
+                            <a:srgbClr val="000F2F"/>
                           </a:solidFill>
                         </a:rPr>
                         <a:t>일정</a:t>
@@ -15650,7 +15900,7 @@
                       <a:r>
                         <a:rPr lang="en-US" altLang="ko-KR" sz="1200">
                           <a:solidFill>
-                            <a:srgbClr val="000f2f"/>
+                            <a:srgbClr val="000F2F"/>
                           </a:solidFill>
                         </a:rPr>
                         <a:t>/</a:t>
@@ -15658,7 +15908,7 @@
                       <a:r>
                         <a:rPr lang="ko-KR" altLang="en-US" sz="1200">
                           <a:solidFill>
-                            <a:srgbClr val="000f2f"/>
+                            <a:srgbClr val="000F2F"/>
                           </a:solidFill>
                         </a:rPr>
                         <a:t>범위</a:t>
@@ -15666,7 +15916,7 @@
                       <a:r>
                         <a:rPr lang="en-US" altLang="ko-KR" sz="1200">
                           <a:solidFill>
-                            <a:srgbClr val="000f2f"/>
+                            <a:srgbClr val="000F2F"/>
                           </a:solidFill>
                         </a:rPr>
                         <a:t>/</a:t>
@@ -15674,19 +15924,14 @@
                       <a:r>
                         <a:rPr lang="ko-KR" altLang="en-US" sz="1200">
                           <a:solidFill>
-                            <a:srgbClr val="000f2f"/>
+                            <a:srgbClr val="000F2F"/>
                           </a:solidFill>
                         </a:rPr>
                         <a:t>품질 관리</a:t>
                       </a:r>
-                      <a:endParaRPr lang="ko-KR" altLang="en-US" sz="1200">
-                        <a:solidFill>
-                          <a:srgbClr val="000f2f"/>
-                        </a:solidFill>
-                      </a:endParaRPr>
-                    </a:p>
-                  </a:txBody>
-                  <a:tcPr marL="91440" marR="91440" anchor="ctr">
+                    </a:p>
+                  </a:txBody>
+                  <a:tcPr anchor="ctr">
                     <a:lnL w="6350" cap="flat" cmpd="sng" algn="ctr">
                       <a:solidFill>
                         <a:schemeClr val="tx1">
@@ -15746,6 +15991,7 @@
                 <a:tc hMerge="1">
                   <a:txBody>
                     <a:bodyPr/>
+                    <a:lstStyle/>
                     <a:p>
                       <a:pPr latinLnBrk="1">
                         <a:defRPr/>
@@ -15753,11 +15999,12 @@
                       <a:endParaRPr lang="ko-KR" altLang="en-US"/>
                     </a:p>
                   </a:txBody>
-                  <a:tcPr marL="91440" marR="91440"/>
+                  <a:tcPr/>
                 </a:tc>
                 <a:tc hMerge="1">
                   <a:txBody>
                     <a:bodyPr/>
+                    <a:lstStyle/>
                     <a:p>
                       <a:pPr latinLnBrk="1">
                         <a:defRPr/>
@@ -15765,11 +16012,12 @@
                       <a:endParaRPr lang="ko-KR" altLang="en-US"/>
                     </a:p>
                   </a:txBody>
-                  <a:tcPr marL="91440" marR="91440"/>
+                  <a:tcPr/>
                 </a:tc>
                 <a:tc hMerge="1">
                   <a:txBody>
                     <a:bodyPr/>
+                    <a:lstStyle/>
                     <a:p>
                       <a:pPr latinLnBrk="1">
                         <a:defRPr/>
@@ -15777,11 +16025,12 @@
                       <a:endParaRPr lang="ko-KR" altLang="en-US"/>
                     </a:p>
                   </a:txBody>
-                  <a:tcPr marL="91440" marR="91440"/>
+                  <a:tcPr/>
                 </a:tc>
                 <a:tc hMerge="1">
                   <a:txBody>
                     <a:bodyPr/>
+                    <a:lstStyle/>
                     <a:p>
                       <a:pPr latinLnBrk="1">
                         <a:defRPr/>
@@ -15789,11 +16038,12 @@
                       <a:endParaRPr lang="ko-KR" altLang="en-US"/>
                     </a:p>
                   </a:txBody>
-                  <a:tcPr marL="91440" marR="91440"/>
+                  <a:tcPr/>
                 </a:tc>
                 <a:tc hMerge="1">
                   <a:txBody>
                     <a:bodyPr/>
+                    <a:lstStyle/>
                     <a:p>
                       <a:pPr latinLnBrk="1">
                         <a:defRPr/>
@@ -15801,11 +16051,12 @@
                       <a:endParaRPr lang="ko-KR" altLang="en-US"/>
                     </a:p>
                   </a:txBody>
-                  <a:tcPr marL="91440" marR="91440"/>
+                  <a:tcPr/>
                 </a:tc>
                 <a:tc hMerge="1">
                   <a:txBody>
                     <a:bodyPr/>
+                    <a:lstStyle/>
                     <a:p>
                       <a:pPr latinLnBrk="1">
                         <a:defRPr/>
@@ -15813,11 +16064,12 @@
                       <a:endParaRPr lang="ko-KR" altLang="en-US"/>
                     </a:p>
                   </a:txBody>
-                  <a:tcPr marL="91440" marR="91440"/>
+                  <a:tcPr/>
                 </a:tc>
                 <a:tc hMerge="1">
                   <a:txBody>
                     <a:bodyPr/>
+                    <a:lstStyle/>
                     <a:p>
                       <a:pPr latinLnBrk="1">
                         <a:defRPr/>
@@ -15825,11 +16077,12 @@
                       <a:endParaRPr lang="ko-KR" altLang="en-US"/>
                     </a:p>
                   </a:txBody>
-                  <a:tcPr marL="91440" marR="91440"/>
+                  <a:tcPr/>
                 </a:tc>
                 <a:tc hMerge="1">
                   <a:txBody>
                     <a:bodyPr/>
+                    <a:lstStyle/>
                     <a:p>
                       <a:pPr latinLnBrk="1">
                         <a:defRPr/>
@@ -15837,13 +16090,19 @@
                       <a:endParaRPr lang="ko-KR" altLang="en-US"/>
                     </a:p>
                   </a:txBody>
-                  <a:tcPr marL="91440" marR="91440"/>
-                </a:tc>
+                  <a:tcPr/>
+                </a:tc>
+                <a:extLst>
+                  <a:ext uri="{0D108BD9-81ED-4DB2-BD59-A6C34878D82A}">
+                    <a16:rowId xmlns:a16="http://schemas.microsoft.com/office/drawing/2014/main" val="10012"/>
+                  </a:ext>
+                </a:extLst>
               </a:tr>
               <a:tr h="306493">
                 <a:tc vMerge="1">
                   <a:txBody>
                     <a:bodyPr/>
+                    <a:lstStyle/>
                     <a:p>
                       <a:pPr latinLnBrk="1">
                         <a:defRPr/>
@@ -15851,23 +16110,24 @@
                       <a:endParaRPr lang="ko-KR" altLang="en-US"/>
                     </a:p>
                   </a:txBody>
-                  <a:tcPr marL="91440" marR="91440"/>
+                  <a:tcPr/>
                 </a:tc>
                 <a:tc>
                   <a:txBody>
-                    <a:bodyPr vert="horz" lIns="91440" tIns="45720" rIns="91440" bIns="45720" anchor="ctr" anchorCtr="0"/>
+                    <a:bodyPr/>
+                    <a:lstStyle/>
                     <a:p>
                       <a:pPr algn="ctr" latinLnBrk="1">
                         <a:defRPr/>
                       </a:pPr>
                       <a:endParaRPr lang="ko-KR" altLang="en-US" sz="1200">
                         <a:solidFill>
-                          <a:srgbClr val="000f2f"/>
+                          <a:srgbClr val="000F2F"/>
                         </a:solidFill>
                       </a:endParaRPr>
                     </a:p>
                   </a:txBody>
-                  <a:tcPr marL="91440" marR="91440" anchor="ctr">
+                  <a:tcPr anchor="ctr">
                     <a:lnL w="12700" cap="flat" cmpd="sng" algn="ctr">
                       <a:solidFill>
                         <a:sysClr val="windowText" lastClr="000000"/>
@@ -15926,7 +16186,8 @@
                 </a:tc>
                 <a:tc gridSpan="9">
                   <a:txBody>
-                    <a:bodyPr vert="horz" lIns="91440" tIns="45720" rIns="91440" bIns="45720" anchor="ctr" anchorCtr="0"/>
+                    <a:bodyPr/>
+                    <a:lstStyle/>
                     <a:p>
                       <a:pPr latinLnBrk="1">
                         <a:defRPr/>
@@ -15934,7 +16195,7 @@
                       <a:r>
                         <a:rPr lang="ko-KR" altLang="en-US" sz="1200">
                           <a:solidFill>
-                            <a:srgbClr val="000f2f"/>
+                            <a:srgbClr val="000F2F"/>
                           </a:solidFill>
                         </a:rPr>
                         <a:t>프론트엔드 설계 및 개발</a:t>
@@ -15942,7 +16203,7 @@
                       <a:r>
                         <a:rPr lang="en-US" altLang="ko-KR" sz="1200">
                           <a:solidFill>
-                            <a:srgbClr val="000f2f"/>
+                            <a:srgbClr val="000F2F"/>
                           </a:solidFill>
                         </a:rPr>
                         <a:t>, ERD</a:t>
@@ -15950,7 +16211,7 @@
                       <a:r>
                         <a:rPr lang="ko-KR" altLang="en-US" sz="1200">
                           <a:solidFill>
-                            <a:srgbClr val="000f2f"/>
+                            <a:srgbClr val="000F2F"/>
                           </a:solidFill>
                         </a:rPr>
                         <a:t>설계</a:t>
@@ -15958,7 +16219,7 @@
                       <a:r>
                         <a:rPr lang="en-US" altLang="ko-KR" sz="1200">
                           <a:solidFill>
-                            <a:srgbClr val="000f2f"/>
+                            <a:srgbClr val="000F2F"/>
                           </a:solidFill>
                         </a:rPr>
                         <a:t>, </a:t>
@@ -15966,7 +16227,7 @@
                       <a:r>
                         <a:rPr lang="ko-KR" altLang="en-US" sz="1200">
                           <a:solidFill>
-                            <a:srgbClr val="000f2f"/>
+                            <a:srgbClr val="000F2F"/>
                           </a:solidFill>
                         </a:rPr>
                         <a:t>배포 및 테스트</a:t>
@@ -15974,7 +16235,7 @@
                       <a:r>
                         <a:rPr lang="en-US" altLang="ko-KR" sz="1200">
                           <a:solidFill>
-                            <a:srgbClr val="000f2f"/>
+                            <a:srgbClr val="000F2F"/>
                           </a:solidFill>
                         </a:rPr>
                         <a:t>, </a:t>
@@ -15982,19 +16243,14 @@
                       <a:r>
                         <a:rPr lang="ko-KR" altLang="en-US" sz="1200">
                           <a:solidFill>
-                            <a:srgbClr val="000f2f"/>
+                            <a:srgbClr val="000F2F"/>
                           </a:solidFill>
                         </a:rPr>
                         <a:t>데모시연</a:t>
                       </a:r>
-                      <a:endParaRPr lang="ko-KR" altLang="en-US" sz="1200">
-                        <a:solidFill>
-                          <a:srgbClr val="000f2f"/>
-                        </a:solidFill>
-                      </a:endParaRPr>
-                    </a:p>
-                  </a:txBody>
-                  <a:tcPr marL="91440" marR="91440" anchor="ctr">
+                    </a:p>
+                  </a:txBody>
+                  <a:tcPr anchor="ctr">
                     <a:lnL w="6350" cap="flat" cmpd="sng" algn="ctr">
                       <a:solidFill>
                         <a:schemeClr val="tx1">
@@ -16054,6 +16310,7 @@
                 <a:tc hMerge="1">
                   <a:txBody>
                     <a:bodyPr/>
+                    <a:lstStyle/>
                     <a:p>
                       <a:pPr latinLnBrk="1">
                         <a:defRPr/>
@@ -16061,11 +16318,12 @@
                       <a:endParaRPr lang="ko-KR" altLang="en-US"/>
                     </a:p>
                   </a:txBody>
-                  <a:tcPr marL="91440" marR="91440"/>
+                  <a:tcPr/>
                 </a:tc>
                 <a:tc hMerge="1">
                   <a:txBody>
                     <a:bodyPr/>
+                    <a:lstStyle/>
                     <a:p>
                       <a:pPr latinLnBrk="1">
                         <a:defRPr/>
@@ -16073,11 +16331,12 @@
                       <a:endParaRPr lang="ko-KR" altLang="en-US"/>
                     </a:p>
                   </a:txBody>
-                  <a:tcPr marL="91440" marR="91440"/>
+                  <a:tcPr/>
                 </a:tc>
                 <a:tc hMerge="1">
                   <a:txBody>
                     <a:bodyPr/>
+                    <a:lstStyle/>
                     <a:p>
                       <a:pPr latinLnBrk="1">
                         <a:defRPr/>
@@ -16085,11 +16344,12 @@
                       <a:endParaRPr lang="ko-KR" altLang="en-US"/>
                     </a:p>
                   </a:txBody>
-                  <a:tcPr marL="91440" marR="91440"/>
+                  <a:tcPr/>
                 </a:tc>
                 <a:tc hMerge="1">
                   <a:txBody>
                     <a:bodyPr/>
+                    <a:lstStyle/>
                     <a:p>
                       <a:pPr latinLnBrk="1">
                         <a:defRPr/>
@@ -16097,11 +16357,12 @@
                       <a:endParaRPr lang="ko-KR" altLang="en-US"/>
                     </a:p>
                   </a:txBody>
-                  <a:tcPr marL="91440" marR="91440"/>
+                  <a:tcPr/>
                 </a:tc>
                 <a:tc hMerge="1">
                   <a:txBody>
                     <a:bodyPr/>
+                    <a:lstStyle/>
                     <a:p>
                       <a:pPr latinLnBrk="1">
                         <a:defRPr/>
@@ -16109,11 +16370,12 @@
                       <a:endParaRPr lang="ko-KR" altLang="en-US"/>
                     </a:p>
                   </a:txBody>
-                  <a:tcPr marL="91440" marR="91440"/>
+                  <a:tcPr/>
                 </a:tc>
                 <a:tc hMerge="1">
                   <a:txBody>
                     <a:bodyPr/>
+                    <a:lstStyle/>
                     <a:p>
                       <a:pPr latinLnBrk="1">
                         <a:defRPr/>
@@ -16121,11 +16383,12 @@
                       <a:endParaRPr lang="ko-KR" altLang="en-US"/>
                     </a:p>
                   </a:txBody>
-                  <a:tcPr marL="91440" marR="91440"/>
+                  <a:tcPr/>
                 </a:tc>
                 <a:tc hMerge="1">
                   <a:txBody>
                     <a:bodyPr/>
+                    <a:lstStyle/>
                     <a:p>
                       <a:pPr latinLnBrk="1">
                         <a:defRPr/>
@@ -16133,11 +16396,12 @@
                       <a:endParaRPr lang="ko-KR" altLang="en-US"/>
                     </a:p>
                   </a:txBody>
-                  <a:tcPr marL="91440" marR="91440"/>
+                  <a:tcPr/>
                 </a:tc>
                 <a:tc hMerge="1">
                   <a:txBody>
                     <a:bodyPr/>
+                    <a:lstStyle/>
                     <a:p>
                       <a:pPr latinLnBrk="1">
                         <a:defRPr/>
@@ -16145,13 +16409,19 @@
                       <a:endParaRPr lang="ko-KR" altLang="en-US"/>
                     </a:p>
                   </a:txBody>
-                  <a:tcPr marL="91440" marR="91440"/>
-                </a:tc>
+                  <a:tcPr/>
+                </a:tc>
+                <a:extLst>
+                  <a:ext uri="{0D108BD9-81ED-4DB2-BD59-A6C34878D82A}">
+                    <a16:rowId xmlns:a16="http://schemas.microsoft.com/office/drawing/2014/main" val="10013"/>
+                  </a:ext>
+                </a:extLst>
               </a:tr>
               <a:tr h="306493">
                 <a:tc vMerge="1">
                   <a:txBody>
                     <a:bodyPr/>
+                    <a:lstStyle/>
                     <a:p>
                       <a:pPr latinLnBrk="1">
                         <a:defRPr/>
@@ -16159,23 +16429,24 @@
                       <a:endParaRPr lang="ko-KR" altLang="en-US"/>
                     </a:p>
                   </a:txBody>
-                  <a:tcPr marL="91440" marR="91440"/>
+                  <a:tcPr/>
                 </a:tc>
                 <a:tc>
                   <a:txBody>
-                    <a:bodyPr vert="horz" lIns="91440" tIns="45720" rIns="91440" bIns="45720" anchor="ctr" anchorCtr="0"/>
+                    <a:bodyPr/>
+                    <a:lstStyle/>
                     <a:p>
                       <a:pPr algn="ctr" latinLnBrk="1">
                         <a:defRPr/>
                       </a:pPr>
                       <a:endParaRPr lang="ko-KR" altLang="en-US" sz="1200">
                         <a:solidFill>
-                          <a:srgbClr val="000f2f"/>
+                          <a:srgbClr val="000F2F"/>
                         </a:solidFill>
                       </a:endParaRPr>
                     </a:p>
                   </a:txBody>
-                  <a:tcPr marL="91440" marR="91440" anchor="ctr">
+                  <a:tcPr anchor="ctr">
                     <a:lnL w="12700" cap="flat" cmpd="sng" algn="ctr">
                       <a:solidFill>
                         <a:sysClr val="windowText" lastClr="000000"/>
@@ -16234,7 +16505,8 @@
                 </a:tc>
                 <a:tc gridSpan="9">
                   <a:txBody>
-                    <a:bodyPr vert="horz" lIns="91440" tIns="45720" rIns="91440" bIns="45720" anchor="ctr" anchorCtr="0"/>
+                    <a:bodyPr/>
+                    <a:lstStyle/>
                     <a:p>
                       <a:pPr latinLnBrk="1">
                         <a:defRPr/>
@@ -16242,7 +16514,7 @@
                       <a:r>
                         <a:rPr lang="en-US" altLang="ko-KR" sz="1200">
                           <a:solidFill>
-                            <a:srgbClr val="000f2f"/>
+                            <a:srgbClr val="000F2F"/>
                           </a:solidFill>
                         </a:rPr>
                         <a:t>ERD</a:t>
@@ -16250,7 +16522,7 @@
                       <a:r>
                         <a:rPr lang="ko-KR" altLang="en-US" sz="1200">
                           <a:solidFill>
-                            <a:srgbClr val="000f2f"/>
+                            <a:srgbClr val="000F2F"/>
                           </a:solidFill>
                         </a:rPr>
                         <a:t>설계</a:t>
@@ -16258,7 +16530,7 @@
                       <a:r>
                         <a:rPr lang="en-US" altLang="ko-KR" sz="1200">
                           <a:solidFill>
-                            <a:srgbClr val="000f2f"/>
+                            <a:srgbClr val="000F2F"/>
                           </a:solidFill>
                         </a:rPr>
                         <a:t>, </a:t>
@@ -16266,7 +16538,7 @@
                       <a:r>
                         <a:rPr lang="ko-KR" altLang="en-US" sz="1200">
                           <a:solidFill>
-                            <a:srgbClr val="000f2f"/>
+                            <a:srgbClr val="000F2F"/>
                           </a:solidFill>
                         </a:rPr>
                         <a:t>영상제작</a:t>
@@ -16274,7 +16546,7 @@
                       <a:r>
                         <a:rPr lang="en-US" altLang="ko-KR" sz="1200">
                           <a:solidFill>
-                            <a:srgbClr val="000f2f"/>
+                            <a:srgbClr val="000F2F"/>
                           </a:solidFill>
                         </a:rPr>
                         <a:t>, </a:t>
@@ -16282,7 +16554,7 @@
                       <a:r>
                         <a:rPr lang="ko-KR" altLang="en-US" sz="1200">
                           <a:solidFill>
-                            <a:srgbClr val="000f2f"/>
+                            <a:srgbClr val="000F2F"/>
                           </a:solidFill>
                         </a:rPr>
                         <a:t>테스트</a:t>
@@ -16290,7 +16562,7 @@
                       <a:r>
                         <a:rPr lang="en-US" altLang="ko-KR" sz="1200">
                           <a:solidFill>
-                            <a:srgbClr val="000f2f"/>
+                            <a:srgbClr val="000F2F"/>
                           </a:solidFill>
                         </a:rPr>
                         <a:t>, </a:t>
@@ -16298,7 +16570,7 @@
                       <a:r>
                         <a:rPr lang="ko-KR" altLang="en-US" sz="1200">
                           <a:solidFill>
-                            <a:srgbClr val="000f2f"/>
+                            <a:srgbClr val="000F2F"/>
                           </a:solidFill>
                         </a:rPr>
                         <a:t>사용자</a:t>
@@ -16306,7 +16578,7 @@
                       <a:r>
                         <a:rPr lang="en-US" altLang="ko-KR" sz="1200">
                           <a:solidFill>
-                            <a:srgbClr val="000f2f"/>
+                            <a:srgbClr val="000F2F"/>
                           </a:solidFill>
                         </a:rPr>
                         <a:t>·</a:t>
@@ -16314,19 +16586,14 @@
                       <a:r>
                         <a:rPr lang="ko-KR" altLang="en-US" sz="1200">
                           <a:solidFill>
-                            <a:srgbClr val="000f2f"/>
+                            <a:srgbClr val="000F2F"/>
                           </a:solidFill>
                         </a:rPr>
                         <a:t>운영자 매뉴얼</a:t>
                       </a:r>
-                      <a:endParaRPr lang="ko-KR" altLang="en-US" sz="1200">
-                        <a:solidFill>
-                          <a:srgbClr val="000f2f"/>
-                        </a:solidFill>
-                      </a:endParaRPr>
-                    </a:p>
-                  </a:txBody>
-                  <a:tcPr marL="91440" marR="91440" anchor="ctr">
+                    </a:p>
+                  </a:txBody>
+                  <a:tcPr anchor="ctr">
                     <a:lnL w="6350" cap="flat" cmpd="sng" algn="ctr">
                       <a:solidFill>
                         <a:schemeClr val="tx1">
@@ -16386,6 +16653,7 @@
                 <a:tc hMerge="1">
                   <a:txBody>
                     <a:bodyPr/>
+                    <a:lstStyle/>
                     <a:p>
                       <a:pPr latinLnBrk="1">
                         <a:defRPr/>
@@ -16393,11 +16661,12 @@
                       <a:endParaRPr lang="ko-KR" altLang="en-US"/>
                     </a:p>
                   </a:txBody>
-                  <a:tcPr marL="91440" marR="91440"/>
+                  <a:tcPr/>
                 </a:tc>
                 <a:tc hMerge="1">
                   <a:txBody>
                     <a:bodyPr/>
+                    <a:lstStyle/>
                     <a:p>
                       <a:pPr latinLnBrk="1">
                         <a:defRPr/>
@@ -16405,11 +16674,12 @@
                       <a:endParaRPr lang="ko-KR" altLang="en-US"/>
                     </a:p>
                   </a:txBody>
-                  <a:tcPr marL="91440" marR="91440"/>
+                  <a:tcPr/>
                 </a:tc>
                 <a:tc hMerge="1">
                   <a:txBody>
                     <a:bodyPr/>
+                    <a:lstStyle/>
                     <a:p>
                       <a:pPr latinLnBrk="1">
                         <a:defRPr/>
@@ -16417,11 +16687,12 @@
                       <a:endParaRPr lang="ko-KR" altLang="en-US"/>
                     </a:p>
                   </a:txBody>
-                  <a:tcPr marL="91440" marR="91440"/>
+                  <a:tcPr/>
                 </a:tc>
                 <a:tc hMerge="1">
                   <a:txBody>
                     <a:bodyPr/>
+                    <a:lstStyle/>
                     <a:p>
                       <a:pPr latinLnBrk="1">
                         <a:defRPr/>
@@ -16429,11 +16700,12 @@
                       <a:endParaRPr lang="ko-KR" altLang="en-US"/>
                     </a:p>
                   </a:txBody>
-                  <a:tcPr marL="91440" marR="91440"/>
+                  <a:tcPr/>
                 </a:tc>
                 <a:tc hMerge="1">
                   <a:txBody>
                     <a:bodyPr/>
+                    <a:lstStyle/>
                     <a:p>
                       <a:pPr latinLnBrk="1">
                         <a:defRPr/>
@@ -16441,11 +16713,12 @@
                       <a:endParaRPr lang="ko-KR" altLang="en-US"/>
                     </a:p>
                   </a:txBody>
-                  <a:tcPr marL="91440" marR="91440"/>
+                  <a:tcPr/>
                 </a:tc>
                 <a:tc hMerge="1">
                   <a:txBody>
                     <a:bodyPr/>
+                    <a:lstStyle/>
                     <a:p>
                       <a:pPr latinLnBrk="1">
                         <a:defRPr/>
@@ -16453,11 +16726,12 @@
                       <a:endParaRPr lang="ko-KR" altLang="en-US"/>
                     </a:p>
                   </a:txBody>
-                  <a:tcPr marL="91440" marR="91440"/>
+                  <a:tcPr/>
                 </a:tc>
                 <a:tc hMerge="1">
                   <a:txBody>
                     <a:bodyPr/>
+                    <a:lstStyle/>
                     <a:p>
                       <a:pPr latinLnBrk="1">
                         <a:defRPr/>
@@ -16465,11 +16739,12 @@
                       <a:endParaRPr lang="ko-KR" altLang="en-US"/>
                     </a:p>
                   </a:txBody>
-                  <a:tcPr marL="91440" marR="91440"/>
+                  <a:tcPr/>
                 </a:tc>
                 <a:tc hMerge="1">
                   <a:txBody>
                     <a:bodyPr/>
+                    <a:lstStyle/>
                     <a:p>
                       <a:pPr latinLnBrk="1">
                         <a:defRPr/>
@@ -16477,13 +16752,19 @@
                       <a:endParaRPr lang="ko-KR" altLang="en-US"/>
                     </a:p>
                   </a:txBody>
-                  <a:tcPr marL="91440" marR="91440"/>
-                </a:tc>
+                  <a:tcPr/>
+                </a:tc>
+                <a:extLst>
+                  <a:ext uri="{0D108BD9-81ED-4DB2-BD59-A6C34878D82A}">
+                    <a16:rowId xmlns:a16="http://schemas.microsoft.com/office/drawing/2014/main" val="10014"/>
+                  </a:ext>
+                </a:extLst>
               </a:tr>
               <a:tr h="306493">
                 <a:tc vMerge="1">
                   <a:txBody>
                     <a:bodyPr/>
+                    <a:lstStyle/>
                     <a:p>
                       <a:pPr latinLnBrk="1">
                         <a:defRPr/>
@@ -16491,23 +16772,24 @@
                       <a:endParaRPr lang="ko-KR" altLang="en-US"/>
                     </a:p>
                   </a:txBody>
-                  <a:tcPr marL="91440" marR="91440"/>
+                  <a:tcPr/>
                 </a:tc>
                 <a:tc>
                   <a:txBody>
-                    <a:bodyPr vert="horz" lIns="91440" tIns="45720" rIns="91440" bIns="45720" anchor="ctr" anchorCtr="0"/>
+                    <a:bodyPr/>
+                    <a:lstStyle/>
                     <a:p>
                       <a:pPr algn="ctr" latinLnBrk="1">
                         <a:defRPr/>
                       </a:pPr>
                       <a:endParaRPr lang="ko-KR" altLang="en-US" sz="1200">
                         <a:solidFill>
-                          <a:srgbClr val="000f2f"/>
+                          <a:srgbClr val="000F2F"/>
                         </a:solidFill>
                       </a:endParaRPr>
                     </a:p>
                   </a:txBody>
-                  <a:tcPr marL="91440" marR="91440" anchor="ctr">
+                  <a:tcPr anchor="ctr">
                     <a:lnL w="12700" cap="flat" cmpd="sng" algn="ctr">
                       <a:solidFill>
                         <a:sysClr val="windowText" lastClr="000000"/>
@@ -16566,7 +16848,8 @@
                 </a:tc>
                 <a:tc gridSpan="9">
                   <a:txBody>
-                    <a:bodyPr vert="horz" lIns="91440" tIns="45720" rIns="91440" bIns="45720" anchor="ctr" anchorCtr="0"/>
+                    <a:bodyPr/>
+                    <a:lstStyle/>
                     <a:p>
                       <a:pPr latinLnBrk="1">
                         <a:defRPr/>
@@ -16574,7 +16857,7 @@
                       <a:r>
                         <a:rPr lang="en-US" altLang="ko-KR" sz="1200">
                           <a:solidFill>
-                            <a:srgbClr val="000f2f"/>
+                            <a:srgbClr val="000F2F"/>
                           </a:solidFill>
                         </a:rPr>
                         <a:t>ERD</a:t>
@@ -16582,7 +16865,7 @@
                       <a:r>
                         <a:rPr lang="ko-KR" altLang="en-US" sz="1200">
                           <a:solidFill>
-                            <a:srgbClr val="000f2f"/>
+                            <a:srgbClr val="000F2F"/>
                           </a:solidFill>
                         </a:rPr>
                         <a:t>설계</a:t>
@@ -16590,7 +16873,7 @@
                       <a:r>
                         <a:rPr lang="en-US" altLang="ko-KR" sz="1200">
                           <a:solidFill>
-                            <a:srgbClr val="000f2f"/>
+                            <a:srgbClr val="000F2F"/>
                           </a:solidFill>
                         </a:rPr>
                         <a:t>, </a:t>
@@ -16598,7 +16881,7 @@
                       <a:r>
                         <a:rPr lang="ko-KR" altLang="en-US" sz="1200">
                           <a:solidFill>
-                            <a:srgbClr val="000f2f"/>
+                            <a:srgbClr val="000F2F"/>
                           </a:solidFill>
                         </a:rPr>
                         <a:t>개발환경 구성</a:t>
@@ -16606,7 +16889,7 @@
                       <a:r>
                         <a:rPr lang="en-US" altLang="ko-KR" sz="1200">
                           <a:solidFill>
-                            <a:srgbClr val="000f2f"/>
+                            <a:srgbClr val="000F2F"/>
                           </a:solidFill>
                         </a:rPr>
                         <a:t>, DBMS </a:t>
@@ -16614,19 +16897,14 @@
                       <a:r>
                         <a:rPr lang="ko-KR" altLang="en-US" sz="1200">
                           <a:solidFill>
-                            <a:srgbClr val="000f2f"/>
+                            <a:srgbClr val="000F2F"/>
                           </a:solidFill>
                         </a:rPr>
                         <a:t>환경설정</a:t>
                       </a:r>
-                      <a:endParaRPr lang="ko-KR" altLang="en-US" sz="1200">
-                        <a:solidFill>
-                          <a:srgbClr val="000f2f"/>
-                        </a:solidFill>
-                      </a:endParaRPr>
-                    </a:p>
-                  </a:txBody>
-                  <a:tcPr marL="91440" marR="91440" anchor="ctr">
+                    </a:p>
+                  </a:txBody>
+                  <a:tcPr anchor="ctr">
                     <a:lnL w="6350" cap="flat" cmpd="sng" algn="ctr">
                       <a:solidFill>
                         <a:schemeClr val="tx1">
@@ -16686,6 +16964,7 @@
                 <a:tc hMerge="1">
                   <a:txBody>
                     <a:bodyPr/>
+                    <a:lstStyle/>
                     <a:p>
                       <a:pPr latinLnBrk="1">
                         <a:defRPr/>
@@ -16693,11 +16972,12 @@
                       <a:endParaRPr lang="ko-KR" altLang="en-US"/>
                     </a:p>
                   </a:txBody>
-                  <a:tcPr marL="91440" marR="91440"/>
+                  <a:tcPr/>
                 </a:tc>
                 <a:tc hMerge="1">
                   <a:txBody>
                     <a:bodyPr/>
+                    <a:lstStyle/>
                     <a:p>
                       <a:pPr latinLnBrk="1">
                         <a:defRPr/>
@@ -16705,11 +16985,12 @@
                       <a:endParaRPr lang="ko-KR" altLang="en-US"/>
                     </a:p>
                   </a:txBody>
-                  <a:tcPr marL="91440" marR="91440"/>
+                  <a:tcPr/>
                 </a:tc>
                 <a:tc hMerge="1">
                   <a:txBody>
                     <a:bodyPr/>
+                    <a:lstStyle/>
                     <a:p>
                       <a:pPr latinLnBrk="1">
                         <a:defRPr/>
@@ -16717,11 +16998,12 @@
                       <a:endParaRPr lang="ko-KR" altLang="en-US"/>
                     </a:p>
                   </a:txBody>
-                  <a:tcPr marL="91440" marR="91440"/>
+                  <a:tcPr/>
                 </a:tc>
                 <a:tc hMerge="1">
                   <a:txBody>
                     <a:bodyPr/>
+                    <a:lstStyle/>
                     <a:p>
                       <a:pPr latinLnBrk="1">
                         <a:defRPr/>
@@ -16729,11 +17011,12 @@
                       <a:endParaRPr lang="ko-KR" altLang="en-US"/>
                     </a:p>
                   </a:txBody>
-                  <a:tcPr marL="91440" marR="91440"/>
+                  <a:tcPr/>
                 </a:tc>
                 <a:tc hMerge="1">
                   <a:txBody>
                     <a:bodyPr/>
+                    <a:lstStyle/>
                     <a:p>
                       <a:pPr latinLnBrk="1">
                         <a:defRPr/>
@@ -16741,11 +17024,12 @@
                       <a:endParaRPr lang="ko-KR" altLang="en-US"/>
                     </a:p>
                   </a:txBody>
-                  <a:tcPr marL="91440" marR="91440"/>
+                  <a:tcPr/>
                 </a:tc>
                 <a:tc hMerge="1">
                   <a:txBody>
                     <a:bodyPr/>
+                    <a:lstStyle/>
                     <a:p>
                       <a:pPr latinLnBrk="1">
                         <a:defRPr/>
@@ -16753,11 +17037,12 @@
                       <a:endParaRPr lang="ko-KR" altLang="en-US"/>
                     </a:p>
                   </a:txBody>
-                  <a:tcPr marL="91440" marR="91440"/>
+                  <a:tcPr/>
                 </a:tc>
                 <a:tc hMerge="1">
                   <a:txBody>
                     <a:bodyPr/>
+                    <a:lstStyle/>
                     <a:p>
                       <a:pPr latinLnBrk="1">
                         <a:defRPr/>
@@ -16765,11 +17050,12 @@
                       <a:endParaRPr lang="ko-KR" altLang="en-US"/>
                     </a:p>
                   </a:txBody>
-                  <a:tcPr marL="91440" marR="91440"/>
+                  <a:tcPr/>
                 </a:tc>
                 <a:tc hMerge="1">
                   <a:txBody>
                     <a:bodyPr/>
+                    <a:lstStyle/>
                     <a:p>
                       <a:pPr latinLnBrk="1">
                         <a:defRPr/>
@@ -16777,13 +17063,19 @@
                       <a:endParaRPr lang="ko-KR" altLang="en-US"/>
                     </a:p>
                   </a:txBody>
-                  <a:tcPr marL="91440" marR="91440"/>
-                </a:tc>
+                  <a:tcPr/>
+                </a:tc>
+                <a:extLst>
+                  <a:ext uri="{0D108BD9-81ED-4DB2-BD59-A6C34878D82A}">
+                    <a16:rowId xmlns:a16="http://schemas.microsoft.com/office/drawing/2014/main" val="10015"/>
+                  </a:ext>
+                </a:extLst>
               </a:tr>
               <a:tr h="306493">
                 <a:tc vMerge="1">
                   <a:txBody>
                     <a:bodyPr/>
+                    <a:lstStyle/>
                     <a:p>
                       <a:pPr latinLnBrk="1">
                         <a:defRPr/>
@@ -16791,23 +17083,24 @@
                       <a:endParaRPr lang="ko-KR" altLang="en-US"/>
                     </a:p>
                   </a:txBody>
-                  <a:tcPr marL="91440" marR="91440"/>
+                  <a:tcPr/>
                 </a:tc>
                 <a:tc>
                   <a:txBody>
-                    <a:bodyPr vert="horz" lIns="91440" tIns="45720" rIns="91440" bIns="45720" anchor="ctr" anchorCtr="0"/>
+                    <a:bodyPr/>
+                    <a:lstStyle/>
                     <a:p>
                       <a:pPr algn="ctr" latinLnBrk="1">
                         <a:defRPr/>
                       </a:pPr>
                       <a:endParaRPr lang="ko-KR" altLang="en-US" sz="1200">
                         <a:solidFill>
-                          <a:srgbClr val="000f2f"/>
+                          <a:srgbClr val="000F2F"/>
                         </a:solidFill>
                       </a:endParaRPr>
                     </a:p>
                   </a:txBody>
-                  <a:tcPr marL="91440" marR="91440" anchor="ctr">
+                  <a:tcPr anchor="ctr">
                     <a:lnL w="12700" cap="flat" cmpd="sng" algn="ctr">
                       <a:solidFill>
                         <a:sysClr val="windowText" lastClr="000000"/>
@@ -16863,7 +17156,8 @@
                 </a:tc>
                 <a:tc gridSpan="9">
                   <a:txBody>
-                    <a:bodyPr vert="horz" lIns="91440" tIns="45720" rIns="91440" bIns="45720" anchor="ctr" anchorCtr="0"/>
+                    <a:bodyPr/>
+                    <a:lstStyle/>
                     <a:p>
                       <a:pPr latinLnBrk="1">
                         <a:defRPr/>
@@ -16871,7 +17165,7 @@
                       <a:r>
                         <a:rPr lang="en-US" altLang="ko-KR" sz="1200">
                           <a:solidFill>
-                            <a:srgbClr val="000f2f"/>
+                            <a:srgbClr val="000F2F"/>
                           </a:solidFill>
                         </a:rPr>
                         <a:t>CSR </a:t>
@@ -16879,7 +17173,7 @@
                       <a:r>
                         <a:rPr lang="ko-KR" altLang="en-US" sz="1200">
                           <a:solidFill>
-                            <a:srgbClr val="000f2f"/>
+                            <a:srgbClr val="000F2F"/>
                           </a:solidFill>
                         </a:rPr>
                         <a:t>기능 명세</a:t>
@@ -16887,7 +17181,7 @@
                       <a:r>
                         <a:rPr lang="en-US" altLang="ko-KR" sz="1200">
                           <a:solidFill>
-                            <a:srgbClr val="000f2f"/>
+                            <a:srgbClr val="000F2F"/>
                           </a:solidFill>
                         </a:rPr>
                         <a:t>, </a:t>
@@ -16895,19 +17189,14 @@
                       <a:r>
                         <a:rPr lang="ko-KR" altLang="en-US" sz="1200">
                           <a:solidFill>
-                            <a:srgbClr val="000f2f"/>
+                            <a:srgbClr val="000F2F"/>
                           </a:solidFill>
                         </a:rPr>
                         <a:t>백엔드 설계 및 개발</a:t>
                       </a:r>
-                      <a:endParaRPr lang="ko-KR" altLang="en-US" sz="1200">
-                        <a:solidFill>
-                          <a:srgbClr val="000f2f"/>
-                        </a:solidFill>
-                      </a:endParaRPr>
-                    </a:p>
-                  </a:txBody>
-                  <a:tcPr marL="91440" marR="91440" anchor="ctr">
+                    </a:p>
+                  </a:txBody>
+                  <a:tcPr anchor="ctr">
                     <a:lnL w="6350" cap="flat" cmpd="sng" algn="ctr">
                       <a:solidFill>
                         <a:schemeClr val="tx1">
@@ -16964,6 +17253,7 @@
                 <a:tc hMerge="1">
                   <a:txBody>
                     <a:bodyPr/>
+                    <a:lstStyle/>
                     <a:p>
                       <a:pPr latinLnBrk="1">
                         <a:defRPr/>
@@ -16971,11 +17261,12 @@
                       <a:endParaRPr lang="ko-KR" altLang="en-US"/>
                     </a:p>
                   </a:txBody>
-                  <a:tcPr marL="91440" marR="91440"/>
+                  <a:tcPr/>
                 </a:tc>
                 <a:tc hMerge="1">
                   <a:txBody>
                     <a:bodyPr/>
+                    <a:lstStyle/>
                     <a:p>
                       <a:pPr latinLnBrk="1">
                         <a:defRPr/>
@@ -16983,11 +17274,12 @@
                       <a:endParaRPr lang="ko-KR" altLang="en-US"/>
                     </a:p>
                   </a:txBody>
-                  <a:tcPr marL="91440" marR="91440"/>
+                  <a:tcPr/>
                 </a:tc>
                 <a:tc hMerge="1">
                   <a:txBody>
                     <a:bodyPr/>
+                    <a:lstStyle/>
                     <a:p>
                       <a:pPr latinLnBrk="1">
                         <a:defRPr/>
@@ -16995,11 +17287,12 @@
                       <a:endParaRPr lang="ko-KR" altLang="en-US"/>
                     </a:p>
                   </a:txBody>
-                  <a:tcPr marL="91440" marR="91440"/>
+                  <a:tcPr/>
                 </a:tc>
                 <a:tc hMerge="1">
                   <a:txBody>
                     <a:bodyPr/>
+                    <a:lstStyle/>
                     <a:p>
                       <a:pPr latinLnBrk="1">
                         <a:defRPr/>
@@ -17007,11 +17300,12 @@
                       <a:endParaRPr lang="ko-KR" altLang="en-US"/>
                     </a:p>
                   </a:txBody>
-                  <a:tcPr marL="91440" marR="91440"/>
+                  <a:tcPr/>
                 </a:tc>
                 <a:tc hMerge="1">
                   <a:txBody>
                     <a:bodyPr/>
+                    <a:lstStyle/>
                     <a:p>
                       <a:pPr latinLnBrk="1">
                         <a:defRPr/>
@@ -17019,11 +17313,12 @@
                       <a:endParaRPr lang="ko-KR" altLang="en-US"/>
                     </a:p>
                   </a:txBody>
-                  <a:tcPr marL="91440" marR="91440"/>
+                  <a:tcPr/>
                 </a:tc>
                 <a:tc hMerge="1">
                   <a:txBody>
                     <a:bodyPr/>
+                    <a:lstStyle/>
                     <a:p>
                       <a:pPr latinLnBrk="1">
                         <a:defRPr/>
@@ -17031,11 +17326,12 @@
                       <a:endParaRPr lang="ko-KR" altLang="en-US"/>
                     </a:p>
                   </a:txBody>
-                  <a:tcPr marL="91440" marR="91440"/>
+                  <a:tcPr/>
                 </a:tc>
                 <a:tc hMerge="1">
                   <a:txBody>
                     <a:bodyPr/>
+                    <a:lstStyle/>
                     <a:p>
                       <a:pPr latinLnBrk="1">
                         <a:defRPr/>
@@ -17043,11 +17339,12 @@
                       <a:endParaRPr lang="ko-KR" altLang="en-US"/>
                     </a:p>
                   </a:txBody>
-                  <a:tcPr marL="91440" marR="91440"/>
+                  <a:tcPr/>
                 </a:tc>
                 <a:tc hMerge="1">
                   <a:txBody>
                     <a:bodyPr/>
+                    <a:lstStyle/>
                     <a:p>
                       <a:pPr latinLnBrk="1">
                         <a:defRPr/>
@@ -17055,8 +17352,13 @@
                       <a:endParaRPr lang="ko-KR" altLang="en-US"/>
                     </a:p>
                   </a:txBody>
-                  <a:tcPr marL="91440" marR="91440"/>
-                </a:tc>
+                  <a:tcPr/>
+                </a:tc>
+                <a:extLst>
+                  <a:ext uri="{0D108BD9-81ED-4DB2-BD59-A6C34878D82A}">
+                    <a16:rowId xmlns:a16="http://schemas.microsoft.com/office/drawing/2014/main" val="10016"/>
+                  </a:ext>
+                </a:extLst>
               </a:tr>
             </a:tbl>
           </a:graphicData>
@@ -17091,7 +17393,6 @@
               <a:rPr lang="en-US" altLang="ko-KR"/>
               <a:t>/30</a:t>
             </a:r>
-            <a:endParaRPr lang="en-US" altLang="ko-KR"/>
           </a:p>
         </p:txBody>
       </p:sp>
@@ -17100,11 +17401,11 @@
   <p:clrMapOvr>
     <a:masterClrMapping/>
   </p:clrMapOvr>
-  <mc:AlternateContent xmlns:mc="http://schemas.openxmlformats.org/markup-compatibility/2006">
-    <mc:Choice xmlns:p14="http://schemas.microsoft.com/office/powerpoint/2010/main" Requires="p14">
-      <p:transition xmlns:mc="http://schemas.openxmlformats.org/markup-compatibility/2006" xmlns:p14="http://schemas.microsoft.com/office/powerpoint/2010/main" mc:Ignorable="p14" p14:dur="500"/>
+  <mc:AlternateContent xmlns:mc="http://schemas.openxmlformats.org/markup-compatibility/2006" xmlns:p14="http://schemas.microsoft.com/office/powerpoint/2010/main">
+    <mc:Choice Requires="p14">
+      <p:transition/>
     </mc:Choice>
-    <mc:Fallback>
+    <mc:Fallback xmlns="" xmlns:c="http://schemas.openxmlformats.org/drawingml/2006/chart" xmlns:dgm="http://schemas.openxmlformats.org/drawingml/2006/diagram" xmlns:dsp="http://schemas.microsoft.com/office/drawing/2008/diagram">
       <p:transition/>
     </mc:Fallback>
   </mc:AlternateContent>
@@ -17298,16 +17599,96 @@
               <a:defRPr/>
             </a:pPr>
             <a:r>
-              <a:rPr lang="en-US" altLang="ko-KR" sz="1400" b="1" kern="0" dirty="0">
+              <a:rPr lang="en-US" altLang="ko-KR" sz="1400" b="1" i="1" u="none" strike="noStrike" dirty="0">
                 <a:solidFill>
-                  <a:prstClr val="black"/>
+                  <a:srgbClr val="1F2328"/>
                 </a:solidFill>
-                <a:latin typeface="맑은 고딕" pitchFamily="50" charset="-127"/>
-                <a:ea typeface="맑은 고딕" pitchFamily="50" charset="-127"/>
-                <a:cs typeface="Arial"/>
+                <a:effectLst/>
+                <a:latin typeface="-apple-system"/>
               </a:rPr>
-              <a:t>OOO</a:t>
+              <a:t>Member - </a:t>
             </a:r>
+            <a:r>
+              <a:rPr lang="ko-KR" altLang="en-US" sz="1400" b="1" i="0" dirty="0">
+                <a:solidFill>
+                  <a:srgbClr val="1F2328"/>
+                </a:solidFill>
+                <a:effectLst/>
+                <a:latin typeface="-apple-system"/>
+              </a:rPr>
+              <a:t>로그인 및 회원 관리를 위한 회원 테이블</a:t>
+            </a:r>
+            <a:endParaRPr lang="en-US" altLang="ko-KR" sz="1400" b="1" i="0" dirty="0">
+              <a:solidFill>
+                <a:srgbClr val="1F2328"/>
+              </a:solidFill>
+              <a:effectLst/>
+              <a:latin typeface="-apple-system"/>
+            </a:endParaRPr>
+          </a:p>
+          <a:p>
+            <a:pPr marL="285750" indent="-285750" eaLnBrk="0" latinLnBrk="0" hangingPunct="0">
+              <a:lnSpc>
+                <a:spcPct val="120000"/>
+              </a:lnSpc>
+              <a:buFont typeface="Wingdings" panose="05000000000000000000" pitchFamily="2" charset="2"/>
+              <a:buChar char="l"/>
+              <a:defRPr/>
+            </a:pPr>
+            <a:r>
+              <a:rPr lang="en-US" altLang="ko-KR" sz="1400" b="1" i="1" u="none" strike="noStrike" dirty="0">
+                <a:solidFill>
+                  <a:srgbClr val="1F2328"/>
+                </a:solidFill>
+                <a:effectLst/>
+                <a:latin typeface="-apple-system"/>
+              </a:rPr>
+              <a:t>Post - </a:t>
+            </a:r>
+            <a:r>
+              <a:rPr lang="ko-KR" altLang="en-US" sz="1400" b="1" i="0">
+                <a:solidFill>
+                  <a:srgbClr val="1F2328"/>
+                </a:solidFill>
+                <a:effectLst/>
+                <a:latin typeface="-apple-system"/>
+              </a:rPr>
+              <a:t>작성한 게시물을 저장하는 게시물 테이블</a:t>
+            </a:r>
+            <a:endParaRPr lang="en-US" altLang="ko-KR" sz="1400" b="1" i="0">
+              <a:solidFill>
+                <a:srgbClr val="1F2328"/>
+              </a:solidFill>
+              <a:effectLst/>
+              <a:latin typeface="-apple-system"/>
+            </a:endParaRPr>
+          </a:p>
+          <a:p>
+            <a:pPr marL="285750" indent="-285750" eaLnBrk="0" latinLnBrk="0" hangingPunct="0">
+              <a:lnSpc>
+                <a:spcPct val="120000"/>
+              </a:lnSpc>
+              <a:buFont typeface="Wingdings" panose="05000000000000000000" pitchFamily="2" charset="2"/>
+              <a:buChar char="l"/>
+              <a:defRPr/>
+            </a:pPr>
+            <a:endParaRPr lang="en-US" altLang="ko-KR" sz="1400" b="1" i="0" dirty="0">
+              <a:solidFill>
+                <a:srgbClr val="1F2328"/>
+              </a:solidFill>
+              <a:effectLst/>
+              <a:latin typeface="-apple-system"/>
+            </a:endParaRPr>
+          </a:p>
+          <a:p>
+            <a:pPr marL="285750" indent="-285750" eaLnBrk="0" latinLnBrk="0" hangingPunct="0">
+              <a:lnSpc>
+                <a:spcPct val="120000"/>
+              </a:lnSpc>
+              <a:buFont typeface="Wingdings" panose="05000000000000000000" pitchFamily="2" charset="2"/>
+              <a:buChar char="l"/>
+              <a:defRPr/>
+            </a:pPr>
             <a:endParaRPr lang="en-US" altLang="ko-KR" sz="1400" kern="0" dirty="0">
               <a:solidFill>
                 <a:prstClr val="black"/>
@@ -17573,15 +17954,15 @@
       </p:sp>
       <p:pic>
         <p:nvPicPr>
-          <p:cNvPr id="5122" name="Picture 2">
+          <p:cNvPr id="5" name="그림 4">
             <a:extLst>
               <a:ext uri="{FF2B5EF4-FFF2-40B4-BE49-F238E27FC236}">
-                <a16:creationId xmlns:a16="http://schemas.microsoft.com/office/drawing/2014/main" id="{0D01CA3E-9352-C699-AA9C-8C89CFEDAFFA}"/>
+                <a16:creationId xmlns:a16="http://schemas.microsoft.com/office/drawing/2014/main" id="{6AE55FBF-E7C3-129A-EBFC-CD7BDBE04B9E}"/>
               </a:ext>
             </a:extLst>
           </p:cNvPr>
           <p:cNvPicPr>
-            <a:picLocks noChangeAspect="1" noChangeArrowheads="1"/>
+            <a:picLocks noChangeAspect="1"/>
           </p:cNvPicPr>
           <p:nvPr/>
         </p:nvPicPr>
@@ -17593,29 +17974,18 @@
               </a:ext>
             </a:extLst>
           </a:blip>
-          <a:srcRect/>
           <a:stretch>
             <a:fillRect/>
           </a:stretch>
         </p:blipFill>
-        <p:spPr bwMode="auto">
+        <p:spPr>
           <a:xfrm>
-            <a:off x="2458617" y="1725261"/>
-            <a:ext cx="4656258" cy="4672482"/>
+            <a:off x="2363260" y="1771767"/>
+            <a:ext cx="5007358" cy="4355058"/>
           </a:xfrm>
           <a:prstGeom prst="rect">
             <a:avLst/>
           </a:prstGeom>
-          <a:noFill/>
-          <a:extLst>
-            <a:ext uri="{909E8E84-426E-40DD-AFC4-6F175D3DCCD1}">
-              <a14:hiddenFill xmlns:a14="http://schemas.microsoft.com/office/drawing/2010/main">
-                <a:solidFill>
-                  <a:srgbClr val="FFFFFF"/>
-                </a:solidFill>
-              </a14:hiddenFill>
-            </a:ext>
-          </a:extLst>
         </p:spPr>
       </p:pic>
     </p:spTree>
@@ -17632,44 +18002,44 @@
 </file>
 
 <file path=ppt/theme/theme1.xml><?xml version="1.0" encoding="utf-8"?>
-<a:theme xmlns:r="http://schemas.openxmlformats.org/officeDocument/2006/relationships" xmlns:c="http://schemas.openxmlformats.org/drawingml/2006/chart" xmlns:dgm="http://schemas.openxmlformats.org/drawingml/2006/diagram" xmlns:dsp="http://schemas.microsoft.com/office/drawing/2008/diagram" xmlns:a="http://schemas.openxmlformats.org/drawingml/2006/main" xmlns:pic="http://schemas.openxmlformats.org/drawingml/2006/picture" xmlns:wp="http://schemas.openxmlformats.org/drawingml/2006/wordprocessingDrawing" xmlns:xdr="http://schemas.openxmlformats.org/drawingml/2006/spreadsheetDrawing" xmlns:lc="http://schemas.openxmlformats.org/drawingml/2006/lockedCanvas" xmlns:p="http://schemas.openxmlformats.org/presentationml/2006/main" name="Office 테마">
+<a:theme xmlns:a="http://schemas.openxmlformats.org/drawingml/2006/main" name="Office 테마">
   <a:themeElements>
     <a:clrScheme name="Office">
       <a:dk1>
         <a:sysClr val="windowText" lastClr="000000"/>
       </a:dk1>
       <a:lt1>
-        <a:sysClr val="window" lastClr="ffffff"/>
+        <a:sysClr val="window" lastClr="FFFFFF"/>
       </a:lt1>
       <a:dk2>
-        <a:srgbClr val="44546a"/>
+        <a:srgbClr val="44546A"/>
       </a:dk2>
       <a:lt2>
-        <a:srgbClr val="e7e6e6"/>
+        <a:srgbClr val="E7E6E6"/>
       </a:lt2>
       <a:accent1>
-        <a:srgbClr val="4472c4"/>
+        <a:srgbClr val="4472C4"/>
       </a:accent1>
       <a:accent2>
-        <a:srgbClr val="ed7d31"/>
+        <a:srgbClr val="ED7D31"/>
       </a:accent2>
       <a:accent3>
-        <a:srgbClr val="a5a5a5"/>
+        <a:srgbClr val="A5A5A5"/>
       </a:accent3>
       <a:accent4>
-        <a:srgbClr val="ffc000"/>
+        <a:srgbClr val="FFC000"/>
       </a:accent4>
       <a:accent5>
-        <a:srgbClr val="5b9bd5"/>
+        <a:srgbClr val="5B9BD5"/>
       </a:accent5>
       <a:accent6>
-        <a:srgbClr val="70ad47"/>
+        <a:srgbClr val="70AD47"/>
       </a:accent6>
       <a:hlink>
-        <a:srgbClr val="0563c1"/>
+        <a:srgbClr val="0563C1"/>
       </a:hlink>
       <a:folHlink>
-        <a:srgbClr val="954f72"/>
+        <a:srgbClr val="954F72"/>
       </a:folHlink>
     </a:clrScheme>
     <a:fontScheme name="Office">
@@ -17916,5 +18286,7 @@
       </a:bgFillStyleLst>
     </a:fmtScheme>
   </a:themeElements>
+  <a:objectDefaults/>
+  <a:extraClrSchemeLst/>
 </a:theme>
 </file>
--- a/presentation/따릉따릉이.pptx
+++ b/presentation/따릉따릉이.pptx
@@ -3411,11 +3411,17 @@
           <p:cNvGraphicFramePr>
             <a:graphicFrameLocks noGrp="1"/>
           </p:cNvGraphicFramePr>
-          <p:nvPr/>
+          <p:nvPr>
+            <p:extLst>
+              <p:ext uri="{D42A27DB-BD31-4B8C-83A1-F6EECF244321}">
+                <p14:modId xmlns:p14="http://schemas.microsoft.com/office/powerpoint/2010/main" val="1036895361"/>
+              </p:ext>
+            </p:extLst>
+          </p:nvPr>
         </p:nvGraphicFramePr>
         <p:xfrm>
           <a:off x="1558926" y="546340"/>
-          <a:ext cx="9074149" cy="6311654"/>
+          <a:ext cx="9074149" cy="5885863"/>
         </p:xfrm>
         <a:graphic>
           <a:graphicData uri="http://schemas.openxmlformats.org/drawingml/2006/table">
@@ -3486,7 +3492,7 @@
                   </a:extLst>
                 </a:gridCol>
               </a:tblGrid>
-              <a:tr h="362793">
+              <a:tr h="338318">
                 <a:tc rowSpan="2">
                   <a:txBody>
                     <a:bodyPr/>
@@ -3786,7 +3792,7 @@
                         <a:defRPr/>
                       </a:pPr>
                       <a:r>
-                        <a:rPr lang="ko-KR" altLang="en-US" sz="1200" b="1" kern="0" spc="0">
+                        <a:rPr lang="ko-KR" altLang="en-US" sz="1200" b="1" kern="0" spc="0" dirty="0">
                           <a:solidFill>
                             <a:srgbClr val="000000"/>
                           </a:solidFill>
@@ -3797,7 +3803,7 @@
                         </a:rPr>
                         <a:t>팀장</a:t>
                       </a:r>
-                      <a:endParaRPr lang="ko-KR" altLang="en-US" sz="1200" kern="0" spc="0">
+                      <a:endParaRPr lang="ko-KR" altLang="en-US" sz="1200" kern="0" spc="0" dirty="0">
                         <a:solidFill>
                           <a:srgbClr val="000000"/>
                         </a:solidFill>
@@ -3927,7 +3933,7 @@
                   </a:ext>
                 </a:extLst>
               </a:tr>
-              <a:tr h="362793">
+              <a:tr h="338318">
                 <a:tc vMerge="1">
                   <a:txBody>
                     <a:bodyPr/>
@@ -4105,7 +4111,7 @@
                   </a:ext>
                 </a:extLst>
               </a:tr>
-              <a:tr h="527886">
+              <a:tr h="492274">
                 <a:tc rowSpan="2" gridSpan="3">
                   <a:txBody>
                     <a:bodyPr/>
@@ -4124,7 +4130,7 @@
                         <a:defRPr/>
                       </a:pPr>
                       <a:r>
-                        <a:rPr lang="ko-KR" altLang="en-US" sz="1200" b="1" kern="0" spc="0">
+                        <a:rPr lang="ko-KR" altLang="en-US" sz="1200" b="1" kern="0" spc="0" dirty="0">
                           <a:solidFill>
                             <a:srgbClr val="000000"/>
                           </a:solidFill>
@@ -4135,7 +4141,7 @@
                         </a:rPr>
                         <a:t>팀원 사진 </a:t>
                       </a:r>
-                      <a:endParaRPr lang="ko-KR" altLang="en-US" sz="1200" kern="0" spc="0">
+                      <a:endParaRPr lang="ko-KR" altLang="en-US" sz="1200" kern="0" spc="0" dirty="0">
                         <a:solidFill>
                           <a:srgbClr val="000000"/>
                         </a:solidFill>
@@ -4345,7 +4351,7 @@
                         <a:defRPr/>
                       </a:pPr>
                       <a:r>
-                        <a:rPr lang="ko-KR" altLang="en-US" sz="1200" b="1" kern="0" spc="0">
+                        <a:rPr lang="ko-KR" altLang="en-US" sz="1200" b="1" kern="0" spc="0" dirty="0">
                           <a:solidFill>
                             <a:srgbClr val="000000"/>
                           </a:solidFill>
@@ -4354,8 +4360,53 @@
                           <a:ea typeface="+mn-ea"/>
                           <a:cs typeface="함초롬바탕"/>
                         </a:rPr>
-                        <a:t>팀장없는팀</a:t>
-                      </a:r>
+                        <a:t>팀장 없는 팀</a:t>
+                      </a:r>
+                      <a:r>
+                        <a:rPr lang="en-US" altLang="ko-KR" sz="1200" b="1" kern="0" spc="0" dirty="0">
+                          <a:solidFill>
+                            <a:srgbClr val="000000"/>
+                          </a:solidFill>
+                          <a:effectLst/>
+                          <a:latin typeface="+mn-ea"/>
+                          <a:ea typeface="+mn-ea"/>
+                          <a:cs typeface="함초롬바탕"/>
+                        </a:rPr>
+                        <a:t>[</a:t>
+                      </a:r>
+                      <a:r>
+                        <a:rPr lang="ko-KR" altLang="en-US" sz="1200" b="1" kern="0" spc="0" dirty="0" err="1">
+                          <a:solidFill>
+                            <a:srgbClr val="000000"/>
+                          </a:solidFill>
+                          <a:effectLst/>
+                          <a:latin typeface="+mn-ea"/>
+                          <a:ea typeface="+mn-ea"/>
+                          <a:cs typeface="함초롬바탕"/>
+                        </a:rPr>
+                        <a:t>팀팀</a:t>
+                      </a:r>
+                      <a:r>
+                        <a:rPr lang="en-US" altLang="ko-KR" sz="1200" b="1" kern="0" spc="0" dirty="0">
+                          <a:solidFill>
+                            <a:srgbClr val="000000"/>
+                          </a:solidFill>
+                          <a:effectLst/>
+                          <a:latin typeface="+mn-ea"/>
+                          <a:ea typeface="+mn-ea"/>
+                          <a:cs typeface="함초롬바탕"/>
+                        </a:rPr>
+                        <a:t>]</a:t>
+                      </a:r>
+                      <a:endParaRPr lang="ko-KR" altLang="en-US" sz="1200" b="1" kern="0" spc="0" dirty="0">
+                        <a:solidFill>
+                          <a:srgbClr val="000000"/>
+                        </a:solidFill>
+                        <a:effectLst/>
+                        <a:latin typeface="+mn-ea"/>
+                        <a:ea typeface="+mn-ea"/>
+                        <a:cs typeface="함초롬바탕"/>
+                      </a:endParaRPr>
                     </a:p>
                   </a:txBody>
                   <a:tcPr marL="46713" marR="46713" marT="12915" marB="12915" anchor="ctr">
@@ -4452,7 +4503,7 @@
                   </a:ext>
                 </a:extLst>
               </a:tr>
-              <a:tr h="1843207">
+              <a:tr h="1718862">
                 <a:tc gridSpan="3" vMerge="1">
                   <a:txBody>
                     <a:bodyPr/>
@@ -4510,7 +4561,7 @@
                         <a:defRPr/>
                       </a:pPr>
                       <a:r>
-                        <a:rPr lang="ko-KR" altLang="en-US" sz="1200" b="1" kern="0" spc="0">
+                        <a:rPr lang="ko-KR" altLang="en-US" sz="1200" b="1" kern="0" spc="0" dirty="0">
                           <a:solidFill>
                             <a:srgbClr val="000000"/>
                           </a:solidFill>
@@ -4536,7 +4587,7 @@
                         <a:defRPr/>
                       </a:pPr>
                       <a:r>
-                        <a:rPr lang="ko-KR" altLang="en-US" sz="1200" b="1" kern="0" spc="0">
+                        <a:rPr lang="ko-KR" altLang="en-US" sz="1200" b="1" kern="0" spc="0" dirty="0">
                           <a:solidFill>
                             <a:srgbClr val="000000"/>
                           </a:solidFill>
@@ -4562,7 +4613,7 @@
                         <a:defRPr/>
                       </a:pPr>
                       <a:r>
-                        <a:rPr lang="en-US" altLang="ko-KR" sz="1200" b="1" kern="0" spc="0">
+                        <a:rPr lang="en-US" altLang="ko-KR" sz="1200" b="1" kern="0" spc="0" dirty="0">
                           <a:solidFill>
                             <a:srgbClr val="000000"/>
                           </a:solidFill>
@@ -4588,7 +4639,7 @@
                         <a:defRPr/>
                       </a:pPr>
                       <a:r>
-                        <a:rPr lang="en-US" altLang="ko-KR" sz="1200" b="1" kern="0" spc="0">
+                        <a:rPr lang="en-US" altLang="ko-KR" sz="1200" b="1" kern="0" spc="0" dirty="0">
                           <a:solidFill>
                             <a:srgbClr val="000000"/>
                           </a:solidFill>
@@ -4600,7 +4651,7 @@
                         <a:t>(4~5</a:t>
                       </a:r>
                       <a:r>
-                        <a:rPr lang="ko-KR" altLang="en-US" sz="1200" b="1" kern="0" spc="0">
+                        <a:rPr lang="ko-KR" altLang="en-US" sz="1200" b="1" kern="0" spc="0" dirty="0">
                           <a:solidFill>
                             <a:srgbClr val="000000"/>
                           </a:solidFill>
@@ -4612,7 +4663,7 @@
                         <a:t>개</a:t>
                       </a:r>
                       <a:r>
-                        <a:rPr lang="en-US" altLang="ko-KR" sz="1200" b="1" kern="0" spc="0">
+                        <a:rPr lang="en-US" altLang="ko-KR" sz="1200" b="1" kern="0" spc="0" dirty="0">
                           <a:solidFill>
                             <a:srgbClr val="000000"/>
                           </a:solidFill>
@@ -4623,7 +4674,7 @@
                         </a:rPr>
                         <a:t>)</a:t>
                       </a:r>
-                      <a:endParaRPr lang="ko-KR" altLang="en-US" sz="1200" kern="0" spc="0">
+                      <a:endParaRPr lang="ko-KR" altLang="en-US" sz="1200" kern="0" spc="0" dirty="0">
                         <a:solidFill>
                           <a:srgbClr val="000000"/>
                         </a:solidFill>
@@ -4704,7 +4755,7 @@
                         <a:defRPr/>
                       </a:pPr>
                       <a:r>
-                        <a:rPr lang="ko-KR" altLang="en-US" sz="1200" b="1" kern="0" spc="0">
+                        <a:rPr lang="ko-KR" altLang="en-US" sz="1200" b="1" kern="0" spc="0" dirty="0">
                           <a:solidFill>
                             <a:srgbClr val="000000"/>
                           </a:solidFill>
@@ -4730,7 +4781,7 @@
                         <a:defRPr/>
                       </a:pPr>
                       <a:r>
-                        <a:rPr lang="ko-KR" altLang="en-US" sz="1200" b="1" kern="0" spc="0">
+                        <a:rPr lang="ko-KR" altLang="en-US" sz="1200" b="1" kern="0" spc="0" dirty="0">
                           <a:solidFill>
                             <a:srgbClr val="000000"/>
                           </a:solidFill>
@@ -4739,10 +4790,34 @@
                           <a:ea typeface="+mn-ea"/>
                           <a:cs typeface="함초롬바탕"/>
                         </a:rPr>
-                        <a:t>카톡 읽씹 금지 </a:t>
-                      </a:r>
-                      <a:r>
-                        <a:rPr lang="en-US" altLang="ko-KR" sz="1200" b="1" kern="0" spc="0">
+                        <a:t>카톡 </a:t>
+                      </a:r>
+                      <a:r>
+                        <a:rPr lang="ko-KR" altLang="en-US" sz="1200" b="1" kern="0" spc="0" dirty="0" err="1">
+                          <a:solidFill>
+                            <a:srgbClr val="000000"/>
+                          </a:solidFill>
+                          <a:effectLst/>
+                          <a:latin typeface="+mn-ea"/>
+                          <a:ea typeface="+mn-ea"/>
+                          <a:cs typeface="함초롬바탕"/>
+                        </a:rPr>
+                        <a:t>읽씹</a:t>
+                      </a:r>
+                      <a:r>
+                        <a:rPr lang="ko-KR" altLang="en-US" sz="1200" b="1" kern="0" spc="0" dirty="0">
+                          <a:solidFill>
+                            <a:srgbClr val="000000"/>
+                          </a:solidFill>
+                          <a:effectLst/>
+                          <a:latin typeface="+mn-ea"/>
+                          <a:ea typeface="+mn-ea"/>
+                          <a:cs typeface="함초롬바탕"/>
+                        </a:rPr>
+                        <a:t> 금지 </a:t>
+                      </a:r>
+                      <a:r>
+                        <a:rPr lang="en-US" altLang="ko-KR" sz="1200" b="1" kern="0" spc="0" dirty="0">
                           <a:solidFill>
                             <a:srgbClr val="000000"/>
                           </a:solidFill>
@@ -4754,7 +4829,7 @@
                         <a:t>(</a:t>
                       </a:r>
                       <a:r>
-                        <a:rPr lang="ko-KR" altLang="en-US" sz="1200" b="1" kern="0" spc="0">
+                        <a:rPr lang="ko-KR" altLang="en-US" sz="1200" b="1" kern="0" spc="0" dirty="0">
                           <a:solidFill>
                             <a:srgbClr val="000000"/>
                           </a:solidFill>
@@ -4766,7 +4841,7 @@
                         <a:t>하트 라도 찍기</a:t>
                       </a:r>
                       <a:r>
-                        <a:rPr lang="en-US" altLang="ko-KR" sz="1200" b="1" kern="0" spc="0">
+                        <a:rPr lang="en-US" altLang="ko-KR" sz="1200" b="1" kern="0" spc="0" dirty="0">
                           <a:solidFill>
                             <a:srgbClr val="000000"/>
                           </a:solidFill>
@@ -4792,7 +4867,7 @@
                         <a:defRPr/>
                       </a:pPr>
                       <a:r>
-                        <a:rPr lang="ko-KR" altLang="en-US" sz="1200" b="1" kern="0" spc="0">
+                        <a:rPr lang="ko-KR" altLang="en-US" sz="1200" b="1" kern="0" spc="0" dirty="0">
                           <a:solidFill>
                             <a:srgbClr val="000000"/>
                           </a:solidFill>
@@ -4818,7 +4893,7 @@
                         <a:defRPr/>
                       </a:pPr>
                       <a:r>
-                        <a:rPr lang="ko-KR" altLang="en-US" sz="1200" b="1" kern="0" spc="0">
+                        <a:rPr lang="ko-KR" altLang="en-US" sz="1200" b="1" kern="0" spc="0" dirty="0">
                           <a:solidFill>
                             <a:srgbClr val="000000"/>
                           </a:solidFill>
@@ -4925,7 +5000,7 @@
                   </a:ext>
                 </a:extLst>
               </a:tr>
-              <a:tr h="572989">
+              <a:tr h="534335">
                 <a:tc gridSpan="2">
                   <a:txBody>
                     <a:bodyPr/>
@@ -5451,7 +5526,7 @@
                   </a:ext>
                 </a:extLst>
               </a:tr>
-              <a:tr h="440331">
+              <a:tr h="410626">
                 <a:tc gridSpan="2">
                   <a:txBody>
                     <a:bodyPr/>
@@ -5658,7 +5733,10 @@
                       <a:pPr algn="ctr" latinLnBrk="1">
                         <a:defRPr/>
                       </a:pPr>
-                      <a:endParaRPr lang="ko-KR" altLang="en-US" sz="1200"/>
+                      <a:r>
+                        <a:rPr lang="ko-KR" altLang="en-US" sz="1200" dirty="0"/>
+                        <a:t>팀원</a:t>
+                      </a:r>
                     </a:p>
                   </a:txBody>
                   <a:tcPr marL="46713" marR="46713" marT="12915" marB="12915" anchor="ctr">
@@ -5774,31 +5852,31 @@
                         <a:defRPr/>
                       </a:pPr>
                       <a:r>
-                        <a:rPr lang="ko-KR" altLang="en-US" sz="1200"/>
-                        <a:t>깃허브</a:t>
-                      </a:r>
-                      <a:r>
-                        <a:rPr lang="en-US" altLang="ko-KR" sz="1200"/>
+                        <a:rPr lang="ko-KR" altLang="en-US" sz="1200" dirty="0"/>
+                        <a:t>깃 허브</a:t>
+                      </a:r>
+                      <a:r>
+                        <a:rPr lang="en-US" altLang="ko-KR" sz="1200" dirty="0"/>
                         <a:t>,</a:t>
                       </a:r>
                       <a:r>
-                        <a:rPr lang="ko-KR" altLang="en-US" sz="1200"/>
+                        <a:rPr lang="ko-KR" altLang="en-US" sz="1200" dirty="0"/>
                         <a:t> </a:t>
                       </a:r>
                       <a:r>
-                        <a:rPr lang="en-US" altLang="ko-KR" sz="1200"/>
+                        <a:rPr lang="en-US" altLang="ko-KR" sz="1200" dirty="0"/>
                         <a:t>DB</a:t>
                       </a:r>
                       <a:r>
-                        <a:rPr lang="ko-KR" altLang="en-US" sz="1200"/>
+                        <a:rPr lang="ko-KR" altLang="en-US" sz="1200" dirty="0"/>
                         <a:t>관리</a:t>
                       </a:r>
                       <a:r>
-                        <a:rPr lang="en-US" altLang="ko-KR" sz="1200"/>
+                        <a:rPr lang="en-US" altLang="ko-KR" sz="1200" dirty="0"/>
                         <a:t>,</a:t>
                       </a:r>
                       <a:r>
-                        <a:rPr lang="ko-KR" altLang="en-US" sz="1200"/>
+                        <a:rPr lang="ko-KR" altLang="en-US" sz="1200" dirty="0"/>
                         <a:t> 회원 시스템 구축</a:t>
                       </a:r>
                     </a:p>
@@ -5874,7 +5952,7 @@
                   </a:ext>
                 </a:extLst>
               </a:tr>
-              <a:tr h="440331">
+              <a:tr h="410626">
                 <a:tc gridSpan="2">
                   <a:txBody>
                     <a:bodyPr/>
@@ -6073,7 +6151,10 @@
                       <a:pPr algn="ctr" latinLnBrk="1">
                         <a:defRPr/>
                       </a:pPr>
-                      <a:endParaRPr lang="ko-KR" altLang="en-US" sz="1200"/>
+                      <a:r>
+                        <a:rPr lang="ko-KR" altLang="en-US" sz="1200" dirty="0"/>
+                        <a:t>팀원</a:t>
+                      </a:r>
                     </a:p>
                   </a:txBody>
                   <a:tcPr marL="46713" marR="46713" marT="12915" marB="12915" anchor="ctr">
@@ -6265,7 +6346,7 @@
                   </a:ext>
                 </a:extLst>
               </a:tr>
-              <a:tr h="440331">
+              <a:tr h="410626">
                 <a:tc gridSpan="2">
                   <a:txBody>
                     <a:bodyPr/>
@@ -6461,10 +6542,27 @@
                     <a:bodyPr/>
                     <a:lstStyle/>
                     <a:p>
-                      <a:pPr algn="ctr" latinLnBrk="1">
-                        <a:defRPr/>
-                      </a:pPr>
-                      <a:endParaRPr lang="ko-KR" altLang="en-US" sz="1200"/>
+                      <a:pPr marL="0" marR="0" lvl="0" indent="0" algn="ctr" defTabSz="914400" rtl="0" eaLnBrk="1" fontAlgn="auto" latinLnBrk="1" hangingPunct="1">
+                        <a:lnSpc>
+                          <a:spcPct val="100000"/>
+                        </a:lnSpc>
+                        <a:spcBef>
+                          <a:spcPts val="0"/>
+                        </a:spcBef>
+                        <a:spcAft>
+                          <a:spcPts val="0"/>
+                        </a:spcAft>
+                        <a:buClrTx/>
+                        <a:buSzTx/>
+                        <a:buFontTx/>
+                        <a:buNone/>
+                        <a:tabLst/>
+                        <a:defRPr/>
+                      </a:pPr>
+                      <a:r>
+                        <a:rPr lang="ko-KR" altLang="en-US" sz="1200" dirty="0"/>
+                        <a:t>팀원</a:t>
+                      </a:r>
                     </a:p>
                   </a:txBody>
                   <a:tcPr marL="46713" marR="46713" marT="12915" marB="12915" anchor="ctr">
@@ -6664,7 +6762,7 @@
                   </a:ext>
                 </a:extLst>
               </a:tr>
-              <a:tr h="440331">
+              <a:tr h="410626">
                 <a:tc gridSpan="2">
                   <a:txBody>
                     <a:bodyPr/>
@@ -6860,10 +6958,27 @@
                     <a:bodyPr/>
                     <a:lstStyle/>
                     <a:p>
-                      <a:pPr algn="ctr" latinLnBrk="1">
-                        <a:defRPr/>
-                      </a:pPr>
-                      <a:endParaRPr lang="ko-KR" altLang="en-US" sz="1200"/>
+                      <a:pPr marL="0" marR="0" lvl="0" indent="0" algn="ctr" defTabSz="914400" rtl="0" eaLnBrk="1" fontAlgn="auto" latinLnBrk="1" hangingPunct="1">
+                        <a:lnSpc>
+                          <a:spcPct val="100000"/>
+                        </a:lnSpc>
+                        <a:spcBef>
+                          <a:spcPts val="0"/>
+                        </a:spcBef>
+                        <a:spcAft>
+                          <a:spcPts val="0"/>
+                        </a:spcAft>
+                        <a:buClrTx/>
+                        <a:buSzTx/>
+                        <a:buFontTx/>
+                        <a:buNone/>
+                        <a:tabLst/>
+                        <a:defRPr/>
+                      </a:pPr>
+                      <a:r>
+                        <a:rPr lang="ko-KR" altLang="en-US" sz="1200" dirty="0"/>
+                        <a:t>팀원</a:t>
+                      </a:r>
                     </a:p>
                   </a:txBody>
                   <a:tcPr marL="46713" marR="46713" marT="12915" marB="12915" anchor="ctr">
@@ -7055,7 +7170,7 @@
                   </a:ext>
                 </a:extLst>
               </a:tr>
-              <a:tr h="440331">
+              <a:tr h="410626">
                 <a:tc gridSpan="2">
                   <a:txBody>
                     <a:bodyPr/>
@@ -7251,10 +7366,27 @@
                     <a:bodyPr/>
                     <a:lstStyle/>
                     <a:p>
-                      <a:pPr algn="ctr" latinLnBrk="1">
-                        <a:defRPr/>
-                      </a:pPr>
-                      <a:endParaRPr lang="ko-KR" altLang="en-US" sz="1200"/>
+                      <a:pPr marL="0" marR="0" lvl="0" indent="0" algn="ctr" defTabSz="914400" rtl="0" eaLnBrk="1" fontAlgn="auto" latinLnBrk="1" hangingPunct="1">
+                        <a:lnSpc>
+                          <a:spcPct val="100000"/>
+                        </a:lnSpc>
+                        <a:spcBef>
+                          <a:spcPts val="0"/>
+                        </a:spcBef>
+                        <a:spcAft>
+                          <a:spcPts val="0"/>
+                        </a:spcAft>
+                        <a:buClrTx/>
+                        <a:buSzTx/>
+                        <a:buFontTx/>
+                        <a:buNone/>
+                        <a:tabLst/>
+                        <a:defRPr/>
+                      </a:pPr>
+                      <a:r>
+                        <a:rPr lang="ko-KR" altLang="en-US" sz="1200" dirty="0"/>
+                        <a:t>팀원</a:t>
+                      </a:r>
                     </a:p>
                   </a:txBody>
                   <a:tcPr marL="46713" marR="46713" marT="12915" marB="12915" anchor="ctr">
@@ -7447,7 +7579,7 @@
                   </a:ext>
                 </a:extLst>
               </a:tr>
-              <a:tr h="440331">
+              <a:tr h="410626">
                 <a:tc gridSpan="2">
                   <a:txBody>
                     <a:bodyPr/>
@@ -7643,10 +7775,27 @@
                     <a:bodyPr/>
                     <a:lstStyle/>
                     <a:p>
-                      <a:pPr algn="ctr" latinLnBrk="1">
-                        <a:defRPr/>
-                      </a:pPr>
-                      <a:endParaRPr lang="ko-KR" altLang="en-US" sz="1200"/>
+                      <a:pPr marL="0" marR="0" lvl="0" indent="0" algn="ctr" defTabSz="914400" rtl="0" eaLnBrk="1" fontAlgn="auto" latinLnBrk="1" hangingPunct="1">
+                        <a:lnSpc>
+                          <a:spcPct val="100000"/>
+                        </a:lnSpc>
+                        <a:spcBef>
+                          <a:spcPts val="0"/>
+                        </a:spcBef>
+                        <a:spcAft>
+                          <a:spcPts val="0"/>
+                        </a:spcAft>
+                        <a:buClrTx/>
+                        <a:buSzTx/>
+                        <a:buFontTx/>
+                        <a:buNone/>
+                        <a:tabLst/>
+                        <a:defRPr/>
+                      </a:pPr>
+                      <a:r>
+                        <a:rPr lang="ko-KR" altLang="en-US" sz="1200" dirty="0"/>
+                        <a:t>팀원</a:t>
+                      </a:r>
                     </a:p>
                   </a:txBody>
                   <a:tcPr marL="46713" marR="46713" marT="12915" marB="12915" anchor="ctr">
@@ -7762,7 +7911,7 @@
                         <a:defRPr/>
                       </a:pPr>
                       <a:r>
-                        <a:rPr lang="ko-KR" altLang="en-US" sz="1200"/>
+                        <a:rPr lang="ko-KR" altLang="en-US" sz="1200" dirty="0"/>
                         <a:t>게시판</a:t>
                       </a:r>
                     </a:p>
@@ -7917,7 +8066,7 @@
               <a:t>1</a:t>
             </a:fld>
             <a:r>
-              <a:rPr lang="en-US" altLang="ko-KR"/>
+              <a:rPr lang="en-US" altLang="ko-KR" dirty="0"/>
               <a:t>/30</a:t>
             </a:r>
           </a:p>
@@ -8011,11 +8160,17 @@
           <p:cNvGraphicFramePr>
             <a:graphicFrameLocks noGrp="1"/>
           </p:cNvGraphicFramePr>
-          <p:nvPr/>
+          <p:nvPr>
+            <p:extLst>
+              <p:ext uri="{D42A27DB-BD31-4B8C-83A1-F6EECF244321}">
+                <p14:modId xmlns:p14="http://schemas.microsoft.com/office/powerpoint/2010/main" val="3940236508"/>
+              </p:ext>
+            </p:extLst>
+          </p:nvPr>
         </p:nvGraphicFramePr>
         <p:xfrm>
-          <a:off x="1558926" y="804534"/>
-          <a:ext cx="9074131" cy="5630129"/>
+          <a:off x="1558943" y="404813"/>
+          <a:ext cx="9074131" cy="6051269"/>
         </p:xfrm>
         <a:graphic>
           <a:graphicData uri="http://schemas.openxmlformats.org/drawingml/2006/table">
@@ -8100,7 +8255,7 @@
                   </a:extLst>
                 </a:gridCol>
               </a:tblGrid>
-              <a:tr h="378546">
+              <a:tr h="321905">
                 <a:tc>
                   <a:txBody>
                     <a:bodyPr/>
@@ -8510,7 +8665,7 @@
                   </a:ext>
                 </a:extLst>
               </a:tr>
-              <a:tr h="951006">
+              <a:tr h="1477404">
                 <a:tc>
                   <a:txBody>
                     <a:bodyPr/>
@@ -8756,15 +8911,71 @@
                         <a:defRPr/>
                       </a:pPr>
                       <a:r>
-                        <a:rPr lang="ko-KR" altLang="en-US" sz="1200">
+                        <a:rPr lang="en-US" altLang="ko-KR" sz="1200" dirty="0">
                           <a:solidFill>
                             <a:srgbClr val="000F2F"/>
                           </a:solidFill>
                         </a:rPr>
-                        <a:t>요구사항정의서</a:t>
-                      </a:r>
-                      <a:r>
-                        <a:rPr lang="en-US" altLang="ko-KR" sz="1200">
+                        <a:t>MVC</a:t>
+                      </a:r>
+                      <a:r>
+                        <a:rPr lang="ko-KR" altLang="en-US" sz="1200" dirty="0">
+                          <a:solidFill>
+                            <a:srgbClr val="000F2F"/>
+                          </a:solidFill>
+                        </a:rPr>
+                        <a:t> 패턴을 활용한</a:t>
+                      </a:r>
+                      <a:r>
+                        <a:rPr lang="en-US" altLang="ko-KR" sz="1200" dirty="0">
+                          <a:solidFill>
+                            <a:srgbClr val="000F2F"/>
+                          </a:solidFill>
+                        </a:rPr>
+                        <a:t>,  </a:t>
+                      </a:r>
+                      <a:r>
+                        <a:rPr lang="ko-KR" altLang="en-US" sz="1200" dirty="0">
+                          <a:solidFill>
+                            <a:srgbClr val="000F2F"/>
+                          </a:solidFill>
+                        </a:rPr>
+                        <a:t>모델 </a:t>
+                      </a:r>
+                      <a:r>
+                        <a:rPr lang="en-US" altLang="ko-KR" sz="1200" dirty="0">
+                          <a:solidFill>
+                            <a:srgbClr val="000F2F"/>
+                          </a:solidFill>
+                        </a:rPr>
+                        <a:t>2 </a:t>
+                      </a:r>
+                      <a:r>
+                        <a:rPr lang="ko-KR" altLang="en-US" sz="1200" dirty="0">
+                          <a:solidFill>
+                            <a:srgbClr val="000F2F"/>
+                          </a:solidFill>
+                        </a:rPr>
+                        <a:t>방식의  회원 등록</a:t>
+                      </a:r>
+                      <a:r>
+                        <a:rPr lang="en-US" altLang="ko-KR" sz="1200" dirty="0">
+                          <a:solidFill>
+                            <a:srgbClr val="000F2F"/>
+                          </a:solidFill>
+                        </a:rPr>
+                        <a:t>,  </a:t>
+                      </a:r>
+                      <a:r>
+                        <a:rPr lang="ko-KR" altLang="en-US" sz="1200" dirty="0">
+                          <a:solidFill>
+                            <a:srgbClr val="000F2F"/>
+                          </a:solidFill>
+                        </a:rPr>
+                        <a:t>관리자 설계 </a:t>
+                      </a:r>
+                      <a:r>
+                        <a:rPr lang="en-US" altLang="ko-KR" sz="1200" dirty="0">
                           <a:solidFill>
                             <a:srgbClr val="000F2F"/>
                           </a:solidFill>
@@ -8772,31 +8983,15 @@
                         <a:t>, </a:t>
                       </a:r>
                       <a:r>
-                        <a:rPr lang="ko-KR" altLang="en-US" sz="1200">
+                        <a:rPr lang="ko-KR" altLang="en-US" sz="1200" dirty="0">
                           <a:solidFill>
                             <a:srgbClr val="000F2F"/>
                           </a:solidFill>
                         </a:rPr>
-                        <a:t>화면정의서</a:t>
-                      </a:r>
-                      <a:r>
-                        <a:rPr lang="en-US" altLang="ko-KR" sz="1200">
-                          <a:solidFill>
-                            <a:srgbClr val="000F2F"/>
-                          </a:solidFill>
-                        </a:rPr>
-                        <a:t>, WBS, ERD, </a:t>
-                      </a:r>
-                      <a:r>
-                        <a:rPr lang="ko-KR" altLang="en-US" sz="1200">
-                          <a:solidFill>
-                            <a:srgbClr val="000F2F"/>
-                          </a:solidFill>
-                        </a:rPr>
-                        <a:t>테스트 시나리오</a:t>
-                      </a:r>
-                      <a:r>
-                        <a:rPr lang="en-US" altLang="ko-KR" sz="1200">
+                        <a:t> 게시판 데이터 </a:t>
+                      </a:r>
+                      <a:r>
+                        <a:rPr lang="en-US" altLang="ko-KR" sz="1200" dirty="0">
                           <a:solidFill>
                             <a:srgbClr val="000F2F"/>
                           </a:solidFill>
@@ -8804,76 +8999,347 @@
                         <a:t>, </a:t>
                       </a:r>
                       <a:r>
-                        <a:rPr lang="ko-KR" altLang="en-US" sz="1200">
+                        <a:rPr lang="ko-KR" altLang="en-US" sz="1200" dirty="0">
                           <a:solidFill>
                             <a:srgbClr val="000F2F"/>
                           </a:solidFill>
                         </a:rPr>
-                        <a:t>소프트웨어 구성도</a:t>
-                      </a:r>
-                      <a:r>
-                        <a:rPr lang="en-US" altLang="ko-KR" sz="1200">
+                        <a:t>파일 업로드 구성 및</a:t>
+                      </a:r>
+                      <a:r>
+                        <a:rPr lang="en-US" altLang="ko-KR" sz="1200" dirty="0">
                           <a:solidFill>
                             <a:srgbClr val="000F2F"/>
                           </a:solidFill>
                         </a:rPr>
-                        <a:t>, </a:t>
-                      </a:r>
-                      <a:r>
-                        <a:rPr lang="ko-KR" altLang="en-US" sz="1200">
+                        <a:t> </a:t>
+                      </a:r>
+                      <a:r>
+                        <a:rPr lang="ko-KR" altLang="en-US" sz="1200" dirty="0">
                           <a:solidFill>
                             <a:srgbClr val="000F2F"/>
                           </a:solidFill>
                         </a:rPr>
-                        <a:t>시스템 구성도</a:t>
-                      </a:r>
-                      <a:r>
-                        <a:rPr lang="en-US" altLang="ko-KR" sz="1200">
+                        <a:t>깃 허브 활용</a:t>
+                      </a:r>
+                      <a:endParaRPr lang="en-US" altLang="ko-KR" sz="1200" dirty="0">
+                        <a:solidFill>
+                          <a:srgbClr val="000F2F"/>
+                        </a:solidFill>
+                      </a:endParaRPr>
+                    </a:p>
+                    <a:p>
+                      <a:pPr latinLnBrk="1">
+                        <a:defRPr/>
+                      </a:pPr>
+                      <a:r>
+                        <a:rPr lang="ko-KR" altLang="en-US" sz="1200" dirty="0">
                           <a:solidFill>
                             <a:srgbClr val="000F2F"/>
                           </a:solidFill>
                         </a:rPr>
-                        <a:t>, </a:t>
-                      </a:r>
-                      <a:r>
-                        <a:rPr lang="ko-KR" altLang="en-US" sz="1200">
+                        <a:t> </a:t>
+                      </a:r>
+                      <a:r>
+                        <a:rPr lang="en-US" altLang="ko-KR" sz="1200" dirty="0">
                           <a:solidFill>
                             <a:srgbClr val="000F2F"/>
                           </a:solidFill>
                         </a:rPr>
-                        <a:t>테스트 시나리오</a:t>
-                      </a:r>
-                      <a:r>
-                        <a:rPr lang="en-US" altLang="ko-KR" sz="1200">
+                        <a:t>[  </a:t>
+                      </a:r>
+                      <a:r>
+                        <a:rPr lang="ko-KR" altLang="en-US" sz="1200" dirty="0">
                           <a:solidFill>
                             <a:srgbClr val="000F2F"/>
                           </a:solidFill>
                         </a:rPr>
-                        <a:t>, </a:t>
-                      </a:r>
-                      <a:r>
-                        <a:rPr lang="ko-KR" altLang="en-US" sz="1200">
+                        <a:t>구체적인</a:t>
+                      </a:r>
+                      <a:r>
+                        <a:rPr lang="en-US" altLang="ko-KR" sz="1200" dirty="0">
                           <a:solidFill>
                             <a:srgbClr val="000F2F"/>
                           </a:solidFill>
                         </a:rPr>
-                        <a:t>사용자</a:t>
-                      </a:r>
-                      <a:r>
-                        <a:rPr lang="en-US" altLang="ko-KR" sz="1200">
+                        <a:t> </a:t>
+                      </a:r>
+                      <a:r>
+                        <a:rPr lang="ko-KR" altLang="en-US" sz="1200" dirty="0">
                           <a:solidFill>
                             <a:srgbClr val="000F2F"/>
                           </a:solidFill>
                         </a:rPr>
-                        <a:t>·</a:t>
-                      </a:r>
-                      <a:r>
-                        <a:rPr lang="ko-KR" altLang="en-US" sz="1200">
+                        <a:t>프로젝트 구현 방향 </a:t>
+                      </a:r>
+                      <a:r>
+                        <a:rPr lang="en-US" altLang="ko-KR" sz="1200" dirty="0">
                           <a:solidFill>
                             <a:srgbClr val="000F2F"/>
                           </a:solidFill>
                         </a:rPr>
-                        <a:t>운영자 매뉴얼</a:t>
+                        <a:t>]</a:t>
+                      </a:r>
+                      <a:endParaRPr lang="ko-KR" altLang="en-US" sz="1200" dirty="0">
+                        <a:solidFill>
+                          <a:srgbClr val="000F2F"/>
+                        </a:solidFill>
+                      </a:endParaRPr>
+                    </a:p>
+                    <a:p>
+                      <a:pPr latinLnBrk="1">
+                        <a:defRPr/>
+                      </a:pPr>
+                      <a:r>
+                        <a:rPr lang="en-US" altLang="ko-KR" sz="1200" dirty="0">
+                          <a:solidFill>
+                            <a:srgbClr val="000F2F"/>
+                          </a:solidFill>
+                        </a:rPr>
+                        <a:t>1. </a:t>
+                      </a:r>
+                      <a:r>
+                        <a:rPr lang="ko-KR" altLang="en-US" sz="1200" dirty="0">
+                          <a:solidFill>
+                            <a:srgbClr val="000F2F"/>
+                          </a:solidFill>
+                        </a:rPr>
+                        <a:t>게시판 </a:t>
+                      </a:r>
+                      <a:r>
+                        <a:rPr lang="en-US" altLang="ko-KR" sz="1200" dirty="0">
+                          <a:solidFill>
+                            <a:srgbClr val="000F2F"/>
+                          </a:solidFill>
+                        </a:rPr>
+                        <a:t>- </a:t>
+                      </a:r>
+                      <a:r>
+                        <a:rPr lang="ko-KR" altLang="en-US" sz="1200" dirty="0" err="1">
+                          <a:solidFill>
+                            <a:srgbClr val="000F2F"/>
+                          </a:solidFill>
+                        </a:rPr>
+                        <a:t>페이징</a:t>
+                      </a:r>
+                      <a:endParaRPr lang="ko-KR" altLang="en-US" sz="1200" dirty="0">
+                        <a:solidFill>
+                          <a:srgbClr val="000F2F"/>
+                        </a:solidFill>
+                      </a:endParaRPr>
+                    </a:p>
+                    <a:p>
+                      <a:pPr latinLnBrk="1">
+                        <a:defRPr/>
+                      </a:pPr>
+                      <a:r>
+                        <a:rPr lang="en-US" altLang="ko-KR" sz="1200" dirty="0">
+                          <a:solidFill>
+                            <a:srgbClr val="000F2F"/>
+                          </a:solidFill>
+                        </a:rPr>
+                        <a:t>2. </a:t>
+                      </a:r>
+                      <a:r>
+                        <a:rPr lang="ko-KR" altLang="en-US" sz="1200" dirty="0">
+                          <a:solidFill>
+                            <a:srgbClr val="000F2F"/>
+                          </a:solidFill>
+                        </a:rPr>
+                        <a:t>파일 업로드 기능</a:t>
+                      </a:r>
+                      <a:r>
+                        <a:rPr lang="en-US" altLang="ko-KR" sz="1200" dirty="0">
+                          <a:solidFill>
+                            <a:srgbClr val="000F2F"/>
+                          </a:solidFill>
+                        </a:rPr>
+                        <a:t> – </a:t>
+                      </a:r>
+                      <a:r>
+                        <a:rPr lang="ko-KR" altLang="en-US" sz="1200" dirty="0">
+                          <a:solidFill>
+                            <a:srgbClr val="000F2F"/>
+                          </a:solidFill>
+                        </a:rPr>
+                        <a:t>게시판에 이미지 구현 까지</a:t>
+                      </a:r>
+                      <a:endParaRPr lang="en-US" altLang="ko-KR" sz="1200" dirty="0">
+                        <a:solidFill>
+                          <a:srgbClr val="000F2F"/>
+                        </a:solidFill>
+                      </a:endParaRPr>
+                    </a:p>
+                    <a:p>
+                      <a:pPr latinLnBrk="1">
+                        <a:defRPr/>
+                      </a:pPr>
+                      <a:r>
+                        <a:rPr lang="ko-KR" altLang="en-US" sz="1200" dirty="0">
+                          <a:solidFill>
+                            <a:srgbClr val="000F2F"/>
+                          </a:solidFill>
+                        </a:rPr>
+                        <a:t>기타 구현 방향</a:t>
+                      </a:r>
+                      <a:endParaRPr lang="en-US" altLang="ko-KR" sz="1200" dirty="0">
+                        <a:solidFill>
+                          <a:srgbClr val="000F2F"/>
+                        </a:solidFill>
+                      </a:endParaRPr>
+                    </a:p>
+                    <a:p>
+                      <a:pPr latinLnBrk="1">
+                        <a:defRPr/>
+                      </a:pPr>
+                      <a:r>
+                        <a:rPr lang="en-US" altLang="ko-KR" sz="1200" dirty="0">
+                          <a:solidFill>
+                            <a:srgbClr val="000F2F"/>
+                          </a:solidFill>
+                        </a:rPr>
+                        <a:t>3. </a:t>
+                      </a:r>
+                      <a:r>
+                        <a:rPr lang="ko-KR" altLang="en-US" sz="1200" dirty="0">
+                          <a:solidFill>
+                            <a:srgbClr val="000F2F"/>
+                          </a:solidFill>
+                        </a:rPr>
+                        <a:t>웹 소켓</a:t>
+                      </a:r>
+                      <a:r>
+                        <a:rPr lang="en-US" altLang="ko-KR" sz="1200" dirty="0">
+                          <a:solidFill>
+                            <a:srgbClr val="000F2F"/>
+                          </a:solidFill>
+                        </a:rPr>
+                        <a:t>- </a:t>
+                      </a:r>
+                      <a:r>
+                        <a:rPr lang="ko-KR" altLang="en-US" sz="1200" dirty="0" err="1">
+                          <a:solidFill>
+                            <a:srgbClr val="000F2F"/>
+                          </a:solidFill>
+                        </a:rPr>
+                        <a:t>채팅방입장</a:t>
+                      </a:r>
+                      <a:r>
+                        <a:rPr lang="ko-KR" altLang="en-US" sz="1200" dirty="0">
+                          <a:solidFill>
+                            <a:srgbClr val="000F2F"/>
+                          </a:solidFill>
+                        </a:rPr>
+                        <a:t> </a:t>
+                      </a:r>
+                      <a:r>
+                        <a:rPr lang="en-US" altLang="ko-KR" sz="1200" dirty="0">
+                          <a:solidFill>
+                            <a:srgbClr val="000F2F"/>
+                          </a:solidFill>
+                        </a:rPr>
+                        <a:t>- 1:1 </a:t>
+                      </a:r>
+                      <a:r>
+                        <a:rPr lang="ko-KR" altLang="en-US" sz="1200" dirty="0">
+                          <a:solidFill>
+                            <a:srgbClr val="000F2F"/>
+                          </a:solidFill>
+                        </a:rPr>
+                        <a:t>대화 </a:t>
+                      </a:r>
+                      <a:r>
+                        <a:rPr lang="en-US" altLang="ko-KR" sz="1200" dirty="0">
+                          <a:solidFill>
+                            <a:srgbClr val="000F2F"/>
+                          </a:solidFill>
+                        </a:rPr>
+                        <a:t>or 1 : n </a:t>
+                      </a:r>
+                      <a:r>
+                        <a:rPr lang="ko-KR" altLang="en-US" sz="1200" dirty="0">
+                          <a:solidFill>
+                            <a:srgbClr val="000F2F"/>
+                          </a:solidFill>
+                        </a:rPr>
+                        <a:t>대화</a:t>
+                      </a:r>
+                    </a:p>
+                    <a:p>
+                      <a:pPr latinLnBrk="1">
+                        <a:defRPr/>
+                      </a:pPr>
+                      <a:r>
+                        <a:rPr lang="en-US" altLang="ko-KR" sz="1200" dirty="0">
+                          <a:solidFill>
+                            <a:srgbClr val="000F2F"/>
+                          </a:solidFill>
+                        </a:rPr>
+                        <a:t>4. </a:t>
+                      </a:r>
+                      <a:r>
+                        <a:rPr lang="ko-KR" altLang="en-US" sz="1200" dirty="0">
+                          <a:solidFill>
+                            <a:srgbClr val="000F2F"/>
+                          </a:solidFill>
+                        </a:rPr>
+                        <a:t>네이버 오픈 </a:t>
+                      </a:r>
+                      <a:r>
+                        <a:rPr lang="en-US" altLang="ko-KR" sz="1200" dirty="0">
+                          <a:solidFill>
+                            <a:srgbClr val="000F2F"/>
+                          </a:solidFill>
+                        </a:rPr>
+                        <a:t>API </a:t>
+                      </a:r>
+                      <a:r>
+                        <a:rPr lang="ko-KR" altLang="en-US" sz="1200" dirty="0">
+                          <a:solidFill>
+                            <a:srgbClr val="000F2F"/>
+                          </a:solidFill>
+                        </a:rPr>
+                        <a:t>를</a:t>
+                      </a:r>
+                      <a:r>
+                        <a:rPr lang="en-US" altLang="ko-KR" sz="1200" dirty="0">
+                          <a:solidFill>
+                            <a:srgbClr val="000F2F"/>
+                          </a:solidFill>
+                        </a:rPr>
+                        <a:t> </a:t>
+                      </a:r>
+                      <a:r>
+                        <a:rPr lang="ko-KR" altLang="en-US" sz="1200" dirty="0">
+                          <a:solidFill>
+                            <a:srgbClr val="000F2F"/>
+                          </a:solidFill>
+                        </a:rPr>
+                        <a:t>활용한 </a:t>
+                      </a:r>
+                      <a:r>
+                        <a:rPr lang="en-US" altLang="ko-KR" sz="1200" dirty="0">
+                          <a:solidFill>
+                            <a:srgbClr val="000F2F"/>
+                          </a:solidFill>
+                        </a:rPr>
+                        <a:t>-  smtp </a:t>
+                      </a:r>
+                      <a:r>
+                        <a:rPr lang="ko-KR" altLang="en-US" sz="1200" dirty="0">
+                          <a:solidFill>
+                            <a:srgbClr val="000F2F"/>
+                          </a:solidFill>
+                        </a:rPr>
+                        <a:t>데이터 전송</a:t>
+                      </a:r>
+                      <a:r>
+                        <a:rPr lang="en-US" altLang="ko-KR" sz="1200" dirty="0">
+                          <a:solidFill>
+                            <a:srgbClr val="000F2F"/>
+                          </a:solidFill>
+                        </a:rPr>
+                        <a:t>(e-mail)</a:t>
                       </a:r>
                     </a:p>
                   </a:txBody>
@@ -9048,7 +9514,7 @@
                   </a:ext>
                 </a:extLst>
               </a:tr>
-              <a:tr h="257850">
+              <a:tr h="220315">
                 <a:tc rowSpan="9">
                   <a:txBody>
                     <a:bodyPr/>
@@ -9531,7 +9997,7 @@
                   </a:ext>
                 </a:extLst>
               </a:tr>
-              <a:tr h="257850">
+              <a:tr h="220315">
                 <a:tc vMerge="1">
                   <a:txBody>
                     <a:bodyPr/>
@@ -9658,7 +10124,7 @@
                         <a:defRPr/>
                       </a:pPr>
                       <a:r>
-                        <a:rPr lang="en-US" altLang="ko-KR" sz="1100" b="1">
+                        <a:rPr lang="en-US" altLang="ko-KR" sz="1100" b="1" dirty="0">
                           <a:solidFill>
                             <a:srgbClr val="000F2F"/>
                           </a:solidFill>
@@ -9736,14 +10202,14 @@
                         <a:defRPr/>
                       </a:pPr>
                       <a:r>
-                        <a:rPr lang="en-US" altLang="ko-KR" sz="1100" b="1">
+                        <a:rPr lang="en-US" altLang="ko-KR" sz="1100" b="1" dirty="0">
                           <a:solidFill>
                             <a:srgbClr val="000F2F"/>
                           </a:solidFill>
                         </a:rPr>
-                        <a:t>3/08</a:t>
-                      </a:r>
-                      <a:endParaRPr lang="ko-KR" altLang="en-US" sz="1100" b="1">
+                        <a:t>9/25</a:t>
+                      </a:r>
+                      <a:endParaRPr lang="ko-KR" altLang="en-US" sz="1100" b="1" dirty="0">
                         <a:solidFill>
                           <a:srgbClr val="000F2F"/>
                         </a:solidFill>
@@ -9819,14 +10285,14 @@
                         <a:defRPr/>
                       </a:pPr>
                       <a:r>
-                        <a:rPr lang="en-US" altLang="ko-KR" sz="1100" b="1">
+                        <a:rPr lang="en-US" altLang="ko-KR" sz="1100" b="1" dirty="0">
                           <a:solidFill>
                             <a:srgbClr val="000F2F"/>
                           </a:solidFill>
                         </a:rPr>
-                        <a:t>3/09</a:t>
-                      </a:r>
-                      <a:endParaRPr lang="ko-KR" altLang="en-US" sz="1100" b="1">
+                        <a:t>9/26</a:t>
+                      </a:r>
+                      <a:endParaRPr lang="ko-KR" altLang="en-US" sz="1100" b="1" dirty="0">
                         <a:solidFill>
                           <a:srgbClr val="000F2F"/>
                         </a:solidFill>
@@ -9902,14 +10368,14 @@
                         <a:defRPr/>
                       </a:pPr>
                       <a:r>
-                        <a:rPr lang="en-US" altLang="ko-KR" sz="1100" b="1">
+                        <a:rPr lang="en-US" altLang="ko-KR" sz="1100" b="1" dirty="0">
                           <a:solidFill>
                             <a:srgbClr val="000F2F"/>
                           </a:solidFill>
                         </a:rPr>
-                        <a:t>3/10</a:t>
-                      </a:r>
-                      <a:endParaRPr lang="ko-KR" altLang="en-US" sz="1100" b="1">
+                        <a:t>9/27</a:t>
+                      </a:r>
+                      <a:endParaRPr lang="ko-KR" altLang="en-US" sz="1100" b="1" dirty="0">
                         <a:solidFill>
                           <a:srgbClr val="000F2F"/>
                         </a:solidFill>
@@ -9984,7 +10450,15 @@
                       <a:pPr algn="ctr" latinLnBrk="1">
                         <a:defRPr/>
                       </a:pPr>
-                      <a:endParaRPr lang="ko-KR" altLang="en-US" sz="1100" b="1">
+                      <a:r>
+                        <a:rPr lang="en-US" altLang="ko-KR" sz="1100" b="1" dirty="0">
+                          <a:solidFill>
+                            <a:srgbClr val="000F2F"/>
+                          </a:solidFill>
+                        </a:rPr>
+                        <a:t>10/3</a:t>
+                      </a:r>
+                      <a:endParaRPr lang="ko-KR" altLang="en-US" sz="1100" b="1" dirty="0">
                         <a:solidFill>
                           <a:srgbClr val="000F2F"/>
                         </a:solidFill>
@@ -10059,7 +10533,15 @@
                       <a:pPr algn="ctr" latinLnBrk="1">
                         <a:defRPr/>
                       </a:pPr>
-                      <a:endParaRPr lang="ko-KR" altLang="en-US" sz="1100" b="1">
+                      <a:r>
+                        <a:rPr lang="en-US" altLang="ko-KR" sz="1100" b="1" dirty="0">
+                          <a:solidFill>
+                            <a:srgbClr val="000F2F"/>
+                          </a:solidFill>
+                        </a:rPr>
+                        <a:t>10/8</a:t>
+                      </a:r>
+                      <a:endParaRPr lang="ko-KR" altLang="en-US" sz="1100" b="1" dirty="0">
                         <a:solidFill>
                           <a:srgbClr val="000F2F"/>
                         </a:solidFill>
@@ -10134,7 +10616,15 @@
                       <a:pPr algn="ctr" latinLnBrk="1">
                         <a:defRPr/>
                       </a:pPr>
-                      <a:endParaRPr lang="ko-KR" altLang="en-US" sz="1100" b="1">
+                      <a:r>
+                        <a:rPr lang="en-US" altLang="ko-KR" sz="1100" b="1" dirty="0">
+                          <a:solidFill>
+                            <a:srgbClr val="000F2F"/>
+                          </a:solidFill>
+                        </a:rPr>
+                        <a:t>10/10</a:t>
+                      </a:r>
+                      <a:endParaRPr lang="ko-KR" altLang="en-US" sz="1100" b="1" dirty="0">
                         <a:solidFill>
                           <a:srgbClr val="000F2F"/>
                         </a:solidFill>
@@ -10204,7 +10694,7 @@
                   </a:ext>
                 </a:extLst>
               </a:tr>
-              <a:tr h="277637">
+              <a:tr h="236095">
                 <a:tc vMerge="1">
                   <a:txBody>
                     <a:bodyPr/>
@@ -10322,7 +10812,7 @@
                       <a:pPr algn="ctr" latinLnBrk="1">
                         <a:defRPr/>
                       </a:pPr>
-                      <a:endParaRPr lang="ko-KR" altLang="en-US" sz="1100" b="1">
+                      <a:endParaRPr lang="ko-KR" altLang="en-US" sz="1100" b="1" dirty="0">
                         <a:solidFill>
                           <a:srgbClr val="000F2F"/>
                         </a:solidFill>
@@ -10402,6 +10892,81 @@
                       <a:pPr algn="ctr" latinLnBrk="1">
                         <a:defRPr/>
                       </a:pPr>
+                      <a:endParaRPr lang="ko-KR" altLang="en-US" sz="1100" b="1" dirty="0">
+                        <a:solidFill>
+                          <a:srgbClr val="000F2F"/>
+                        </a:solidFill>
+                      </a:endParaRPr>
+                    </a:p>
+                  </a:txBody>
+                  <a:tcPr anchor="ctr">
+                    <a:lnL w="6350" cap="flat" cmpd="sng" algn="ctr">
+                      <a:solidFill>
+                        <a:schemeClr val="tx1">
+                          <a:lumMod val="65000"/>
+                          <a:lumOff val="35000"/>
+                        </a:schemeClr>
+                      </a:solidFill>
+                      <a:prstDash val="solid"/>
+                      <a:round/>
+                      <a:headEnd w="med" len="med"/>
+                      <a:tailEnd w="med" len="med"/>
+                    </a:lnL>
+                    <a:lnR w="6350" cap="flat" cmpd="sng" algn="ctr">
+                      <a:solidFill>
+                        <a:schemeClr val="tx1">
+                          <a:lumMod val="65000"/>
+                          <a:lumOff val="35000"/>
+                        </a:schemeClr>
+                      </a:solidFill>
+                      <a:prstDash val="solid"/>
+                      <a:round/>
+                      <a:headEnd w="med" len="med"/>
+                      <a:tailEnd w="med" len="med"/>
+                    </a:lnR>
+                    <a:lnT w="6350" cap="flat" cmpd="sng" algn="ctr">
+                      <a:solidFill>
+                        <a:schemeClr val="tx1">
+                          <a:lumMod val="65000"/>
+                          <a:lumOff val="35000"/>
+                        </a:schemeClr>
+                      </a:solidFill>
+                      <a:prstDash val="solid"/>
+                      <a:round/>
+                      <a:headEnd w="med" len="med"/>
+                      <a:tailEnd w="med" len="med"/>
+                    </a:lnT>
+                    <a:lnB w="6350" cap="flat" cmpd="sng" algn="ctr">
+                      <a:solidFill>
+                        <a:schemeClr val="tx1">
+                          <a:lumMod val="65000"/>
+                          <a:lumOff val="35000"/>
+                        </a:schemeClr>
+                      </a:solidFill>
+                      <a:prstDash val="lgDash"/>
+                      <a:round/>
+                      <a:headEnd w="med" len="med"/>
+                      <a:tailEnd w="med" len="med"/>
+                    </a:lnB>
+                    <a:lnTlToBr w="12700" cmpd="sng">
+                      <a:noFill/>
+                      <a:prstDash val="solid"/>
+                    </a:lnTlToBr>
+                    <a:lnBlToTr w="12700" cmpd="sng">
+                      <a:noFill/>
+                      <a:prstDash val="solid"/>
+                    </a:lnBlToTr>
+                    <a:noFill/>
+                  </a:tcPr>
+                </a:tc>
+                <a:tc>
+                  <a:txBody>
+                    <a:bodyPr/>
+                    <a:lstStyle/>
+                    <a:p>
+                      <a:pPr algn="ctr" latinLnBrk="1">
+                        <a:defRPr/>
+                      </a:pPr>
                       <a:endParaRPr lang="ko-KR" altLang="en-US" sz="1100" b="1">
                         <a:solidFill>
                           <a:srgbClr val="000F2F"/>
@@ -10477,6 +11042,81 @@
                       <a:pPr algn="ctr" latinLnBrk="1">
                         <a:defRPr/>
                       </a:pPr>
+                      <a:endParaRPr lang="ko-KR" altLang="en-US" sz="1100" b="1" dirty="0">
+                        <a:solidFill>
+                          <a:srgbClr val="000F2F"/>
+                        </a:solidFill>
+                      </a:endParaRPr>
+                    </a:p>
+                  </a:txBody>
+                  <a:tcPr anchor="ctr">
+                    <a:lnL w="6350" cap="flat" cmpd="sng" algn="ctr">
+                      <a:solidFill>
+                        <a:schemeClr val="tx1">
+                          <a:lumMod val="65000"/>
+                          <a:lumOff val="35000"/>
+                        </a:schemeClr>
+                      </a:solidFill>
+                      <a:prstDash val="solid"/>
+                      <a:round/>
+                      <a:headEnd w="med" len="med"/>
+                      <a:tailEnd w="med" len="med"/>
+                    </a:lnL>
+                    <a:lnR w="6350" cap="flat" cmpd="sng" algn="ctr">
+                      <a:solidFill>
+                        <a:schemeClr val="tx1">
+                          <a:lumMod val="65000"/>
+                          <a:lumOff val="35000"/>
+                        </a:schemeClr>
+                      </a:solidFill>
+                      <a:prstDash val="solid"/>
+                      <a:round/>
+                      <a:headEnd w="med" len="med"/>
+                      <a:tailEnd w="med" len="med"/>
+                    </a:lnR>
+                    <a:lnT w="6350" cap="flat" cmpd="sng" algn="ctr">
+                      <a:solidFill>
+                        <a:schemeClr val="tx1">
+                          <a:lumMod val="65000"/>
+                          <a:lumOff val="35000"/>
+                        </a:schemeClr>
+                      </a:solidFill>
+                      <a:prstDash val="solid"/>
+                      <a:round/>
+                      <a:headEnd w="med" len="med"/>
+                      <a:tailEnd w="med" len="med"/>
+                    </a:lnT>
+                    <a:lnB w="6350" cap="flat" cmpd="sng" algn="ctr">
+                      <a:solidFill>
+                        <a:schemeClr val="tx1">
+                          <a:lumMod val="65000"/>
+                          <a:lumOff val="35000"/>
+                        </a:schemeClr>
+                      </a:solidFill>
+                      <a:prstDash val="lgDash"/>
+                      <a:round/>
+                      <a:headEnd w="med" len="med"/>
+                      <a:tailEnd w="med" len="med"/>
+                    </a:lnB>
+                    <a:lnTlToBr w="12700" cmpd="sng">
+                      <a:noFill/>
+                      <a:prstDash val="solid"/>
+                    </a:lnTlToBr>
+                    <a:lnBlToTr w="12700" cmpd="sng">
+                      <a:noFill/>
+                      <a:prstDash val="solid"/>
+                    </a:lnBlToTr>
+                    <a:noFill/>
+                  </a:tcPr>
+                </a:tc>
+                <a:tc>
+                  <a:txBody>
+                    <a:bodyPr/>
+                    <a:lstStyle/>
+                    <a:p>
+                      <a:pPr algn="ctr" latinLnBrk="1">
+                        <a:defRPr/>
+                      </a:pPr>
                       <a:endParaRPr lang="ko-KR" altLang="en-US" sz="1100" b="1">
                         <a:solidFill>
                           <a:srgbClr val="000F2F"/>
@@ -10552,7 +11192,7 @@
                       <a:pPr algn="ctr" latinLnBrk="1">
                         <a:defRPr/>
                       </a:pPr>
-                      <a:endParaRPr lang="ko-KR" altLang="en-US" sz="1100" b="1">
+                      <a:endParaRPr lang="ko-KR" altLang="en-US" sz="1100" b="1" dirty="0">
                         <a:solidFill>
                           <a:srgbClr val="000F2F"/>
                         </a:solidFill>
@@ -10627,157 +11267,7 @@
                       <a:pPr algn="ctr" latinLnBrk="1">
                         <a:defRPr/>
                       </a:pPr>
-                      <a:endParaRPr lang="ko-KR" altLang="en-US" sz="1100" b="1">
-                        <a:solidFill>
-                          <a:srgbClr val="000F2F"/>
-                        </a:solidFill>
-                      </a:endParaRPr>
-                    </a:p>
-                  </a:txBody>
-                  <a:tcPr anchor="ctr">
-                    <a:lnL w="6350" cap="flat" cmpd="sng" algn="ctr">
-                      <a:solidFill>
-                        <a:schemeClr val="tx1">
-                          <a:lumMod val="65000"/>
-                          <a:lumOff val="35000"/>
-                        </a:schemeClr>
-                      </a:solidFill>
-                      <a:prstDash val="solid"/>
-                      <a:round/>
-                      <a:headEnd w="med" len="med"/>
-                      <a:tailEnd w="med" len="med"/>
-                    </a:lnL>
-                    <a:lnR w="6350" cap="flat" cmpd="sng" algn="ctr">
-                      <a:solidFill>
-                        <a:schemeClr val="tx1">
-                          <a:lumMod val="65000"/>
-                          <a:lumOff val="35000"/>
-                        </a:schemeClr>
-                      </a:solidFill>
-                      <a:prstDash val="solid"/>
-                      <a:round/>
-                      <a:headEnd w="med" len="med"/>
-                      <a:tailEnd w="med" len="med"/>
-                    </a:lnR>
-                    <a:lnT w="6350" cap="flat" cmpd="sng" algn="ctr">
-                      <a:solidFill>
-                        <a:schemeClr val="tx1">
-                          <a:lumMod val="65000"/>
-                          <a:lumOff val="35000"/>
-                        </a:schemeClr>
-                      </a:solidFill>
-                      <a:prstDash val="solid"/>
-                      <a:round/>
-                      <a:headEnd w="med" len="med"/>
-                      <a:tailEnd w="med" len="med"/>
-                    </a:lnT>
-                    <a:lnB w="6350" cap="flat" cmpd="sng" algn="ctr">
-                      <a:solidFill>
-                        <a:schemeClr val="tx1">
-                          <a:lumMod val="65000"/>
-                          <a:lumOff val="35000"/>
-                        </a:schemeClr>
-                      </a:solidFill>
-                      <a:prstDash val="lgDash"/>
-                      <a:round/>
-                      <a:headEnd w="med" len="med"/>
-                      <a:tailEnd w="med" len="med"/>
-                    </a:lnB>
-                    <a:lnTlToBr w="12700" cmpd="sng">
-                      <a:noFill/>
-                      <a:prstDash val="solid"/>
-                    </a:lnTlToBr>
-                    <a:lnBlToTr w="12700" cmpd="sng">
-                      <a:noFill/>
-                      <a:prstDash val="solid"/>
-                    </a:lnBlToTr>
-                    <a:noFill/>
-                  </a:tcPr>
-                </a:tc>
-                <a:tc>
-                  <a:txBody>
-                    <a:bodyPr/>
-                    <a:lstStyle/>
-                    <a:p>
-                      <a:pPr algn="ctr" latinLnBrk="1">
-                        <a:defRPr/>
-                      </a:pPr>
-                      <a:endParaRPr lang="ko-KR" altLang="en-US" sz="1100" b="1">
-                        <a:solidFill>
-                          <a:srgbClr val="000F2F"/>
-                        </a:solidFill>
-                      </a:endParaRPr>
-                    </a:p>
-                  </a:txBody>
-                  <a:tcPr anchor="ctr">
-                    <a:lnL w="6350" cap="flat" cmpd="sng" algn="ctr">
-                      <a:solidFill>
-                        <a:schemeClr val="tx1">
-                          <a:lumMod val="65000"/>
-                          <a:lumOff val="35000"/>
-                        </a:schemeClr>
-                      </a:solidFill>
-                      <a:prstDash val="solid"/>
-                      <a:round/>
-                      <a:headEnd w="med" len="med"/>
-                      <a:tailEnd w="med" len="med"/>
-                    </a:lnL>
-                    <a:lnR w="6350" cap="flat" cmpd="sng" algn="ctr">
-                      <a:solidFill>
-                        <a:schemeClr val="tx1">
-                          <a:lumMod val="65000"/>
-                          <a:lumOff val="35000"/>
-                        </a:schemeClr>
-                      </a:solidFill>
-                      <a:prstDash val="solid"/>
-                      <a:round/>
-                      <a:headEnd w="med" len="med"/>
-                      <a:tailEnd w="med" len="med"/>
-                    </a:lnR>
-                    <a:lnT w="6350" cap="flat" cmpd="sng" algn="ctr">
-                      <a:solidFill>
-                        <a:schemeClr val="tx1">
-                          <a:lumMod val="65000"/>
-                          <a:lumOff val="35000"/>
-                        </a:schemeClr>
-                      </a:solidFill>
-                      <a:prstDash val="solid"/>
-                      <a:round/>
-                      <a:headEnd w="med" len="med"/>
-                      <a:tailEnd w="med" len="med"/>
-                    </a:lnT>
-                    <a:lnB w="6350" cap="flat" cmpd="sng" algn="ctr">
-                      <a:solidFill>
-                        <a:schemeClr val="tx1">
-                          <a:lumMod val="65000"/>
-                          <a:lumOff val="35000"/>
-                        </a:schemeClr>
-                      </a:solidFill>
-                      <a:prstDash val="lgDash"/>
-                      <a:round/>
-                      <a:headEnd w="med" len="med"/>
-                      <a:tailEnd w="med" len="med"/>
-                    </a:lnB>
-                    <a:lnTlToBr w="12700" cmpd="sng">
-                      <a:noFill/>
-                      <a:prstDash val="solid"/>
-                    </a:lnTlToBr>
-                    <a:lnBlToTr w="12700" cmpd="sng">
-                      <a:noFill/>
-                      <a:prstDash val="solid"/>
-                    </a:lnBlToTr>
-                    <a:noFill/>
-                  </a:tcPr>
-                </a:tc>
-                <a:tc>
-                  <a:txBody>
-                    <a:bodyPr/>
-                    <a:lstStyle/>
-                    <a:p>
-                      <a:pPr algn="ctr" latinLnBrk="1">
-                        <a:defRPr/>
-                      </a:pPr>
-                      <a:endParaRPr lang="ko-KR" altLang="en-US" sz="1100" b="1">
+                      <a:endParaRPr lang="ko-KR" altLang="en-US" sz="1100" b="1" dirty="0">
                         <a:solidFill>
                           <a:srgbClr val="000F2F"/>
                         </a:solidFill>
@@ -10922,7 +11412,7 @@
                   </a:ext>
                 </a:extLst>
               </a:tr>
-              <a:tr h="277637">
+              <a:tr h="236095">
                 <a:tc vMerge="1">
                   <a:txBody>
                     <a:bodyPr/>
@@ -11120,7 +11610,7 @@
                       <a:pPr algn="ctr" latinLnBrk="1">
                         <a:defRPr/>
                       </a:pPr>
-                      <a:endParaRPr lang="ko-KR" altLang="en-US" sz="1100" b="1">
+                      <a:endParaRPr lang="ko-KR" altLang="en-US" sz="1100" b="1" dirty="0">
                         <a:solidFill>
                           <a:srgbClr val="000F2F"/>
                         </a:solidFill>
@@ -11355,7 +11845,7 @@
                       <a:pPr algn="ctr" latinLnBrk="1">
                         <a:defRPr/>
                       </a:pPr>
-                      <a:endParaRPr lang="ko-KR" altLang="en-US" sz="1100" b="1">
+                      <a:endParaRPr lang="ko-KR" altLang="en-US" sz="1100" b="1" dirty="0">
                         <a:solidFill>
                           <a:srgbClr val="000F2F"/>
                         </a:solidFill>
@@ -11430,7 +11920,7 @@
                       <a:pPr algn="ctr" latinLnBrk="1">
                         <a:defRPr/>
                       </a:pPr>
-                      <a:endParaRPr lang="ko-KR" altLang="en-US" sz="1100" b="1">
+                      <a:endParaRPr lang="ko-KR" altLang="en-US" sz="1100" b="1" dirty="0">
                         <a:solidFill>
                           <a:srgbClr val="000F2F"/>
                         </a:solidFill>
@@ -11505,7 +11995,7 @@
                       <a:pPr algn="ctr" latinLnBrk="1">
                         <a:defRPr/>
                       </a:pPr>
-                      <a:endParaRPr lang="ko-KR" altLang="en-US" sz="1100" b="1">
+                      <a:endParaRPr lang="ko-KR" altLang="en-US" sz="1100" b="1" dirty="0">
                         <a:solidFill>
                           <a:srgbClr val="000F2F"/>
                         </a:solidFill>
@@ -11650,7 +12140,7 @@
                   </a:ext>
                 </a:extLst>
               </a:tr>
-              <a:tr h="277637">
+              <a:tr h="236095">
                 <a:tc vMerge="1">
                   <a:txBody>
                     <a:bodyPr/>
@@ -11673,12 +12163,20 @@
                         <a:defRPr/>
                       </a:pPr>
                       <a:r>
-                        <a:rPr lang="ko-KR" altLang="en-US" sz="1100" b="1">
+                        <a:rPr lang="ko-KR" altLang="en-US" sz="1100" b="1" dirty="0" err="1">
                           <a:solidFill>
                             <a:srgbClr val="000F2F"/>
                           </a:solidFill>
                         </a:rPr>
-                        <a:t>백엔드 설계 및 개발</a:t>
+                        <a:t>백엔드</a:t>
+                      </a:r>
+                      <a:r>
+                        <a:rPr lang="ko-KR" altLang="en-US" sz="1100" b="1" dirty="0">
+                          <a:solidFill>
+                            <a:srgbClr val="000F2F"/>
+                          </a:solidFill>
+                        </a:rPr>
+                        <a:t> 설계 및 개발</a:t>
                       </a:r>
                     </a:p>
                   </a:txBody>
@@ -11835,7 +12333,7 @@
                       <a:pPr algn="ctr" latinLnBrk="1">
                         <a:defRPr/>
                       </a:pPr>
-                      <a:endParaRPr lang="ko-KR" altLang="en-US" sz="1100" b="1">
+                      <a:endParaRPr lang="ko-KR" altLang="en-US" sz="1100" b="1" dirty="0">
                         <a:solidFill>
                           <a:srgbClr val="000F2F"/>
                         </a:solidFill>
@@ -11915,7 +12413,7 @@
                       <a:pPr algn="ctr" latinLnBrk="1">
                         <a:defRPr/>
                       </a:pPr>
-                      <a:endParaRPr lang="ko-KR" altLang="en-US" sz="1100" b="1">
+                      <a:endParaRPr lang="ko-KR" altLang="en-US" sz="1100" b="1" dirty="0">
                         <a:solidFill>
                           <a:srgbClr val="000F2F"/>
                         </a:solidFill>
@@ -11995,7 +12493,7 @@
                       <a:pPr algn="ctr" latinLnBrk="1">
                         <a:defRPr/>
                       </a:pPr>
-                      <a:endParaRPr lang="ko-KR" altLang="en-US" sz="1100" b="1">
+                      <a:endParaRPr lang="ko-KR" altLang="en-US" sz="1100" b="1" dirty="0">
                         <a:solidFill>
                           <a:srgbClr val="000F2F"/>
                         </a:solidFill>
@@ -12075,7 +12573,7 @@
                       <a:pPr algn="ctr" latinLnBrk="1">
                         <a:defRPr/>
                       </a:pPr>
-                      <a:endParaRPr lang="ko-KR" altLang="en-US" sz="1100" b="1">
+                      <a:endParaRPr lang="ko-KR" altLang="en-US" sz="1100" b="1" dirty="0">
                         <a:solidFill>
                           <a:srgbClr val="000F2F"/>
                         </a:solidFill>
@@ -12150,7 +12648,7 @@
                       <a:pPr algn="ctr" latinLnBrk="1">
                         <a:defRPr/>
                       </a:pPr>
-                      <a:endParaRPr lang="ko-KR" altLang="en-US" sz="1100" b="1">
+                      <a:endParaRPr lang="ko-KR" altLang="en-US" sz="1100" b="1" dirty="0">
                         <a:solidFill>
                           <a:srgbClr val="000F2F"/>
                         </a:solidFill>
@@ -12225,7 +12723,7 @@
                       <a:pPr algn="ctr" latinLnBrk="1">
                         <a:defRPr/>
                       </a:pPr>
-                      <a:endParaRPr lang="ko-KR" altLang="en-US" sz="1100" b="1">
+                      <a:endParaRPr lang="ko-KR" altLang="en-US" sz="1100" b="1" dirty="0">
                         <a:solidFill>
                           <a:srgbClr val="000F2F"/>
                         </a:solidFill>
@@ -12370,7 +12868,7 @@
                   </a:ext>
                 </a:extLst>
               </a:tr>
-              <a:tr h="277637">
+              <a:tr h="236095">
                 <a:tc vMerge="1">
                   <a:txBody>
                     <a:bodyPr/>
@@ -12480,15 +12978,7 @@
                       <a:pPr algn="ctr" latinLnBrk="1">
                         <a:defRPr/>
                       </a:pPr>
-                      <a:r>
-                        <a:rPr lang="en-US" altLang="ko-KR" sz="1100" b="1">
-                          <a:solidFill>
-                            <a:srgbClr val="000F2F"/>
-                          </a:solidFill>
-                        </a:rPr>
-                        <a:t>3/13</a:t>
-                      </a:r>
-                      <a:endParaRPr lang="ko-KR" altLang="en-US" sz="1100" b="1">
+                      <a:endParaRPr lang="ko-KR" altLang="en-US" sz="1100" b="1" dirty="0">
                         <a:solidFill>
                           <a:srgbClr val="000F2F"/>
                         </a:solidFill>
@@ -12563,7 +13053,82 @@
                       <a:pPr algn="ctr" latinLnBrk="1">
                         <a:defRPr/>
                       </a:pPr>
-                      <a:endParaRPr lang="ko-KR" altLang="en-US" sz="1100" b="1">
+                      <a:endParaRPr lang="ko-KR" altLang="en-US" sz="1100" b="1" dirty="0">
+                        <a:solidFill>
+                          <a:srgbClr val="000F2F"/>
+                        </a:solidFill>
+                      </a:endParaRPr>
+                    </a:p>
+                  </a:txBody>
+                  <a:tcPr anchor="ctr">
+                    <a:lnL w="6350" cap="flat" cmpd="sng" algn="ctr">
+                      <a:solidFill>
+                        <a:schemeClr val="tx1">
+                          <a:lumMod val="65000"/>
+                          <a:lumOff val="35000"/>
+                        </a:schemeClr>
+                      </a:solidFill>
+                      <a:prstDash val="solid"/>
+                      <a:round/>
+                      <a:headEnd w="med" len="med"/>
+                      <a:tailEnd w="med" len="med"/>
+                    </a:lnL>
+                    <a:lnR w="6350" cap="flat" cmpd="sng" algn="ctr">
+                      <a:solidFill>
+                        <a:schemeClr val="tx1">
+                          <a:lumMod val="65000"/>
+                          <a:lumOff val="35000"/>
+                        </a:schemeClr>
+                      </a:solidFill>
+                      <a:prstDash val="solid"/>
+                      <a:round/>
+                      <a:headEnd w="med" len="med"/>
+                      <a:tailEnd w="med" len="med"/>
+                    </a:lnR>
+                    <a:lnT w="6350" cap="flat" cmpd="sng" algn="ctr">
+                      <a:solidFill>
+                        <a:schemeClr val="tx1">
+                          <a:lumMod val="65000"/>
+                          <a:lumOff val="35000"/>
+                        </a:schemeClr>
+                      </a:solidFill>
+                      <a:prstDash val="lgDash"/>
+                      <a:round/>
+                      <a:headEnd w="med" len="med"/>
+                      <a:tailEnd w="med" len="med"/>
+                    </a:lnT>
+                    <a:lnB w="6350" cap="flat" cmpd="sng" algn="ctr">
+                      <a:solidFill>
+                        <a:schemeClr val="tx1">
+                          <a:lumMod val="65000"/>
+                          <a:lumOff val="35000"/>
+                        </a:schemeClr>
+                      </a:solidFill>
+                      <a:prstDash val="lgDash"/>
+                      <a:round/>
+                      <a:headEnd w="med" len="med"/>
+                      <a:tailEnd w="med" len="med"/>
+                    </a:lnB>
+                    <a:lnTlToBr w="12700" cmpd="sng">
+                      <a:noFill/>
+                      <a:prstDash val="solid"/>
+                    </a:lnTlToBr>
+                    <a:lnBlToTr w="12700" cmpd="sng">
+                      <a:noFill/>
+                      <a:prstDash val="solid"/>
+                    </a:lnBlToTr>
+                    <a:noFill/>
+                  </a:tcPr>
+                </a:tc>
+                <a:tc>
+                  <a:txBody>
+                    <a:bodyPr/>
+                    <a:lstStyle/>
+                    <a:p>
+                      <a:pPr algn="ctr" latinLnBrk="1">
+                        <a:defRPr/>
+                      </a:pPr>
+                      <a:endParaRPr lang="ko-KR" altLang="en-US" sz="1100" b="1" dirty="0">
                         <a:solidFill>
                           <a:srgbClr val="000F2F"/>
                         </a:solidFill>
@@ -12643,15 +13208,7 @@
                       <a:pPr algn="ctr" latinLnBrk="1">
                         <a:defRPr/>
                       </a:pPr>
-                      <a:r>
-                        <a:rPr lang="en-US" altLang="ko-KR" sz="1100" b="1">
-                          <a:solidFill>
-                            <a:srgbClr val="000F2F"/>
-                          </a:solidFill>
-                        </a:rPr>
-                        <a:t>3/15</a:t>
-                      </a:r>
-                      <a:endParaRPr lang="ko-KR" altLang="en-US" sz="1100" b="1">
+                      <a:endParaRPr lang="en-US" altLang="ko-KR" sz="1100" b="1" dirty="0">
                         <a:solidFill>
                           <a:srgbClr val="000F2F"/>
                         </a:solidFill>
@@ -12731,14 +13288,11 @@
                       <a:pPr algn="ctr" latinLnBrk="1">
                         <a:defRPr/>
                       </a:pPr>
-                      <a:r>
-                        <a:rPr lang="en-US" altLang="ko-KR" sz="1100" b="1">
-                          <a:solidFill>
-                            <a:srgbClr val="000F2F"/>
-                          </a:solidFill>
-                        </a:rPr>
-                        <a:t>9/29</a:t>
-                      </a:r>
+                      <a:endParaRPr lang="ko-KR" altLang="en-US" sz="1100" b="1" dirty="0">
+                        <a:solidFill>
+                          <a:srgbClr val="000F2F"/>
+                        </a:solidFill>
+                      </a:endParaRPr>
                     </a:p>
                   </a:txBody>
                   <a:tcPr anchor="ctr">
@@ -12814,765 +13368,7 @@
                       <a:pPr algn="ctr" latinLnBrk="1">
                         <a:defRPr/>
                       </a:pPr>
-                      <a:r>
-                        <a:rPr lang="en-US" altLang="ko-KR" sz="1100" b="1">
-                          <a:solidFill>
-                            <a:srgbClr val="000F2F"/>
-                          </a:solidFill>
-                        </a:rPr>
-                        <a:t>3/17</a:t>
-                      </a:r>
-                      <a:endParaRPr lang="ko-KR" altLang="en-US" sz="1100" b="1">
-                        <a:solidFill>
-                          <a:srgbClr val="000F2F"/>
-                        </a:solidFill>
-                      </a:endParaRPr>
-                    </a:p>
-                  </a:txBody>
-                  <a:tcPr anchor="ctr">
-                    <a:lnL w="6350" cap="flat" cmpd="sng" algn="ctr">
-                      <a:solidFill>
-                        <a:schemeClr val="tx1">
-                          <a:lumMod val="65000"/>
-                          <a:lumOff val="35000"/>
-                        </a:schemeClr>
-                      </a:solidFill>
-                      <a:prstDash val="solid"/>
-                      <a:round/>
-                      <a:headEnd w="med" len="med"/>
-                      <a:tailEnd w="med" len="med"/>
-                    </a:lnL>
-                    <a:lnR w="6350" cap="flat" cmpd="sng" algn="ctr">
-                      <a:solidFill>
-                        <a:schemeClr val="tx1">
-                          <a:lumMod val="65000"/>
-                          <a:lumOff val="35000"/>
-                        </a:schemeClr>
-                      </a:solidFill>
-                      <a:prstDash val="solid"/>
-                      <a:round/>
-                      <a:headEnd w="med" len="med"/>
-                      <a:tailEnd w="med" len="med"/>
-                    </a:lnR>
-                    <a:lnT w="6350" cap="flat" cmpd="sng" algn="ctr">
-                      <a:solidFill>
-                        <a:schemeClr val="tx1">
-                          <a:lumMod val="65000"/>
-                          <a:lumOff val="35000"/>
-                        </a:schemeClr>
-                      </a:solidFill>
-                      <a:prstDash val="lgDash"/>
-                      <a:round/>
-                      <a:headEnd w="med" len="med"/>
-                      <a:tailEnd w="med" len="med"/>
-                    </a:lnT>
-                    <a:lnB w="6350" cap="flat" cmpd="sng" algn="ctr">
-                      <a:solidFill>
-                        <a:schemeClr val="tx1">
-                          <a:lumMod val="65000"/>
-                          <a:lumOff val="35000"/>
-                        </a:schemeClr>
-                      </a:solidFill>
-                      <a:prstDash val="lgDash"/>
-                      <a:round/>
-                      <a:headEnd w="med" len="med"/>
-                      <a:tailEnd w="med" len="med"/>
-                    </a:lnB>
-                    <a:lnTlToBr w="12700" cmpd="sng">
-                      <a:noFill/>
-                      <a:prstDash val="solid"/>
-                    </a:lnTlToBr>
-                    <a:lnBlToTr w="12700" cmpd="sng">
-                      <a:noFill/>
-                      <a:prstDash val="solid"/>
-                    </a:lnBlToTr>
-                    <a:noFill/>
-                  </a:tcPr>
-                </a:tc>
-                <a:tc>
-                  <a:txBody>
-                    <a:bodyPr/>
-                    <a:lstStyle/>
-                    <a:p>
-                      <a:pPr algn="ctr" latinLnBrk="1">
-                        <a:defRPr/>
-                      </a:pPr>
-                      <a:endParaRPr lang="ko-KR" altLang="en-US" sz="1100" b="1">
-                        <a:solidFill>
-                          <a:srgbClr val="000F2F"/>
-                        </a:solidFill>
-                      </a:endParaRPr>
-                    </a:p>
-                  </a:txBody>
-                  <a:tcPr anchor="ctr">
-                    <a:lnL w="6350" cap="flat" cmpd="sng" algn="ctr">
-                      <a:solidFill>
-                        <a:schemeClr val="tx1">
-                          <a:lumMod val="65000"/>
-                          <a:lumOff val="35000"/>
-                        </a:schemeClr>
-                      </a:solidFill>
-                      <a:prstDash val="solid"/>
-                      <a:round/>
-                      <a:headEnd w="med" len="med"/>
-                      <a:tailEnd w="med" len="med"/>
-                    </a:lnL>
-                    <a:lnR w="6350" cap="flat" cmpd="sng" algn="ctr">
-                      <a:solidFill>
-                        <a:schemeClr val="tx1">
-                          <a:lumMod val="65000"/>
-                          <a:lumOff val="35000"/>
-                        </a:schemeClr>
-                      </a:solidFill>
-                      <a:prstDash val="solid"/>
-                      <a:round/>
-                      <a:headEnd w="med" len="med"/>
-                      <a:tailEnd w="med" len="med"/>
-                    </a:lnR>
-                    <a:lnT w="6350" cap="flat" cmpd="sng" algn="ctr">
-                      <a:solidFill>
-                        <a:schemeClr val="tx1">
-                          <a:lumMod val="65000"/>
-                          <a:lumOff val="35000"/>
-                        </a:schemeClr>
-                      </a:solidFill>
-                      <a:prstDash val="lgDash"/>
-                      <a:round/>
-                      <a:headEnd w="med" len="med"/>
-                      <a:tailEnd w="med" len="med"/>
-                    </a:lnT>
-                    <a:lnB w="6350" cap="flat" cmpd="sng" algn="ctr">
-                      <a:solidFill>
-                        <a:schemeClr val="tx1">
-                          <a:lumMod val="65000"/>
-                          <a:lumOff val="35000"/>
-                        </a:schemeClr>
-                      </a:solidFill>
-                      <a:prstDash val="lgDash"/>
-                      <a:round/>
-                      <a:headEnd w="med" len="med"/>
-                      <a:tailEnd w="med" len="med"/>
-                    </a:lnB>
-                    <a:lnTlToBr w="12700" cmpd="sng">
-                      <a:noFill/>
-                      <a:prstDash val="solid"/>
-                    </a:lnTlToBr>
-                    <a:lnBlToTr w="12700" cmpd="sng">
-                      <a:noFill/>
-                      <a:prstDash val="solid"/>
-                    </a:lnBlToTr>
-                    <a:noFill/>
-                  </a:tcPr>
-                </a:tc>
-                <a:tc>
-                  <a:txBody>
-                    <a:bodyPr/>
-                    <a:lstStyle/>
-                    <a:p>
-                      <a:pPr algn="ctr" latinLnBrk="1">
-                        <a:defRPr/>
-                      </a:pPr>
-                      <a:endParaRPr lang="ko-KR" altLang="en-US" sz="1100" b="1">
-                        <a:solidFill>
-                          <a:srgbClr val="000F2F"/>
-                        </a:solidFill>
-                      </a:endParaRPr>
-                    </a:p>
-                  </a:txBody>
-                  <a:tcPr anchor="ctr">
-                    <a:lnL w="6350" cap="flat" cmpd="sng" algn="ctr">
-                      <a:solidFill>
-                        <a:schemeClr val="tx1">
-                          <a:lumMod val="65000"/>
-                          <a:lumOff val="35000"/>
-                        </a:schemeClr>
-                      </a:solidFill>
-                      <a:prstDash val="solid"/>
-                      <a:round/>
-                      <a:headEnd w="med" len="med"/>
-                      <a:tailEnd w="med" len="med"/>
-                    </a:lnL>
-                    <a:lnR w="6350" cap="flat" cmpd="sng" algn="ctr">
-                      <a:solidFill>
-                        <a:schemeClr val="tx1">
-                          <a:lumMod val="65000"/>
-                          <a:lumOff val="35000"/>
-                        </a:schemeClr>
-                      </a:solidFill>
-                      <a:prstDash val="solid"/>
-                      <a:round/>
-                      <a:headEnd w="med" len="med"/>
-                      <a:tailEnd w="med" len="med"/>
-                    </a:lnR>
-                    <a:lnT w="6350" cap="flat" cmpd="sng" algn="ctr">
-                      <a:solidFill>
-                        <a:schemeClr val="tx1">
-                          <a:lumMod val="65000"/>
-                          <a:lumOff val="35000"/>
-                        </a:schemeClr>
-                      </a:solidFill>
-                      <a:prstDash val="lgDash"/>
-                      <a:round/>
-                      <a:headEnd w="med" len="med"/>
-                      <a:tailEnd w="med" len="med"/>
-                    </a:lnT>
-                    <a:lnB w="6350" cap="flat" cmpd="sng" algn="ctr">
-                      <a:solidFill>
-                        <a:schemeClr val="tx1">
-                          <a:lumMod val="65000"/>
-                          <a:lumOff val="35000"/>
-                        </a:schemeClr>
-                      </a:solidFill>
-                      <a:prstDash val="lgDash"/>
-                      <a:round/>
-                      <a:headEnd w="med" len="med"/>
-                      <a:tailEnd w="med" len="med"/>
-                    </a:lnB>
-                    <a:lnTlToBr w="12700" cmpd="sng">
-                      <a:noFill/>
-                      <a:prstDash val="solid"/>
-                    </a:lnTlToBr>
-                    <a:lnBlToTr w="12700" cmpd="sng">
-                      <a:noFill/>
-                      <a:prstDash val="solid"/>
-                    </a:lnBlToTr>
-                    <a:noFill/>
-                  </a:tcPr>
-                </a:tc>
-                <a:tc>
-                  <a:txBody>
-                    <a:bodyPr/>
-                    <a:lstStyle/>
-                    <a:p>
-                      <a:pPr algn="ctr" latinLnBrk="1">
-                        <a:defRPr/>
-                      </a:pPr>
-                      <a:endParaRPr lang="ko-KR" altLang="en-US" sz="1100" b="1">
-                        <a:solidFill>
-                          <a:srgbClr val="000F2F"/>
-                        </a:solidFill>
-                      </a:endParaRPr>
-                    </a:p>
-                  </a:txBody>
-                  <a:tcPr anchor="ctr">
-                    <a:lnL w="6350" cap="flat" cmpd="sng" algn="ctr">
-                      <a:solidFill>
-                        <a:schemeClr val="tx1">
-                          <a:lumMod val="65000"/>
-                          <a:lumOff val="35000"/>
-                        </a:schemeClr>
-                      </a:solidFill>
-                      <a:prstDash val="solid"/>
-                      <a:round/>
-                      <a:headEnd w="med" len="med"/>
-                      <a:tailEnd w="med" len="med"/>
-                    </a:lnL>
-                    <a:lnR w="12700" cap="flat" cmpd="sng" algn="ctr">
-                      <a:solidFill>
-                        <a:sysClr val="windowText" lastClr="000000"/>
-                      </a:solidFill>
-                      <a:prstDash val="solid"/>
-                      <a:round/>
-                      <a:headEnd w="med" len="med"/>
-                      <a:tailEnd w="med" len="med"/>
-                    </a:lnR>
-                    <a:lnT w="6350" cap="flat" cmpd="sng" algn="ctr">
-                      <a:solidFill>
-                        <a:schemeClr val="tx1">
-                          <a:lumMod val="65000"/>
-                          <a:lumOff val="35000"/>
-                        </a:schemeClr>
-                      </a:solidFill>
-                      <a:prstDash val="lgDash"/>
-                      <a:round/>
-                      <a:headEnd w="med" len="med"/>
-                      <a:tailEnd w="med" len="med"/>
-                    </a:lnT>
-                    <a:lnB w="6350" cap="flat" cmpd="sng" algn="ctr">
-                      <a:solidFill>
-                        <a:schemeClr val="tx1">
-                          <a:lumMod val="65000"/>
-                          <a:lumOff val="35000"/>
-                        </a:schemeClr>
-                      </a:solidFill>
-                      <a:prstDash val="lgDash"/>
-                      <a:round/>
-                      <a:headEnd w="med" len="med"/>
-                      <a:tailEnd w="med" len="med"/>
-                    </a:lnB>
-                    <a:lnTlToBr w="12700" cmpd="sng">
-                      <a:noFill/>
-                      <a:prstDash val="solid"/>
-                    </a:lnTlToBr>
-                    <a:lnBlToTr w="12700" cmpd="sng">
-                      <a:noFill/>
-                      <a:prstDash val="solid"/>
-                    </a:lnBlToTr>
-                    <a:noFill/>
-                  </a:tcPr>
-                </a:tc>
-                <a:extLst>
-                  <a:ext uri="{0D108BD9-81ED-4DB2-BD59-A6C34878D82A}">
-                    <a16:rowId xmlns:a16="http://schemas.microsoft.com/office/drawing/2014/main" val="10007"/>
-                  </a:ext>
-                </a:extLst>
-              </a:tr>
-              <a:tr h="277637">
-                <a:tc vMerge="1">
-                  <a:txBody>
-                    <a:bodyPr/>
-                    <a:lstStyle/>
-                    <a:p>
-                      <a:pPr latinLnBrk="1">
-                        <a:defRPr/>
-                      </a:pPr>
-                      <a:endParaRPr lang="ko-KR" altLang="en-US"/>
-                    </a:p>
-                  </a:txBody>
-                  <a:tcPr/>
-                </a:tc>
-                <a:tc gridSpan="2">
-                  <a:txBody>
-                    <a:bodyPr/>
-                    <a:lstStyle/>
-                    <a:p>
-                      <a:pPr algn="ctr" latinLnBrk="1">
-                        <a:defRPr/>
-                      </a:pPr>
-                      <a:r>
-                        <a:rPr lang="ko-KR" altLang="en-US" sz="1100" b="1">
-                          <a:solidFill>
-                            <a:srgbClr val="000F2F"/>
-                          </a:solidFill>
-                        </a:rPr>
-                        <a:t>테스트</a:t>
-                      </a:r>
-                      <a:r>
-                        <a:rPr lang="en-US" altLang="ko-KR" sz="1100" b="1">
-                          <a:solidFill>
-                            <a:srgbClr val="000F2F"/>
-                          </a:solidFill>
-                        </a:rPr>
-                        <a:t>(</a:t>
-                      </a:r>
-                      <a:r>
-                        <a:rPr lang="ko-KR" altLang="en-US" sz="1100" b="1">
-                          <a:solidFill>
-                            <a:srgbClr val="000F2F"/>
-                          </a:solidFill>
-                        </a:rPr>
-                        <a:t>통합</a:t>
-                      </a:r>
-                      <a:r>
-                        <a:rPr lang="en-US" altLang="ko-KR" sz="1100" b="1">
-                          <a:solidFill>
-                            <a:srgbClr val="000F2F"/>
-                          </a:solidFill>
-                        </a:rPr>
-                        <a:t>, OpenAPI </a:t>
-                      </a:r>
-                      <a:r>
-                        <a:rPr lang="ko-KR" altLang="en-US" sz="1100" b="1">
-                          <a:solidFill>
-                            <a:srgbClr val="000F2F"/>
-                          </a:solidFill>
-                        </a:rPr>
-                        <a:t>등</a:t>
-                      </a:r>
-                      <a:r>
-                        <a:rPr lang="en-US" altLang="ko-KR" sz="1100" b="1">
-                          <a:solidFill>
-                            <a:srgbClr val="000F2F"/>
-                          </a:solidFill>
-                        </a:rPr>
-                        <a:t>)</a:t>
-                      </a:r>
-                      <a:endParaRPr lang="ko-KR" altLang="en-US" sz="1100" b="1">
-                        <a:solidFill>
-                          <a:srgbClr val="000F2F"/>
-                        </a:solidFill>
-                      </a:endParaRPr>
-                    </a:p>
-                  </a:txBody>
-                  <a:tcPr anchor="ctr">
-                    <a:lnL w="12700" cap="flat" cmpd="sng" algn="ctr">
-                      <a:solidFill>
-                        <a:sysClr val="windowText" lastClr="000000"/>
-                      </a:solidFill>
-                      <a:prstDash val="solid"/>
-                      <a:round/>
-                      <a:headEnd w="med" len="med"/>
-                      <a:tailEnd w="med" len="med"/>
-                    </a:lnL>
-                    <a:lnR w="6350" cap="flat" cmpd="sng" algn="ctr">
-                      <a:solidFill>
-                        <a:schemeClr val="tx1">
-                          <a:lumMod val="65000"/>
-                          <a:lumOff val="35000"/>
-                        </a:schemeClr>
-                      </a:solidFill>
-                      <a:prstDash val="solid"/>
-                      <a:round/>
-                      <a:headEnd w="med" len="med"/>
-                      <a:tailEnd w="med" len="med"/>
-                    </a:lnR>
-                    <a:lnT w="6350" cap="flat" cmpd="sng" algn="ctr">
-                      <a:solidFill>
-                        <a:schemeClr val="tx1">
-                          <a:lumMod val="65000"/>
-                          <a:lumOff val="35000"/>
-                        </a:schemeClr>
-                      </a:solidFill>
-                      <a:prstDash val="lgDash"/>
-                      <a:round/>
-                      <a:headEnd w="med" len="med"/>
-                      <a:tailEnd w="med" len="med"/>
-                    </a:lnT>
-                    <a:lnB w="6350" cap="flat" cmpd="sng" algn="ctr">
-                      <a:solidFill>
-                        <a:schemeClr val="tx1">
-                          <a:lumMod val="65000"/>
-                          <a:lumOff val="35000"/>
-                        </a:schemeClr>
-                      </a:solidFill>
-                      <a:prstDash val="lgDash"/>
-                      <a:round/>
-                      <a:headEnd w="med" len="med"/>
-                      <a:tailEnd w="med" len="med"/>
-                    </a:lnB>
-                    <a:lnTlToBr w="12700" cmpd="sng">
-                      <a:noFill/>
-                      <a:prstDash val="solid"/>
-                    </a:lnTlToBr>
-                    <a:lnBlToTr w="12700" cmpd="sng">
-                      <a:noFill/>
-                      <a:prstDash val="solid"/>
-                    </a:lnBlToTr>
-                    <a:noFill/>
-                  </a:tcPr>
-                </a:tc>
-                <a:tc hMerge="1">
-                  <a:txBody>
-                    <a:bodyPr/>
-                    <a:lstStyle/>
-                    <a:p>
-                      <a:pPr latinLnBrk="1">
-                        <a:defRPr/>
-                      </a:pPr>
-                      <a:endParaRPr lang="ko-KR" altLang="en-US"/>
-                    </a:p>
-                  </a:txBody>
-                  <a:tcPr/>
-                </a:tc>
-                <a:tc>
-                  <a:txBody>
-                    <a:bodyPr/>
-                    <a:lstStyle/>
-                    <a:p>
-                      <a:pPr algn="ctr" latinLnBrk="1">
-                        <a:defRPr/>
-                      </a:pPr>
-                      <a:endParaRPr lang="ko-KR" altLang="en-US" sz="1100" b="1">
-                        <a:solidFill>
-                          <a:srgbClr val="000F2F"/>
-                        </a:solidFill>
-                      </a:endParaRPr>
-                    </a:p>
-                  </a:txBody>
-                  <a:tcPr anchor="ctr">
-                    <a:lnL w="6350" cap="flat" cmpd="sng" algn="ctr">
-                      <a:solidFill>
-                        <a:schemeClr val="tx1">
-                          <a:lumMod val="65000"/>
-                          <a:lumOff val="35000"/>
-                        </a:schemeClr>
-                      </a:solidFill>
-                      <a:prstDash val="solid"/>
-                      <a:round/>
-                      <a:headEnd w="med" len="med"/>
-                      <a:tailEnd w="med" len="med"/>
-                    </a:lnL>
-                    <a:lnR w="6350" cap="flat" cmpd="sng" algn="ctr">
-                      <a:solidFill>
-                        <a:schemeClr val="tx1">
-                          <a:lumMod val="65000"/>
-                          <a:lumOff val="35000"/>
-                        </a:schemeClr>
-                      </a:solidFill>
-                      <a:prstDash val="solid"/>
-                      <a:round/>
-                      <a:headEnd w="med" len="med"/>
-                      <a:tailEnd w="med" len="med"/>
-                    </a:lnR>
-                    <a:lnT w="6350" cap="flat" cmpd="sng" algn="ctr">
-                      <a:solidFill>
-                        <a:schemeClr val="tx1">
-                          <a:lumMod val="65000"/>
-                          <a:lumOff val="35000"/>
-                        </a:schemeClr>
-                      </a:solidFill>
-                      <a:prstDash val="lgDash"/>
-                      <a:round/>
-                      <a:headEnd w="med" len="med"/>
-                      <a:tailEnd w="med" len="med"/>
-                    </a:lnT>
-                    <a:lnB w="6350" cap="flat" cmpd="sng" algn="ctr">
-                      <a:solidFill>
-                        <a:schemeClr val="tx1">
-                          <a:lumMod val="65000"/>
-                          <a:lumOff val="35000"/>
-                        </a:schemeClr>
-                      </a:solidFill>
-                      <a:prstDash val="lgDash"/>
-                      <a:round/>
-                      <a:headEnd w="med" len="med"/>
-                      <a:tailEnd w="med" len="med"/>
-                    </a:lnB>
-                    <a:lnTlToBr w="12700" cmpd="sng">
-                      <a:noFill/>
-                      <a:prstDash val="solid"/>
-                    </a:lnTlToBr>
-                    <a:lnBlToTr w="12700" cmpd="sng">
-                      <a:noFill/>
-                      <a:prstDash val="solid"/>
-                    </a:lnBlToTr>
-                    <a:noFill/>
-                  </a:tcPr>
-                </a:tc>
-                <a:tc>
-                  <a:txBody>
-                    <a:bodyPr/>
-                    <a:lstStyle/>
-                    <a:p>
-                      <a:pPr algn="ctr" latinLnBrk="1">
-                        <a:defRPr/>
-                      </a:pPr>
-                      <a:endParaRPr lang="ko-KR" altLang="en-US" sz="1100" b="1">
-                        <a:solidFill>
-                          <a:srgbClr val="000F2F"/>
-                        </a:solidFill>
-                      </a:endParaRPr>
-                    </a:p>
-                  </a:txBody>
-                  <a:tcPr anchor="ctr">
-                    <a:lnL w="6350" cap="flat" cmpd="sng" algn="ctr">
-                      <a:solidFill>
-                        <a:schemeClr val="tx1">
-                          <a:lumMod val="65000"/>
-                          <a:lumOff val="35000"/>
-                        </a:schemeClr>
-                      </a:solidFill>
-                      <a:prstDash val="solid"/>
-                      <a:round/>
-                      <a:headEnd w="med" len="med"/>
-                      <a:tailEnd w="med" len="med"/>
-                    </a:lnL>
-                    <a:lnR w="6350" cap="flat" cmpd="sng" algn="ctr">
-                      <a:solidFill>
-                        <a:schemeClr val="tx1">
-                          <a:lumMod val="65000"/>
-                          <a:lumOff val="35000"/>
-                        </a:schemeClr>
-                      </a:solidFill>
-                      <a:prstDash val="solid"/>
-                      <a:round/>
-                      <a:headEnd w="med" len="med"/>
-                      <a:tailEnd w="med" len="med"/>
-                    </a:lnR>
-                    <a:lnT w="6350" cap="flat" cmpd="sng" algn="ctr">
-                      <a:solidFill>
-                        <a:schemeClr val="tx1">
-                          <a:lumMod val="65000"/>
-                          <a:lumOff val="35000"/>
-                        </a:schemeClr>
-                      </a:solidFill>
-                      <a:prstDash val="lgDash"/>
-                      <a:round/>
-                      <a:headEnd w="med" len="med"/>
-                      <a:tailEnd w="med" len="med"/>
-                    </a:lnT>
-                    <a:lnB w="6350" cap="flat" cmpd="sng" algn="ctr">
-                      <a:solidFill>
-                        <a:schemeClr val="tx1">
-                          <a:lumMod val="65000"/>
-                          <a:lumOff val="35000"/>
-                        </a:schemeClr>
-                      </a:solidFill>
-                      <a:prstDash val="lgDash"/>
-                      <a:round/>
-                      <a:headEnd w="med" len="med"/>
-                      <a:tailEnd w="med" len="med"/>
-                    </a:lnB>
-                    <a:lnTlToBr w="12700" cmpd="sng">
-                      <a:noFill/>
-                      <a:prstDash val="solid"/>
-                    </a:lnTlToBr>
-                    <a:lnBlToTr w="12700" cmpd="sng">
-                      <a:noFill/>
-                      <a:prstDash val="solid"/>
-                    </a:lnBlToTr>
-                    <a:noFill/>
-                  </a:tcPr>
-                </a:tc>
-                <a:tc>
-                  <a:txBody>
-                    <a:bodyPr/>
-                    <a:lstStyle/>
-                    <a:p>
-                      <a:pPr algn="ctr" latinLnBrk="1">
-                        <a:defRPr/>
-                      </a:pPr>
-                      <a:endParaRPr lang="ko-KR" altLang="en-US" sz="1100" b="1">
-                        <a:solidFill>
-                          <a:srgbClr val="000F2F"/>
-                        </a:solidFill>
-                      </a:endParaRPr>
-                    </a:p>
-                  </a:txBody>
-                  <a:tcPr anchor="ctr">
-                    <a:lnL w="6350" cap="flat" cmpd="sng" algn="ctr">
-                      <a:solidFill>
-                        <a:schemeClr val="tx1">
-                          <a:lumMod val="65000"/>
-                          <a:lumOff val="35000"/>
-                        </a:schemeClr>
-                      </a:solidFill>
-                      <a:prstDash val="solid"/>
-                      <a:round/>
-                      <a:headEnd w="med" len="med"/>
-                      <a:tailEnd w="med" len="med"/>
-                    </a:lnL>
-                    <a:lnR w="6350" cap="flat" cmpd="sng" algn="ctr">
-                      <a:solidFill>
-                        <a:schemeClr val="tx1">
-                          <a:lumMod val="65000"/>
-                          <a:lumOff val="35000"/>
-                        </a:schemeClr>
-                      </a:solidFill>
-                      <a:prstDash val="solid"/>
-                      <a:round/>
-                      <a:headEnd w="med" len="med"/>
-                      <a:tailEnd w="med" len="med"/>
-                    </a:lnR>
-                    <a:lnT w="6350" cap="flat" cmpd="sng" algn="ctr">
-                      <a:solidFill>
-                        <a:schemeClr val="tx1">
-                          <a:lumMod val="65000"/>
-                          <a:lumOff val="35000"/>
-                        </a:schemeClr>
-                      </a:solidFill>
-                      <a:prstDash val="lgDash"/>
-                      <a:round/>
-                      <a:headEnd w="med" len="med"/>
-                      <a:tailEnd w="med" len="med"/>
-                    </a:lnT>
-                    <a:lnB w="6350" cap="flat" cmpd="sng" algn="ctr">
-                      <a:solidFill>
-                        <a:schemeClr val="tx1">
-                          <a:lumMod val="65000"/>
-                          <a:lumOff val="35000"/>
-                        </a:schemeClr>
-                      </a:solidFill>
-                      <a:prstDash val="lgDash"/>
-                      <a:round/>
-                      <a:headEnd w="med" len="med"/>
-                      <a:tailEnd w="med" len="med"/>
-                    </a:lnB>
-                    <a:lnTlToBr w="12700" cmpd="sng">
-                      <a:noFill/>
-                      <a:prstDash val="solid"/>
-                    </a:lnTlToBr>
-                    <a:lnBlToTr w="12700" cmpd="sng">
-                      <a:noFill/>
-                      <a:prstDash val="solid"/>
-                    </a:lnBlToTr>
-                    <a:noFill/>
-                  </a:tcPr>
-                </a:tc>
-                <a:tc>
-                  <a:txBody>
-                    <a:bodyPr/>
-                    <a:lstStyle/>
-                    <a:p>
-                      <a:pPr algn="ctr" latinLnBrk="1">
-                        <a:defRPr/>
-                      </a:pPr>
-                      <a:endParaRPr lang="ko-KR" altLang="en-US" sz="1100" b="1">
-                        <a:solidFill>
-                          <a:srgbClr val="000F2F"/>
-                        </a:solidFill>
-                      </a:endParaRPr>
-                    </a:p>
-                  </a:txBody>
-                  <a:tcPr anchor="ctr">
-                    <a:lnL w="6350" cap="flat" cmpd="sng" algn="ctr">
-                      <a:solidFill>
-                        <a:schemeClr val="tx1">
-                          <a:lumMod val="65000"/>
-                          <a:lumOff val="35000"/>
-                        </a:schemeClr>
-                      </a:solidFill>
-                      <a:prstDash val="solid"/>
-                      <a:round/>
-                      <a:headEnd w="med" len="med"/>
-                      <a:tailEnd w="med" len="med"/>
-                    </a:lnL>
-                    <a:lnR w="6350" cap="flat" cmpd="sng" algn="ctr">
-                      <a:solidFill>
-                        <a:schemeClr val="tx1">
-                          <a:lumMod val="65000"/>
-                          <a:lumOff val="35000"/>
-                        </a:schemeClr>
-                      </a:solidFill>
-                      <a:prstDash val="solid"/>
-                      <a:round/>
-                      <a:headEnd w="med" len="med"/>
-                      <a:tailEnd w="med" len="med"/>
-                    </a:lnR>
-                    <a:lnT w="6350" cap="flat" cmpd="sng" algn="ctr">
-                      <a:solidFill>
-                        <a:schemeClr val="tx1">
-                          <a:lumMod val="65000"/>
-                          <a:lumOff val="35000"/>
-                        </a:schemeClr>
-                      </a:solidFill>
-                      <a:prstDash val="lgDash"/>
-                      <a:round/>
-                      <a:headEnd w="med" len="med"/>
-                      <a:tailEnd w="med" len="med"/>
-                    </a:lnT>
-                    <a:lnB w="6350" cap="flat" cmpd="sng" algn="ctr">
-                      <a:solidFill>
-                        <a:schemeClr val="tx1">
-                          <a:lumMod val="65000"/>
-                          <a:lumOff val="35000"/>
-                        </a:schemeClr>
-                      </a:solidFill>
-                      <a:prstDash val="lgDash"/>
-                      <a:round/>
-                      <a:headEnd w="med" len="med"/>
-                      <a:tailEnd w="med" len="med"/>
-                    </a:lnB>
-                    <a:lnTlToBr w="12700" cmpd="sng">
-                      <a:noFill/>
-                      <a:prstDash val="solid"/>
-                    </a:lnTlToBr>
-                    <a:lnBlToTr w="12700" cmpd="sng">
-                      <a:noFill/>
-                      <a:prstDash val="solid"/>
-                    </a:lnBlToTr>
-                    <a:noFill/>
-                  </a:tcPr>
-                </a:tc>
-                <a:tc>
-                  <a:txBody>
-                    <a:bodyPr/>
-                    <a:lstStyle/>
-                    <a:p>
-                      <a:pPr algn="ctr" latinLnBrk="1">
-                        <a:defRPr/>
-                      </a:pPr>
-                      <a:endParaRPr lang="ko-KR" altLang="en-US" sz="1100" b="1">
+                      <a:endParaRPr lang="ko-KR" altLang="en-US" sz="1100" b="1" dirty="0">
                         <a:solidFill>
                           <a:srgbClr val="000F2F"/>
                         </a:solidFill>
@@ -13652,7 +13448,586 @@
                       <a:pPr algn="ctr" latinLnBrk="1">
                         <a:defRPr/>
                       </a:pPr>
+                      <a:endParaRPr lang="ko-KR" altLang="en-US" sz="1100" b="1" dirty="0">
+                        <a:solidFill>
+                          <a:srgbClr val="000F2F"/>
+                        </a:solidFill>
+                      </a:endParaRPr>
+                    </a:p>
+                  </a:txBody>
+                  <a:tcPr anchor="ctr">
+                    <a:lnL w="6350" cap="flat" cmpd="sng" algn="ctr">
+                      <a:solidFill>
+                        <a:schemeClr val="tx1">
+                          <a:lumMod val="65000"/>
+                          <a:lumOff val="35000"/>
+                        </a:schemeClr>
+                      </a:solidFill>
+                      <a:prstDash val="solid"/>
+                      <a:round/>
+                      <a:headEnd w="med" len="med"/>
+                      <a:tailEnd w="med" len="med"/>
+                    </a:lnL>
+                    <a:lnR w="6350" cap="flat" cmpd="sng" algn="ctr">
+                      <a:solidFill>
+                        <a:schemeClr val="tx1">
+                          <a:lumMod val="65000"/>
+                          <a:lumOff val="35000"/>
+                        </a:schemeClr>
+                      </a:solidFill>
+                      <a:prstDash val="solid"/>
+                      <a:round/>
+                      <a:headEnd w="med" len="med"/>
+                      <a:tailEnd w="med" len="med"/>
+                    </a:lnR>
+                    <a:lnT w="6350" cap="flat" cmpd="sng" algn="ctr">
+                      <a:solidFill>
+                        <a:schemeClr val="tx1">
+                          <a:lumMod val="65000"/>
+                          <a:lumOff val="35000"/>
+                        </a:schemeClr>
+                      </a:solidFill>
+                      <a:prstDash val="lgDash"/>
+                      <a:round/>
+                      <a:headEnd w="med" len="med"/>
+                      <a:tailEnd w="med" len="med"/>
+                    </a:lnT>
+                    <a:lnB w="6350" cap="flat" cmpd="sng" algn="ctr">
+                      <a:solidFill>
+                        <a:schemeClr val="tx1">
+                          <a:lumMod val="65000"/>
+                          <a:lumOff val="35000"/>
+                        </a:schemeClr>
+                      </a:solidFill>
+                      <a:prstDash val="lgDash"/>
+                      <a:round/>
+                      <a:headEnd w="med" len="med"/>
+                      <a:tailEnd w="med" len="med"/>
+                    </a:lnB>
+                    <a:lnTlToBr w="12700" cmpd="sng">
+                      <a:noFill/>
+                      <a:prstDash val="solid"/>
+                    </a:lnTlToBr>
+                    <a:lnBlToTr w="12700" cmpd="sng">
+                      <a:noFill/>
+                      <a:prstDash val="solid"/>
+                    </a:lnBlToTr>
+                    <a:noFill/>
+                  </a:tcPr>
+                </a:tc>
+                <a:tc>
+                  <a:txBody>
+                    <a:bodyPr/>
+                    <a:lstStyle/>
+                    <a:p>
+                      <a:pPr algn="ctr" latinLnBrk="1">
+                        <a:defRPr/>
+                      </a:pPr>
                       <a:endParaRPr lang="ko-KR" altLang="en-US" sz="1100" b="1">
+                        <a:solidFill>
+                          <a:srgbClr val="000F2F"/>
+                        </a:solidFill>
+                      </a:endParaRPr>
+                    </a:p>
+                  </a:txBody>
+                  <a:tcPr anchor="ctr">
+                    <a:lnL w="6350" cap="flat" cmpd="sng" algn="ctr">
+                      <a:solidFill>
+                        <a:schemeClr val="tx1">
+                          <a:lumMod val="65000"/>
+                          <a:lumOff val="35000"/>
+                        </a:schemeClr>
+                      </a:solidFill>
+                      <a:prstDash val="solid"/>
+                      <a:round/>
+                      <a:headEnd w="med" len="med"/>
+                      <a:tailEnd w="med" len="med"/>
+                    </a:lnL>
+                    <a:lnR w="12700" cap="flat" cmpd="sng" algn="ctr">
+                      <a:solidFill>
+                        <a:sysClr val="windowText" lastClr="000000"/>
+                      </a:solidFill>
+                      <a:prstDash val="solid"/>
+                      <a:round/>
+                      <a:headEnd w="med" len="med"/>
+                      <a:tailEnd w="med" len="med"/>
+                    </a:lnR>
+                    <a:lnT w="6350" cap="flat" cmpd="sng" algn="ctr">
+                      <a:solidFill>
+                        <a:schemeClr val="tx1">
+                          <a:lumMod val="65000"/>
+                          <a:lumOff val="35000"/>
+                        </a:schemeClr>
+                      </a:solidFill>
+                      <a:prstDash val="lgDash"/>
+                      <a:round/>
+                      <a:headEnd w="med" len="med"/>
+                      <a:tailEnd w="med" len="med"/>
+                    </a:lnT>
+                    <a:lnB w="6350" cap="flat" cmpd="sng" algn="ctr">
+                      <a:solidFill>
+                        <a:schemeClr val="tx1">
+                          <a:lumMod val="65000"/>
+                          <a:lumOff val="35000"/>
+                        </a:schemeClr>
+                      </a:solidFill>
+                      <a:prstDash val="lgDash"/>
+                      <a:round/>
+                      <a:headEnd w="med" len="med"/>
+                      <a:tailEnd w="med" len="med"/>
+                    </a:lnB>
+                    <a:lnTlToBr w="12700" cmpd="sng">
+                      <a:noFill/>
+                      <a:prstDash val="solid"/>
+                    </a:lnTlToBr>
+                    <a:lnBlToTr w="12700" cmpd="sng">
+                      <a:noFill/>
+                      <a:prstDash val="solid"/>
+                    </a:lnBlToTr>
+                    <a:noFill/>
+                  </a:tcPr>
+                </a:tc>
+                <a:extLst>
+                  <a:ext uri="{0D108BD9-81ED-4DB2-BD59-A6C34878D82A}">
+                    <a16:rowId xmlns:a16="http://schemas.microsoft.com/office/drawing/2014/main" val="10007"/>
+                  </a:ext>
+                </a:extLst>
+              </a:tr>
+              <a:tr h="236095">
+                <a:tc vMerge="1">
+                  <a:txBody>
+                    <a:bodyPr/>
+                    <a:lstStyle/>
+                    <a:p>
+                      <a:pPr latinLnBrk="1">
+                        <a:defRPr/>
+                      </a:pPr>
+                      <a:endParaRPr lang="ko-KR" altLang="en-US"/>
+                    </a:p>
+                  </a:txBody>
+                  <a:tcPr/>
+                </a:tc>
+                <a:tc gridSpan="2">
+                  <a:txBody>
+                    <a:bodyPr/>
+                    <a:lstStyle/>
+                    <a:p>
+                      <a:pPr algn="ctr" latinLnBrk="1">
+                        <a:defRPr/>
+                      </a:pPr>
+                      <a:r>
+                        <a:rPr lang="en-US" altLang="ko-KR" sz="1100" b="1" dirty="0">
+                          <a:solidFill>
+                            <a:srgbClr val="000F2F"/>
+                          </a:solidFill>
+                        </a:rPr>
+                        <a:t>MVC, JSP </a:t>
+                      </a:r>
+                      <a:r>
+                        <a:rPr lang="ko-KR" altLang="en-US" sz="1100" b="1" dirty="0">
+                          <a:solidFill>
+                            <a:srgbClr val="000F2F"/>
+                          </a:solidFill>
+                        </a:rPr>
+                        <a:t>통합</a:t>
+                      </a:r>
+                      <a:r>
+                        <a:rPr lang="en-US" altLang="ko-KR" sz="1100" b="1" dirty="0">
+                          <a:solidFill>
+                            <a:srgbClr val="000F2F"/>
+                          </a:solidFill>
+                        </a:rPr>
+                        <a:t> </a:t>
+                      </a:r>
+                      <a:r>
+                        <a:rPr lang="ko-KR" altLang="en-US" sz="1100" b="1" dirty="0">
+                          <a:solidFill>
+                            <a:srgbClr val="000F2F"/>
+                          </a:solidFill>
+                        </a:rPr>
+                        <a:t>등</a:t>
+                      </a:r>
+                    </a:p>
+                  </a:txBody>
+                  <a:tcPr anchor="ctr">
+                    <a:lnL w="12700" cap="flat" cmpd="sng" algn="ctr">
+                      <a:solidFill>
+                        <a:sysClr val="windowText" lastClr="000000"/>
+                      </a:solidFill>
+                      <a:prstDash val="solid"/>
+                      <a:round/>
+                      <a:headEnd w="med" len="med"/>
+                      <a:tailEnd w="med" len="med"/>
+                    </a:lnL>
+                    <a:lnR w="6350" cap="flat" cmpd="sng" algn="ctr">
+                      <a:solidFill>
+                        <a:schemeClr val="tx1">
+                          <a:lumMod val="65000"/>
+                          <a:lumOff val="35000"/>
+                        </a:schemeClr>
+                      </a:solidFill>
+                      <a:prstDash val="solid"/>
+                      <a:round/>
+                      <a:headEnd w="med" len="med"/>
+                      <a:tailEnd w="med" len="med"/>
+                    </a:lnR>
+                    <a:lnT w="6350" cap="flat" cmpd="sng" algn="ctr">
+                      <a:solidFill>
+                        <a:schemeClr val="tx1">
+                          <a:lumMod val="65000"/>
+                          <a:lumOff val="35000"/>
+                        </a:schemeClr>
+                      </a:solidFill>
+                      <a:prstDash val="lgDash"/>
+                      <a:round/>
+                      <a:headEnd w="med" len="med"/>
+                      <a:tailEnd w="med" len="med"/>
+                    </a:lnT>
+                    <a:lnB w="6350" cap="flat" cmpd="sng" algn="ctr">
+                      <a:solidFill>
+                        <a:schemeClr val="tx1">
+                          <a:lumMod val="65000"/>
+                          <a:lumOff val="35000"/>
+                        </a:schemeClr>
+                      </a:solidFill>
+                      <a:prstDash val="lgDash"/>
+                      <a:round/>
+                      <a:headEnd w="med" len="med"/>
+                      <a:tailEnd w="med" len="med"/>
+                    </a:lnB>
+                    <a:lnTlToBr w="12700" cmpd="sng">
+                      <a:noFill/>
+                      <a:prstDash val="solid"/>
+                    </a:lnTlToBr>
+                    <a:lnBlToTr w="12700" cmpd="sng">
+                      <a:noFill/>
+                      <a:prstDash val="solid"/>
+                    </a:lnBlToTr>
+                    <a:noFill/>
+                  </a:tcPr>
+                </a:tc>
+                <a:tc hMerge="1">
+                  <a:txBody>
+                    <a:bodyPr/>
+                    <a:lstStyle/>
+                    <a:p>
+                      <a:pPr latinLnBrk="1">
+                        <a:defRPr/>
+                      </a:pPr>
+                      <a:endParaRPr lang="ko-KR" altLang="en-US"/>
+                    </a:p>
+                  </a:txBody>
+                  <a:tcPr/>
+                </a:tc>
+                <a:tc>
+                  <a:txBody>
+                    <a:bodyPr/>
+                    <a:lstStyle/>
+                    <a:p>
+                      <a:pPr algn="ctr" latinLnBrk="1">
+                        <a:defRPr/>
+                      </a:pPr>
+                      <a:endParaRPr lang="ko-KR" altLang="en-US" sz="1100" b="1">
+                        <a:solidFill>
+                          <a:srgbClr val="000F2F"/>
+                        </a:solidFill>
+                      </a:endParaRPr>
+                    </a:p>
+                  </a:txBody>
+                  <a:tcPr anchor="ctr">
+                    <a:lnL w="6350" cap="flat" cmpd="sng" algn="ctr">
+                      <a:solidFill>
+                        <a:schemeClr val="tx1">
+                          <a:lumMod val="65000"/>
+                          <a:lumOff val="35000"/>
+                        </a:schemeClr>
+                      </a:solidFill>
+                      <a:prstDash val="solid"/>
+                      <a:round/>
+                      <a:headEnd w="med" len="med"/>
+                      <a:tailEnd w="med" len="med"/>
+                    </a:lnL>
+                    <a:lnR w="6350" cap="flat" cmpd="sng" algn="ctr">
+                      <a:solidFill>
+                        <a:schemeClr val="tx1">
+                          <a:lumMod val="65000"/>
+                          <a:lumOff val="35000"/>
+                        </a:schemeClr>
+                      </a:solidFill>
+                      <a:prstDash val="solid"/>
+                      <a:round/>
+                      <a:headEnd w="med" len="med"/>
+                      <a:tailEnd w="med" len="med"/>
+                    </a:lnR>
+                    <a:lnT w="6350" cap="flat" cmpd="sng" algn="ctr">
+                      <a:solidFill>
+                        <a:schemeClr val="tx1">
+                          <a:lumMod val="65000"/>
+                          <a:lumOff val="35000"/>
+                        </a:schemeClr>
+                      </a:solidFill>
+                      <a:prstDash val="lgDash"/>
+                      <a:round/>
+                      <a:headEnd w="med" len="med"/>
+                      <a:tailEnd w="med" len="med"/>
+                    </a:lnT>
+                    <a:lnB w="6350" cap="flat" cmpd="sng" algn="ctr">
+                      <a:solidFill>
+                        <a:schemeClr val="tx1">
+                          <a:lumMod val="65000"/>
+                          <a:lumOff val="35000"/>
+                        </a:schemeClr>
+                      </a:solidFill>
+                      <a:prstDash val="lgDash"/>
+                      <a:round/>
+                      <a:headEnd w="med" len="med"/>
+                      <a:tailEnd w="med" len="med"/>
+                    </a:lnB>
+                    <a:lnTlToBr w="12700" cmpd="sng">
+                      <a:noFill/>
+                      <a:prstDash val="solid"/>
+                    </a:lnTlToBr>
+                    <a:lnBlToTr w="12700" cmpd="sng">
+                      <a:noFill/>
+                      <a:prstDash val="solid"/>
+                    </a:lnBlToTr>
+                    <a:noFill/>
+                  </a:tcPr>
+                </a:tc>
+                <a:tc>
+                  <a:txBody>
+                    <a:bodyPr/>
+                    <a:lstStyle/>
+                    <a:p>
+                      <a:pPr algn="ctr" latinLnBrk="1">
+                        <a:defRPr/>
+                      </a:pPr>
+                      <a:endParaRPr lang="ko-KR" altLang="en-US" sz="1100" b="1" dirty="0">
+                        <a:solidFill>
+                          <a:srgbClr val="000F2F"/>
+                        </a:solidFill>
+                      </a:endParaRPr>
+                    </a:p>
+                  </a:txBody>
+                  <a:tcPr anchor="ctr">
+                    <a:lnL w="6350" cap="flat" cmpd="sng" algn="ctr">
+                      <a:solidFill>
+                        <a:schemeClr val="tx1">
+                          <a:lumMod val="65000"/>
+                          <a:lumOff val="35000"/>
+                        </a:schemeClr>
+                      </a:solidFill>
+                      <a:prstDash val="solid"/>
+                      <a:round/>
+                      <a:headEnd w="med" len="med"/>
+                      <a:tailEnd w="med" len="med"/>
+                    </a:lnL>
+                    <a:lnR w="6350" cap="flat" cmpd="sng" algn="ctr">
+                      <a:solidFill>
+                        <a:schemeClr val="tx1">
+                          <a:lumMod val="65000"/>
+                          <a:lumOff val="35000"/>
+                        </a:schemeClr>
+                      </a:solidFill>
+                      <a:prstDash val="solid"/>
+                      <a:round/>
+                      <a:headEnd w="med" len="med"/>
+                      <a:tailEnd w="med" len="med"/>
+                    </a:lnR>
+                    <a:lnT w="6350" cap="flat" cmpd="sng" algn="ctr">
+                      <a:solidFill>
+                        <a:schemeClr val="tx1">
+                          <a:lumMod val="65000"/>
+                          <a:lumOff val="35000"/>
+                        </a:schemeClr>
+                      </a:solidFill>
+                      <a:prstDash val="lgDash"/>
+                      <a:round/>
+                      <a:headEnd w="med" len="med"/>
+                      <a:tailEnd w="med" len="med"/>
+                    </a:lnT>
+                    <a:lnB w="6350" cap="flat" cmpd="sng" algn="ctr">
+                      <a:solidFill>
+                        <a:schemeClr val="tx1">
+                          <a:lumMod val="65000"/>
+                          <a:lumOff val="35000"/>
+                        </a:schemeClr>
+                      </a:solidFill>
+                      <a:prstDash val="lgDash"/>
+                      <a:round/>
+                      <a:headEnd w="med" len="med"/>
+                      <a:tailEnd w="med" len="med"/>
+                    </a:lnB>
+                    <a:lnTlToBr w="12700" cmpd="sng">
+                      <a:noFill/>
+                      <a:prstDash val="solid"/>
+                    </a:lnTlToBr>
+                    <a:lnBlToTr w="12700" cmpd="sng">
+                      <a:noFill/>
+                      <a:prstDash val="solid"/>
+                    </a:lnBlToTr>
+                    <a:noFill/>
+                  </a:tcPr>
+                </a:tc>
+                <a:tc>
+                  <a:txBody>
+                    <a:bodyPr/>
+                    <a:lstStyle/>
+                    <a:p>
+                      <a:pPr algn="ctr" latinLnBrk="1">
+                        <a:defRPr/>
+                      </a:pPr>
+                      <a:endParaRPr lang="ko-KR" altLang="en-US" sz="1100" b="1">
+                        <a:solidFill>
+                          <a:srgbClr val="000F2F"/>
+                        </a:solidFill>
+                      </a:endParaRPr>
+                    </a:p>
+                  </a:txBody>
+                  <a:tcPr anchor="ctr">
+                    <a:lnL w="6350" cap="flat" cmpd="sng" algn="ctr">
+                      <a:solidFill>
+                        <a:schemeClr val="tx1">
+                          <a:lumMod val="65000"/>
+                          <a:lumOff val="35000"/>
+                        </a:schemeClr>
+                      </a:solidFill>
+                      <a:prstDash val="solid"/>
+                      <a:round/>
+                      <a:headEnd w="med" len="med"/>
+                      <a:tailEnd w="med" len="med"/>
+                    </a:lnL>
+                    <a:lnR w="6350" cap="flat" cmpd="sng" algn="ctr">
+                      <a:solidFill>
+                        <a:schemeClr val="tx1">
+                          <a:lumMod val="65000"/>
+                          <a:lumOff val="35000"/>
+                        </a:schemeClr>
+                      </a:solidFill>
+                      <a:prstDash val="solid"/>
+                      <a:round/>
+                      <a:headEnd w="med" len="med"/>
+                      <a:tailEnd w="med" len="med"/>
+                    </a:lnR>
+                    <a:lnT w="6350" cap="flat" cmpd="sng" algn="ctr">
+                      <a:solidFill>
+                        <a:schemeClr val="tx1">
+                          <a:lumMod val="65000"/>
+                          <a:lumOff val="35000"/>
+                        </a:schemeClr>
+                      </a:solidFill>
+                      <a:prstDash val="lgDash"/>
+                      <a:round/>
+                      <a:headEnd w="med" len="med"/>
+                      <a:tailEnd w="med" len="med"/>
+                    </a:lnT>
+                    <a:lnB w="6350" cap="flat" cmpd="sng" algn="ctr">
+                      <a:solidFill>
+                        <a:schemeClr val="tx1">
+                          <a:lumMod val="65000"/>
+                          <a:lumOff val="35000"/>
+                        </a:schemeClr>
+                      </a:solidFill>
+                      <a:prstDash val="lgDash"/>
+                      <a:round/>
+                      <a:headEnd w="med" len="med"/>
+                      <a:tailEnd w="med" len="med"/>
+                    </a:lnB>
+                    <a:lnTlToBr w="12700" cmpd="sng">
+                      <a:noFill/>
+                      <a:prstDash val="solid"/>
+                    </a:lnTlToBr>
+                    <a:lnBlToTr w="12700" cmpd="sng">
+                      <a:noFill/>
+                      <a:prstDash val="solid"/>
+                    </a:lnBlToTr>
+                    <a:noFill/>
+                  </a:tcPr>
+                </a:tc>
+                <a:tc>
+                  <a:txBody>
+                    <a:bodyPr/>
+                    <a:lstStyle/>
+                    <a:p>
+                      <a:pPr algn="ctr" latinLnBrk="1">
+                        <a:defRPr/>
+                      </a:pPr>
+                      <a:endParaRPr lang="ko-KR" altLang="en-US" sz="1100" b="1">
+                        <a:solidFill>
+                          <a:srgbClr val="000F2F"/>
+                        </a:solidFill>
+                      </a:endParaRPr>
+                    </a:p>
+                  </a:txBody>
+                  <a:tcPr anchor="ctr">
+                    <a:lnL w="6350" cap="flat" cmpd="sng" algn="ctr">
+                      <a:solidFill>
+                        <a:schemeClr val="tx1">
+                          <a:lumMod val="65000"/>
+                          <a:lumOff val="35000"/>
+                        </a:schemeClr>
+                      </a:solidFill>
+                      <a:prstDash val="solid"/>
+                      <a:round/>
+                      <a:headEnd w="med" len="med"/>
+                      <a:tailEnd w="med" len="med"/>
+                    </a:lnL>
+                    <a:lnR w="6350" cap="flat" cmpd="sng" algn="ctr">
+                      <a:solidFill>
+                        <a:schemeClr val="tx1">
+                          <a:lumMod val="65000"/>
+                          <a:lumOff val="35000"/>
+                        </a:schemeClr>
+                      </a:solidFill>
+                      <a:prstDash val="solid"/>
+                      <a:round/>
+                      <a:headEnd w="med" len="med"/>
+                      <a:tailEnd w="med" len="med"/>
+                    </a:lnR>
+                    <a:lnT w="6350" cap="flat" cmpd="sng" algn="ctr">
+                      <a:solidFill>
+                        <a:schemeClr val="tx1">
+                          <a:lumMod val="65000"/>
+                          <a:lumOff val="35000"/>
+                        </a:schemeClr>
+                      </a:solidFill>
+                      <a:prstDash val="lgDash"/>
+                      <a:round/>
+                      <a:headEnd w="med" len="med"/>
+                      <a:tailEnd w="med" len="med"/>
+                    </a:lnT>
+                    <a:lnB w="6350" cap="flat" cmpd="sng" algn="ctr">
+                      <a:solidFill>
+                        <a:schemeClr val="tx1">
+                          <a:lumMod val="65000"/>
+                          <a:lumOff val="35000"/>
+                        </a:schemeClr>
+                      </a:solidFill>
+                      <a:prstDash val="lgDash"/>
+                      <a:round/>
+                      <a:headEnd w="med" len="med"/>
+                      <a:tailEnd w="med" len="med"/>
+                    </a:lnB>
+                    <a:lnTlToBr w="12700" cmpd="sng">
+                      <a:noFill/>
+                      <a:prstDash val="solid"/>
+                    </a:lnTlToBr>
+                    <a:lnBlToTr w="12700" cmpd="sng">
+                      <a:noFill/>
+                      <a:prstDash val="solid"/>
+                    </a:lnBlToTr>
+                    <a:noFill/>
+                  </a:tcPr>
+                </a:tc>
+                <a:tc>
+                  <a:txBody>
+                    <a:bodyPr/>
+                    <a:lstStyle/>
+                    <a:p>
+                      <a:pPr algn="ctr" latinLnBrk="1">
+                        <a:defRPr/>
+                      </a:pPr>
+                      <a:endParaRPr lang="ko-KR" altLang="en-US" sz="1100" b="1" dirty="0">
                         <a:solidFill>
                           <a:srgbClr val="000F2F"/>
                         </a:solidFill>
@@ -13732,637 +14107,7 @@
                       <a:pPr algn="ctr" latinLnBrk="1">
                         <a:defRPr/>
                       </a:pPr>
-                      <a:endParaRPr lang="ko-KR" altLang="en-US" sz="1100" b="1">
-                        <a:solidFill>
-                          <a:srgbClr val="000F2F"/>
-                        </a:solidFill>
-                      </a:endParaRPr>
-                    </a:p>
-                  </a:txBody>
-                  <a:tcPr anchor="ctr">
-                    <a:lnL w="6350" cap="flat" cmpd="sng" algn="ctr">
-                      <a:solidFill>
-                        <a:schemeClr val="tx1">
-                          <a:lumMod val="65000"/>
-                          <a:lumOff val="35000"/>
-                        </a:schemeClr>
-                      </a:solidFill>
-                      <a:prstDash val="solid"/>
-                      <a:round/>
-                      <a:headEnd w="med" len="med"/>
-                      <a:tailEnd w="med" len="med"/>
-                    </a:lnL>
-                    <a:lnR w="6350" cap="flat" cmpd="sng" algn="ctr">
-                      <a:solidFill>
-                        <a:schemeClr val="tx1">
-                          <a:lumMod val="65000"/>
-                          <a:lumOff val="35000"/>
-                        </a:schemeClr>
-                      </a:solidFill>
-                      <a:prstDash val="solid"/>
-                      <a:round/>
-                      <a:headEnd w="med" len="med"/>
-                      <a:tailEnd w="med" len="med"/>
-                    </a:lnR>
-                    <a:lnT w="6350" cap="flat" cmpd="sng" algn="ctr">
-                      <a:solidFill>
-                        <a:schemeClr val="tx1">
-                          <a:lumMod val="65000"/>
-                          <a:lumOff val="35000"/>
-                        </a:schemeClr>
-                      </a:solidFill>
-                      <a:prstDash val="lgDash"/>
-                      <a:round/>
-                      <a:headEnd w="med" len="med"/>
-                      <a:tailEnd w="med" len="med"/>
-                    </a:lnT>
-                    <a:lnB w="6350" cap="flat" cmpd="sng" algn="ctr">
-                      <a:solidFill>
-                        <a:schemeClr val="tx1">
-                          <a:lumMod val="65000"/>
-                          <a:lumOff val="35000"/>
-                        </a:schemeClr>
-                      </a:solidFill>
-                      <a:prstDash val="lgDash"/>
-                      <a:round/>
-                      <a:headEnd w="med" len="med"/>
-                      <a:tailEnd w="med" len="med"/>
-                    </a:lnB>
-                    <a:lnTlToBr w="12700" cmpd="sng">
-                      <a:noFill/>
-                      <a:prstDash val="solid"/>
-                    </a:lnTlToBr>
-                    <a:lnBlToTr w="12700" cmpd="sng">
-                      <a:noFill/>
-                      <a:prstDash val="solid"/>
-                    </a:lnBlToTr>
-                    <a:noFill/>
-                  </a:tcPr>
-                </a:tc>
-                <a:tc>
-                  <a:txBody>
-                    <a:bodyPr/>
-                    <a:lstStyle/>
-                    <a:p>
-                      <a:pPr algn="ctr" latinLnBrk="1">
-                        <a:defRPr/>
-                      </a:pPr>
-                      <a:endParaRPr lang="ko-KR" altLang="en-US" sz="1100" b="1">
-                        <a:solidFill>
-                          <a:srgbClr val="000F2F"/>
-                        </a:solidFill>
-                      </a:endParaRPr>
-                    </a:p>
-                  </a:txBody>
-                  <a:tcPr anchor="ctr">
-                    <a:lnL w="6350" cap="flat" cmpd="sng" algn="ctr">
-                      <a:solidFill>
-                        <a:schemeClr val="tx1">
-                          <a:lumMod val="65000"/>
-                          <a:lumOff val="35000"/>
-                        </a:schemeClr>
-                      </a:solidFill>
-                      <a:prstDash val="solid"/>
-                      <a:round/>
-                      <a:headEnd w="med" len="med"/>
-                      <a:tailEnd w="med" len="med"/>
-                    </a:lnL>
-                    <a:lnR w="12700" cap="flat" cmpd="sng" algn="ctr">
-                      <a:solidFill>
-                        <a:sysClr val="windowText" lastClr="000000"/>
-                      </a:solidFill>
-                      <a:prstDash val="solid"/>
-                      <a:round/>
-                      <a:headEnd w="med" len="med"/>
-                      <a:tailEnd w="med" len="med"/>
-                    </a:lnR>
-                    <a:lnT w="6350" cap="flat" cmpd="sng" algn="ctr">
-                      <a:solidFill>
-                        <a:schemeClr val="tx1">
-                          <a:lumMod val="65000"/>
-                          <a:lumOff val="35000"/>
-                        </a:schemeClr>
-                      </a:solidFill>
-                      <a:prstDash val="lgDash"/>
-                      <a:round/>
-                      <a:headEnd w="med" len="med"/>
-                      <a:tailEnd w="med" len="med"/>
-                    </a:lnT>
-                    <a:lnB w="6350" cap="flat" cmpd="sng" algn="ctr">
-                      <a:solidFill>
-                        <a:schemeClr val="tx1">
-                          <a:lumMod val="65000"/>
-                          <a:lumOff val="35000"/>
-                        </a:schemeClr>
-                      </a:solidFill>
-                      <a:prstDash val="lgDash"/>
-                      <a:round/>
-                      <a:headEnd w="med" len="med"/>
-                      <a:tailEnd w="med" len="med"/>
-                    </a:lnB>
-                    <a:lnTlToBr w="12700" cmpd="sng">
-                      <a:noFill/>
-                      <a:prstDash val="solid"/>
-                    </a:lnTlToBr>
-                    <a:lnBlToTr w="12700" cmpd="sng">
-                      <a:noFill/>
-                      <a:prstDash val="solid"/>
-                    </a:lnBlToTr>
-                    <a:noFill/>
-                  </a:tcPr>
-                </a:tc>
-                <a:extLst>
-                  <a:ext uri="{0D108BD9-81ED-4DB2-BD59-A6C34878D82A}">
-                    <a16:rowId xmlns:a16="http://schemas.microsoft.com/office/drawing/2014/main" val="10008"/>
-                  </a:ext>
-                </a:extLst>
-              </a:tr>
-              <a:tr h="277637">
-                <a:tc vMerge="1">
-                  <a:txBody>
-                    <a:bodyPr/>
-                    <a:lstStyle/>
-                    <a:p>
-                      <a:pPr latinLnBrk="1">
-                        <a:defRPr/>
-                      </a:pPr>
-                      <a:endParaRPr lang="ko-KR" altLang="en-US"/>
-                    </a:p>
-                  </a:txBody>
-                  <a:tcPr/>
-                </a:tc>
-                <a:tc gridSpan="2">
-                  <a:txBody>
-                    <a:bodyPr/>
-                    <a:lstStyle/>
-                    <a:p>
-                      <a:pPr algn="ctr" latinLnBrk="1">
-                        <a:defRPr/>
-                      </a:pPr>
-                      <a:r>
-                        <a:rPr lang="ko-KR" altLang="en-US" sz="1100" b="1">
-                          <a:solidFill>
-                            <a:srgbClr val="000F2F"/>
-                          </a:solidFill>
-                        </a:rPr>
-                        <a:t>배포 및 테스트</a:t>
-                      </a:r>
-                    </a:p>
-                  </a:txBody>
-                  <a:tcPr anchor="ctr">
-                    <a:lnL w="12700" cap="flat" cmpd="sng" algn="ctr">
-                      <a:solidFill>
-                        <a:sysClr val="windowText" lastClr="000000"/>
-                      </a:solidFill>
-                      <a:prstDash val="solid"/>
-                      <a:round/>
-                      <a:headEnd w="med" len="med"/>
-                      <a:tailEnd w="med" len="med"/>
-                    </a:lnL>
-                    <a:lnR w="6350" cap="flat" cmpd="sng" algn="ctr">
-                      <a:solidFill>
-                        <a:schemeClr val="tx1">
-                          <a:lumMod val="65000"/>
-                          <a:lumOff val="35000"/>
-                        </a:schemeClr>
-                      </a:solidFill>
-                      <a:prstDash val="solid"/>
-                      <a:round/>
-                      <a:headEnd w="med" len="med"/>
-                      <a:tailEnd w="med" len="med"/>
-                    </a:lnR>
-                    <a:lnT w="6350" cap="flat" cmpd="sng" algn="ctr">
-                      <a:solidFill>
-                        <a:schemeClr val="tx1">
-                          <a:lumMod val="65000"/>
-                          <a:lumOff val="35000"/>
-                        </a:schemeClr>
-                      </a:solidFill>
-                      <a:prstDash val="lgDash"/>
-                      <a:round/>
-                      <a:headEnd w="med" len="med"/>
-                      <a:tailEnd w="med" len="med"/>
-                    </a:lnT>
-                    <a:lnB w="6350" cap="flat" cmpd="sng" algn="ctr">
-                      <a:solidFill>
-                        <a:schemeClr val="tx1">
-                          <a:lumMod val="65000"/>
-                          <a:lumOff val="35000"/>
-                        </a:schemeClr>
-                      </a:solidFill>
-                      <a:prstDash val="lgDash"/>
-                      <a:round/>
-                      <a:headEnd w="med" len="med"/>
-                      <a:tailEnd w="med" len="med"/>
-                    </a:lnB>
-                    <a:lnTlToBr w="12700" cmpd="sng">
-                      <a:noFill/>
-                      <a:prstDash val="solid"/>
-                    </a:lnTlToBr>
-                    <a:lnBlToTr w="12700" cmpd="sng">
-                      <a:noFill/>
-                      <a:prstDash val="solid"/>
-                    </a:lnBlToTr>
-                    <a:noFill/>
-                  </a:tcPr>
-                </a:tc>
-                <a:tc hMerge="1">
-                  <a:txBody>
-                    <a:bodyPr/>
-                    <a:lstStyle/>
-                    <a:p>
-                      <a:pPr latinLnBrk="1">
-                        <a:defRPr/>
-                      </a:pPr>
-                      <a:endParaRPr lang="ko-KR" altLang="en-US"/>
-                    </a:p>
-                  </a:txBody>
-                  <a:tcPr/>
-                </a:tc>
-                <a:tc>
-                  <a:txBody>
-                    <a:bodyPr/>
-                    <a:lstStyle/>
-                    <a:p>
-                      <a:pPr algn="ctr" latinLnBrk="1">
-                        <a:defRPr/>
-                      </a:pPr>
-                      <a:endParaRPr lang="ko-KR" altLang="en-US" sz="1100" b="1">
-                        <a:solidFill>
-                          <a:srgbClr val="000F2F"/>
-                        </a:solidFill>
-                      </a:endParaRPr>
-                    </a:p>
-                  </a:txBody>
-                  <a:tcPr anchor="ctr">
-                    <a:lnL w="6350" cap="flat" cmpd="sng" algn="ctr">
-                      <a:solidFill>
-                        <a:schemeClr val="tx1">
-                          <a:lumMod val="65000"/>
-                          <a:lumOff val="35000"/>
-                        </a:schemeClr>
-                      </a:solidFill>
-                      <a:prstDash val="solid"/>
-                      <a:round/>
-                      <a:headEnd w="med" len="med"/>
-                      <a:tailEnd w="med" len="med"/>
-                    </a:lnL>
-                    <a:lnR w="6350" cap="flat" cmpd="sng" algn="ctr">
-                      <a:solidFill>
-                        <a:schemeClr val="tx1">
-                          <a:lumMod val="65000"/>
-                          <a:lumOff val="35000"/>
-                        </a:schemeClr>
-                      </a:solidFill>
-                      <a:prstDash val="solid"/>
-                      <a:round/>
-                      <a:headEnd w="med" len="med"/>
-                      <a:tailEnd w="med" len="med"/>
-                    </a:lnR>
-                    <a:lnT w="6350" cap="flat" cmpd="sng" algn="ctr">
-                      <a:solidFill>
-                        <a:schemeClr val="tx1">
-                          <a:lumMod val="65000"/>
-                          <a:lumOff val="35000"/>
-                        </a:schemeClr>
-                      </a:solidFill>
-                      <a:prstDash val="lgDash"/>
-                      <a:round/>
-                      <a:headEnd w="med" len="med"/>
-                      <a:tailEnd w="med" len="med"/>
-                    </a:lnT>
-                    <a:lnB w="6350" cap="flat" cmpd="sng" algn="ctr">
-                      <a:solidFill>
-                        <a:schemeClr val="tx1">
-                          <a:lumMod val="65000"/>
-                          <a:lumOff val="35000"/>
-                        </a:schemeClr>
-                      </a:solidFill>
-                      <a:prstDash val="lgDash"/>
-                      <a:round/>
-                      <a:headEnd w="med" len="med"/>
-                      <a:tailEnd w="med" len="med"/>
-                    </a:lnB>
-                    <a:lnTlToBr w="12700" cmpd="sng">
-                      <a:noFill/>
-                      <a:prstDash val="solid"/>
-                    </a:lnTlToBr>
-                    <a:lnBlToTr w="12700" cmpd="sng">
-                      <a:noFill/>
-                      <a:prstDash val="solid"/>
-                    </a:lnBlToTr>
-                    <a:noFill/>
-                  </a:tcPr>
-                </a:tc>
-                <a:tc>
-                  <a:txBody>
-                    <a:bodyPr/>
-                    <a:lstStyle/>
-                    <a:p>
-                      <a:pPr algn="ctr" latinLnBrk="1">
-                        <a:defRPr/>
-                      </a:pPr>
-                      <a:endParaRPr lang="ko-KR" altLang="en-US" sz="1100" b="1">
-                        <a:solidFill>
-                          <a:srgbClr val="000F2F"/>
-                        </a:solidFill>
-                      </a:endParaRPr>
-                    </a:p>
-                  </a:txBody>
-                  <a:tcPr anchor="ctr">
-                    <a:lnL w="6350" cap="flat" cmpd="sng" algn="ctr">
-                      <a:solidFill>
-                        <a:schemeClr val="tx1">
-                          <a:lumMod val="65000"/>
-                          <a:lumOff val="35000"/>
-                        </a:schemeClr>
-                      </a:solidFill>
-                      <a:prstDash val="solid"/>
-                      <a:round/>
-                      <a:headEnd w="med" len="med"/>
-                      <a:tailEnd w="med" len="med"/>
-                    </a:lnL>
-                    <a:lnR w="6350" cap="flat" cmpd="sng" algn="ctr">
-                      <a:solidFill>
-                        <a:schemeClr val="tx1">
-                          <a:lumMod val="65000"/>
-                          <a:lumOff val="35000"/>
-                        </a:schemeClr>
-                      </a:solidFill>
-                      <a:prstDash val="solid"/>
-                      <a:round/>
-                      <a:headEnd w="med" len="med"/>
-                      <a:tailEnd w="med" len="med"/>
-                    </a:lnR>
-                    <a:lnT w="6350" cap="flat" cmpd="sng" algn="ctr">
-                      <a:solidFill>
-                        <a:schemeClr val="tx1">
-                          <a:lumMod val="65000"/>
-                          <a:lumOff val="35000"/>
-                        </a:schemeClr>
-                      </a:solidFill>
-                      <a:prstDash val="lgDash"/>
-                      <a:round/>
-                      <a:headEnd w="med" len="med"/>
-                      <a:tailEnd w="med" len="med"/>
-                    </a:lnT>
-                    <a:lnB w="6350" cap="flat" cmpd="sng" algn="ctr">
-                      <a:solidFill>
-                        <a:schemeClr val="tx1">
-                          <a:lumMod val="65000"/>
-                          <a:lumOff val="35000"/>
-                        </a:schemeClr>
-                      </a:solidFill>
-                      <a:prstDash val="lgDash"/>
-                      <a:round/>
-                      <a:headEnd w="med" len="med"/>
-                      <a:tailEnd w="med" len="med"/>
-                    </a:lnB>
-                    <a:lnTlToBr w="12700" cmpd="sng">
-                      <a:noFill/>
-                      <a:prstDash val="solid"/>
-                    </a:lnTlToBr>
-                    <a:lnBlToTr w="12700" cmpd="sng">
-                      <a:noFill/>
-                      <a:prstDash val="solid"/>
-                    </a:lnBlToTr>
-                    <a:noFill/>
-                  </a:tcPr>
-                </a:tc>
-                <a:tc>
-                  <a:txBody>
-                    <a:bodyPr/>
-                    <a:lstStyle/>
-                    <a:p>
-                      <a:pPr algn="ctr" latinLnBrk="1">
-                        <a:defRPr/>
-                      </a:pPr>
-                      <a:endParaRPr lang="ko-KR" altLang="en-US" sz="1100" b="1">
-                        <a:solidFill>
-                          <a:srgbClr val="000F2F"/>
-                        </a:solidFill>
-                      </a:endParaRPr>
-                    </a:p>
-                  </a:txBody>
-                  <a:tcPr anchor="ctr">
-                    <a:lnL w="6350" cap="flat" cmpd="sng" algn="ctr">
-                      <a:solidFill>
-                        <a:schemeClr val="tx1">
-                          <a:lumMod val="65000"/>
-                          <a:lumOff val="35000"/>
-                        </a:schemeClr>
-                      </a:solidFill>
-                      <a:prstDash val="solid"/>
-                      <a:round/>
-                      <a:headEnd w="med" len="med"/>
-                      <a:tailEnd w="med" len="med"/>
-                    </a:lnL>
-                    <a:lnR w="6350" cap="flat" cmpd="sng" algn="ctr">
-                      <a:solidFill>
-                        <a:schemeClr val="tx1">
-                          <a:lumMod val="65000"/>
-                          <a:lumOff val="35000"/>
-                        </a:schemeClr>
-                      </a:solidFill>
-                      <a:prstDash val="solid"/>
-                      <a:round/>
-                      <a:headEnd w="med" len="med"/>
-                      <a:tailEnd w="med" len="med"/>
-                    </a:lnR>
-                    <a:lnT w="6350" cap="flat" cmpd="sng" algn="ctr">
-                      <a:solidFill>
-                        <a:schemeClr val="tx1">
-                          <a:lumMod val="65000"/>
-                          <a:lumOff val="35000"/>
-                        </a:schemeClr>
-                      </a:solidFill>
-                      <a:prstDash val="lgDash"/>
-                      <a:round/>
-                      <a:headEnd w="med" len="med"/>
-                      <a:tailEnd w="med" len="med"/>
-                    </a:lnT>
-                    <a:lnB w="6350" cap="flat" cmpd="sng" algn="ctr">
-                      <a:solidFill>
-                        <a:schemeClr val="tx1">
-                          <a:lumMod val="65000"/>
-                          <a:lumOff val="35000"/>
-                        </a:schemeClr>
-                      </a:solidFill>
-                      <a:prstDash val="lgDash"/>
-                      <a:round/>
-                      <a:headEnd w="med" len="med"/>
-                      <a:tailEnd w="med" len="med"/>
-                    </a:lnB>
-                    <a:lnTlToBr w="12700" cmpd="sng">
-                      <a:noFill/>
-                      <a:prstDash val="solid"/>
-                    </a:lnTlToBr>
-                    <a:lnBlToTr w="12700" cmpd="sng">
-                      <a:noFill/>
-                      <a:prstDash val="solid"/>
-                    </a:lnBlToTr>
-                    <a:noFill/>
-                  </a:tcPr>
-                </a:tc>
-                <a:tc>
-                  <a:txBody>
-                    <a:bodyPr/>
-                    <a:lstStyle/>
-                    <a:p>
-                      <a:pPr algn="ctr" latinLnBrk="1">
-                        <a:defRPr/>
-                      </a:pPr>
-                      <a:endParaRPr lang="ko-KR" altLang="en-US" sz="1100" b="1">
-                        <a:solidFill>
-                          <a:srgbClr val="000F2F"/>
-                        </a:solidFill>
-                      </a:endParaRPr>
-                    </a:p>
-                  </a:txBody>
-                  <a:tcPr anchor="ctr">
-                    <a:lnL w="6350" cap="flat" cmpd="sng" algn="ctr">
-                      <a:solidFill>
-                        <a:schemeClr val="tx1">
-                          <a:lumMod val="65000"/>
-                          <a:lumOff val="35000"/>
-                        </a:schemeClr>
-                      </a:solidFill>
-                      <a:prstDash val="solid"/>
-                      <a:round/>
-                      <a:headEnd w="med" len="med"/>
-                      <a:tailEnd w="med" len="med"/>
-                    </a:lnL>
-                    <a:lnR w="6350" cap="flat" cmpd="sng" algn="ctr">
-                      <a:solidFill>
-                        <a:schemeClr val="tx1">
-                          <a:lumMod val="65000"/>
-                          <a:lumOff val="35000"/>
-                        </a:schemeClr>
-                      </a:solidFill>
-                      <a:prstDash val="solid"/>
-                      <a:round/>
-                      <a:headEnd w="med" len="med"/>
-                      <a:tailEnd w="med" len="med"/>
-                    </a:lnR>
-                    <a:lnT w="6350" cap="flat" cmpd="sng" algn="ctr">
-                      <a:solidFill>
-                        <a:schemeClr val="tx1">
-                          <a:lumMod val="65000"/>
-                          <a:lumOff val="35000"/>
-                        </a:schemeClr>
-                      </a:solidFill>
-                      <a:prstDash val="lgDash"/>
-                      <a:round/>
-                      <a:headEnd w="med" len="med"/>
-                      <a:tailEnd w="med" len="med"/>
-                    </a:lnT>
-                    <a:lnB w="6350" cap="flat" cmpd="sng" algn="ctr">
-                      <a:solidFill>
-                        <a:schemeClr val="tx1">
-                          <a:lumMod val="65000"/>
-                          <a:lumOff val="35000"/>
-                        </a:schemeClr>
-                      </a:solidFill>
-                      <a:prstDash val="lgDash"/>
-                      <a:round/>
-                      <a:headEnd w="med" len="med"/>
-                      <a:tailEnd w="med" len="med"/>
-                    </a:lnB>
-                    <a:lnTlToBr w="12700" cmpd="sng">
-                      <a:noFill/>
-                      <a:prstDash val="solid"/>
-                    </a:lnTlToBr>
-                    <a:lnBlToTr w="12700" cmpd="sng">
-                      <a:noFill/>
-                      <a:prstDash val="solid"/>
-                    </a:lnBlToTr>
-                    <a:noFill/>
-                  </a:tcPr>
-                </a:tc>
-                <a:tc>
-                  <a:txBody>
-                    <a:bodyPr/>
-                    <a:lstStyle/>
-                    <a:p>
-                      <a:pPr algn="ctr" latinLnBrk="1">
-                        <a:defRPr/>
-                      </a:pPr>
-                      <a:endParaRPr lang="ko-KR" altLang="en-US" sz="1100" b="1">
-                        <a:solidFill>
-                          <a:srgbClr val="000F2F"/>
-                        </a:solidFill>
-                      </a:endParaRPr>
-                    </a:p>
-                  </a:txBody>
-                  <a:tcPr anchor="ctr">
-                    <a:lnL w="6350" cap="flat" cmpd="sng" algn="ctr">
-                      <a:solidFill>
-                        <a:schemeClr val="tx1">
-                          <a:lumMod val="65000"/>
-                          <a:lumOff val="35000"/>
-                        </a:schemeClr>
-                      </a:solidFill>
-                      <a:prstDash val="solid"/>
-                      <a:round/>
-                      <a:headEnd w="med" len="med"/>
-                      <a:tailEnd w="med" len="med"/>
-                    </a:lnL>
-                    <a:lnR w="6350" cap="flat" cmpd="sng" algn="ctr">
-                      <a:solidFill>
-                        <a:schemeClr val="tx1">
-                          <a:lumMod val="65000"/>
-                          <a:lumOff val="35000"/>
-                        </a:schemeClr>
-                      </a:solidFill>
-                      <a:prstDash val="solid"/>
-                      <a:round/>
-                      <a:headEnd w="med" len="med"/>
-                      <a:tailEnd w="med" len="med"/>
-                    </a:lnR>
-                    <a:lnT w="6350" cap="flat" cmpd="sng" algn="ctr">
-                      <a:solidFill>
-                        <a:schemeClr val="tx1">
-                          <a:lumMod val="65000"/>
-                          <a:lumOff val="35000"/>
-                        </a:schemeClr>
-                      </a:solidFill>
-                      <a:prstDash val="lgDash"/>
-                      <a:round/>
-                      <a:headEnd w="med" len="med"/>
-                      <a:tailEnd w="med" len="med"/>
-                    </a:lnT>
-                    <a:lnB w="6350" cap="flat" cmpd="sng" algn="ctr">
-                      <a:solidFill>
-                        <a:schemeClr val="tx1">
-                          <a:lumMod val="65000"/>
-                          <a:lumOff val="35000"/>
-                        </a:schemeClr>
-                      </a:solidFill>
-                      <a:prstDash val="lgDash"/>
-                      <a:round/>
-                      <a:headEnd w="med" len="med"/>
-                      <a:tailEnd w="med" len="med"/>
-                    </a:lnB>
-                    <a:lnTlToBr w="12700" cmpd="sng">
-                      <a:noFill/>
-                      <a:prstDash val="solid"/>
-                    </a:lnTlToBr>
-                    <a:lnBlToTr w="12700" cmpd="sng">
-                      <a:noFill/>
-                      <a:prstDash val="solid"/>
-                    </a:lnBlToTr>
-                    <a:noFill/>
-                  </a:tcPr>
-                </a:tc>
-                <a:tc>
-                  <a:txBody>
-                    <a:bodyPr/>
-                    <a:lstStyle/>
-                    <a:p>
-                      <a:pPr algn="ctr" latinLnBrk="1">
-                        <a:defRPr/>
-                      </a:pPr>
-                      <a:endParaRPr lang="ko-KR" altLang="en-US" sz="1100" b="1">
+                      <a:endParaRPr lang="ko-KR" altLang="en-US" sz="1100" b="1" dirty="0">
                         <a:solidFill>
                           <a:srgbClr val="000F2F"/>
                         </a:solidFill>
@@ -14442,7 +14187,7 @@
                       <a:pPr algn="ctr" latinLnBrk="1">
                         <a:defRPr/>
                       </a:pPr>
-                      <a:endParaRPr lang="ko-KR" altLang="en-US" sz="1100" b="1">
+                      <a:endParaRPr lang="ko-KR" altLang="en-US" sz="1100" b="1" dirty="0">
                         <a:solidFill>
                           <a:srgbClr val="000F2F"/>
                         </a:solidFill>
@@ -14588,11 +14333,11 @@
                 </a:tc>
                 <a:extLst>
                   <a:ext uri="{0D108BD9-81ED-4DB2-BD59-A6C34878D82A}">
-                    <a16:rowId xmlns:a16="http://schemas.microsoft.com/office/drawing/2014/main" val="10009"/>
+                    <a16:rowId xmlns:a16="http://schemas.microsoft.com/office/drawing/2014/main" val="10008"/>
                   </a:ext>
                 </a:extLst>
               </a:tr>
-              <a:tr h="277637">
+              <a:tr h="236095">
                 <a:tc vMerge="1">
                   <a:txBody>
                     <a:bodyPr/>
@@ -14615,12 +14360,12 @@
                         <a:defRPr/>
                       </a:pPr>
                       <a:r>
-                        <a:rPr lang="ko-KR" altLang="en-US" sz="1100" b="1">
+                        <a:rPr lang="ko-KR" altLang="en-US" sz="1100" b="1" dirty="0">
                           <a:solidFill>
                             <a:srgbClr val="000F2F"/>
                           </a:solidFill>
                         </a:rPr>
-                        <a:t>데모시연</a:t>
+                        <a:t>테스트</a:t>
                       </a:r>
                     </a:p>
                   </a:txBody>
@@ -14658,11 +14403,14 @@
                       <a:headEnd w="med" len="med"/>
                       <a:tailEnd w="med" len="med"/>
                     </a:lnT>
-                    <a:lnB w="12700" cap="flat" cmpd="sng" algn="ctr">
-                      <a:solidFill>
-                        <a:sysClr val="windowText" lastClr="000000"/>
-                      </a:solidFill>
-                      <a:prstDash val="solid"/>
+                    <a:lnB w="6350" cap="flat" cmpd="sng" algn="ctr">
+                      <a:solidFill>
+                        <a:schemeClr val="tx1">
+                          <a:lumMod val="65000"/>
+                          <a:lumOff val="35000"/>
+                        </a:schemeClr>
+                      </a:solidFill>
+                      <a:prstDash val="lgDash"/>
                       <a:round/>
                       <a:headEnd w="med" len="med"/>
                       <a:tailEnd w="med" len="med"/>
@@ -14743,11 +14491,14 @@
                       <a:headEnd w="med" len="med"/>
                       <a:tailEnd w="med" len="med"/>
                     </a:lnT>
-                    <a:lnB w="12700" cap="flat" cmpd="sng" algn="ctr">
-                      <a:solidFill>
-                        <a:sysClr val="windowText" lastClr="000000"/>
-                      </a:solidFill>
-                      <a:prstDash val="solid"/>
+                    <a:lnB w="6350" cap="flat" cmpd="sng" algn="ctr">
+                      <a:solidFill>
+                        <a:schemeClr val="tx1">
+                          <a:lumMod val="65000"/>
+                          <a:lumOff val="35000"/>
+                        </a:schemeClr>
+                      </a:solidFill>
+                      <a:prstDash val="lgDash"/>
                       <a:round/>
                       <a:headEnd w="med" len="med"/>
                       <a:tailEnd w="med" len="med"/>
@@ -14815,11 +14566,14 @@
                       <a:headEnd w="med" len="med"/>
                       <a:tailEnd w="med" len="med"/>
                     </a:lnT>
-                    <a:lnB w="12700" cap="flat" cmpd="sng" algn="ctr">
-                      <a:solidFill>
-                        <a:sysClr val="windowText" lastClr="000000"/>
-                      </a:solidFill>
-                      <a:prstDash val="solid"/>
+                    <a:lnB w="6350" cap="flat" cmpd="sng" algn="ctr">
+                      <a:solidFill>
+                        <a:schemeClr val="tx1">
+                          <a:lumMod val="65000"/>
+                          <a:lumOff val="35000"/>
+                        </a:schemeClr>
+                      </a:solidFill>
+                      <a:prstDash val="lgDash"/>
                       <a:round/>
                       <a:headEnd w="med" len="med"/>
                       <a:tailEnd w="med" len="med"/>
@@ -14887,11 +14641,14 @@
                       <a:headEnd w="med" len="med"/>
                       <a:tailEnd w="med" len="med"/>
                     </a:lnT>
-                    <a:lnB w="12700" cap="flat" cmpd="sng" algn="ctr">
-                      <a:solidFill>
-                        <a:sysClr val="windowText" lastClr="000000"/>
-                      </a:solidFill>
-                      <a:prstDash val="solid"/>
+                    <a:lnB w="6350" cap="flat" cmpd="sng" algn="ctr">
+                      <a:solidFill>
+                        <a:schemeClr val="tx1">
+                          <a:lumMod val="65000"/>
+                          <a:lumOff val="35000"/>
+                        </a:schemeClr>
+                      </a:solidFill>
+                      <a:prstDash val="lgDash"/>
                       <a:round/>
                       <a:headEnd w="med" len="med"/>
                       <a:tailEnd w="med" len="med"/>
@@ -14959,11 +14716,14 @@
                       <a:headEnd w="med" len="med"/>
                       <a:tailEnd w="med" len="med"/>
                     </a:lnT>
-                    <a:lnB w="12700" cap="flat" cmpd="sng" algn="ctr">
-                      <a:solidFill>
-                        <a:sysClr val="windowText" lastClr="000000"/>
-                      </a:solidFill>
-                      <a:prstDash val="solid"/>
+                    <a:lnB w="6350" cap="flat" cmpd="sng" algn="ctr">
+                      <a:solidFill>
+                        <a:schemeClr val="tx1">
+                          <a:lumMod val="65000"/>
+                          <a:lumOff val="35000"/>
+                        </a:schemeClr>
+                      </a:solidFill>
+                      <a:prstDash val="lgDash"/>
                       <a:round/>
                       <a:headEnd w="med" len="med"/>
                       <a:tailEnd w="med" len="med"/>
@@ -15031,11 +14791,14 @@
                       <a:headEnd w="med" len="med"/>
                       <a:tailEnd w="med" len="med"/>
                     </a:lnT>
-                    <a:lnB w="12700" cap="flat" cmpd="sng" algn="ctr">
-                      <a:solidFill>
-                        <a:sysClr val="windowText" lastClr="000000"/>
-                      </a:solidFill>
-                      <a:prstDash val="solid"/>
+                    <a:lnB w="6350" cap="flat" cmpd="sng" algn="ctr">
+                      <a:solidFill>
+                        <a:schemeClr val="tx1">
+                          <a:lumMod val="65000"/>
+                          <a:lumOff val="35000"/>
+                        </a:schemeClr>
+                      </a:solidFill>
+                      <a:prstDash val="lgDash"/>
                       <a:round/>
                       <a:headEnd w="med" len="med"/>
                       <a:tailEnd w="med" len="med"/>
@@ -15059,7 +14822,7 @@
                       <a:pPr algn="ctr" latinLnBrk="1">
                         <a:defRPr/>
                       </a:pPr>
-                      <a:endParaRPr lang="ko-KR" altLang="en-US" sz="1100" b="1">
+                      <a:endParaRPr lang="ko-KR" altLang="en-US" sz="1100" b="1" dirty="0">
                         <a:solidFill>
                           <a:srgbClr val="000F2F"/>
                         </a:solidFill>
@@ -15103,67 +14866,7 @@
                       <a:headEnd w="med" len="med"/>
                       <a:tailEnd w="med" len="med"/>
                     </a:lnT>
-                    <a:lnB w="12700" cap="flat" cmpd="sng" algn="ctr">
-                      <a:solidFill>
-                        <a:sysClr val="windowText" lastClr="000000"/>
-                      </a:solidFill>
-                      <a:prstDash val="solid"/>
-                      <a:round/>
-                      <a:headEnd w="med" len="med"/>
-                      <a:tailEnd w="med" len="med"/>
-                    </a:lnB>
-                    <a:lnTlToBr w="12700" cmpd="sng">
-                      <a:noFill/>
-                      <a:prstDash val="solid"/>
-                    </a:lnTlToBr>
-                    <a:lnBlToTr w="12700" cmpd="sng">
-                      <a:noFill/>
-                      <a:prstDash val="solid"/>
-                    </a:lnBlToTr>
-                    <a:noFill/>
-                  </a:tcPr>
-                </a:tc>
-                <a:tc>
-                  <a:txBody>
-                    <a:bodyPr/>
-                    <a:lstStyle/>
-                    <a:p>
-                      <a:pPr algn="ctr" latinLnBrk="1">
-                        <a:defRPr/>
-                      </a:pPr>
-                      <a:endParaRPr lang="ko-KR" altLang="en-US" sz="1100" b="1">
-                        <a:solidFill>
-                          <a:srgbClr val="000F2F"/>
-                        </a:solidFill>
-                      </a:endParaRPr>
-                    </a:p>
-                  </a:txBody>
-                  <a:tcPr anchor="ctr">
-                    <a:lnL w="6350" cap="flat" cmpd="sng" algn="ctr">
-                      <a:solidFill>
-                        <a:schemeClr val="tx1">
-                          <a:lumMod val="65000"/>
-                          <a:lumOff val="35000"/>
-                        </a:schemeClr>
-                      </a:solidFill>
-                      <a:prstDash val="solid"/>
-                      <a:round/>
-                      <a:headEnd w="med" len="med"/>
-                      <a:tailEnd w="med" len="med"/>
-                    </a:lnL>
-                    <a:lnR w="6350" cap="flat" cmpd="sng" algn="ctr">
-                      <a:solidFill>
-                        <a:schemeClr val="tx1">
-                          <a:lumMod val="65000"/>
-                          <a:lumOff val="35000"/>
-                        </a:schemeClr>
-                      </a:solidFill>
-                      <a:prstDash val="solid"/>
-                      <a:round/>
-                      <a:headEnd w="med" len="med"/>
-                      <a:tailEnd w="med" len="med"/>
-                    </a:lnR>
-                    <a:lnT w="6350" cap="flat" cmpd="sng" algn="ctr">
+                    <a:lnB w="6350" cap="flat" cmpd="sng" algn="ctr">
                       <a:solidFill>
                         <a:schemeClr val="tx1">
                           <a:lumMod val="65000"/>
@@ -15171,15 +14874,6 @@
                         </a:schemeClr>
                       </a:solidFill>
                       <a:prstDash val="lgDash"/>
-                      <a:round/>
-                      <a:headEnd w="med" len="med"/>
-                      <a:tailEnd w="med" len="med"/>
-                    </a:lnT>
-                    <a:lnB w="12700" cap="flat" cmpd="sng" algn="ctr">
-                      <a:solidFill>
-                        <a:sysClr val="windowText" lastClr="000000"/>
-                      </a:solidFill>
-                      <a:prstDash val="solid"/>
                       <a:round/>
                       <a:headEnd w="med" len="med"/>
                       <a:tailEnd w="med" len="med"/>
@@ -15228,9 +14922,12 @@
                       <a:headEnd w="med" len="med"/>
                       <a:tailEnd w="med" len="med"/>
                     </a:lnL>
-                    <a:lnR w="12700" cap="flat" cmpd="sng" algn="ctr">
-                      <a:solidFill>
-                        <a:sysClr val="windowText" lastClr="000000"/>
+                    <a:lnR w="6350" cap="flat" cmpd="sng" algn="ctr">
+                      <a:solidFill>
+                        <a:schemeClr val="tx1">
+                          <a:lumMod val="65000"/>
+                          <a:lumOff val="35000"/>
+                        </a:schemeClr>
                       </a:solidFill>
                       <a:prstDash val="solid"/>
                       <a:round/>
@@ -15249,11 +14946,14 @@
                       <a:headEnd w="med" len="med"/>
                       <a:tailEnd w="med" len="med"/>
                     </a:lnT>
-                    <a:lnB w="12700" cap="flat" cmpd="sng" algn="ctr">
-                      <a:solidFill>
-                        <a:sysClr val="windowText" lastClr="000000"/>
-                      </a:solidFill>
-                      <a:prstDash val="solid"/>
+                    <a:lnB w="6350" cap="flat" cmpd="sng" algn="ctr">
+                      <a:solidFill>
+                        <a:schemeClr val="tx1">
+                          <a:lumMod val="65000"/>
+                          <a:lumOff val="35000"/>
+                        </a:schemeClr>
+                      </a:solidFill>
+                      <a:prstDash val="lgDash"/>
                       <a:round/>
                       <a:headEnd w="med" len="med"/>
                       <a:tailEnd w="med" len="med"/>
@@ -15274,14 +14974,790 @@
                     </a:solidFill>
                   </a:tcPr>
                 </a:tc>
+                <a:tc>
+                  <a:txBody>
+                    <a:bodyPr/>
+                    <a:lstStyle/>
+                    <a:p>
+                      <a:pPr algn="ctr" latinLnBrk="1">
+                        <a:defRPr/>
+                      </a:pPr>
+                      <a:endParaRPr lang="ko-KR" altLang="en-US" sz="1100" b="1">
+                        <a:solidFill>
+                          <a:srgbClr val="000F2F"/>
+                        </a:solidFill>
+                      </a:endParaRPr>
+                    </a:p>
+                  </a:txBody>
+                  <a:tcPr anchor="ctr">
+                    <a:lnL w="6350" cap="flat" cmpd="sng" algn="ctr">
+                      <a:solidFill>
+                        <a:schemeClr val="tx1">
+                          <a:lumMod val="65000"/>
+                          <a:lumOff val="35000"/>
+                        </a:schemeClr>
+                      </a:solidFill>
+                      <a:prstDash val="solid"/>
+                      <a:round/>
+                      <a:headEnd w="med" len="med"/>
+                      <a:tailEnd w="med" len="med"/>
+                    </a:lnL>
+                    <a:lnR w="12700" cap="flat" cmpd="sng" algn="ctr">
+                      <a:solidFill>
+                        <a:sysClr val="windowText" lastClr="000000"/>
+                      </a:solidFill>
+                      <a:prstDash val="solid"/>
+                      <a:round/>
+                      <a:headEnd w="med" len="med"/>
+                      <a:tailEnd w="med" len="med"/>
+                    </a:lnR>
+                    <a:lnT w="6350" cap="flat" cmpd="sng" algn="ctr">
+                      <a:solidFill>
+                        <a:schemeClr val="tx1">
+                          <a:lumMod val="65000"/>
+                          <a:lumOff val="35000"/>
+                        </a:schemeClr>
+                      </a:solidFill>
+                      <a:prstDash val="lgDash"/>
+                      <a:round/>
+                      <a:headEnd w="med" len="med"/>
+                      <a:tailEnd w="med" len="med"/>
+                    </a:lnT>
+                    <a:lnB w="6350" cap="flat" cmpd="sng" algn="ctr">
+                      <a:solidFill>
+                        <a:schemeClr val="tx1">
+                          <a:lumMod val="65000"/>
+                          <a:lumOff val="35000"/>
+                        </a:schemeClr>
+                      </a:solidFill>
+                      <a:prstDash val="lgDash"/>
+                      <a:round/>
+                      <a:headEnd w="med" len="med"/>
+                      <a:tailEnd w="med" len="med"/>
+                    </a:lnB>
+                    <a:lnTlToBr w="12700" cmpd="sng">
+                      <a:noFill/>
+                      <a:prstDash val="solid"/>
+                    </a:lnTlToBr>
+                    <a:lnBlToTr w="12700" cmpd="sng">
+                      <a:noFill/>
+                      <a:prstDash val="solid"/>
+                    </a:lnBlToTr>
+                    <a:noFill/>
+                  </a:tcPr>
+                </a:tc>
+                <a:extLst>
+                  <a:ext uri="{0D108BD9-81ED-4DB2-BD59-A6C34878D82A}">
+                    <a16:rowId xmlns:a16="http://schemas.microsoft.com/office/drawing/2014/main" val="10009"/>
+                  </a:ext>
+                </a:extLst>
+              </a:tr>
+              <a:tr h="236095">
+                <a:tc vMerge="1">
+                  <a:txBody>
+                    <a:bodyPr/>
+                    <a:lstStyle/>
+                    <a:p>
+                      <a:pPr latinLnBrk="1">
+                        <a:defRPr/>
+                      </a:pPr>
+                      <a:endParaRPr lang="ko-KR" altLang="en-US"/>
+                    </a:p>
+                  </a:txBody>
+                  <a:tcPr/>
+                </a:tc>
+                <a:tc gridSpan="2">
+                  <a:txBody>
+                    <a:bodyPr/>
+                    <a:lstStyle/>
+                    <a:p>
+                      <a:pPr algn="ctr" latinLnBrk="1">
+                        <a:defRPr/>
+                      </a:pPr>
+                      <a:r>
+                        <a:rPr lang="ko-KR" altLang="en-US" sz="1100" b="1">
+                          <a:solidFill>
+                            <a:srgbClr val="000F2F"/>
+                          </a:solidFill>
+                        </a:rPr>
+                        <a:t>기본 </a:t>
+                      </a:r>
+                      <a:r>
+                        <a:rPr lang="en-US" altLang="ko-KR" sz="1100" b="1">
+                          <a:solidFill>
+                            <a:srgbClr val="000F2F"/>
+                          </a:solidFill>
+                        </a:rPr>
+                        <a:t>CSS </a:t>
+                      </a:r>
+                      <a:r>
+                        <a:rPr lang="ko-KR" altLang="en-US" sz="1100" b="1" dirty="0">
+                          <a:solidFill>
+                            <a:srgbClr val="000F2F"/>
+                          </a:solidFill>
+                        </a:rPr>
+                        <a:t>마무리</a:t>
+                      </a:r>
+                    </a:p>
+                  </a:txBody>
+                  <a:tcPr anchor="ctr">
+                    <a:lnL w="12700" cap="flat" cmpd="sng" algn="ctr">
+                      <a:solidFill>
+                        <a:sysClr val="windowText" lastClr="000000"/>
+                      </a:solidFill>
+                      <a:prstDash val="solid"/>
+                      <a:round/>
+                      <a:headEnd w="med" len="med"/>
+                      <a:tailEnd w="med" len="med"/>
+                    </a:lnL>
+                    <a:lnR w="6350" cap="flat" cmpd="sng" algn="ctr">
+                      <a:solidFill>
+                        <a:schemeClr val="tx1">
+                          <a:lumMod val="65000"/>
+                          <a:lumOff val="35000"/>
+                        </a:schemeClr>
+                      </a:solidFill>
+                      <a:prstDash val="solid"/>
+                      <a:round/>
+                      <a:headEnd w="med" len="med"/>
+                      <a:tailEnd w="med" len="med"/>
+                    </a:lnR>
+                    <a:lnT w="6350" cap="flat" cmpd="sng" algn="ctr">
+                      <a:solidFill>
+                        <a:schemeClr val="tx1">
+                          <a:lumMod val="65000"/>
+                          <a:lumOff val="35000"/>
+                        </a:schemeClr>
+                      </a:solidFill>
+                      <a:prstDash val="lgDash"/>
+                      <a:round/>
+                      <a:headEnd w="med" len="med"/>
+                      <a:tailEnd w="med" len="med"/>
+                    </a:lnT>
+                    <a:lnB w="12700" cap="flat" cmpd="sng" algn="ctr">
+                      <a:solidFill>
+                        <a:sysClr val="windowText" lastClr="000000"/>
+                      </a:solidFill>
+                      <a:prstDash val="solid"/>
+                      <a:round/>
+                      <a:headEnd w="med" len="med"/>
+                      <a:tailEnd w="med" len="med"/>
+                    </a:lnB>
+                    <a:lnTlToBr w="12700" cmpd="sng">
+                      <a:noFill/>
+                      <a:prstDash val="solid"/>
+                    </a:lnTlToBr>
+                    <a:lnBlToTr w="12700" cmpd="sng">
+                      <a:noFill/>
+                      <a:prstDash val="solid"/>
+                    </a:lnBlToTr>
+                    <a:noFill/>
+                  </a:tcPr>
+                </a:tc>
+                <a:tc hMerge="1">
+                  <a:txBody>
+                    <a:bodyPr/>
+                    <a:lstStyle/>
+                    <a:p>
+                      <a:pPr latinLnBrk="1">
+                        <a:defRPr/>
+                      </a:pPr>
+                      <a:endParaRPr lang="ko-KR" altLang="en-US"/>
+                    </a:p>
+                  </a:txBody>
+                  <a:tcPr/>
+                </a:tc>
+                <a:tc>
+                  <a:txBody>
+                    <a:bodyPr/>
+                    <a:lstStyle/>
+                    <a:p>
+                      <a:pPr algn="ctr" latinLnBrk="1">
+                        <a:defRPr/>
+                      </a:pPr>
+                      <a:endParaRPr lang="ko-KR" altLang="en-US" sz="1100" b="1">
+                        <a:solidFill>
+                          <a:srgbClr val="000F2F"/>
+                        </a:solidFill>
+                      </a:endParaRPr>
+                    </a:p>
+                  </a:txBody>
+                  <a:tcPr anchor="ctr">
+                    <a:lnL w="6350" cap="flat" cmpd="sng" algn="ctr">
+                      <a:solidFill>
+                        <a:schemeClr val="tx1">
+                          <a:lumMod val="65000"/>
+                          <a:lumOff val="35000"/>
+                        </a:schemeClr>
+                      </a:solidFill>
+                      <a:prstDash val="solid"/>
+                      <a:round/>
+                      <a:headEnd w="med" len="med"/>
+                      <a:tailEnd w="med" len="med"/>
+                    </a:lnL>
+                    <a:lnR w="6350" cap="flat" cmpd="sng" algn="ctr">
+                      <a:solidFill>
+                        <a:schemeClr val="tx1">
+                          <a:lumMod val="65000"/>
+                          <a:lumOff val="35000"/>
+                        </a:schemeClr>
+                      </a:solidFill>
+                      <a:prstDash val="solid"/>
+                      <a:round/>
+                      <a:headEnd w="med" len="med"/>
+                      <a:tailEnd w="med" len="med"/>
+                    </a:lnR>
+                    <a:lnT w="6350" cap="flat" cmpd="sng" algn="ctr">
+                      <a:solidFill>
+                        <a:schemeClr val="tx1">
+                          <a:lumMod val="65000"/>
+                          <a:lumOff val="35000"/>
+                        </a:schemeClr>
+                      </a:solidFill>
+                      <a:prstDash val="lgDash"/>
+                      <a:round/>
+                      <a:headEnd w="med" len="med"/>
+                      <a:tailEnd w="med" len="med"/>
+                    </a:lnT>
+                    <a:lnB w="12700" cap="flat" cmpd="sng" algn="ctr">
+                      <a:solidFill>
+                        <a:sysClr val="windowText" lastClr="000000"/>
+                      </a:solidFill>
+                      <a:prstDash val="solid"/>
+                      <a:round/>
+                      <a:headEnd w="med" len="med"/>
+                      <a:tailEnd w="med" len="med"/>
+                    </a:lnB>
+                    <a:lnTlToBr w="12700" cmpd="sng">
+                      <a:noFill/>
+                      <a:prstDash val="solid"/>
+                    </a:lnTlToBr>
+                    <a:lnBlToTr w="12700" cmpd="sng">
+                      <a:noFill/>
+                      <a:prstDash val="solid"/>
+                    </a:lnBlToTr>
+                    <a:noFill/>
+                  </a:tcPr>
+                </a:tc>
+                <a:tc>
+                  <a:txBody>
+                    <a:bodyPr/>
+                    <a:lstStyle/>
+                    <a:p>
+                      <a:pPr algn="ctr" latinLnBrk="1">
+                        <a:defRPr/>
+                      </a:pPr>
+                      <a:endParaRPr lang="ko-KR" altLang="en-US" sz="1100" b="1">
+                        <a:solidFill>
+                          <a:srgbClr val="000F2F"/>
+                        </a:solidFill>
+                      </a:endParaRPr>
+                    </a:p>
+                  </a:txBody>
+                  <a:tcPr anchor="ctr">
+                    <a:lnL w="6350" cap="flat" cmpd="sng" algn="ctr">
+                      <a:solidFill>
+                        <a:schemeClr val="tx1">
+                          <a:lumMod val="65000"/>
+                          <a:lumOff val="35000"/>
+                        </a:schemeClr>
+                      </a:solidFill>
+                      <a:prstDash val="solid"/>
+                      <a:round/>
+                      <a:headEnd w="med" len="med"/>
+                      <a:tailEnd w="med" len="med"/>
+                    </a:lnL>
+                    <a:lnR w="6350" cap="flat" cmpd="sng" algn="ctr">
+                      <a:solidFill>
+                        <a:schemeClr val="tx1">
+                          <a:lumMod val="65000"/>
+                          <a:lumOff val="35000"/>
+                        </a:schemeClr>
+                      </a:solidFill>
+                      <a:prstDash val="solid"/>
+                      <a:round/>
+                      <a:headEnd w="med" len="med"/>
+                      <a:tailEnd w="med" len="med"/>
+                    </a:lnR>
+                    <a:lnT w="6350" cap="flat" cmpd="sng" algn="ctr">
+                      <a:solidFill>
+                        <a:schemeClr val="tx1">
+                          <a:lumMod val="65000"/>
+                          <a:lumOff val="35000"/>
+                        </a:schemeClr>
+                      </a:solidFill>
+                      <a:prstDash val="lgDash"/>
+                      <a:round/>
+                      <a:headEnd w="med" len="med"/>
+                      <a:tailEnd w="med" len="med"/>
+                    </a:lnT>
+                    <a:lnB w="12700" cap="flat" cmpd="sng" algn="ctr">
+                      <a:solidFill>
+                        <a:sysClr val="windowText" lastClr="000000"/>
+                      </a:solidFill>
+                      <a:prstDash val="solid"/>
+                      <a:round/>
+                      <a:headEnd w="med" len="med"/>
+                      <a:tailEnd w="med" len="med"/>
+                    </a:lnB>
+                    <a:lnTlToBr w="12700" cmpd="sng">
+                      <a:noFill/>
+                      <a:prstDash val="solid"/>
+                    </a:lnTlToBr>
+                    <a:lnBlToTr w="12700" cmpd="sng">
+                      <a:noFill/>
+                      <a:prstDash val="solid"/>
+                    </a:lnBlToTr>
+                    <a:noFill/>
+                  </a:tcPr>
+                </a:tc>
+                <a:tc>
+                  <a:txBody>
+                    <a:bodyPr/>
+                    <a:lstStyle/>
+                    <a:p>
+                      <a:pPr algn="ctr" latinLnBrk="1">
+                        <a:defRPr/>
+                      </a:pPr>
+                      <a:endParaRPr lang="ko-KR" altLang="en-US" sz="1100" b="1">
+                        <a:solidFill>
+                          <a:srgbClr val="000F2F"/>
+                        </a:solidFill>
+                      </a:endParaRPr>
+                    </a:p>
+                  </a:txBody>
+                  <a:tcPr anchor="ctr">
+                    <a:lnL w="6350" cap="flat" cmpd="sng" algn="ctr">
+                      <a:solidFill>
+                        <a:schemeClr val="tx1">
+                          <a:lumMod val="65000"/>
+                          <a:lumOff val="35000"/>
+                        </a:schemeClr>
+                      </a:solidFill>
+                      <a:prstDash val="solid"/>
+                      <a:round/>
+                      <a:headEnd w="med" len="med"/>
+                      <a:tailEnd w="med" len="med"/>
+                    </a:lnL>
+                    <a:lnR w="6350" cap="flat" cmpd="sng" algn="ctr">
+                      <a:solidFill>
+                        <a:schemeClr val="tx1">
+                          <a:lumMod val="65000"/>
+                          <a:lumOff val="35000"/>
+                        </a:schemeClr>
+                      </a:solidFill>
+                      <a:prstDash val="solid"/>
+                      <a:round/>
+                      <a:headEnd w="med" len="med"/>
+                      <a:tailEnd w="med" len="med"/>
+                    </a:lnR>
+                    <a:lnT w="6350" cap="flat" cmpd="sng" algn="ctr">
+                      <a:solidFill>
+                        <a:schemeClr val="tx1">
+                          <a:lumMod val="65000"/>
+                          <a:lumOff val="35000"/>
+                        </a:schemeClr>
+                      </a:solidFill>
+                      <a:prstDash val="lgDash"/>
+                      <a:round/>
+                      <a:headEnd w="med" len="med"/>
+                      <a:tailEnd w="med" len="med"/>
+                    </a:lnT>
+                    <a:lnB w="12700" cap="flat" cmpd="sng" algn="ctr">
+                      <a:solidFill>
+                        <a:sysClr val="windowText" lastClr="000000"/>
+                      </a:solidFill>
+                      <a:prstDash val="solid"/>
+                      <a:round/>
+                      <a:headEnd w="med" len="med"/>
+                      <a:tailEnd w="med" len="med"/>
+                    </a:lnB>
+                    <a:lnTlToBr w="12700" cmpd="sng">
+                      <a:noFill/>
+                      <a:prstDash val="solid"/>
+                    </a:lnTlToBr>
+                    <a:lnBlToTr w="12700" cmpd="sng">
+                      <a:noFill/>
+                      <a:prstDash val="solid"/>
+                    </a:lnBlToTr>
+                    <a:noFill/>
+                  </a:tcPr>
+                </a:tc>
+                <a:tc>
+                  <a:txBody>
+                    <a:bodyPr/>
+                    <a:lstStyle/>
+                    <a:p>
+                      <a:pPr algn="ctr" latinLnBrk="1">
+                        <a:defRPr/>
+                      </a:pPr>
+                      <a:endParaRPr lang="ko-KR" altLang="en-US" sz="1100" b="1">
+                        <a:solidFill>
+                          <a:srgbClr val="000F2F"/>
+                        </a:solidFill>
+                      </a:endParaRPr>
+                    </a:p>
+                  </a:txBody>
+                  <a:tcPr anchor="ctr">
+                    <a:lnL w="6350" cap="flat" cmpd="sng" algn="ctr">
+                      <a:solidFill>
+                        <a:schemeClr val="tx1">
+                          <a:lumMod val="65000"/>
+                          <a:lumOff val="35000"/>
+                        </a:schemeClr>
+                      </a:solidFill>
+                      <a:prstDash val="solid"/>
+                      <a:round/>
+                      <a:headEnd w="med" len="med"/>
+                      <a:tailEnd w="med" len="med"/>
+                    </a:lnL>
+                    <a:lnR w="6350" cap="flat" cmpd="sng" algn="ctr">
+                      <a:solidFill>
+                        <a:schemeClr val="tx1">
+                          <a:lumMod val="65000"/>
+                          <a:lumOff val="35000"/>
+                        </a:schemeClr>
+                      </a:solidFill>
+                      <a:prstDash val="solid"/>
+                      <a:round/>
+                      <a:headEnd w="med" len="med"/>
+                      <a:tailEnd w="med" len="med"/>
+                    </a:lnR>
+                    <a:lnT w="6350" cap="flat" cmpd="sng" algn="ctr">
+                      <a:solidFill>
+                        <a:schemeClr val="tx1">
+                          <a:lumMod val="65000"/>
+                          <a:lumOff val="35000"/>
+                        </a:schemeClr>
+                      </a:solidFill>
+                      <a:prstDash val="lgDash"/>
+                      <a:round/>
+                      <a:headEnd w="med" len="med"/>
+                      <a:tailEnd w="med" len="med"/>
+                    </a:lnT>
+                    <a:lnB w="12700" cap="flat" cmpd="sng" algn="ctr">
+                      <a:solidFill>
+                        <a:sysClr val="windowText" lastClr="000000"/>
+                      </a:solidFill>
+                      <a:prstDash val="solid"/>
+                      <a:round/>
+                      <a:headEnd w="med" len="med"/>
+                      <a:tailEnd w="med" len="med"/>
+                    </a:lnB>
+                    <a:lnTlToBr w="12700" cmpd="sng">
+                      <a:noFill/>
+                      <a:prstDash val="solid"/>
+                    </a:lnTlToBr>
+                    <a:lnBlToTr w="12700" cmpd="sng">
+                      <a:noFill/>
+                      <a:prstDash val="solid"/>
+                    </a:lnBlToTr>
+                    <a:noFill/>
+                  </a:tcPr>
+                </a:tc>
+                <a:tc>
+                  <a:txBody>
+                    <a:bodyPr/>
+                    <a:lstStyle/>
+                    <a:p>
+                      <a:pPr algn="ctr" latinLnBrk="1">
+                        <a:defRPr/>
+                      </a:pPr>
+                      <a:endParaRPr lang="ko-KR" altLang="en-US" sz="1100" b="1">
+                        <a:solidFill>
+                          <a:srgbClr val="000F2F"/>
+                        </a:solidFill>
+                      </a:endParaRPr>
+                    </a:p>
+                  </a:txBody>
+                  <a:tcPr anchor="ctr">
+                    <a:lnL w="6350" cap="flat" cmpd="sng" algn="ctr">
+                      <a:solidFill>
+                        <a:schemeClr val="tx1">
+                          <a:lumMod val="65000"/>
+                          <a:lumOff val="35000"/>
+                        </a:schemeClr>
+                      </a:solidFill>
+                      <a:prstDash val="solid"/>
+                      <a:round/>
+                      <a:headEnd w="med" len="med"/>
+                      <a:tailEnd w="med" len="med"/>
+                    </a:lnL>
+                    <a:lnR w="6350" cap="flat" cmpd="sng" algn="ctr">
+                      <a:solidFill>
+                        <a:schemeClr val="tx1">
+                          <a:lumMod val="65000"/>
+                          <a:lumOff val="35000"/>
+                        </a:schemeClr>
+                      </a:solidFill>
+                      <a:prstDash val="solid"/>
+                      <a:round/>
+                      <a:headEnd w="med" len="med"/>
+                      <a:tailEnd w="med" len="med"/>
+                    </a:lnR>
+                    <a:lnT w="6350" cap="flat" cmpd="sng" algn="ctr">
+                      <a:solidFill>
+                        <a:schemeClr val="tx1">
+                          <a:lumMod val="65000"/>
+                          <a:lumOff val="35000"/>
+                        </a:schemeClr>
+                      </a:solidFill>
+                      <a:prstDash val="lgDash"/>
+                      <a:round/>
+                      <a:headEnd w="med" len="med"/>
+                      <a:tailEnd w="med" len="med"/>
+                    </a:lnT>
+                    <a:lnB w="12700" cap="flat" cmpd="sng" algn="ctr">
+                      <a:solidFill>
+                        <a:sysClr val="windowText" lastClr="000000"/>
+                      </a:solidFill>
+                      <a:prstDash val="solid"/>
+                      <a:round/>
+                      <a:headEnd w="med" len="med"/>
+                      <a:tailEnd w="med" len="med"/>
+                    </a:lnB>
+                    <a:lnTlToBr w="12700" cmpd="sng">
+                      <a:noFill/>
+                      <a:prstDash val="solid"/>
+                    </a:lnTlToBr>
+                    <a:lnBlToTr w="12700" cmpd="sng">
+                      <a:noFill/>
+                      <a:prstDash val="solid"/>
+                    </a:lnBlToTr>
+                    <a:noFill/>
+                  </a:tcPr>
+                </a:tc>
+                <a:tc>
+                  <a:txBody>
+                    <a:bodyPr/>
+                    <a:lstStyle/>
+                    <a:p>
+                      <a:pPr algn="ctr" latinLnBrk="1">
+                        <a:defRPr/>
+                      </a:pPr>
+                      <a:endParaRPr lang="ko-KR" altLang="en-US" sz="1100" b="1">
+                        <a:solidFill>
+                          <a:srgbClr val="000F2F"/>
+                        </a:solidFill>
+                      </a:endParaRPr>
+                    </a:p>
+                  </a:txBody>
+                  <a:tcPr anchor="ctr">
+                    <a:lnL w="6350" cap="flat" cmpd="sng" algn="ctr">
+                      <a:solidFill>
+                        <a:schemeClr val="tx1">
+                          <a:lumMod val="65000"/>
+                          <a:lumOff val="35000"/>
+                        </a:schemeClr>
+                      </a:solidFill>
+                      <a:prstDash val="solid"/>
+                      <a:round/>
+                      <a:headEnd w="med" len="med"/>
+                      <a:tailEnd w="med" len="med"/>
+                    </a:lnL>
+                    <a:lnR w="6350" cap="flat" cmpd="sng" algn="ctr">
+                      <a:solidFill>
+                        <a:schemeClr val="tx1">
+                          <a:lumMod val="65000"/>
+                          <a:lumOff val="35000"/>
+                        </a:schemeClr>
+                      </a:solidFill>
+                      <a:prstDash val="solid"/>
+                      <a:round/>
+                      <a:headEnd w="med" len="med"/>
+                      <a:tailEnd w="med" len="med"/>
+                    </a:lnR>
+                    <a:lnT w="6350" cap="flat" cmpd="sng" algn="ctr">
+                      <a:solidFill>
+                        <a:schemeClr val="tx1">
+                          <a:lumMod val="65000"/>
+                          <a:lumOff val="35000"/>
+                        </a:schemeClr>
+                      </a:solidFill>
+                      <a:prstDash val="lgDash"/>
+                      <a:round/>
+                      <a:headEnd w="med" len="med"/>
+                      <a:tailEnd w="med" len="med"/>
+                    </a:lnT>
+                    <a:lnB w="12700" cap="flat" cmpd="sng" algn="ctr">
+                      <a:solidFill>
+                        <a:sysClr val="windowText" lastClr="000000"/>
+                      </a:solidFill>
+                      <a:prstDash val="solid"/>
+                      <a:round/>
+                      <a:headEnd w="med" len="med"/>
+                      <a:tailEnd w="med" len="med"/>
+                    </a:lnB>
+                    <a:lnTlToBr w="12700" cmpd="sng">
+                      <a:noFill/>
+                      <a:prstDash val="solid"/>
+                    </a:lnTlToBr>
+                    <a:lnBlToTr w="12700" cmpd="sng">
+                      <a:noFill/>
+                      <a:prstDash val="solid"/>
+                    </a:lnBlToTr>
+                    <a:noFill/>
+                  </a:tcPr>
+                </a:tc>
+                <a:tc>
+                  <a:txBody>
+                    <a:bodyPr/>
+                    <a:lstStyle/>
+                    <a:p>
+                      <a:pPr algn="ctr" latinLnBrk="1">
+                        <a:defRPr/>
+                      </a:pPr>
+                      <a:endParaRPr lang="ko-KR" altLang="en-US" sz="1100" b="1">
+                        <a:solidFill>
+                          <a:srgbClr val="000F2F"/>
+                        </a:solidFill>
+                      </a:endParaRPr>
+                    </a:p>
+                  </a:txBody>
+                  <a:tcPr anchor="ctr">
+                    <a:lnL w="6350" cap="flat" cmpd="sng" algn="ctr">
+                      <a:solidFill>
+                        <a:schemeClr val="tx1">
+                          <a:lumMod val="65000"/>
+                          <a:lumOff val="35000"/>
+                        </a:schemeClr>
+                      </a:solidFill>
+                      <a:prstDash val="solid"/>
+                      <a:round/>
+                      <a:headEnd w="med" len="med"/>
+                      <a:tailEnd w="med" len="med"/>
+                    </a:lnL>
+                    <a:lnR w="6350" cap="flat" cmpd="sng" algn="ctr">
+                      <a:solidFill>
+                        <a:schemeClr val="tx1">
+                          <a:lumMod val="65000"/>
+                          <a:lumOff val="35000"/>
+                        </a:schemeClr>
+                      </a:solidFill>
+                      <a:prstDash val="solid"/>
+                      <a:round/>
+                      <a:headEnd w="med" len="med"/>
+                      <a:tailEnd w="med" len="med"/>
+                    </a:lnR>
+                    <a:lnT w="6350" cap="flat" cmpd="sng" algn="ctr">
+                      <a:solidFill>
+                        <a:schemeClr val="tx1">
+                          <a:lumMod val="65000"/>
+                          <a:lumOff val="35000"/>
+                        </a:schemeClr>
+                      </a:solidFill>
+                      <a:prstDash val="lgDash"/>
+                      <a:round/>
+                      <a:headEnd w="med" len="med"/>
+                      <a:tailEnd w="med" len="med"/>
+                    </a:lnT>
+                    <a:lnB w="12700" cap="flat" cmpd="sng" algn="ctr">
+                      <a:solidFill>
+                        <a:sysClr val="windowText" lastClr="000000"/>
+                      </a:solidFill>
+                      <a:prstDash val="solid"/>
+                      <a:round/>
+                      <a:headEnd w="med" len="med"/>
+                      <a:tailEnd w="med" len="med"/>
+                    </a:lnB>
+                    <a:lnTlToBr w="12700" cmpd="sng">
+                      <a:noFill/>
+                      <a:prstDash val="solid"/>
+                    </a:lnTlToBr>
+                    <a:lnBlToTr w="12700" cmpd="sng">
+                      <a:noFill/>
+                      <a:prstDash val="solid"/>
+                    </a:lnBlToTr>
+                    <a:solidFill>
+                      <a:schemeClr val="accent6">
+                        <a:lumMod val="60000"/>
+                        <a:lumOff val="40000"/>
+                      </a:schemeClr>
+                    </a:solidFill>
+                  </a:tcPr>
+                </a:tc>
+                <a:tc>
+                  <a:txBody>
+                    <a:bodyPr/>
+                    <a:lstStyle/>
+                    <a:p>
+                      <a:pPr algn="ctr" latinLnBrk="1">
+                        <a:defRPr/>
+                      </a:pPr>
+                      <a:endParaRPr lang="ko-KR" altLang="en-US" sz="1100" b="1">
+                        <a:solidFill>
+                          <a:srgbClr val="000F2F"/>
+                        </a:solidFill>
+                      </a:endParaRPr>
+                    </a:p>
+                  </a:txBody>
+                  <a:tcPr anchor="ctr">
+                    <a:lnL w="6350" cap="flat" cmpd="sng" algn="ctr">
+                      <a:solidFill>
+                        <a:schemeClr val="tx1">
+                          <a:lumMod val="65000"/>
+                          <a:lumOff val="35000"/>
+                        </a:schemeClr>
+                      </a:solidFill>
+                      <a:prstDash val="solid"/>
+                      <a:round/>
+                      <a:headEnd w="med" len="med"/>
+                      <a:tailEnd w="med" len="med"/>
+                    </a:lnL>
+                    <a:lnR w="12700" cap="flat" cmpd="sng" algn="ctr">
+                      <a:solidFill>
+                        <a:sysClr val="windowText" lastClr="000000"/>
+                      </a:solidFill>
+                      <a:prstDash val="solid"/>
+                      <a:round/>
+                      <a:headEnd w="med" len="med"/>
+                      <a:tailEnd w="med" len="med"/>
+                    </a:lnR>
+                    <a:lnT w="6350" cap="flat" cmpd="sng" algn="ctr">
+                      <a:solidFill>
+                        <a:schemeClr val="tx1">
+                          <a:lumMod val="65000"/>
+                          <a:lumOff val="35000"/>
+                        </a:schemeClr>
+                      </a:solidFill>
+                      <a:prstDash val="lgDash"/>
+                      <a:round/>
+                      <a:headEnd w="med" len="med"/>
+                      <a:tailEnd w="med" len="med"/>
+                    </a:lnT>
+                    <a:lnB w="12700" cap="flat" cmpd="sng" algn="ctr">
+                      <a:solidFill>
+                        <a:sysClr val="windowText" lastClr="000000"/>
+                      </a:solidFill>
+                      <a:prstDash val="solid"/>
+                      <a:round/>
+                      <a:headEnd w="med" len="med"/>
+                      <a:tailEnd w="med" len="med"/>
+                    </a:lnB>
+                    <a:lnTlToBr w="12700" cmpd="sng">
+                      <a:noFill/>
+                      <a:prstDash val="solid"/>
+                    </a:lnTlToBr>
+                    <a:lnBlToTr w="12700" cmpd="sng">
+                      <a:noFill/>
+                      <a:prstDash val="solid"/>
+                    </a:lnBlToTr>
+                    <a:solidFill>
+                      <a:schemeClr val="accent6">
+                        <a:lumMod val="60000"/>
+                        <a:lumOff val="40000"/>
+                      </a:schemeClr>
+                    </a:solidFill>
+                  </a:tcPr>
+                </a:tc>
                 <a:extLst>
                   <a:ext uri="{0D108BD9-81ED-4DB2-BD59-A6C34878D82A}">
                     <a16:rowId xmlns:a16="http://schemas.microsoft.com/office/drawing/2014/main" val="10010"/>
                   </a:ext>
                 </a:extLst>
               </a:tr>
-              <a:tr h="306493">
-                <a:tc rowSpan="6">
+              <a:tr h="260633">
+                <a:tc rowSpan="7">
                   <a:txBody>
                     <a:bodyPr/>
                     <a:lstStyle>
@@ -15363,7 +15839,7 @@
                         <a:defRPr/>
                       </a:pPr>
                       <a:r>
-                        <a:rPr lang="ko-KR" altLang="en-US" sz="1200" b="1" kern="0" spc="-60">
+                        <a:rPr lang="ko-KR" altLang="en-US" sz="1200" b="1" kern="0" spc="-60" dirty="0">
                           <a:solidFill>
                             <a:srgbClr val="000000"/>
                           </a:solidFill>
@@ -15379,7 +15855,7 @@
                         <a:defRPr/>
                       </a:pPr>
                       <a:r>
-                        <a:rPr lang="ko-KR" altLang="en-US" sz="1200" b="1" kern="0" spc="-60">
+                        <a:rPr lang="ko-KR" altLang="en-US" sz="1200" b="1" kern="0" spc="-60" dirty="0">
                           <a:solidFill>
                             <a:srgbClr val="000000"/>
                           </a:solidFill>
@@ -15389,7 +15865,7 @@
                         </a:rPr>
                         <a:t>분담하기</a:t>
                       </a:r>
-                      <a:endParaRPr lang="ko-KR" altLang="en-US" sz="1200" b="1">
+                      <a:endParaRPr lang="ko-KR" altLang="en-US" sz="1200" b="1" dirty="0">
                         <a:solidFill>
                           <a:srgbClr val="000F2F"/>
                         </a:solidFill>
@@ -15526,7 +16002,7 @@
                         <a:defRPr/>
                       </a:pPr>
                       <a:r>
-                        <a:rPr lang="ko-KR" altLang="en-US" sz="1200" b="1">
+                        <a:rPr lang="ko-KR" altLang="en-US" sz="1200" b="1" dirty="0">
                           <a:solidFill>
                             <a:srgbClr val="000F2F"/>
                           </a:solidFill>
@@ -15779,7 +16255,7 @@
                   </a:ext>
                 </a:extLst>
               </a:tr>
-              <a:tr h="306493">
+              <a:tr h="260633">
                 <a:tc vMerge="1">
                   <a:txBody>
                     <a:bodyPr/>
@@ -15801,7 +16277,15 @@
                       <a:pPr algn="ctr" latinLnBrk="1">
                         <a:defRPr/>
                       </a:pPr>
-                      <a:endParaRPr lang="ko-KR" altLang="en-US" sz="1200">
+                      <a:r>
+                        <a:rPr lang="ko-KR" altLang="en-US" sz="1200" dirty="0" err="1">
+                          <a:solidFill>
+                            <a:srgbClr val="000F2F"/>
+                          </a:solidFill>
+                        </a:rPr>
+                        <a:t>서다현</a:t>
+                      </a:r>
+                      <a:endParaRPr lang="ko-KR" altLang="en-US" sz="1200" dirty="0">
                         <a:solidFill>
                           <a:srgbClr val="000F2F"/>
                         </a:solidFill>
@@ -15874,15 +16358,23 @@
                         <a:defRPr/>
                       </a:pPr>
                       <a:r>
-                        <a:rPr lang="ko-KR" altLang="en-US" sz="1200">
+                        <a:rPr lang="en-US" altLang="ko-KR" sz="1200" dirty="0">
                           <a:solidFill>
                             <a:srgbClr val="000F2F"/>
                           </a:solidFill>
                         </a:rPr>
-                        <a:t>전체 프로젝트 조정 및 총괄</a:t>
-                      </a:r>
-                      <a:r>
-                        <a:rPr lang="en-US" altLang="ko-KR" sz="1200">
+                        <a:t>ERD</a:t>
+                      </a:r>
+                      <a:r>
+                        <a:rPr lang="ko-KR" altLang="en-US" sz="1200" dirty="0">
+                          <a:solidFill>
+                            <a:srgbClr val="000F2F"/>
+                          </a:solidFill>
+                        </a:rPr>
+                        <a:t>설계</a:t>
+                      </a:r>
+                      <a:r>
+                        <a:rPr lang="en-US" altLang="ko-KR" sz="1200" dirty="0">
                           <a:solidFill>
                             <a:srgbClr val="000F2F"/>
                           </a:solidFill>
@@ -15890,44 +16382,36 @@
                         <a:t>, </a:t>
                       </a:r>
                       <a:r>
-                        <a:rPr lang="ko-KR" altLang="en-US" sz="1200">
+                        <a:rPr lang="ko-KR" altLang="en-US" sz="1200" dirty="0">
                           <a:solidFill>
                             <a:srgbClr val="000F2F"/>
                           </a:solidFill>
                         </a:rPr>
-                        <a:t>일정</a:t>
-                      </a:r>
-                      <a:r>
-                        <a:rPr lang="en-US" altLang="ko-KR" sz="1200">
+                        <a:t>회원관리 및</a:t>
+                      </a:r>
+                      <a:r>
+                        <a:rPr lang="en-US" altLang="ko-KR" sz="1200" dirty="0">
                           <a:solidFill>
                             <a:srgbClr val="000F2F"/>
                           </a:solidFill>
                         </a:rPr>
-                        <a:t>/</a:t>
-                      </a:r>
-                      <a:r>
-                        <a:rPr lang="ko-KR" altLang="en-US" sz="1200">
+                        <a:t> </a:t>
+                      </a:r>
+                      <a:r>
+                        <a:rPr lang="ko-KR" altLang="en-US" sz="1200" dirty="0" err="1">
                           <a:solidFill>
                             <a:srgbClr val="000F2F"/>
                           </a:solidFill>
                         </a:rPr>
-                        <a:t>범위</a:t>
-                      </a:r>
-                      <a:r>
-                        <a:rPr lang="en-US" altLang="ko-KR" sz="1200">
+                        <a:t>백엔드</a:t>
+                      </a:r>
+                      <a:r>
+                        <a:rPr lang="ko-KR" altLang="en-US" sz="1200" dirty="0">
                           <a:solidFill>
                             <a:srgbClr val="000F2F"/>
                           </a:solidFill>
                         </a:rPr>
-                        <a:t>/</a:t>
-                      </a:r>
-                      <a:r>
-                        <a:rPr lang="ko-KR" altLang="en-US" sz="1200">
-                          <a:solidFill>
-                            <a:srgbClr val="000F2F"/>
-                          </a:solidFill>
-                        </a:rPr>
-                        <a:t>품질 관리</a:t>
+                        <a:t> 및 개발</a:t>
                       </a:r>
                     </a:p>
                   </a:txBody>
@@ -16098,7 +16582,7 @@
                   </a:ext>
                 </a:extLst>
               </a:tr>
-              <a:tr h="306493">
+              <a:tr h="260633">
                 <a:tc vMerge="1">
                   <a:txBody>
                     <a:bodyPr/>
@@ -16120,7 +16604,15 @@
                       <a:pPr algn="ctr" latinLnBrk="1">
                         <a:defRPr/>
                       </a:pPr>
-                      <a:endParaRPr lang="ko-KR" altLang="en-US" sz="1200">
+                      <a:r>
+                        <a:rPr lang="ko-KR" altLang="en-US" sz="1200" dirty="0" err="1">
+                          <a:solidFill>
+                            <a:srgbClr val="000F2F"/>
+                          </a:solidFill>
+                        </a:rPr>
+                        <a:t>황영선</a:t>
+                      </a:r>
+                      <a:endParaRPr lang="ko-KR" altLang="en-US" sz="1200" dirty="0">
                         <a:solidFill>
                           <a:srgbClr val="000F2F"/>
                         </a:solidFill>
@@ -16193,31 +16685,79 @@
                         <a:defRPr/>
                       </a:pPr>
                       <a:r>
-                        <a:rPr lang="ko-KR" altLang="en-US" sz="1200">
+                        <a:rPr lang="ko-KR" altLang="en-US" sz="1200" dirty="0" err="1">
                           <a:solidFill>
                             <a:srgbClr val="000F2F"/>
                           </a:solidFill>
                         </a:rPr>
-                        <a:t>프론트엔드 설계 및 개발</a:t>
-                      </a:r>
-                      <a:r>
-                        <a:rPr lang="en-US" altLang="ko-KR" sz="1200">
+                        <a:t>깃허브</a:t>
+                      </a:r>
+                      <a:r>
+                        <a:rPr lang="en-US" altLang="ko-KR" sz="1200" dirty="0">
                           <a:solidFill>
                             <a:srgbClr val="000F2F"/>
                           </a:solidFill>
                         </a:rPr>
-                        <a:t>, ERD</a:t>
-                      </a:r>
-                      <a:r>
-                        <a:rPr lang="ko-KR" altLang="en-US" sz="1200">
+                        <a:t>,</a:t>
+                      </a:r>
+                      <a:r>
+                        <a:rPr lang="ko-KR" altLang="en-US" sz="1200" dirty="0">
                           <a:solidFill>
                             <a:srgbClr val="000F2F"/>
                           </a:solidFill>
                         </a:rPr>
-                        <a:t>설계</a:t>
-                      </a:r>
-                      <a:r>
-                        <a:rPr lang="en-US" altLang="ko-KR" sz="1200">
+                        <a:t> </a:t>
+                      </a:r>
+                      <a:r>
+                        <a:rPr lang="ko-KR" altLang="en-US" sz="1200" dirty="0" err="1">
+                          <a:solidFill>
+                            <a:srgbClr val="000F2F"/>
+                          </a:solidFill>
+                        </a:rPr>
+                        <a:t>프론트엔드</a:t>
+                      </a:r>
+                      <a:r>
+                        <a:rPr lang="ko-KR" altLang="en-US" sz="1200" dirty="0">
+                          <a:solidFill>
+                            <a:srgbClr val="000F2F"/>
+                          </a:solidFill>
+                        </a:rPr>
+                        <a:t> 개발</a:t>
+                      </a:r>
+                      <a:r>
+                        <a:rPr lang="en-US" altLang="ko-KR" sz="1200" dirty="0">
+                          <a:solidFill>
+                            <a:srgbClr val="000F2F"/>
+                          </a:solidFill>
+                        </a:rPr>
+                        <a:t>, CSS </a:t>
+                      </a:r>
+                      <a:r>
+                        <a:rPr lang="ko-KR" altLang="en-US" sz="1200" dirty="0">
+                          <a:solidFill>
+                            <a:srgbClr val="000F2F"/>
+                          </a:solidFill>
+                        </a:rPr>
+                        <a:t>기능 </a:t>
+                      </a:r>
+                      <a:r>
+                        <a:rPr lang="en-US" altLang="ko-KR" sz="1200" dirty="0">
+                          <a:solidFill>
+                            <a:srgbClr val="000F2F"/>
+                          </a:solidFill>
+                        </a:rPr>
+                        <a:t>,</a:t>
+                      </a:r>
+                      <a:r>
+                        <a:rPr lang="ko-KR" altLang="en-US" sz="1200" dirty="0">
+                          <a:solidFill>
+                            <a:srgbClr val="000F2F"/>
+                          </a:solidFill>
+                        </a:rPr>
+                        <a:t>테스트</a:t>
+                      </a:r>
+                      <a:r>
+                        <a:rPr lang="en-US" altLang="ko-KR" sz="1200" dirty="0">
                           <a:solidFill>
                             <a:srgbClr val="000F2F"/>
                           </a:solidFill>
@@ -16225,28 +16765,28 @@
                         <a:t>, </a:t>
                       </a:r>
                       <a:r>
-                        <a:rPr lang="ko-KR" altLang="en-US" sz="1200">
+                        <a:rPr lang="ko-KR" altLang="en-US" sz="1200" dirty="0">
                           <a:solidFill>
                             <a:srgbClr val="000F2F"/>
                           </a:solidFill>
                         </a:rPr>
-                        <a:t>배포 및 테스트</a:t>
-                      </a:r>
-                      <a:r>
-                        <a:rPr lang="en-US" altLang="ko-KR" sz="1200">
+                        <a:t>사용자 </a:t>
+                      </a:r>
+                      <a:r>
+                        <a:rPr lang="en-US" altLang="ko-KR" sz="1200" dirty="0">
                           <a:solidFill>
                             <a:srgbClr val="000F2F"/>
                           </a:solidFill>
                         </a:rPr>
-                        <a:t>, </a:t>
-                      </a:r>
-                      <a:r>
-                        <a:rPr lang="ko-KR" altLang="en-US" sz="1200">
+                        <a:t>· </a:t>
+                      </a:r>
+                      <a:r>
+                        <a:rPr lang="ko-KR" altLang="en-US" sz="1200" dirty="0">
                           <a:solidFill>
                             <a:srgbClr val="000F2F"/>
                           </a:solidFill>
                         </a:rPr>
-                        <a:t>데모시연</a:t>
+                        <a:t>운영자 매뉴얼</a:t>
                       </a:r>
                     </a:p>
                   </a:txBody>
@@ -16417,7 +16957,7 @@
                   </a:ext>
                 </a:extLst>
               </a:tr>
-              <a:tr h="306493">
+              <a:tr h="260633">
                 <a:tc vMerge="1">
                   <a:txBody>
                     <a:bodyPr/>
@@ -16439,11 +16979,14 @@
                       <a:pPr algn="ctr" latinLnBrk="1">
                         <a:defRPr/>
                       </a:pPr>
-                      <a:endParaRPr lang="ko-KR" altLang="en-US" sz="1200">
-                        <a:solidFill>
-                          <a:srgbClr val="000F2F"/>
-                        </a:solidFill>
-                      </a:endParaRPr>
+                      <a:r>
+                        <a:rPr lang="ko-KR" altLang="en-US" sz="1200" dirty="0">
+                          <a:solidFill>
+                            <a:srgbClr val="000F2F"/>
+                          </a:solidFill>
+                        </a:rPr>
+                        <a:t>고훈</a:t>
+                      </a:r>
                     </a:p>
                   </a:txBody>
                   <a:tcPr anchor="ctr">
@@ -16512,84 +17055,52 @@
                         <a:defRPr/>
                       </a:pPr>
                       <a:r>
-                        <a:rPr lang="en-US" altLang="ko-KR" sz="1200">
+                        <a:rPr lang="ko-KR" altLang="en-US" sz="1200" dirty="0" err="1">
                           <a:solidFill>
                             <a:srgbClr val="000F2F"/>
                           </a:solidFill>
                         </a:rPr>
-                        <a:t>ERD</a:t>
-                      </a:r>
-                      <a:r>
-                        <a:rPr lang="ko-KR" altLang="en-US" sz="1200">
+                        <a:t>프론트엔드</a:t>
+                      </a:r>
+                      <a:r>
+                        <a:rPr lang="ko-KR" altLang="en-US" sz="1200" dirty="0">
                           <a:solidFill>
                             <a:srgbClr val="000F2F"/>
                           </a:solidFill>
                         </a:rPr>
-                        <a:t>설계</a:t>
-                      </a:r>
-                      <a:r>
-                        <a:rPr lang="en-US" altLang="ko-KR" sz="1200">
+                        <a:t> 설계 및 개발 </a:t>
+                      </a:r>
+                      <a:r>
+                        <a:rPr lang="en-US" altLang="ko-KR" sz="1200" dirty="0">
                           <a:solidFill>
                             <a:srgbClr val="000F2F"/>
                           </a:solidFill>
                         </a:rPr>
-                        <a:t>, </a:t>
-                      </a:r>
-                      <a:r>
-                        <a:rPr lang="ko-KR" altLang="en-US" sz="1200">
+                        <a:t>, CSS </a:t>
+                      </a:r>
+                      <a:r>
+                        <a:rPr lang="ko-KR" altLang="en-US" sz="1200" dirty="0">
                           <a:solidFill>
                             <a:srgbClr val="000F2F"/>
                           </a:solidFill>
                         </a:rPr>
-                        <a:t>영상제작</a:t>
-                      </a:r>
-                      <a:r>
-                        <a:rPr lang="en-US" altLang="ko-KR" sz="1200">
+                        <a:t>기능 </a:t>
+                      </a:r>
+                      <a:r>
+                        <a:rPr lang="en-US" altLang="ko-KR" sz="1200" dirty="0">
                           <a:solidFill>
                             <a:srgbClr val="000F2F"/>
                           </a:solidFill>
                         </a:rPr>
-                        <a:t>, </a:t>
-                      </a:r>
-                      <a:r>
-                        <a:rPr lang="ko-KR" altLang="en-US" sz="1200">
+                        <a:t>,</a:t>
+                      </a:r>
+                      <a:r>
+                        <a:rPr lang="ko-KR" altLang="en-US" sz="1200" dirty="0">
                           <a:solidFill>
                             <a:srgbClr val="000F2F"/>
                           </a:solidFill>
                         </a:rPr>
                         <a:t>테스트</a:t>
-                      </a:r>
-                      <a:r>
-                        <a:rPr lang="en-US" altLang="ko-KR" sz="1200">
-                          <a:solidFill>
-                            <a:srgbClr val="000F2F"/>
-                          </a:solidFill>
-                        </a:rPr>
-                        <a:t>, </a:t>
-                      </a:r>
-                      <a:r>
-                        <a:rPr lang="ko-KR" altLang="en-US" sz="1200">
-                          <a:solidFill>
-                            <a:srgbClr val="000F2F"/>
-                          </a:solidFill>
-                        </a:rPr>
-                        <a:t>사용자</a:t>
-                      </a:r>
-                      <a:r>
-                        <a:rPr lang="en-US" altLang="ko-KR" sz="1200">
-                          <a:solidFill>
-                            <a:srgbClr val="000F2F"/>
-                          </a:solidFill>
-                        </a:rPr>
-                        <a:t>·</a:t>
-                      </a:r>
-                      <a:r>
-                        <a:rPr lang="ko-KR" altLang="en-US" sz="1200">
-                          <a:solidFill>
-                            <a:srgbClr val="000F2F"/>
-                          </a:solidFill>
-                        </a:rPr>
-                        <a:t>운영자 매뉴얼</a:t>
                       </a:r>
                     </a:p>
                   </a:txBody>
@@ -16760,7 +17271,7 @@
                   </a:ext>
                 </a:extLst>
               </a:tr>
-              <a:tr h="306493">
+              <a:tr h="260633">
                 <a:tc vMerge="1">
                   <a:txBody>
                     <a:bodyPr/>
@@ -16782,11 +17293,14 @@
                       <a:pPr algn="ctr" latinLnBrk="1">
                         <a:defRPr/>
                       </a:pPr>
-                      <a:endParaRPr lang="ko-KR" altLang="en-US" sz="1200">
-                        <a:solidFill>
-                          <a:srgbClr val="000F2F"/>
-                        </a:solidFill>
-                      </a:endParaRPr>
+                      <a:r>
+                        <a:rPr lang="ko-KR" altLang="en-US" sz="1200" dirty="0">
+                          <a:solidFill>
+                            <a:srgbClr val="000F2F"/>
+                          </a:solidFill>
+                        </a:rPr>
+                        <a:t>권지현</a:t>
+                      </a:r>
                     </a:p>
                   </a:txBody>
                   <a:tcPr anchor="ctr">
@@ -16855,23 +17369,39 @@
                         <a:defRPr/>
                       </a:pPr>
                       <a:r>
-                        <a:rPr lang="en-US" altLang="ko-KR" sz="1200">
+                        <a:rPr lang="ko-KR" altLang="en-US" sz="1200" dirty="0" err="1">
                           <a:solidFill>
                             <a:srgbClr val="000F2F"/>
                           </a:solidFill>
                         </a:rPr>
-                        <a:t>ERD</a:t>
-                      </a:r>
-                      <a:r>
-                        <a:rPr lang="ko-KR" altLang="en-US" sz="1200">
+                        <a:t>프론트엔드</a:t>
+                      </a:r>
+                      <a:r>
+                        <a:rPr lang="ko-KR" altLang="en-US" sz="1200" dirty="0">
                           <a:solidFill>
                             <a:srgbClr val="000F2F"/>
                           </a:solidFill>
                         </a:rPr>
-                        <a:t>설계</a:t>
-                      </a:r>
-                      <a:r>
-                        <a:rPr lang="en-US" altLang="ko-KR" sz="1200">
+                        <a:t> 설계 및 개발 </a:t>
+                      </a:r>
+                      <a:r>
+                        <a:rPr lang="en-US" altLang="ko-KR" sz="1200" dirty="0">
+                          <a:solidFill>
+                            <a:srgbClr val="000F2F"/>
+                          </a:solidFill>
+                        </a:rPr>
+                        <a:t>, CSS </a:t>
+                      </a:r>
+                      <a:r>
+                        <a:rPr lang="ko-KR" altLang="en-US" sz="1200" dirty="0">
+                          <a:solidFill>
+                            <a:srgbClr val="000F2F"/>
+                          </a:solidFill>
+                        </a:rPr>
+                        <a:t>기능 </a:t>
+                      </a:r>
+                      <a:r>
+                        <a:rPr lang="en-US" altLang="ko-KR" sz="1200" dirty="0">
                           <a:solidFill>
                             <a:srgbClr val="000F2F"/>
                           </a:solidFill>
@@ -16879,28 +17409,12 @@
                         <a:t>, </a:t>
                       </a:r>
                       <a:r>
-                        <a:rPr lang="ko-KR" altLang="en-US" sz="1200">
+                        <a:rPr lang="ko-KR" altLang="en-US" sz="1200" dirty="0">
                           <a:solidFill>
                             <a:srgbClr val="000F2F"/>
                           </a:solidFill>
                         </a:rPr>
                         <a:t>개발환경 구성</a:t>
-                      </a:r>
-                      <a:r>
-                        <a:rPr lang="en-US" altLang="ko-KR" sz="1200">
-                          <a:solidFill>
-                            <a:srgbClr val="000F2F"/>
-                          </a:solidFill>
-                        </a:rPr>
-                        <a:t>, DBMS </a:t>
-                      </a:r>
-                      <a:r>
-                        <a:rPr lang="ko-KR" altLang="en-US" sz="1200">
-                          <a:solidFill>
-                            <a:srgbClr val="000F2F"/>
-                          </a:solidFill>
-                        </a:rPr>
-                        <a:t>환경설정</a:t>
                       </a:r>
                     </a:p>
                   </a:txBody>
@@ -17071,7 +17585,7 @@
                   </a:ext>
                 </a:extLst>
               </a:tr>
-              <a:tr h="306493">
+              <a:tr h="260633">
                 <a:tc vMerge="1">
                   <a:txBody>
                     <a:bodyPr/>
@@ -17093,7 +17607,322 @@
                       <a:pPr algn="ctr" latinLnBrk="1">
                         <a:defRPr/>
                       </a:pPr>
-                      <a:endParaRPr lang="ko-KR" altLang="en-US" sz="1200">
+                      <a:r>
+                        <a:rPr lang="ko-KR" altLang="en-US" sz="1200" dirty="0">
+                          <a:solidFill>
+                            <a:srgbClr val="000F2F"/>
+                          </a:solidFill>
+                        </a:rPr>
+                        <a:t>정민석</a:t>
+                      </a:r>
+                    </a:p>
+                  </a:txBody>
+                  <a:tcPr anchor="ctr">
+                    <a:lnL w="12700" cap="flat" cmpd="sng" algn="ctr">
+                      <a:solidFill>
+                        <a:sysClr val="windowText" lastClr="000000"/>
+                      </a:solidFill>
+                      <a:prstDash val="solid"/>
+                      <a:round/>
+                      <a:headEnd w="med" len="med"/>
+                      <a:tailEnd w="med" len="med"/>
+                    </a:lnL>
+                    <a:lnR w="6350" cap="flat" cmpd="sng" algn="ctr">
+                      <a:solidFill>
+                        <a:schemeClr val="tx1">
+                          <a:lumMod val="65000"/>
+                          <a:lumOff val="35000"/>
+                        </a:schemeClr>
+                      </a:solidFill>
+                      <a:prstDash val="solid"/>
+                      <a:round/>
+                      <a:headEnd w="med" len="med"/>
+                      <a:tailEnd w="med" len="med"/>
+                    </a:lnR>
+                    <a:lnT w="6350" cap="flat" cmpd="sng" algn="ctr">
+                      <a:solidFill>
+                        <a:schemeClr val="tx1">
+                          <a:lumMod val="65000"/>
+                          <a:lumOff val="35000"/>
+                        </a:schemeClr>
+                      </a:solidFill>
+                      <a:prstDash val="lgDash"/>
+                      <a:round/>
+                      <a:headEnd w="med" len="med"/>
+                      <a:tailEnd w="med" len="med"/>
+                    </a:lnT>
+                    <a:lnB w="6350" cap="flat" cmpd="sng" algn="ctr">
+                      <a:solidFill>
+                        <a:schemeClr val="tx1">
+                          <a:lumMod val="65000"/>
+                          <a:lumOff val="35000"/>
+                        </a:schemeClr>
+                      </a:solidFill>
+                      <a:prstDash val="lgDash"/>
+                      <a:round/>
+                      <a:headEnd type="none" w="med" len="med"/>
+                      <a:tailEnd type="none" w="med" len="med"/>
+                    </a:lnB>
+                    <a:lnTlToBr w="12700" cmpd="sng">
+                      <a:noFill/>
+                      <a:prstDash val="solid"/>
+                    </a:lnTlToBr>
+                    <a:lnBlToTr w="12700" cmpd="sng">
+                      <a:noFill/>
+                      <a:prstDash val="solid"/>
+                    </a:lnBlToTr>
+                    <a:noFill/>
+                  </a:tcPr>
+                </a:tc>
+                <a:tc gridSpan="9">
+                  <a:txBody>
+                    <a:bodyPr/>
+                    <a:lstStyle/>
+                    <a:p>
+                      <a:pPr marL="0" marR="0" lvl="0" indent="0" algn="l" defTabSz="914400" rtl="0" eaLnBrk="1" fontAlgn="auto" latinLnBrk="1" hangingPunct="1">
+                        <a:lnSpc>
+                          <a:spcPct val="100000"/>
+                        </a:lnSpc>
+                        <a:spcBef>
+                          <a:spcPts val="0"/>
+                        </a:spcBef>
+                        <a:spcAft>
+                          <a:spcPts val="0"/>
+                        </a:spcAft>
+                        <a:buClrTx/>
+                        <a:buSzTx/>
+                        <a:buFontTx/>
+                        <a:buNone/>
+                        <a:tabLst/>
+                        <a:defRPr/>
+                      </a:pPr>
+                      <a:r>
+                        <a:rPr lang="ko-KR" altLang="en-US" sz="1200" dirty="0" err="1">
+                          <a:solidFill>
+                            <a:srgbClr val="000F2F"/>
+                          </a:solidFill>
+                        </a:rPr>
+                        <a:t>프론트엔드</a:t>
+                      </a:r>
+                      <a:r>
+                        <a:rPr lang="ko-KR" altLang="en-US" sz="1200" dirty="0">
+                          <a:solidFill>
+                            <a:srgbClr val="000F2F"/>
+                          </a:solidFill>
+                        </a:rPr>
+                        <a:t> 설계 및 개발 </a:t>
+                      </a:r>
+                      <a:r>
+                        <a:rPr lang="en-US" altLang="ko-KR" sz="1200" dirty="0">
+                          <a:solidFill>
+                            <a:srgbClr val="000F2F"/>
+                          </a:solidFill>
+                        </a:rPr>
+                        <a:t>, CSS </a:t>
+                      </a:r>
+                      <a:r>
+                        <a:rPr lang="ko-KR" altLang="en-US" sz="1200" dirty="0">
+                          <a:solidFill>
+                            <a:srgbClr val="000F2F"/>
+                          </a:solidFill>
+                        </a:rPr>
+                        <a:t>기능 </a:t>
+                      </a:r>
+                      <a:r>
+                        <a:rPr lang="en-US" altLang="ko-KR" sz="1200" dirty="0">
+                          <a:solidFill>
+                            <a:srgbClr val="000F2F"/>
+                          </a:solidFill>
+                        </a:rPr>
+                        <a:t>, </a:t>
+                      </a:r>
+                      <a:r>
+                        <a:rPr lang="ko-KR" altLang="en-US" sz="1200" dirty="0">
+                          <a:solidFill>
+                            <a:srgbClr val="000F2F"/>
+                          </a:solidFill>
+                        </a:rPr>
+                        <a:t>개발환경 구성</a:t>
+                      </a:r>
+                    </a:p>
+                  </a:txBody>
+                  <a:tcPr anchor="ctr">
+                    <a:lnL w="6350" cap="flat" cmpd="sng" algn="ctr">
+                      <a:solidFill>
+                        <a:schemeClr val="tx1">
+                          <a:lumMod val="65000"/>
+                          <a:lumOff val="35000"/>
+                        </a:schemeClr>
+                      </a:solidFill>
+                      <a:prstDash val="solid"/>
+                      <a:round/>
+                      <a:headEnd w="med" len="med"/>
+                      <a:tailEnd w="med" len="med"/>
+                    </a:lnL>
+                    <a:lnR w="12700" cap="flat" cmpd="sng" algn="ctr">
+                      <a:solidFill>
+                        <a:sysClr val="windowText" lastClr="000000"/>
+                      </a:solidFill>
+                      <a:prstDash val="solid"/>
+                      <a:round/>
+                      <a:headEnd w="med" len="med"/>
+                      <a:tailEnd w="med" len="med"/>
+                    </a:lnR>
+                    <a:lnT w="6350" cap="flat" cmpd="sng" algn="ctr">
+                      <a:solidFill>
+                        <a:schemeClr val="tx1">
+                          <a:lumMod val="65000"/>
+                          <a:lumOff val="35000"/>
+                        </a:schemeClr>
+                      </a:solidFill>
+                      <a:prstDash val="lgDash"/>
+                      <a:round/>
+                      <a:headEnd w="med" len="med"/>
+                      <a:tailEnd w="med" len="med"/>
+                    </a:lnT>
+                    <a:lnB w="6350" cap="flat" cmpd="sng" algn="ctr">
+                      <a:solidFill>
+                        <a:schemeClr val="tx1">
+                          <a:lumMod val="65000"/>
+                          <a:lumOff val="35000"/>
+                        </a:schemeClr>
+                      </a:solidFill>
+                      <a:prstDash val="lgDash"/>
+                      <a:round/>
+                      <a:headEnd type="none" w="med" len="med"/>
+                      <a:tailEnd type="none" w="med" len="med"/>
+                    </a:lnB>
+                    <a:lnTlToBr w="12700" cmpd="sng">
+                      <a:noFill/>
+                      <a:prstDash val="solid"/>
+                    </a:lnTlToBr>
+                    <a:lnBlToTr w="12700" cmpd="sng">
+                      <a:noFill/>
+                      <a:prstDash val="solid"/>
+                    </a:lnBlToTr>
+                    <a:noFill/>
+                  </a:tcPr>
+                </a:tc>
+                <a:tc hMerge="1">
+                  <a:txBody>
+                    <a:bodyPr/>
+                    <a:lstStyle/>
+                    <a:p>
+                      <a:pPr latinLnBrk="1">
+                        <a:defRPr/>
+                      </a:pPr>
+                      <a:endParaRPr lang="ko-KR" altLang="en-US"/>
+                    </a:p>
+                  </a:txBody>
+                  <a:tcPr/>
+                </a:tc>
+                <a:tc hMerge="1">
+                  <a:txBody>
+                    <a:bodyPr/>
+                    <a:lstStyle/>
+                    <a:p>
+                      <a:pPr latinLnBrk="1">
+                        <a:defRPr/>
+                      </a:pPr>
+                      <a:endParaRPr lang="ko-KR" altLang="en-US"/>
+                    </a:p>
+                  </a:txBody>
+                  <a:tcPr/>
+                </a:tc>
+                <a:tc hMerge="1">
+                  <a:txBody>
+                    <a:bodyPr/>
+                    <a:lstStyle/>
+                    <a:p>
+                      <a:pPr latinLnBrk="1">
+                        <a:defRPr/>
+                      </a:pPr>
+                      <a:endParaRPr lang="ko-KR" altLang="en-US"/>
+                    </a:p>
+                  </a:txBody>
+                  <a:tcPr/>
+                </a:tc>
+                <a:tc hMerge="1">
+                  <a:txBody>
+                    <a:bodyPr/>
+                    <a:lstStyle/>
+                    <a:p>
+                      <a:pPr latinLnBrk="1">
+                        <a:defRPr/>
+                      </a:pPr>
+                      <a:endParaRPr lang="ko-KR" altLang="en-US"/>
+                    </a:p>
+                  </a:txBody>
+                  <a:tcPr/>
+                </a:tc>
+                <a:tc hMerge="1">
+                  <a:txBody>
+                    <a:bodyPr/>
+                    <a:lstStyle/>
+                    <a:p>
+                      <a:pPr latinLnBrk="1">
+                        <a:defRPr/>
+                      </a:pPr>
+                      <a:endParaRPr lang="ko-KR" altLang="en-US"/>
+                    </a:p>
+                  </a:txBody>
+                  <a:tcPr/>
+                </a:tc>
+                <a:tc hMerge="1">
+                  <a:txBody>
+                    <a:bodyPr/>
+                    <a:lstStyle/>
+                    <a:p>
+                      <a:pPr latinLnBrk="1">
+                        <a:defRPr/>
+                      </a:pPr>
+                      <a:endParaRPr lang="ko-KR" altLang="en-US"/>
+                    </a:p>
+                  </a:txBody>
+                  <a:tcPr/>
+                </a:tc>
+                <a:tc hMerge="1">
+                  <a:txBody>
+                    <a:bodyPr/>
+                    <a:lstStyle/>
+                    <a:p>
+                      <a:pPr latinLnBrk="1">
+                        <a:defRPr/>
+                      </a:pPr>
+                      <a:endParaRPr lang="ko-KR" altLang="en-US"/>
+                    </a:p>
+                  </a:txBody>
+                  <a:tcPr/>
+                </a:tc>
+                <a:tc hMerge="1">
+                  <a:txBody>
+                    <a:bodyPr/>
+                    <a:lstStyle/>
+                    <a:p>
+                      <a:pPr latinLnBrk="1">
+                        <a:defRPr/>
+                      </a:pPr>
+                      <a:endParaRPr lang="ko-KR" altLang="en-US"/>
+                    </a:p>
+                  </a:txBody>
+                  <a:tcPr/>
+                </a:tc>
+                <a:extLst>
+                  <a:ext uri="{0D108BD9-81ED-4DB2-BD59-A6C34878D82A}">
+                    <a16:rowId xmlns:a16="http://schemas.microsoft.com/office/drawing/2014/main" val="10016"/>
+                  </a:ext>
+                </a:extLst>
+              </a:tr>
+              <a:tr h="260633">
+                <a:tc vMerge="1">
+                  <a:txBody>
+                    <a:bodyPr/>
+                    <a:lstStyle/>
+                    <a:p>
+                      <a:pPr algn="ctr" latinLnBrk="1">
+                        <a:defRPr/>
+                      </a:pPr>
+                      <a:endParaRPr lang="ko-KR" altLang="en-US" sz="1200" b="1" dirty="0">
                         <a:solidFill>
                           <a:srgbClr val="000F2F"/>
                         </a:solidFill>
@@ -17110,26 +17939,20 @@
                       <a:headEnd w="med" len="med"/>
                       <a:tailEnd w="med" len="med"/>
                     </a:lnL>
-                    <a:lnR w="6350" cap="flat" cmpd="sng" algn="ctr">
-                      <a:solidFill>
-                        <a:schemeClr val="tx1">
-                          <a:lumMod val="65000"/>
-                          <a:lumOff val="35000"/>
-                        </a:schemeClr>
-                      </a:solidFill>
-                      <a:prstDash val="solid"/>
-                      <a:round/>
-                      <a:headEnd w="med" len="med"/>
-                      <a:tailEnd w="med" len="med"/>
+                    <a:lnR w="12700" cap="flat" cmpd="sng" algn="ctr">
+                      <a:solidFill>
+                        <a:sysClr val="windowText" lastClr="000000"/>
+                      </a:solidFill>
+                      <a:prstDash val="solid"/>
+                      <a:round/>
+                      <a:headEnd type="none" w="med" len="med"/>
+                      <a:tailEnd type="none" w="med" len="med"/>
                     </a:lnR>
-                    <a:lnT w="6350" cap="flat" cmpd="sng" algn="ctr">
-                      <a:solidFill>
-                        <a:schemeClr val="tx1">
-                          <a:lumMod val="65000"/>
-                          <a:lumOff val="35000"/>
-                        </a:schemeClr>
-                      </a:solidFill>
-                      <a:prstDash val="lgDash"/>
+                    <a:lnT w="12700" cap="flat" cmpd="sng" algn="ctr">
+                      <a:solidFill>
+                        <a:sysClr val="windowText" lastClr="000000"/>
+                      </a:solidFill>
+                      <a:prstDash val="solid"/>
                       <a:round/>
                       <a:headEnd w="med" len="med"/>
                       <a:tailEnd w="med" len="med"/>
@@ -17154,69 +17977,50 @@
                     <a:noFill/>
                   </a:tcPr>
                 </a:tc>
-                <a:tc gridSpan="9">
-                  <a:txBody>
-                    <a:bodyPr/>
-                    <a:lstStyle/>
-                    <a:p>
-                      <a:pPr latinLnBrk="1">
-                        <a:defRPr/>
-                      </a:pPr>
-                      <a:r>
-                        <a:rPr lang="en-US" altLang="ko-KR" sz="1200">
+                <a:tc>
+                  <a:txBody>
+                    <a:bodyPr/>
+                    <a:lstStyle/>
+                    <a:p>
+                      <a:pPr algn="ctr" latinLnBrk="1">
+                        <a:defRPr/>
+                      </a:pPr>
+                      <a:r>
+                        <a:rPr lang="ko-KR" altLang="en-US" sz="1200" dirty="0" err="1">
                           <a:solidFill>
                             <a:srgbClr val="000F2F"/>
                           </a:solidFill>
                         </a:rPr>
-                        <a:t>CSR </a:t>
-                      </a:r>
-                      <a:r>
-                        <a:rPr lang="ko-KR" altLang="en-US" sz="1200">
-                          <a:solidFill>
-                            <a:srgbClr val="000F2F"/>
-                          </a:solidFill>
-                        </a:rPr>
-                        <a:t>기능 명세</a:t>
-                      </a:r>
-                      <a:r>
-                        <a:rPr lang="en-US" altLang="ko-KR" sz="1200">
-                          <a:solidFill>
-                            <a:srgbClr val="000F2F"/>
-                          </a:solidFill>
-                        </a:rPr>
-                        <a:t>, </a:t>
-                      </a:r>
-                      <a:r>
-                        <a:rPr lang="ko-KR" altLang="en-US" sz="1200">
-                          <a:solidFill>
-                            <a:srgbClr val="000F2F"/>
-                          </a:solidFill>
-                        </a:rPr>
-                        <a:t>백엔드 설계 및 개발</a:t>
-                      </a:r>
+                        <a:t>박철규</a:t>
+                      </a:r>
+                      <a:endParaRPr lang="ko-KR" altLang="en-US" sz="1200" dirty="0">
+                        <a:solidFill>
+                          <a:srgbClr val="000F2F"/>
+                        </a:solidFill>
+                      </a:endParaRPr>
                     </a:p>
                   </a:txBody>
                   <a:tcPr anchor="ctr">
-                    <a:lnL w="6350" cap="flat" cmpd="sng" algn="ctr">
-                      <a:solidFill>
-                        <a:schemeClr val="tx1">
-                          <a:lumMod val="65000"/>
-                          <a:lumOff val="35000"/>
-                        </a:schemeClr>
-                      </a:solidFill>
-                      <a:prstDash val="solid"/>
-                      <a:round/>
-                      <a:headEnd w="med" len="med"/>
-                      <a:tailEnd w="med" len="med"/>
+                    <a:lnL w="12700" cap="flat" cmpd="sng" algn="ctr">
+                      <a:solidFill>
+                        <a:sysClr val="windowText" lastClr="000000"/>
+                      </a:solidFill>
+                      <a:prstDash val="solid"/>
+                      <a:round/>
+                      <a:headEnd type="none" w="med" len="med"/>
+                      <a:tailEnd type="none" w="med" len="med"/>
                     </a:lnL>
-                    <a:lnR w="12700" cap="flat" cmpd="sng" algn="ctr">
-                      <a:solidFill>
-                        <a:sysClr val="windowText" lastClr="000000"/>
-                      </a:solidFill>
-                      <a:prstDash val="solid"/>
-                      <a:round/>
-                      <a:headEnd w="med" len="med"/>
-                      <a:tailEnd w="med" len="med"/>
+                    <a:lnR w="6350" cap="flat" cmpd="sng" algn="ctr">
+                      <a:solidFill>
+                        <a:schemeClr val="tx1">
+                          <a:lumMod val="65000"/>
+                          <a:lumOff val="35000"/>
+                        </a:schemeClr>
+                      </a:solidFill>
+                      <a:prstDash val="solid"/>
+                      <a:round/>
+                      <a:headEnd type="none" w="med" len="med"/>
+                      <a:tailEnd type="none" w="med" len="med"/>
                     </a:lnR>
                     <a:lnT w="6350" cap="flat" cmpd="sng" algn="ctr">
                       <a:solidFill>
@@ -17250,14 +18054,167 @@
                     <a:noFill/>
                   </a:tcPr>
                 </a:tc>
+                <a:tc gridSpan="9">
+                  <a:txBody>
+                    <a:bodyPr/>
+                    <a:lstStyle/>
+                    <a:p>
+                      <a:pPr marL="0" marR="0" lvl="0" indent="0" algn="l" defTabSz="914400" rtl="0" eaLnBrk="1" fontAlgn="auto" latinLnBrk="1" hangingPunct="1">
+                        <a:lnSpc>
+                          <a:spcPct val="100000"/>
+                        </a:lnSpc>
+                        <a:spcBef>
+                          <a:spcPts val="0"/>
+                        </a:spcBef>
+                        <a:spcAft>
+                          <a:spcPts val="0"/>
+                        </a:spcAft>
+                        <a:buClrTx/>
+                        <a:buSzTx/>
+                        <a:buFontTx/>
+                        <a:buNone/>
+                        <a:tabLst/>
+                        <a:defRPr/>
+                      </a:pPr>
+                      <a:r>
+                        <a:rPr lang="ko-KR" altLang="en-US" sz="1200" dirty="0" err="1">
+                          <a:solidFill>
+                            <a:srgbClr val="000F2F"/>
+                          </a:solidFill>
+                        </a:rPr>
+                        <a:t>프론트엔드</a:t>
+                      </a:r>
+                      <a:r>
+                        <a:rPr lang="ko-KR" altLang="en-US" sz="1200" dirty="0">
+                          <a:solidFill>
+                            <a:srgbClr val="000F2F"/>
+                          </a:solidFill>
+                        </a:rPr>
+                        <a:t> 설계 및 개발 </a:t>
+                      </a:r>
+                      <a:r>
+                        <a:rPr lang="en-US" altLang="ko-KR" sz="1200" dirty="0">
+                          <a:solidFill>
+                            <a:srgbClr val="000F2F"/>
+                          </a:solidFill>
+                        </a:rPr>
+                        <a:t>/ </a:t>
+                      </a:r>
+                      <a:r>
+                        <a:rPr lang="ko-KR" altLang="en-US" sz="1200" dirty="0">
+                          <a:solidFill>
+                            <a:srgbClr val="000F2F"/>
+                          </a:solidFill>
+                        </a:rPr>
+                        <a:t>전체 프로젝트 조정 </a:t>
+                      </a:r>
+                      <a:r>
+                        <a:rPr lang="en-US" altLang="ko-KR" sz="1200" dirty="0">
+                          <a:solidFill>
+                            <a:srgbClr val="000F2F"/>
+                          </a:solidFill>
+                        </a:rPr>
+                        <a:t>/ </a:t>
+                      </a:r>
+                      <a:r>
+                        <a:rPr lang="ko-KR" altLang="en-US" sz="1200" dirty="0">
+                          <a:solidFill>
+                            <a:srgbClr val="000F2F"/>
+                          </a:solidFill>
+                        </a:rPr>
+                        <a:t>범위 </a:t>
+                      </a:r>
+                      <a:r>
+                        <a:rPr lang="en-US" altLang="ko-KR" sz="1200" dirty="0">
+                          <a:solidFill>
+                            <a:srgbClr val="000F2F"/>
+                          </a:solidFill>
+                        </a:rPr>
+                        <a:t>/ DB</a:t>
+                      </a:r>
+                      <a:r>
+                        <a:rPr lang="ko-KR" altLang="en-US" sz="1200" dirty="0">
+                          <a:solidFill>
+                            <a:srgbClr val="000F2F"/>
+                          </a:solidFill>
+                        </a:rPr>
+                        <a:t>환경</a:t>
+                      </a:r>
+                      <a:r>
+                        <a:rPr lang="en-US" altLang="ko-KR" sz="1200" dirty="0">
+                          <a:solidFill>
+                            <a:srgbClr val="000F2F"/>
+                          </a:solidFill>
+                        </a:rPr>
+                        <a:t> </a:t>
+                      </a:r>
+                      <a:endParaRPr lang="ko-KR" altLang="en-US" sz="1200" dirty="0">
+                        <a:solidFill>
+                          <a:srgbClr val="000F2F"/>
+                        </a:solidFill>
+                      </a:endParaRPr>
+                    </a:p>
+                  </a:txBody>
+                  <a:tcPr anchor="ctr">
+                    <a:lnL w="6350" cap="flat" cmpd="sng" algn="ctr">
+                      <a:solidFill>
+                        <a:schemeClr val="tx1">
+                          <a:lumMod val="65000"/>
+                          <a:lumOff val="35000"/>
+                        </a:schemeClr>
+                      </a:solidFill>
+                      <a:prstDash val="solid"/>
+                      <a:round/>
+                      <a:headEnd type="none" w="med" len="med"/>
+                      <a:tailEnd type="none" w="med" len="med"/>
+                    </a:lnL>
+                    <a:lnR w="12700" cap="flat" cmpd="sng" algn="ctr">
+                      <a:solidFill>
+                        <a:sysClr val="windowText" lastClr="000000"/>
+                      </a:solidFill>
+                      <a:prstDash val="solid"/>
+                      <a:round/>
+                      <a:headEnd w="med" len="med"/>
+                      <a:tailEnd w="med" len="med"/>
+                    </a:lnR>
+                    <a:lnT w="6350" cap="flat" cmpd="sng" algn="ctr">
+                      <a:solidFill>
+                        <a:schemeClr val="tx1">
+                          <a:lumMod val="65000"/>
+                          <a:lumOff val="35000"/>
+                        </a:schemeClr>
+                      </a:solidFill>
+                      <a:prstDash val="lgDash"/>
+                      <a:round/>
+                      <a:headEnd w="med" len="med"/>
+                      <a:tailEnd w="med" len="med"/>
+                    </a:lnT>
+                    <a:lnB w="12700" cap="flat" cmpd="sng" algn="ctr">
+                      <a:solidFill>
+                        <a:sysClr val="windowText" lastClr="000000"/>
+                      </a:solidFill>
+                      <a:prstDash val="solid"/>
+                      <a:round/>
+                      <a:headEnd w="med" len="med"/>
+                      <a:tailEnd w="med" len="med"/>
+                    </a:lnB>
+                    <a:lnTlToBr w="12700" cmpd="sng">
+                      <a:noFill/>
+                      <a:prstDash val="solid"/>
+                    </a:lnTlToBr>
+                    <a:lnBlToTr w="12700" cmpd="sng">
+                      <a:noFill/>
+                      <a:prstDash val="solid"/>
+                    </a:lnBlToTr>
+                    <a:noFill/>
+                  </a:tcPr>
+                </a:tc>
                 <a:tc hMerge="1">
                   <a:txBody>
                     <a:bodyPr/>
                     <a:lstStyle/>
                     <a:p>
-                      <a:pPr latinLnBrk="1">
-                        <a:defRPr/>
-                      </a:pPr>
+                      <a:pPr latinLnBrk="1"/>
                       <a:endParaRPr lang="ko-KR" altLang="en-US"/>
                     </a:p>
                   </a:txBody>
@@ -17268,9 +18225,7 @@
                     <a:bodyPr/>
                     <a:lstStyle/>
                     <a:p>
-                      <a:pPr latinLnBrk="1">
-                        <a:defRPr/>
-                      </a:pPr>
+                      <a:pPr latinLnBrk="1"/>
                       <a:endParaRPr lang="ko-KR" altLang="en-US"/>
                     </a:p>
                   </a:txBody>
@@ -17281,9 +18236,7 @@
                     <a:bodyPr/>
                     <a:lstStyle/>
                     <a:p>
-                      <a:pPr latinLnBrk="1">
-                        <a:defRPr/>
-                      </a:pPr>
+                      <a:pPr latinLnBrk="1"/>
                       <a:endParaRPr lang="ko-KR" altLang="en-US"/>
                     </a:p>
                   </a:txBody>
@@ -17294,9 +18247,7 @@
                     <a:bodyPr/>
                     <a:lstStyle/>
                     <a:p>
-                      <a:pPr latinLnBrk="1">
-                        <a:defRPr/>
-                      </a:pPr>
+                      <a:pPr latinLnBrk="1"/>
                       <a:endParaRPr lang="ko-KR" altLang="en-US"/>
                     </a:p>
                   </a:txBody>
@@ -17307,9 +18258,7 @@
                     <a:bodyPr/>
                     <a:lstStyle/>
                     <a:p>
-                      <a:pPr latinLnBrk="1">
-                        <a:defRPr/>
-                      </a:pPr>
+                      <a:pPr latinLnBrk="1"/>
                       <a:endParaRPr lang="ko-KR" altLang="en-US"/>
                     </a:p>
                   </a:txBody>
@@ -17320,9 +18269,7 @@
                     <a:bodyPr/>
                     <a:lstStyle/>
                     <a:p>
-                      <a:pPr latinLnBrk="1">
-                        <a:defRPr/>
-                      </a:pPr>
+                      <a:pPr latinLnBrk="1"/>
                       <a:endParaRPr lang="ko-KR" altLang="en-US"/>
                     </a:p>
                   </a:txBody>
@@ -17333,9 +18280,7 @@
                     <a:bodyPr/>
                     <a:lstStyle/>
                     <a:p>
-                      <a:pPr latinLnBrk="1">
-                        <a:defRPr/>
-                      </a:pPr>
+                      <a:pPr latinLnBrk="1"/>
                       <a:endParaRPr lang="ko-KR" altLang="en-US"/>
                     </a:p>
                   </a:txBody>
@@ -17346,9 +18291,7 @@
                     <a:bodyPr/>
                     <a:lstStyle/>
                     <a:p>
-                      <a:pPr latinLnBrk="1">
-                        <a:defRPr/>
-                      </a:pPr>
+                      <a:pPr latinLnBrk="1"/>
                       <a:endParaRPr lang="ko-KR" altLang="en-US"/>
                     </a:p>
                   </a:txBody>
@@ -17356,7 +18299,7 @@
                 </a:tc>
                 <a:extLst>
                   <a:ext uri="{0D108BD9-81ED-4DB2-BD59-A6C34878D82A}">
-                    <a16:rowId xmlns:a16="http://schemas.microsoft.com/office/drawing/2014/main" val="10016"/>
+                    <a16:rowId xmlns:a16="http://schemas.microsoft.com/office/drawing/2014/main" val="3167089451"/>
                   </a:ext>
                 </a:extLst>
               </a:tr>
@@ -17383,15 +18326,15 @@
               <a:defRPr/>
             </a:pPr>
             <a:fld id="{6FCE2FC3-CE0B-4DDC-91EC-D5FAB4A367BA}" type="slidenum">
-              <a:rPr lang="en-US" altLang="en-US"/>
+              <a:rPr lang="en-US" altLang="en-US" smtClean="0"/>
               <a:pPr lvl="0">
                 <a:defRPr/>
               </a:pPr>
               <a:t>2</a:t>
             </a:fld>
             <a:r>
-              <a:rPr lang="en-US" altLang="ko-KR"/>
-              <a:t>/30</a:t>
+              <a:rPr lang="en-US" altLang="ko-KR" dirty="0"/>
+              <a:t>/3</a:t>
             </a:r>
           </a:p>
         </p:txBody>
@@ -17484,8 +18427,8 @@
               <a:t>3</a:t>
             </a:fld>
             <a:r>
-              <a:rPr lang="en-US" altLang="ko-KR"/>
-              <a:t>/30</a:t>
+              <a:rPr lang="en-US" altLang="ko-KR" dirty="0"/>
+              <a:t>/3</a:t>
             </a:r>
             <a:endParaRPr lang="ko-KR" altLang="en-US" dirty="0"/>
           </a:p>
@@ -17606,19 +18549,289 @@
                 <a:effectLst/>
                 <a:latin typeface="-apple-system"/>
               </a:rPr>
-              <a:t>Member - </a:t>
+              <a:t>Member</a:t>
             </a:r>
+          </a:p>
+          <a:p>
+            <a:pPr eaLnBrk="0" latinLnBrk="0" hangingPunct="0">
+              <a:lnSpc>
+                <a:spcPct val="120000"/>
+              </a:lnSpc>
+              <a:defRPr/>
+            </a:pPr>
             <a:r>
-              <a:rPr lang="ko-KR" altLang="en-US" sz="1400" b="1" i="0" dirty="0">
+              <a:rPr lang="en-US" altLang="ko-KR" sz="1200" b="1" i="1" u="none" strike="noStrike" dirty="0">
                 <a:solidFill>
                   <a:srgbClr val="1F2328"/>
                 </a:solidFill>
                 <a:effectLst/>
                 <a:latin typeface="-apple-system"/>
               </a:rPr>
-              <a:t>로그인 및 회원 관리를 위한 회원 테이블</a:t>
+              <a:t> </a:t>
             </a:r>
-            <a:endParaRPr lang="en-US" altLang="ko-KR" sz="1400" b="1" i="0" dirty="0">
+            <a:r>
+              <a:rPr lang="ko-KR" altLang="en-US" sz="1200" b="1" i="0" dirty="0">
+                <a:solidFill>
+                  <a:srgbClr val="1F2328"/>
+                </a:solidFill>
+                <a:effectLst/>
+                <a:latin typeface="-apple-system"/>
+              </a:rPr>
+              <a:t>로그인 및 회원 관리를 위한 테이블</a:t>
+            </a:r>
+            <a:endParaRPr lang="en-US" altLang="ko-KR" sz="1200" b="1" i="0" dirty="0">
+              <a:solidFill>
+                <a:srgbClr val="1F2328"/>
+              </a:solidFill>
+              <a:effectLst/>
+              <a:latin typeface="-apple-system"/>
+            </a:endParaRPr>
+          </a:p>
+          <a:p>
+            <a:pPr eaLnBrk="0" latinLnBrk="0" hangingPunct="0">
+              <a:lnSpc>
+                <a:spcPct val="120000"/>
+              </a:lnSpc>
+              <a:defRPr/>
+            </a:pPr>
+            <a:endParaRPr lang="en-US" altLang="ko-KR" sz="1200" b="1" i="0" dirty="0">
+              <a:solidFill>
+                <a:srgbClr val="1F2328"/>
+              </a:solidFill>
+              <a:effectLst/>
+              <a:latin typeface="-apple-system"/>
+            </a:endParaRPr>
+          </a:p>
+          <a:p>
+            <a:pPr marL="285750" indent="-285750" eaLnBrk="0" latinLnBrk="0" hangingPunct="0">
+              <a:lnSpc>
+                <a:spcPct val="120000"/>
+              </a:lnSpc>
+              <a:buFont typeface="Wingdings" panose="05000000000000000000" pitchFamily="2" charset="2"/>
+              <a:buChar char="l"/>
+              <a:defRPr/>
+            </a:pPr>
+            <a:r>
+              <a:rPr lang="en-US" altLang="ko-KR" sz="1100" b="1" i="0" dirty="0">
+                <a:solidFill>
+                  <a:srgbClr val="1F2328"/>
+                </a:solidFill>
+                <a:effectLst/>
+                <a:latin typeface="-apple-system"/>
+              </a:rPr>
+              <a:t>IDX [</a:t>
+            </a:r>
+            <a:r>
+              <a:rPr lang="ko-KR" altLang="en-US" sz="1100" b="1" i="0" dirty="0">
+                <a:solidFill>
+                  <a:srgbClr val="1F2328"/>
+                </a:solidFill>
+                <a:effectLst/>
+                <a:latin typeface="-apple-system"/>
+              </a:rPr>
+              <a:t>회원번호</a:t>
+            </a:r>
+            <a:r>
+              <a:rPr lang="en-US" altLang="ko-KR" sz="1100" b="1" i="0" dirty="0">
+                <a:solidFill>
+                  <a:srgbClr val="1F2328"/>
+                </a:solidFill>
+                <a:effectLst/>
+                <a:latin typeface="-apple-system"/>
+              </a:rPr>
+              <a:t>] (</a:t>
+            </a:r>
+            <a:r>
+              <a:rPr lang="ko-KR" altLang="en-US" sz="1100" b="1" i="0" dirty="0">
+                <a:solidFill>
+                  <a:srgbClr val="1F2328"/>
+                </a:solidFill>
+                <a:effectLst/>
+                <a:latin typeface="-apple-system"/>
+              </a:rPr>
+              <a:t>기본 키</a:t>
+            </a:r>
+            <a:r>
+              <a:rPr lang="en-US" altLang="ko-KR" sz="1100" b="1" i="0" dirty="0">
+                <a:solidFill>
+                  <a:srgbClr val="1F2328"/>
+                </a:solidFill>
+                <a:effectLst/>
+                <a:latin typeface="-apple-system"/>
+              </a:rPr>
+              <a:t>)</a:t>
+            </a:r>
+          </a:p>
+          <a:p>
+            <a:pPr marL="285750" indent="-285750" eaLnBrk="0" latinLnBrk="0" hangingPunct="0">
+              <a:lnSpc>
+                <a:spcPct val="120000"/>
+              </a:lnSpc>
+              <a:buFont typeface="Wingdings" panose="05000000000000000000" pitchFamily="2" charset="2"/>
+              <a:buChar char="l"/>
+              <a:defRPr/>
+            </a:pPr>
+            <a:r>
+              <a:rPr lang="en-US" altLang="ko-KR" sz="1100" b="1" i="0" dirty="0">
+                <a:solidFill>
+                  <a:srgbClr val="1F2328"/>
+                </a:solidFill>
+                <a:effectLst/>
+                <a:latin typeface="-apple-system"/>
+              </a:rPr>
+              <a:t>ID [</a:t>
+            </a:r>
+            <a:r>
+              <a:rPr lang="ko-KR" altLang="en-US" sz="1100" b="1" i="0" dirty="0">
+                <a:solidFill>
+                  <a:srgbClr val="1F2328"/>
+                </a:solidFill>
+                <a:effectLst/>
+                <a:latin typeface="-apple-system"/>
+              </a:rPr>
+              <a:t>아이디</a:t>
+            </a:r>
+            <a:r>
+              <a:rPr lang="en-US" altLang="ko-KR" sz="1100" b="1" i="0" dirty="0">
+                <a:solidFill>
+                  <a:srgbClr val="1F2328"/>
+                </a:solidFill>
+                <a:effectLst/>
+                <a:latin typeface="-apple-system"/>
+              </a:rPr>
+              <a:t>]</a:t>
+            </a:r>
+          </a:p>
+          <a:p>
+            <a:pPr marL="285750" indent="-285750" eaLnBrk="0" latinLnBrk="0" hangingPunct="0">
+              <a:lnSpc>
+                <a:spcPct val="120000"/>
+              </a:lnSpc>
+              <a:buFont typeface="Wingdings" panose="05000000000000000000" pitchFamily="2" charset="2"/>
+              <a:buChar char="l"/>
+              <a:defRPr/>
+            </a:pPr>
+            <a:r>
+              <a:rPr lang="en-US" altLang="ko-KR" sz="1100" b="1" i="0" dirty="0">
+                <a:solidFill>
+                  <a:srgbClr val="1F2328"/>
+                </a:solidFill>
+                <a:effectLst/>
+                <a:latin typeface="-apple-system"/>
+              </a:rPr>
+              <a:t>PW [</a:t>
+            </a:r>
+            <a:r>
+              <a:rPr lang="ko-KR" altLang="en-US" sz="1100" b="1" i="0" dirty="0">
+                <a:solidFill>
+                  <a:srgbClr val="1F2328"/>
+                </a:solidFill>
+                <a:effectLst/>
+                <a:latin typeface="-apple-system"/>
+              </a:rPr>
+              <a:t>암호</a:t>
+            </a:r>
+            <a:r>
+              <a:rPr lang="en-US" altLang="ko-KR" sz="1100" b="1" i="0" dirty="0">
+                <a:solidFill>
+                  <a:srgbClr val="1F2328"/>
+                </a:solidFill>
+                <a:effectLst/>
+                <a:latin typeface="-apple-system"/>
+              </a:rPr>
+              <a:t>]</a:t>
+            </a:r>
+          </a:p>
+          <a:p>
+            <a:pPr marL="285750" indent="-285750" eaLnBrk="0" latinLnBrk="0" hangingPunct="0">
+              <a:lnSpc>
+                <a:spcPct val="120000"/>
+              </a:lnSpc>
+              <a:buFont typeface="Wingdings" panose="05000000000000000000" pitchFamily="2" charset="2"/>
+              <a:buChar char="l"/>
+              <a:defRPr/>
+            </a:pPr>
+            <a:r>
+              <a:rPr lang="en-US" altLang="ko-KR" sz="1100" b="1" i="0" dirty="0">
+                <a:solidFill>
+                  <a:srgbClr val="1F2328"/>
+                </a:solidFill>
+                <a:effectLst/>
+                <a:latin typeface="-apple-system"/>
+              </a:rPr>
+              <a:t>NICKNAME [</a:t>
+            </a:r>
+            <a:r>
+              <a:rPr lang="ko-KR" altLang="en-US" sz="1100" b="1" i="0" dirty="0">
+                <a:solidFill>
+                  <a:srgbClr val="1F2328"/>
+                </a:solidFill>
+                <a:effectLst/>
+                <a:latin typeface="-apple-system"/>
+              </a:rPr>
+              <a:t>별명</a:t>
+            </a:r>
+            <a:r>
+              <a:rPr lang="en-US" altLang="ko-KR" sz="1100" b="1" i="0" dirty="0">
+                <a:solidFill>
+                  <a:srgbClr val="1F2328"/>
+                </a:solidFill>
+                <a:effectLst/>
+                <a:latin typeface="-apple-system"/>
+              </a:rPr>
+              <a:t>]</a:t>
+            </a:r>
+          </a:p>
+          <a:p>
+            <a:pPr marL="285750" indent="-285750" eaLnBrk="0" latinLnBrk="0" hangingPunct="0">
+              <a:lnSpc>
+                <a:spcPct val="120000"/>
+              </a:lnSpc>
+              <a:buFont typeface="Wingdings" panose="05000000000000000000" pitchFamily="2" charset="2"/>
+              <a:buChar char="l"/>
+              <a:defRPr/>
+            </a:pPr>
+            <a:r>
+              <a:rPr lang="en-US" altLang="ko-KR" sz="1100" b="1" i="0" dirty="0">
+                <a:solidFill>
+                  <a:srgbClr val="1F2328"/>
+                </a:solidFill>
+                <a:effectLst/>
+                <a:latin typeface="-apple-system"/>
+              </a:rPr>
+              <a:t>GRADE [</a:t>
+            </a:r>
+            <a:r>
+              <a:rPr lang="ko-KR" altLang="en-US" sz="1100" b="1" i="0" dirty="0">
+                <a:solidFill>
+                  <a:srgbClr val="1F2328"/>
+                </a:solidFill>
+                <a:effectLst/>
+                <a:latin typeface="-apple-system"/>
+              </a:rPr>
+              <a:t>회원등급</a:t>
+            </a:r>
+            <a:r>
+              <a:rPr lang="en-US" altLang="ko-KR" sz="1100" b="1" i="0" dirty="0">
+                <a:solidFill>
+                  <a:srgbClr val="1F2328"/>
+                </a:solidFill>
+                <a:effectLst/>
+                <a:latin typeface="-apple-system"/>
+              </a:rPr>
+              <a:t>]</a:t>
+            </a:r>
+          </a:p>
+          <a:p>
+            <a:pPr marL="285750" indent="-285750" eaLnBrk="0" latinLnBrk="0" hangingPunct="0">
+              <a:lnSpc>
+                <a:spcPct val="120000"/>
+              </a:lnSpc>
+              <a:buFont typeface="Wingdings" panose="05000000000000000000" pitchFamily="2" charset="2"/>
+              <a:buChar char="l"/>
+              <a:defRPr/>
+            </a:pPr>
+            <a:endParaRPr lang="en-US" altLang="ko-KR" sz="1200" b="1" i="0" dirty="0">
               <a:solidFill>
                 <a:srgbClr val="1F2328"/>
               </a:solidFill>
@@ -17643,25 +18856,521 @@
                 <a:effectLst/>
                 <a:latin typeface="-apple-system"/>
               </a:rPr>
-              <a:t>Post - </a:t>
+              <a:t>Post </a:t>
             </a:r>
+            <a:endParaRPr lang="en-US" altLang="ko-KR" sz="1400" b="1" i="1" dirty="0">
+              <a:solidFill>
+                <a:srgbClr val="1F2328"/>
+              </a:solidFill>
+              <a:latin typeface="-apple-system"/>
+            </a:endParaRPr>
+          </a:p>
+          <a:p>
+            <a:pPr eaLnBrk="0" latinLnBrk="0" hangingPunct="0">
+              <a:lnSpc>
+                <a:spcPct val="120000"/>
+              </a:lnSpc>
+              <a:defRPr/>
+            </a:pPr>
             <a:r>
-              <a:rPr lang="ko-KR" altLang="en-US" sz="1400" b="1" i="0">
+              <a:rPr lang="en-US" altLang="ko-KR" sz="1200" b="1" i="1" u="none" strike="noStrike" dirty="0">
                 <a:solidFill>
                   <a:srgbClr val="1F2328"/>
                 </a:solidFill>
                 <a:effectLst/>
                 <a:latin typeface="-apple-system"/>
               </a:rPr>
-              <a:t>작성한 게시물을 저장하는 게시물 테이블</a:t>
+              <a:t> </a:t>
             </a:r>
-            <a:endParaRPr lang="en-US" altLang="ko-KR" sz="1400" b="1" i="0">
+            <a:r>
+              <a:rPr lang="ko-KR" altLang="en-US" sz="1200" b="1" i="0" dirty="0">
+                <a:solidFill>
+                  <a:srgbClr val="1F2328"/>
+                </a:solidFill>
+                <a:effectLst/>
+                <a:latin typeface="-apple-system"/>
+              </a:rPr>
+              <a:t>작성한 게시물을 저장하는 테이블</a:t>
+            </a:r>
+            <a:endParaRPr lang="en-US" altLang="ko-KR" sz="1200" b="1" i="0" dirty="0">
               <a:solidFill>
                 <a:srgbClr val="1F2328"/>
               </a:solidFill>
               <a:effectLst/>
               <a:latin typeface="-apple-system"/>
             </a:endParaRPr>
+          </a:p>
+          <a:p>
+            <a:pPr marL="285750" indent="-285750" eaLnBrk="0" latinLnBrk="0" hangingPunct="0">
+              <a:lnSpc>
+                <a:spcPct val="120000"/>
+              </a:lnSpc>
+              <a:buFont typeface="Wingdings" panose="05000000000000000000" pitchFamily="2" charset="2"/>
+              <a:buChar char="l"/>
+              <a:defRPr/>
+            </a:pPr>
+            <a:endParaRPr lang="en-US" altLang="ko-KR" sz="1400" b="1" i="0" dirty="0">
+              <a:solidFill>
+                <a:srgbClr val="1F2328"/>
+              </a:solidFill>
+              <a:effectLst/>
+              <a:latin typeface="-apple-system"/>
+            </a:endParaRPr>
+          </a:p>
+          <a:p>
+            <a:pPr marL="285750" indent="-285750" eaLnBrk="0" latinLnBrk="0" hangingPunct="0">
+              <a:lnSpc>
+                <a:spcPct val="120000"/>
+              </a:lnSpc>
+              <a:buFont typeface="Wingdings" panose="05000000000000000000" pitchFamily="2" charset="2"/>
+              <a:buChar char="ü"/>
+              <a:defRPr/>
+            </a:pPr>
+            <a:r>
+              <a:rPr lang="en-US" altLang="ko-KR" sz="1100" b="1" i="0" dirty="0">
+                <a:solidFill>
+                  <a:srgbClr val="1F2328"/>
+                </a:solidFill>
+                <a:effectLst/>
+                <a:latin typeface="-apple-system"/>
+              </a:rPr>
+              <a:t>NUM[</a:t>
+            </a:r>
+            <a:r>
+              <a:rPr lang="ko-KR" altLang="en-US" sz="1100" b="1" i="0" dirty="0">
+                <a:solidFill>
+                  <a:srgbClr val="1F2328"/>
+                </a:solidFill>
+                <a:effectLst/>
+                <a:latin typeface="-apple-system"/>
+              </a:rPr>
+              <a:t>게시판 번호</a:t>
+            </a:r>
+            <a:r>
+              <a:rPr lang="en-US" altLang="ko-KR" sz="1100" b="1" dirty="0">
+                <a:solidFill>
+                  <a:srgbClr val="1F2328"/>
+                </a:solidFill>
+                <a:latin typeface="-apple-system"/>
+              </a:rPr>
+              <a:t>]</a:t>
+            </a:r>
+            <a:r>
+              <a:rPr lang="en-US" altLang="ko-KR" sz="1100" b="1" i="0" dirty="0">
+                <a:solidFill>
+                  <a:srgbClr val="1F2328"/>
+                </a:solidFill>
+                <a:effectLst/>
+                <a:latin typeface="-apple-system"/>
+              </a:rPr>
+              <a:t> [ </a:t>
+            </a:r>
+            <a:r>
+              <a:rPr lang="ko-KR" altLang="en-US" sz="1100" b="1" i="0" dirty="0">
+                <a:solidFill>
+                  <a:srgbClr val="1F2328"/>
+                </a:solidFill>
+                <a:effectLst/>
+                <a:latin typeface="-apple-system"/>
+              </a:rPr>
+              <a:t>기본 키 </a:t>
+            </a:r>
+            <a:r>
+              <a:rPr lang="en-US" altLang="ko-KR" sz="1100" b="1" i="0" dirty="0">
+                <a:solidFill>
+                  <a:srgbClr val="1F2328"/>
+                </a:solidFill>
+                <a:effectLst/>
+                <a:latin typeface="-apple-system"/>
+              </a:rPr>
+              <a:t>]</a:t>
+            </a:r>
+          </a:p>
+          <a:p>
+            <a:pPr marL="285750" indent="-285750" eaLnBrk="0" latinLnBrk="0" hangingPunct="0">
+              <a:lnSpc>
+                <a:spcPct val="120000"/>
+              </a:lnSpc>
+              <a:buFont typeface="Wingdings" panose="05000000000000000000" pitchFamily="2" charset="2"/>
+              <a:buChar char="ü"/>
+              <a:defRPr/>
+            </a:pPr>
+            <a:r>
+              <a:rPr lang="en-US" altLang="ko-KR" sz="1100" b="1" i="0" dirty="0">
+                <a:solidFill>
+                  <a:srgbClr val="1F2328"/>
+                </a:solidFill>
+                <a:effectLst/>
+                <a:latin typeface="-apple-system"/>
+              </a:rPr>
+              <a:t>ID [</a:t>
+            </a:r>
+            <a:r>
+              <a:rPr lang="ko-KR" altLang="en-US" sz="1100" b="1" i="0" dirty="0">
+                <a:solidFill>
+                  <a:srgbClr val="1F2328"/>
+                </a:solidFill>
+                <a:effectLst/>
+                <a:latin typeface="-apple-system"/>
+              </a:rPr>
+              <a:t>아이디</a:t>
+            </a:r>
+            <a:r>
+              <a:rPr lang="en-US" altLang="ko-KR" sz="1100" b="1" i="0" dirty="0">
+                <a:solidFill>
+                  <a:srgbClr val="1F2328"/>
+                </a:solidFill>
+                <a:effectLst/>
+                <a:latin typeface="-apple-system"/>
+              </a:rPr>
+              <a:t>]</a:t>
+            </a:r>
+          </a:p>
+          <a:p>
+            <a:pPr marL="285750" indent="-285750" eaLnBrk="0" latinLnBrk="0" hangingPunct="0">
+              <a:lnSpc>
+                <a:spcPct val="120000"/>
+              </a:lnSpc>
+              <a:buFont typeface="Wingdings" panose="05000000000000000000" pitchFamily="2" charset="2"/>
+              <a:buChar char="ü"/>
+              <a:defRPr/>
+            </a:pPr>
+            <a:r>
+              <a:rPr lang="en-US" altLang="ko-KR" sz="1100" b="1" i="0" dirty="0">
+                <a:solidFill>
+                  <a:srgbClr val="1F2328"/>
+                </a:solidFill>
+                <a:effectLst/>
+                <a:latin typeface="-apple-system"/>
+              </a:rPr>
+              <a:t>NICNAME[</a:t>
+            </a:r>
+            <a:r>
+              <a:rPr lang="ko-KR" altLang="en-US" sz="1100" b="1" i="0" dirty="0">
+                <a:solidFill>
+                  <a:srgbClr val="1F2328"/>
+                </a:solidFill>
+                <a:effectLst/>
+                <a:latin typeface="-apple-system"/>
+              </a:rPr>
+              <a:t>사용자 닉네임</a:t>
+            </a:r>
+            <a:r>
+              <a:rPr lang="en-US" altLang="ko-KR" sz="1100" b="1" i="0" dirty="0">
+                <a:solidFill>
+                  <a:srgbClr val="1F2328"/>
+                </a:solidFill>
+                <a:effectLst/>
+                <a:latin typeface="-apple-system"/>
+              </a:rPr>
+              <a:t>]</a:t>
+            </a:r>
+          </a:p>
+          <a:p>
+            <a:pPr marL="285750" indent="-285750" eaLnBrk="0" latinLnBrk="0" hangingPunct="0">
+              <a:lnSpc>
+                <a:spcPct val="120000"/>
+              </a:lnSpc>
+              <a:buFont typeface="Wingdings" panose="05000000000000000000" pitchFamily="2" charset="2"/>
+              <a:buChar char="ü"/>
+              <a:defRPr/>
+            </a:pPr>
+            <a:r>
+              <a:rPr lang="en-US" altLang="ko-KR" sz="1100" b="1" i="0" dirty="0">
+                <a:solidFill>
+                  <a:srgbClr val="1F2328"/>
+                </a:solidFill>
+                <a:effectLst/>
+                <a:latin typeface="-apple-system"/>
+              </a:rPr>
+              <a:t>title[</a:t>
+            </a:r>
+            <a:r>
+              <a:rPr lang="ko-KR" altLang="en-US" sz="1100" b="1" i="0" dirty="0">
+                <a:solidFill>
+                  <a:srgbClr val="1F2328"/>
+                </a:solidFill>
+                <a:effectLst/>
+                <a:latin typeface="-apple-system"/>
+              </a:rPr>
+              <a:t>글 제목</a:t>
+            </a:r>
+            <a:r>
+              <a:rPr lang="en-US" altLang="ko-KR" sz="1100" b="1" i="0" dirty="0">
+                <a:solidFill>
+                  <a:srgbClr val="1F2328"/>
+                </a:solidFill>
+                <a:effectLst/>
+                <a:latin typeface="-apple-system"/>
+              </a:rPr>
+              <a:t>]</a:t>
+            </a:r>
+          </a:p>
+          <a:p>
+            <a:pPr marL="285750" indent="-285750" eaLnBrk="0" latinLnBrk="0" hangingPunct="0">
+              <a:lnSpc>
+                <a:spcPct val="120000"/>
+              </a:lnSpc>
+              <a:buFont typeface="Wingdings" panose="05000000000000000000" pitchFamily="2" charset="2"/>
+              <a:buChar char="ü"/>
+              <a:defRPr/>
+            </a:pPr>
+            <a:r>
+              <a:rPr lang="en-US" altLang="ko-KR" sz="1100" b="1" i="0" dirty="0">
+                <a:solidFill>
+                  <a:srgbClr val="1F2328"/>
+                </a:solidFill>
+                <a:effectLst/>
+                <a:latin typeface="-apple-system"/>
+              </a:rPr>
+              <a:t>Content[</a:t>
+            </a:r>
+            <a:r>
+              <a:rPr lang="ko-KR" altLang="en-US" sz="1100" b="1" i="0" dirty="0">
+                <a:solidFill>
+                  <a:srgbClr val="1F2328"/>
+                </a:solidFill>
+                <a:effectLst/>
+                <a:latin typeface="-apple-system"/>
+              </a:rPr>
+              <a:t>글 내용</a:t>
+            </a:r>
+            <a:r>
+              <a:rPr lang="en-US" altLang="ko-KR" sz="1100" b="1" dirty="0">
+                <a:solidFill>
+                  <a:srgbClr val="1F2328"/>
+                </a:solidFill>
+                <a:latin typeface="-apple-system"/>
+              </a:rPr>
+              <a:t>]</a:t>
+            </a:r>
+            <a:endParaRPr lang="en-US" altLang="ko-KR" sz="1100" b="1" i="0" dirty="0">
+              <a:solidFill>
+                <a:srgbClr val="1F2328"/>
+              </a:solidFill>
+              <a:effectLst/>
+              <a:latin typeface="-apple-system"/>
+            </a:endParaRPr>
+          </a:p>
+          <a:p>
+            <a:pPr marL="285750" indent="-285750" eaLnBrk="0" latinLnBrk="0" hangingPunct="0">
+              <a:lnSpc>
+                <a:spcPct val="120000"/>
+              </a:lnSpc>
+              <a:buFont typeface="Wingdings" panose="05000000000000000000" pitchFamily="2" charset="2"/>
+              <a:buChar char="ü"/>
+              <a:defRPr/>
+            </a:pPr>
+            <a:r>
+              <a:rPr lang="en-US" altLang="ko-KR" sz="1100" b="1" i="0" dirty="0">
+                <a:solidFill>
+                  <a:srgbClr val="1F2328"/>
+                </a:solidFill>
+                <a:effectLst/>
+                <a:latin typeface="-apple-system"/>
+              </a:rPr>
+              <a:t>cate[</a:t>
+            </a:r>
+            <a:r>
+              <a:rPr lang="ko-KR" altLang="en-US" sz="1100" b="1" i="0" dirty="0">
+                <a:solidFill>
+                  <a:srgbClr val="1F2328"/>
+                </a:solidFill>
+                <a:effectLst/>
+                <a:latin typeface="-apple-system"/>
+              </a:rPr>
+              <a:t>카테고리</a:t>
+            </a:r>
+            <a:r>
+              <a:rPr lang="en-US" altLang="ko-KR" sz="1100" b="1" i="0" dirty="0">
+                <a:solidFill>
+                  <a:srgbClr val="1F2328"/>
+                </a:solidFill>
+                <a:effectLst/>
+                <a:latin typeface="-apple-system"/>
+              </a:rPr>
+              <a:t>/ </a:t>
+            </a:r>
+            <a:r>
+              <a:rPr lang="ko-KR" altLang="en-US" sz="1100" b="1" i="0" dirty="0">
+                <a:solidFill>
+                  <a:srgbClr val="1F2328"/>
+                </a:solidFill>
+                <a:effectLst/>
+                <a:latin typeface="-apple-system"/>
+              </a:rPr>
+              <a:t>게시판분류</a:t>
+            </a:r>
+            <a:r>
+              <a:rPr lang="en-US" altLang="ko-KR" sz="1100" b="1" i="0" dirty="0">
+                <a:solidFill>
+                  <a:srgbClr val="1F2328"/>
+                </a:solidFill>
+                <a:effectLst/>
+                <a:latin typeface="-apple-system"/>
+              </a:rPr>
+              <a:t>]</a:t>
+            </a:r>
+          </a:p>
+          <a:p>
+            <a:pPr marL="285750" indent="-285750" eaLnBrk="0" latinLnBrk="0" hangingPunct="0">
+              <a:lnSpc>
+                <a:spcPct val="120000"/>
+              </a:lnSpc>
+              <a:buFont typeface="Wingdings" panose="05000000000000000000" pitchFamily="2" charset="2"/>
+              <a:buChar char="ü"/>
+              <a:defRPr/>
+            </a:pPr>
+            <a:r>
+              <a:rPr lang="en-US" altLang="ko-KR" sz="1100" b="1" i="0" dirty="0">
+                <a:solidFill>
+                  <a:srgbClr val="1F2328"/>
+                </a:solidFill>
+                <a:effectLst/>
+                <a:latin typeface="-apple-system"/>
+              </a:rPr>
+              <a:t>FILE_ID[</a:t>
+            </a:r>
+            <a:r>
+              <a:rPr lang="ko-KR" altLang="en-US" sz="1100" b="1" i="0" dirty="0">
+                <a:solidFill>
+                  <a:srgbClr val="1F2328"/>
+                </a:solidFill>
+                <a:effectLst/>
+                <a:latin typeface="-apple-system"/>
+              </a:rPr>
+              <a:t>원본 파일명</a:t>
+            </a:r>
+            <a:r>
+              <a:rPr lang="en-US" altLang="ko-KR" sz="1100" b="1" i="0" dirty="0">
+                <a:solidFill>
+                  <a:srgbClr val="1F2328"/>
+                </a:solidFill>
+                <a:effectLst/>
+                <a:latin typeface="-apple-system"/>
+              </a:rPr>
+              <a:t>]</a:t>
+            </a:r>
+          </a:p>
+          <a:p>
+            <a:pPr marL="285750" indent="-285750" eaLnBrk="0" latinLnBrk="0" hangingPunct="0">
+              <a:lnSpc>
+                <a:spcPct val="120000"/>
+              </a:lnSpc>
+              <a:buFont typeface="Wingdings" panose="05000000000000000000" pitchFamily="2" charset="2"/>
+              <a:buChar char="ü"/>
+              <a:defRPr/>
+            </a:pPr>
+            <a:r>
+              <a:rPr lang="en-US" altLang="ko-KR" sz="1100" b="1" i="0" dirty="0">
+                <a:solidFill>
+                  <a:srgbClr val="1F2328"/>
+                </a:solidFill>
+                <a:effectLst/>
+                <a:latin typeface="-apple-system"/>
+              </a:rPr>
+              <a:t>FILE_NAME[</a:t>
+            </a:r>
+            <a:r>
+              <a:rPr lang="ko-KR" altLang="en-US" sz="1100" b="1" i="0" dirty="0">
+                <a:solidFill>
+                  <a:srgbClr val="1F2328"/>
+                </a:solidFill>
+                <a:effectLst/>
+                <a:latin typeface="-apple-system"/>
+              </a:rPr>
+              <a:t>저장 파일명</a:t>
+            </a:r>
+            <a:r>
+              <a:rPr lang="en-US" altLang="ko-KR" sz="1100" b="1" i="0" dirty="0">
+                <a:solidFill>
+                  <a:srgbClr val="1F2328"/>
+                </a:solidFill>
+                <a:effectLst/>
+                <a:latin typeface="-apple-system"/>
+              </a:rPr>
+              <a:t>]</a:t>
+            </a:r>
+          </a:p>
+          <a:p>
+            <a:pPr marL="285750" indent="-285750" eaLnBrk="0" latinLnBrk="0" hangingPunct="0">
+              <a:lnSpc>
+                <a:spcPct val="120000"/>
+              </a:lnSpc>
+              <a:buFont typeface="Wingdings" panose="05000000000000000000" pitchFamily="2" charset="2"/>
+              <a:buChar char="ü"/>
+              <a:defRPr/>
+            </a:pPr>
+            <a:r>
+              <a:rPr lang="en-US" altLang="ko-KR" sz="1100" b="1" i="0" dirty="0">
+                <a:solidFill>
+                  <a:srgbClr val="1F2328"/>
+                </a:solidFill>
+                <a:effectLst/>
+                <a:latin typeface="-apple-system"/>
+              </a:rPr>
+              <a:t>POSTDATE[</a:t>
+            </a:r>
+            <a:r>
+              <a:rPr lang="ko-KR" altLang="en-US" sz="1100" b="1" i="0" dirty="0">
+                <a:solidFill>
+                  <a:srgbClr val="1F2328"/>
+                </a:solidFill>
+                <a:effectLst/>
+                <a:latin typeface="-apple-system"/>
+              </a:rPr>
+              <a:t>저장된 날짜</a:t>
+            </a:r>
+            <a:r>
+              <a:rPr lang="en-US" altLang="ko-KR" sz="1100" b="1" i="0" dirty="0">
+                <a:solidFill>
+                  <a:srgbClr val="1F2328"/>
+                </a:solidFill>
+                <a:effectLst/>
+                <a:latin typeface="-apple-system"/>
+              </a:rPr>
+              <a:t>]</a:t>
+            </a:r>
+          </a:p>
+          <a:p>
+            <a:pPr marL="285750" indent="-285750" eaLnBrk="0" latinLnBrk="0" hangingPunct="0">
+              <a:lnSpc>
+                <a:spcPct val="120000"/>
+              </a:lnSpc>
+              <a:buFont typeface="Wingdings" panose="05000000000000000000" pitchFamily="2" charset="2"/>
+              <a:buChar char="ü"/>
+              <a:defRPr/>
+            </a:pPr>
+            <a:r>
+              <a:rPr lang="en-US" altLang="ko-KR" sz="1100" b="1" i="0" dirty="0">
+                <a:solidFill>
+                  <a:srgbClr val="1F2328"/>
+                </a:solidFill>
+                <a:effectLst/>
+                <a:latin typeface="-apple-system"/>
+              </a:rPr>
+              <a:t>VISIT_COUNT[</a:t>
+            </a:r>
+            <a:r>
+              <a:rPr lang="ko-KR" altLang="en-US" sz="1100" b="1" i="0" dirty="0">
+                <a:solidFill>
+                  <a:srgbClr val="1F2328"/>
+                </a:solidFill>
+                <a:effectLst/>
+                <a:latin typeface="-apple-system"/>
+              </a:rPr>
+              <a:t>글 방문자</a:t>
+            </a:r>
+            <a:r>
+              <a:rPr lang="en-US" altLang="ko-KR" sz="1100" b="1" i="0" dirty="0">
+                <a:solidFill>
+                  <a:srgbClr val="1F2328"/>
+                </a:solidFill>
+                <a:effectLst/>
+                <a:latin typeface="-apple-system"/>
+              </a:rPr>
+              <a:t>]</a:t>
+            </a:r>
           </a:p>
           <a:p>
             <a:pPr marL="285750" indent="-285750" eaLnBrk="0" latinLnBrk="0" hangingPunct="0">

--- a/presentation/따릉따릉이.pptx
+++ b/presentation/따릉따릉이.pptx
@@ -769,7 +769,7 @@
         </p:nvSpPr>
         <p:spPr>
           <a:xfrm>
-            <a:off x="3654580" y="6432202"/>
+            <a:off x="4724400" y="6492875"/>
             <a:ext cx="2743200" cy="365125"/>
           </a:xfrm>
           <a:prstGeom prst="rect">
@@ -779,7 +779,7 @@
         <p:txBody>
           <a:bodyPr vert="horz" lIns="91440" tIns="45720" rIns="91440" bIns="45720" rtlCol="0" anchor="ctr"/>
           <a:lstStyle>
-            <a:lvl1pPr algn="r">
+            <a:lvl1pPr algn="ctr">
               <a:defRPr sz="1200">
                 <a:solidFill>
                   <a:schemeClr val="tx1">
@@ -796,8 +796,12 @@
               <a:t>‹#›</a:t>
             </a:fld>
             <a:r>
+              <a:rPr lang="ko-KR" altLang="en-US" dirty="0"/>
+              <a:t> </a:t>
+            </a:r>
+            <a:r>
               <a:rPr lang="en-US" altLang="ko-KR" dirty="0"/>
-              <a:t>/30</a:t>
+              <a:t>/ 3</a:t>
             </a:r>
             <a:endParaRPr lang="ko-KR" altLang="en-US" dirty="0"/>
           </a:p>
@@ -3414,7 +3418,7 @@
           <p:nvPr>
             <p:extLst>
               <p:ext uri="{D42A27DB-BD31-4B8C-83A1-F6EECF244321}">
-                <p14:modId xmlns:p14="http://schemas.microsoft.com/office/powerpoint/2010/main" val="1036895361"/>
+                <p14:modId xmlns:p14="http://schemas.microsoft.com/office/powerpoint/2010/main" val="3408390354"/>
               </p:ext>
             </p:extLst>
           </p:nvPr>
@@ -3492,8 +3496,8 @@
                   </a:extLst>
                 </a:gridCol>
               </a:tblGrid>
-              <a:tr h="338318">
-                <a:tc rowSpan="2">
+              <a:tr h="676636">
+                <a:tc>
                   <a:txBody>
                     <a:bodyPr/>
                     <a:lstStyle/>
@@ -3511,7 +3515,7 @@
                         <a:defRPr/>
                       </a:pPr>
                       <a:r>
-                        <a:rPr lang="ko-KR" altLang="en-US" sz="1200" b="1" kern="0" spc="0">
+                        <a:rPr lang="ko-KR" altLang="en-US" sz="1200" b="1" kern="0" spc="0" dirty="0" err="1">
                           <a:solidFill>
                             <a:srgbClr val="000000"/>
                           </a:solidFill>
@@ -3522,7 +3526,7 @@
                         </a:rPr>
                         <a:t>팀명</a:t>
                       </a:r>
-                      <a:endParaRPr lang="ko-KR" altLang="en-US" sz="1200" kern="0" spc="0">
+                      <a:endParaRPr lang="ko-KR" altLang="en-US" sz="1200" kern="0" spc="0" dirty="0">
                         <a:solidFill>
                           <a:srgbClr val="000000"/>
                         </a:solidFill>
@@ -3534,14 +3538,14 @@
                     </a:p>
                   </a:txBody>
                   <a:tcPr marL="46713" marR="46713" marT="12915" marB="12915" anchor="ctr">
-                    <a:lnL w="3556" cap="flat" cmpd="sng" algn="ctr">
-                      <a:solidFill>
-                        <a:srgbClr val="000000"/>
-                      </a:solidFill>
-                      <a:prstDash val="solid"/>
-                      <a:round/>
-                      <a:headEnd w="med" len="med"/>
-                      <a:tailEnd w="med" len="med"/>
+                    <a:lnL w="12700" cap="flat" cmpd="sng" algn="ctr">
+                      <a:solidFill>
+                        <a:schemeClr val="tx1"/>
+                      </a:solidFill>
+                      <a:prstDash val="solid"/>
+                      <a:round/>
+                      <a:headEnd type="none" w="med" len="med"/>
+                      <a:tailEnd type="none" w="med" len="med"/>
                     </a:lnL>
                     <a:lnR w="12700" cap="flat" cmpd="sng" algn="ctr">
                       <a:solidFill>
@@ -3555,14 +3559,14 @@
                       <a:headEnd w="med" len="med"/>
                       <a:tailEnd w="med" len="med"/>
                     </a:lnR>
-                    <a:lnT w="3556" cap="flat" cmpd="sng" algn="ctr">
-                      <a:solidFill>
-                        <a:srgbClr val="000000"/>
-                      </a:solidFill>
-                      <a:prstDash val="solid"/>
-                      <a:round/>
-                      <a:headEnd w="med" len="med"/>
-                      <a:tailEnd w="med" len="med"/>
+                    <a:lnT w="12700" cap="flat" cmpd="sng" algn="ctr">
+                      <a:solidFill>
+                        <a:schemeClr val="tx1"/>
+                      </a:solidFill>
+                      <a:prstDash val="solid"/>
+                      <a:round/>
+                      <a:headEnd type="none" w="med" len="med"/>
+                      <a:tailEnd type="none" w="med" len="med"/>
                     </a:lnT>
                     <a:lnB w="7112" cap="flat" cmpd="sng" algn="ctr">
                       <a:solidFill>
@@ -3580,7 +3584,7 @@
                     </a:solidFill>
                   </a:tcPr>
                 </a:tc>
-                <a:tc rowSpan="2" gridSpan="6">
+                <a:tc gridSpan="6">
                   <a:txBody>
                     <a:bodyPr/>
                     <a:lstStyle/>
@@ -3633,14 +3637,14 @@
                       <a:headEnd w="med" len="med"/>
                       <a:tailEnd w="med" len="med"/>
                     </a:lnR>
-                    <a:lnT w="3556" cap="flat" cmpd="sng" algn="ctr">
-                      <a:solidFill>
-                        <a:srgbClr val="000000"/>
-                      </a:solidFill>
-                      <a:prstDash val="solid"/>
-                      <a:round/>
-                      <a:headEnd w="med" len="med"/>
-                      <a:tailEnd w="med" len="med"/>
+                    <a:lnT w="12700" cap="flat" cmpd="sng" algn="ctr">
+                      <a:solidFill>
+                        <a:schemeClr val="tx1"/>
+                      </a:solidFill>
+                      <a:prstDash val="solid"/>
+                      <a:round/>
+                      <a:headEnd type="none" w="med" len="med"/>
+                      <a:tailEnd type="none" w="med" len="med"/>
                     </a:lnT>
                     <a:lnB w="7112" cap="flat" cmpd="sng" algn="ctr">
                       <a:solidFill>
@@ -3653,7 +3657,7 @@
                     </a:lnB>
                   </a:tcPr>
                 </a:tc>
-                <a:tc rowSpan="2" hMerge="1">
+                <a:tc hMerge="1">
                   <a:txBody>
                     <a:bodyPr/>
                     <a:lstStyle/>
@@ -3666,7 +3670,7 @@
                   </a:txBody>
                   <a:tcPr/>
                 </a:tc>
-                <a:tc rowSpan="2" hMerge="1">
+                <a:tc hMerge="1">
                   <a:txBody>
                     <a:bodyPr/>
                     <a:lstStyle/>
@@ -3735,7 +3739,7 @@
                     </a:lnB>
                   </a:tcPr>
                 </a:tc>
-                <a:tc rowSpan="2" hMerge="1">
+                <a:tc hMerge="1">
                   <a:txBody>
                     <a:bodyPr/>
                     <a:lstStyle/>
@@ -3748,7 +3752,7 @@
                   </a:txBody>
                   <a:tcPr/>
                 </a:tc>
-                <a:tc rowSpan="2" hMerge="1">
+                <a:tc hMerge="1">
                   <a:txBody>
                     <a:bodyPr/>
                     <a:lstStyle/>
@@ -3761,7 +3765,7 @@
                   </a:txBody>
                   <a:tcPr/>
                 </a:tc>
-                <a:tc rowSpan="2" hMerge="1">
+                <a:tc hMerge="1">
                   <a:txBody>
                     <a:bodyPr/>
                     <a:lstStyle/>
@@ -3774,7 +3778,7 @@
                   </a:txBody>
                   <a:tcPr/>
                 </a:tc>
-                <a:tc rowSpan="2">
+                <a:tc>
                   <a:txBody>
                     <a:bodyPr/>
                     <a:lstStyle/>
@@ -3833,14 +3837,14 @@
                       <a:headEnd w="med" len="med"/>
                       <a:tailEnd w="med" len="med"/>
                     </a:lnR>
-                    <a:lnT w="3556" cap="flat" cmpd="sng" algn="ctr">
-                      <a:solidFill>
-                        <a:srgbClr val="000000"/>
-                      </a:solidFill>
-                      <a:prstDash val="solid"/>
-                      <a:round/>
-                      <a:headEnd w="med" len="med"/>
-                      <a:tailEnd w="med" len="med"/>
+                    <a:lnT w="12700" cap="flat" cmpd="sng" algn="ctr">
+                      <a:solidFill>
+                        <a:schemeClr val="tx1"/>
+                      </a:solidFill>
+                      <a:prstDash val="solid"/>
+                      <a:round/>
+                      <a:headEnd type="none" w="med" len="med"/>
+                      <a:tailEnd type="none" w="med" len="med"/>
                     </a:lnT>
                     <a:lnB w="7112" cap="flat" cmpd="sng" algn="ctr">
                       <a:solidFill>
@@ -3876,7 +3880,7 @@
                         <a:defRPr/>
                       </a:pPr>
                       <a:r>
-                        <a:rPr lang="ko-KR" altLang="en-US" sz="1200" kern="0" spc="0">
+                        <a:rPr lang="ko-KR" altLang="en-US" sz="1200" kern="0" spc="0" dirty="0">
                           <a:solidFill>
                             <a:srgbClr val="000000"/>
                           </a:solidFill>
@@ -3898,23 +3902,23 @@
                       <a:headEnd w="med" len="med"/>
                       <a:tailEnd w="med" len="med"/>
                     </a:lnL>
-                    <a:lnR w="3556" cap="flat" cmpd="sng" algn="ctr">
-                      <a:solidFill>
-                        <a:srgbClr val="000000"/>
-                      </a:solidFill>
-                      <a:prstDash val="solid"/>
-                      <a:round/>
-                      <a:headEnd w="med" len="med"/>
-                      <a:tailEnd w="med" len="med"/>
+                    <a:lnR w="12700" cap="flat" cmpd="sng" algn="ctr">
+                      <a:solidFill>
+                        <a:schemeClr val="tx1"/>
+                      </a:solidFill>
+                      <a:prstDash val="solid"/>
+                      <a:round/>
+                      <a:headEnd type="none" w="med" len="med"/>
+                      <a:tailEnd type="none" w="med" len="med"/>
                     </a:lnR>
-                    <a:lnT w="3556" cap="flat" cmpd="sng" algn="ctr">
-                      <a:solidFill>
-                        <a:srgbClr val="000000"/>
-                      </a:solidFill>
-                      <a:prstDash val="solid"/>
-                      <a:round/>
-                      <a:headEnd w="med" len="med"/>
-                      <a:tailEnd w="med" len="med"/>
+                    <a:lnT w="12700" cap="flat" cmpd="sng" algn="ctr">
+                      <a:solidFill>
+                        <a:schemeClr val="tx1"/>
+                      </a:solidFill>
+                      <a:prstDash val="solid"/>
+                      <a:round/>
+                      <a:headEnd type="none" w="med" len="med"/>
+                      <a:tailEnd type="none" w="med" len="med"/>
                     </a:lnT>
                     <a:lnB w="7112" cap="flat" cmpd="sng" algn="ctr">
                       <a:solidFill>
@@ -3933,112 +3937,8 @@
                   </a:ext>
                 </a:extLst>
               </a:tr>
-              <a:tr h="338318">
-                <a:tc vMerge="1">
-                  <a:txBody>
-                    <a:bodyPr/>
-                    <a:lstStyle/>
-                    <a:p>
-                      <a:pPr latinLnBrk="1">
-                        <a:defRPr/>
-                      </a:pPr>
-                      <a:endParaRPr lang="ko-KR" altLang="en-US"/>
-                    </a:p>
-                  </a:txBody>
-                  <a:tcPr/>
-                </a:tc>
-                <a:tc gridSpan="6" vMerge="1">
-                  <a:txBody>
-                    <a:bodyPr/>
-                    <a:lstStyle/>
-                    <a:p>
-                      <a:pPr latinLnBrk="1">
-                        <a:defRPr/>
-                      </a:pPr>
-                      <a:endParaRPr lang="ko-KR" altLang="en-US"/>
-                    </a:p>
-                  </a:txBody>
-                  <a:tcPr/>
-                </a:tc>
-                <a:tc hMerge="1" vMerge="1">
-                  <a:txBody>
-                    <a:bodyPr/>
-                    <a:lstStyle/>
-                    <a:p>
-                      <a:pPr latinLnBrk="1">
-                        <a:defRPr/>
-                      </a:pPr>
-                      <a:endParaRPr lang="ko-KR" altLang="en-US"/>
-                    </a:p>
-                  </a:txBody>
-                  <a:tcPr/>
-                </a:tc>
-                <a:tc hMerge="1" vMerge="1">
-                  <a:txBody>
-                    <a:bodyPr/>
-                    <a:lstStyle/>
-                    <a:p>
-                      <a:pPr latinLnBrk="1">
-                        <a:defRPr/>
-                      </a:pPr>
-                      <a:endParaRPr lang="ko-KR" altLang="en-US"/>
-                    </a:p>
-                  </a:txBody>
-                  <a:tcPr/>
-                </a:tc>
-                <a:tc hMerge="1" vMerge="1">
-                  <a:txBody>
-                    <a:bodyPr/>
-                    <a:lstStyle/>
-                    <a:p>
-                      <a:pPr latinLnBrk="1">
-                        <a:defRPr/>
-                      </a:pPr>
-                      <a:endParaRPr lang="ko-KR" altLang="en-US"/>
-                    </a:p>
-                  </a:txBody>
-                  <a:tcPr/>
-                </a:tc>
-                <a:tc hMerge="1" vMerge="1">
-                  <a:txBody>
-                    <a:bodyPr/>
-                    <a:lstStyle/>
-                    <a:p>
-                      <a:pPr latinLnBrk="1">
-                        <a:defRPr/>
-                      </a:pPr>
-                      <a:endParaRPr lang="ko-KR" altLang="en-US"/>
-                    </a:p>
-                  </a:txBody>
-                  <a:tcPr/>
-                </a:tc>
-                <a:tc hMerge="1" vMerge="1">
-                  <a:txBody>
-                    <a:bodyPr/>
-                    <a:lstStyle/>
-                    <a:p>
-                      <a:pPr latinLnBrk="1">
-                        <a:defRPr/>
-                      </a:pPr>
-                      <a:endParaRPr lang="ko-KR" altLang="en-US"/>
-                    </a:p>
-                  </a:txBody>
-                  <a:tcPr/>
-                </a:tc>
-                <a:tc vMerge="1">
-                  <a:txBody>
-                    <a:bodyPr/>
-                    <a:lstStyle/>
-                    <a:p>
-                      <a:pPr latinLnBrk="1">
-                        <a:defRPr/>
-                      </a:pPr>
-                      <a:endParaRPr lang="ko-KR" altLang="en-US"/>
-                    </a:p>
-                  </a:txBody>
-                  <a:tcPr/>
-                </a:tc>
-                <a:tc>
+              <a:tr h="492274">
+                <a:tc rowSpan="2" gridSpan="3">
                   <a:txBody>
                     <a:bodyPr/>
                     <a:lstStyle/>
@@ -4055,7 +3955,19 @@
                         </a:spcAft>
                         <a:defRPr/>
                       </a:pPr>
-                      <a:endParaRPr lang="en-US" sz="1200" kern="0" spc="0">
+                      <a:r>
+                        <a:rPr lang="ko-KR" altLang="en-US" sz="1200" b="1" kern="0" spc="0" dirty="0">
+                          <a:solidFill>
+                            <a:srgbClr val="000000"/>
+                          </a:solidFill>
+                          <a:effectLst/>
+                          <a:latin typeface="+mn-ea"/>
+                          <a:ea typeface="+mn-ea"/>
+                          <a:cs typeface="함초롬바탕"/>
+                        </a:rPr>
+                        <a:t>팀원 사진 </a:t>
+                      </a:r>
+                      <a:endParaRPr lang="ko-KR" altLang="en-US" sz="1200" kern="0" spc="0" dirty="0">
                         <a:solidFill>
                           <a:srgbClr val="000000"/>
                         </a:solidFill>
@@ -4067,23 +3979,23 @@
                     </a:p>
                   </a:txBody>
                   <a:tcPr marL="46713" marR="46713" marT="12915" marB="12915" anchor="ctr">
-                    <a:lnL w="7112" cap="flat" cmpd="sng" algn="ctr">
+                    <a:lnL w="12700" cap="flat" cmpd="sng" algn="ctr">
+                      <a:solidFill>
+                        <a:schemeClr val="tx1"/>
+                      </a:solidFill>
+                      <a:prstDash val="solid"/>
+                      <a:round/>
+                      <a:headEnd type="none" w="med" len="med"/>
+                      <a:tailEnd type="none" w="med" len="med"/>
+                    </a:lnL>
+                    <a:lnR w="7112" cap="flat" cmpd="sng" algn="ctr">
                       <a:solidFill>
                         <a:srgbClr val="000000"/>
                       </a:solidFill>
                       <a:prstDash val="solid"/>
                       <a:round/>
-                      <a:headEnd w="med" len="med"/>
-                      <a:tailEnd w="med" len="med"/>
-                    </a:lnL>
-                    <a:lnR w="3556" cap="flat" cmpd="sng" algn="ctr">
-                      <a:solidFill>
-                        <a:srgbClr val="000000"/>
-                      </a:solidFill>
-                      <a:prstDash val="solid"/>
-                      <a:round/>
-                      <a:headEnd w="med" len="med"/>
-                      <a:tailEnd w="med" len="med"/>
+                      <a:headEnd type="none" w="med" len="med"/>
+                      <a:tailEnd type="none" w="med" len="med"/>
                     </a:lnR>
                     <a:lnT w="7112" cap="flat" cmpd="sng" algn="ctr">
                       <a:solidFill>
@@ -4091,12 +4003,12 @@
                       </a:solidFill>
                       <a:prstDash val="solid"/>
                       <a:round/>
-                      <a:headEnd w="med" len="med"/>
-                      <a:tailEnd w="med" len="med"/>
+                      <a:headEnd type="none" w="med" len="med"/>
+                      <a:tailEnd type="none" w="med" len="med"/>
                     </a:lnT>
-                    <a:lnB w="7112" cap="flat" cmpd="sng" algn="ctr">
-                      <a:solidFill>
-                        <a:srgbClr val="000000"/>
+                    <a:lnB w="12700" cap="flat" cmpd="sng" algn="ctr">
+                      <a:solidFill>
+                        <a:schemeClr val="tx1"/>
                       </a:solidFill>
                       <a:prstDash val="solid"/>
                       <a:round/>
@@ -4105,14 +4017,33 @@
                     </a:lnB>
                   </a:tcPr>
                 </a:tc>
-                <a:extLst>
-                  <a:ext uri="{0D108BD9-81ED-4DB2-BD59-A6C34878D82A}">
-                    <a16:rowId xmlns:a16="http://schemas.microsoft.com/office/drawing/2014/main" val="10001"/>
-                  </a:ext>
-                </a:extLst>
-              </a:tr>
-              <a:tr h="492274">
-                <a:tc rowSpan="2" gridSpan="3">
+                <a:tc rowSpan="2" hMerge="1">
+                  <a:txBody>
+                    <a:bodyPr/>
+                    <a:lstStyle/>
+                    <a:p>
+                      <a:pPr latinLnBrk="1">
+                        <a:defRPr/>
+                      </a:pPr>
+                      <a:endParaRPr lang="ko-KR" altLang="en-US"/>
+                    </a:p>
+                  </a:txBody>
+                  <a:tcPr/>
+                </a:tc>
+                <a:tc rowSpan="2" hMerge="1">
+                  <a:txBody>
+                    <a:bodyPr/>
+                    <a:lstStyle/>
+                    <a:p>
+                      <a:pPr latinLnBrk="1">
+                        <a:defRPr/>
+                      </a:pPr>
+                      <a:endParaRPr lang="ko-KR" altLang="en-US"/>
+                    </a:p>
+                  </a:txBody>
+                  <a:tcPr/>
+                </a:tc>
+                <a:tc gridSpan="2">
                   <a:txBody>
                     <a:bodyPr/>
                     <a:lstStyle/>
@@ -4130,7 +4061,7 @@
                         <a:defRPr/>
                       </a:pPr>
                       <a:r>
-                        <a:rPr lang="ko-KR" altLang="en-US" sz="1200" b="1" kern="0" spc="0" dirty="0">
+                        <a:rPr lang="ko-KR" altLang="en-US" sz="1200" b="1" kern="0" spc="0">
                           <a:solidFill>
                             <a:srgbClr val="000000"/>
                           </a:solidFill>
@@ -4139,9 +4070,33 @@
                           <a:ea typeface="+mn-ea"/>
                           <a:cs typeface="함초롬바탕"/>
                         </a:rPr>
-                        <a:t>팀원 사진 </a:t>
-                      </a:r>
-                      <a:endParaRPr lang="ko-KR" altLang="en-US" sz="1200" kern="0" spc="0" dirty="0">
+                        <a:t>팀의 모토</a:t>
+                      </a:r>
+                      <a:r>
+                        <a:rPr lang="en-US" altLang="ko-KR" sz="1200" b="1" kern="0" spc="0">
+                          <a:solidFill>
+                            <a:srgbClr val="000000"/>
+                          </a:solidFill>
+                          <a:effectLst/>
+                          <a:latin typeface="+mn-ea"/>
+                          <a:ea typeface="+mn-ea"/>
+                          <a:cs typeface="함초롬바탕"/>
+                        </a:rPr>
+                        <a:t>(Motto)/</a:t>
+                      </a:r>
+                      <a:r>
+                        <a:rPr lang="ko-KR" altLang="en-US" sz="1200" b="1" kern="0" spc="0">
+                          <a:solidFill>
+                            <a:srgbClr val="000000"/>
+                          </a:solidFill>
+                          <a:effectLst/>
+                          <a:latin typeface="+mn-ea"/>
+                          <a:ea typeface="+mn-ea"/>
+                          <a:cs typeface="함초롬바탕"/>
+                        </a:rPr>
+                        <a:t>구호</a:t>
+                      </a:r>
+                      <a:endParaRPr lang="ko-KR" altLang="en-US" sz="1200" kern="0" spc="0">
                         <a:solidFill>
                           <a:srgbClr val="000000"/>
                         </a:solidFill>
@@ -4153,14 +4108,14 @@
                     </a:p>
                   </a:txBody>
                   <a:tcPr marL="46713" marR="46713" marT="12915" marB="12915" anchor="ctr">
-                    <a:lnL w="3556" cap="flat" cmpd="sng" algn="ctr">
+                    <a:lnL w="7112" cap="flat" cmpd="sng" algn="ctr">
                       <a:solidFill>
                         <a:srgbClr val="000000"/>
                       </a:solidFill>
                       <a:prstDash val="solid"/>
                       <a:round/>
-                      <a:headEnd w="med" len="med"/>
-                      <a:tailEnd w="med" len="med"/>
+                      <a:headEnd type="none" w="med" len="med"/>
+                      <a:tailEnd type="none" w="med" len="med"/>
                     </a:lnL>
                     <a:lnR w="7112" cap="flat" cmpd="sng" algn="ctr">
                       <a:solidFill>
@@ -4168,8 +4123,8 @@
                       </a:solidFill>
                       <a:prstDash val="solid"/>
                       <a:round/>
-                      <a:headEnd w="med" len="med"/>
-                      <a:tailEnd w="med" len="med"/>
+                      <a:headEnd type="none" w="med" len="med"/>
+                      <a:tailEnd type="none" w="med" len="med"/>
                     </a:lnR>
                     <a:lnT w="7112" cap="flat" cmpd="sng" algn="ctr">
                       <a:solidFill>
@@ -4180,9 +4135,9 @@
                       <a:headEnd w="med" len="med"/>
                       <a:tailEnd w="med" len="med"/>
                     </a:lnT>
-                    <a:lnB w="12700" cap="flat" cmpd="sng" algn="ctr">
-                      <a:solidFill>
-                        <a:schemeClr val="tx1"/>
+                    <a:lnB w="7112" cap="flat" cmpd="sng" algn="ctr">
+                      <a:solidFill>
+                        <a:srgbClr val="000000"/>
                       </a:solidFill>
                       <a:prstDash val="solid"/>
                       <a:round/>
@@ -4191,7 +4146,7 @@
                     </a:lnB>
                   </a:tcPr>
                 </a:tc>
-                <a:tc rowSpan="2" hMerge="1">
+                <a:tc hMerge="1">
                   <a:txBody>
                     <a:bodyPr/>
                     <a:lstStyle/>
@@ -4204,20 +4159,7 @@
                   </a:txBody>
                   <a:tcPr/>
                 </a:tc>
-                <a:tc rowSpan="2" hMerge="1">
-                  <a:txBody>
-                    <a:bodyPr/>
-                    <a:lstStyle/>
-                    <a:p>
-                      <a:pPr latinLnBrk="1">
-                        <a:defRPr/>
-                      </a:pPr>
-                      <a:endParaRPr lang="ko-KR" altLang="en-US"/>
-                    </a:p>
-                  </a:txBody>
-                  <a:tcPr/>
-                </a:tc>
-                <a:tc gridSpan="2">
+                <a:tc gridSpan="4">
                   <a:txBody>
                     <a:bodyPr/>
                     <a:lstStyle/>
@@ -4235,7 +4177,7 @@
                         <a:defRPr/>
                       </a:pPr>
                       <a:r>
-                        <a:rPr lang="ko-KR" altLang="en-US" sz="1200" b="1" kern="0" spc="0">
+                        <a:rPr lang="ko-KR" altLang="en-US" sz="1200" b="1" kern="0" spc="0" dirty="0">
                           <a:solidFill>
                             <a:srgbClr val="000000"/>
                           </a:solidFill>
@@ -4244,10 +4186,10 @@
                           <a:ea typeface="+mn-ea"/>
                           <a:cs typeface="함초롬바탕"/>
                         </a:rPr>
-                        <a:t>팀의 모토</a:t>
-                      </a:r>
-                      <a:r>
-                        <a:rPr lang="en-US" altLang="ko-KR" sz="1200" b="1" kern="0" spc="0">
+                        <a:t>팀장 없는 팀</a:t>
+                      </a:r>
+                      <a:r>
+                        <a:rPr lang="en-US" altLang="ko-KR" sz="1200" b="1" kern="0" spc="0" dirty="0">
                           <a:solidFill>
                             <a:srgbClr val="000000"/>
                           </a:solidFill>
@@ -4256,10 +4198,10 @@
                           <a:ea typeface="+mn-ea"/>
                           <a:cs typeface="함초롬바탕"/>
                         </a:rPr>
-                        <a:t>(Motto)/</a:t>
-                      </a:r>
-                      <a:r>
-                        <a:rPr lang="ko-KR" altLang="en-US" sz="1200" b="1" kern="0" spc="0">
+                        <a:t>[</a:t>
+                      </a:r>
+                      <a:r>
+                        <a:rPr lang="ko-KR" altLang="en-US" sz="1200" b="1" kern="0" spc="0" dirty="0" err="1">
                           <a:solidFill>
                             <a:srgbClr val="000000"/>
                           </a:solidFill>
@@ -4268,9 +4210,21 @@
                           <a:ea typeface="+mn-ea"/>
                           <a:cs typeface="함초롬바탕"/>
                         </a:rPr>
-                        <a:t>구호</a:t>
-                      </a:r>
-                      <a:endParaRPr lang="ko-KR" altLang="en-US" sz="1200" kern="0" spc="0">
+                        <a:t>팀팀</a:t>
+                      </a:r>
+                      <a:r>
+                        <a:rPr lang="en-US" altLang="ko-KR" sz="1200" b="1" kern="0" spc="0" dirty="0">
+                          <a:solidFill>
+                            <a:srgbClr val="000000"/>
+                          </a:solidFill>
+                          <a:effectLst/>
+                          <a:latin typeface="+mn-ea"/>
+                          <a:ea typeface="+mn-ea"/>
+                          <a:cs typeface="함초롬바탕"/>
+                        </a:rPr>
+                        <a:t>]</a:t>
+                      </a:r>
+                      <a:endParaRPr lang="ko-KR" altLang="en-US" sz="1200" b="1" kern="0" spc="0" dirty="0">
                         <a:solidFill>
                           <a:srgbClr val="000000"/>
                         </a:solidFill>
@@ -4288,17 +4242,17 @@
                       </a:solidFill>
                       <a:prstDash val="solid"/>
                       <a:round/>
-                      <a:headEnd w="med" len="med"/>
-                      <a:tailEnd w="med" len="med"/>
+                      <a:headEnd type="none" w="med" len="med"/>
+                      <a:tailEnd type="none" w="med" len="med"/>
                     </a:lnL>
-                    <a:lnR w="7112" cap="flat" cmpd="sng" algn="ctr">
-                      <a:solidFill>
-                        <a:srgbClr val="000000"/>
-                      </a:solidFill>
-                      <a:prstDash val="solid"/>
-                      <a:round/>
-                      <a:headEnd w="med" len="med"/>
-                      <a:tailEnd w="med" len="med"/>
+                    <a:lnR w="12700" cap="flat" cmpd="sng" algn="ctr">
+                      <a:solidFill>
+                        <a:schemeClr val="tx1"/>
+                      </a:solidFill>
+                      <a:prstDash val="solid"/>
+                      <a:round/>
+                      <a:headEnd type="none" w="med" len="med"/>
+                      <a:tailEnd type="none" w="med" len="med"/>
                     </a:lnR>
                     <a:lnT w="7112" cap="flat" cmpd="sng" algn="ctr">
                       <a:solidFill>
@@ -4333,7 +4287,89 @@
                   </a:txBody>
                   <a:tcPr/>
                 </a:tc>
-                <a:tc gridSpan="4">
+                <a:tc hMerge="1">
+                  <a:txBody>
+                    <a:bodyPr/>
+                    <a:lstStyle/>
+                    <a:p>
+                      <a:pPr latinLnBrk="1">
+                        <a:defRPr/>
+                      </a:pPr>
+                      <a:endParaRPr lang="ko-KR" altLang="en-US"/>
+                    </a:p>
+                  </a:txBody>
+                  <a:tcPr/>
+                </a:tc>
+                <a:tc hMerge="1">
+                  <a:txBody>
+                    <a:bodyPr/>
+                    <a:lstStyle/>
+                    <a:p>
+                      <a:pPr latinLnBrk="1">
+                        <a:defRPr/>
+                      </a:pPr>
+                      <a:endParaRPr lang="ko-KR" altLang="en-US"/>
+                    </a:p>
+                  </a:txBody>
+                  <a:tcPr>
+                    <a:lnL w="3556" cap="flat" cmpd="sng" algn="ctr">
+                      <a:solidFill>
+                        <a:srgbClr val="000000"/>
+                      </a:solidFill>
+                      <a:prstDash val="solid"/>
+                      <a:round/>
+                      <a:headEnd w="med" len="med"/>
+                      <a:tailEnd w="med" len="med"/>
+                    </a:lnL>
+                  </a:tcPr>
+                </a:tc>
+                <a:extLst>
+                  <a:ext uri="{0D108BD9-81ED-4DB2-BD59-A6C34878D82A}">
+                    <a16:rowId xmlns:a16="http://schemas.microsoft.com/office/drawing/2014/main" val="10002"/>
+                  </a:ext>
+                </a:extLst>
+              </a:tr>
+              <a:tr h="1718862">
+                <a:tc gridSpan="3" vMerge="1">
+                  <a:txBody>
+                    <a:bodyPr/>
+                    <a:lstStyle/>
+                    <a:p>
+                      <a:pPr latinLnBrk="1">
+                        <a:defRPr/>
+                      </a:pPr>
+                      <a:endParaRPr lang="ko-KR" altLang="en-US"/>
+                    </a:p>
+                  </a:txBody>
+                  <a:tcPr/>
+                </a:tc>
+                <a:tc hMerge="1" vMerge="1">
+                  <a:txBody>
+                    <a:bodyPr/>
+                    <a:lstStyle/>
+                    <a:p>
+                      <a:pPr latinLnBrk="1">
+                        <a:defRPr/>
+                      </a:pPr>
+                      <a:endParaRPr lang="ko-KR" altLang="en-US"/>
+                    </a:p>
+                  </a:txBody>
+                  <a:tcPr/>
+                </a:tc>
+                <a:tc hMerge="1" vMerge="1">
+                  <a:txBody>
+                    <a:bodyPr/>
+                    <a:lstStyle/>
+                    <a:p>
+                      <a:pPr latinLnBrk="1">
+                        <a:defRPr/>
+                      </a:pPr>
+                      <a:endParaRPr lang="ko-KR" altLang="en-US"/>
+                    </a:p>
+                  </a:txBody>
+                  <a:tcPr/>
+                </a:tc>
+                <a:tc gridSpan="2">
                   <a:txBody>
                     <a:bodyPr/>
                     <a:lstStyle/>
@@ -4360,193 +4396,9 @@
                           <a:ea typeface="+mn-ea"/>
                           <a:cs typeface="함초롬바탕"/>
                         </a:rPr>
-                        <a:t>팀장 없는 팀</a:t>
-                      </a:r>
-                      <a:r>
-                        <a:rPr lang="en-US" altLang="ko-KR" sz="1200" b="1" kern="0" spc="0" dirty="0">
-                          <a:solidFill>
-                            <a:srgbClr val="000000"/>
-                          </a:solidFill>
-                          <a:effectLst/>
-                          <a:latin typeface="+mn-ea"/>
-                          <a:ea typeface="+mn-ea"/>
-                          <a:cs typeface="함초롬바탕"/>
-                        </a:rPr>
-                        <a:t>[</a:t>
-                      </a:r>
-                      <a:r>
-                        <a:rPr lang="ko-KR" altLang="en-US" sz="1200" b="1" kern="0" spc="0" dirty="0" err="1">
-                          <a:solidFill>
-                            <a:srgbClr val="000000"/>
-                          </a:solidFill>
-                          <a:effectLst/>
-                          <a:latin typeface="+mn-ea"/>
-                          <a:ea typeface="+mn-ea"/>
-                          <a:cs typeface="함초롬바탕"/>
-                        </a:rPr>
-                        <a:t>팀팀</a:t>
-                      </a:r>
-                      <a:r>
-                        <a:rPr lang="en-US" altLang="ko-KR" sz="1200" b="1" kern="0" spc="0" dirty="0">
-                          <a:solidFill>
-                            <a:srgbClr val="000000"/>
-                          </a:solidFill>
-                          <a:effectLst/>
-                          <a:latin typeface="+mn-ea"/>
-                          <a:ea typeface="+mn-ea"/>
-                          <a:cs typeface="함초롬바탕"/>
-                        </a:rPr>
-                        <a:t>]</a:t>
-                      </a:r>
-                      <a:endParaRPr lang="ko-KR" altLang="en-US" sz="1200" b="1" kern="0" spc="0" dirty="0">
-                        <a:solidFill>
-                          <a:srgbClr val="000000"/>
-                        </a:solidFill>
-                        <a:effectLst/>
-                        <a:latin typeface="+mn-ea"/>
-                        <a:ea typeface="+mn-ea"/>
-                        <a:cs typeface="함초롬바탕"/>
-                      </a:endParaRPr>
-                    </a:p>
-                  </a:txBody>
-                  <a:tcPr marL="46713" marR="46713" marT="12915" marB="12915" anchor="ctr">
-                    <a:lnL w="7112" cap="flat" cmpd="sng" algn="ctr">
-                      <a:solidFill>
-                        <a:srgbClr val="000000"/>
-                      </a:solidFill>
-                      <a:prstDash val="solid"/>
-                      <a:round/>
-                      <a:headEnd w="med" len="med"/>
-                      <a:tailEnd w="med" len="med"/>
-                    </a:lnL>
-                    <a:lnR w="3556" cap="flat" cmpd="sng" algn="ctr">
-                      <a:solidFill>
-                        <a:srgbClr val="000000"/>
-                      </a:solidFill>
-                      <a:prstDash val="solid"/>
-                      <a:round/>
-                      <a:headEnd w="med" len="med"/>
-                      <a:tailEnd w="med" len="med"/>
-                    </a:lnR>
-                    <a:lnT w="7112" cap="flat" cmpd="sng" algn="ctr">
-                      <a:solidFill>
-                        <a:srgbClr val="000000"/>
-                      </a:solidFill>
-                      <a:prstDash val="solid"/>
-                      <a:round/>
-                      <a:headEnd w="med" len="med"/>
-                      <a:tailEnd w="med" len="med"/>
-                    </a:lnT>
-                    <a:lnB w="7112" cap="flat" cmpd="sng" algn="ctr">
-                      <a:solidFill>
-                        <a:srgbClr val="000000"/>
-                      </a:solidFill>
-                      <a:prstDash val="solid"/>
-                      <a:round/>
-                      <a:headEnd w="med" len="med"/>
-                      <a:tailEnd w="med" len="med"/>
-                    </a:lnB>
-                  </a:tcPr>
-                </a:tc>
-                <a:tc hMerge="1">
-                  <a:txBody>
-                    <a:bodyPr/>
-                    <a:lstStyle/>
-                    <a:p>
-                      <a:pPr latinLnBrk="1">
-                        <a:defRPr/>
-                      </a:pPr>
-                      <a:endParaRPr lang="ko-KR" altLang="en-US"/>
-                    </a:p>
-                  </a:txBody>
-                  <a:tcPr/>
-                </a:tc>
-                <a:tc hMerge="1">
-                  <a:txBody>
-                    <a:bodyPr/>
-                    <a:lstStyle/>
-                    <a:p>
-                      <a:pPr latinLnBrk="1">
-                        <a:defRPr/>
-                      </a:pPr>
-                      <a:endParaRPr lang="ko-KR" altLang="en-US"/>
-                    </a:p>
-                  </a:txBody>
-                  <a:tcPr/>
-                </a:tc>
-                <a:tc hMerge="1">
-                  <a:txBody>
-                    <a:bodyPr/>
-                    <a:lstStyle/>
-                    <a:p>
-                      <a:pPr latinLnBrk="1">
-                        <a:defRPr/>
-                      </a:pPr>
-                      <a:endParaRPr lang="ko-KR" altLang="en-US"/>
-                    </a:p>
-                  </a:txBody>
-                  <a:tcPr>
-                    <a:lnL w="3556" cap="flat" cmpd="sng" algn="ctr">
-                      <a:solidFill>
-                        <a:srgbClr val="000000"/>
-                      </a:solidFill>
-                      <a:prstDash val="solid"/>
-                      <a:round/>
-                      <a:headEnd w="med" len="med"/>
-                      <a:tailEnd w="med" len="med"/>
-                    </a:lnL>
-                  </a:tcPr>
-                </a:tc>
-                <a:extLst>
-                  <a:ext uri="{0D108BD9-81ED-4DB2-BD59-A6C34878D82A}">
-                    <a16:rowId xmlns:a16="http://schemas.microsoft.com/office/drawing/2014/main" val="10002"/>
-                  </a:ext>
-                </a:extLst>
-              </a:tr>
-              <a:tr h="1718862">
-                <a:tc gridSpan="3" vMerge="1">
-                  <a:txBody>
-                    <a:bodyPr/>
-                    <a:lstStyle/>
-                    <a:p>
-                      <a:pPr latinLnBrk="1">
-                        <a:defRPr/>
-                      </a:pPr>
-                      <a:endParaRPr lang="ko-KR" altLang="en-US"/>
-                    </a:p>
-                  </a:txBody>
-                  <a:tcPr/>
-                </a:tc>
-                <a:tc hMerge="1" vMerge="1">
-                  <a:txBody>
-                    <a:bodyPr/>
-                    <a:lstStyle/>
-                    <a:p>
-                      <a:pPr latinLnBrk="1">
-                        <a:defRPr/>
-                      </a:pPr>
-                      <a:endParaRPr lang="ko-KR" altLang="en-US"/>
-                    </a:p>
-                  </a:txBody>
-                  <a:tcPr/>
-                </a:tc>
-                <a:tc hMerge="1" vMerge="1">
-                  <a:txBody>
-                    <a:bodyPr/>
-                    <a:lstStyle/>
-                    <a:p>
-                      <a:pPr latinLnBrk="1">
-                        <a:defRPr/>
-                      </a:pPr>
-                      <a:endParaRPr lang="ko-KR" altLang="en-US"/>
-                    </a:p>
-                  </a:txBody>
-                  <a:tcPr/>
-                </a:tc>
-                <a:tc gridSpan="2">
-                  <a:txBody>
-                    <a:bodyPr/>
-                    <a:lstStyle/>
+                        <a:t>목표달성을 위해</a:t>
+                      </a:r>
+                    </a:p>
                     <a:p>
                       <a:pPr marL="0" marR="0" indent="0" algn="ctr" latinLnBrk="0">
                         <a:lnSpc>
@@ -4570,7 +4422,7 @@
                           <a:ea typeface="+mn-ea"/>
                           <a:cs typeface="함초롬바탕"/>
                         </a:rPr>
-                        <a:t>목표달성을 위해</a:t>
+                        <a:t>팀이 지켜야 할 </a:t>
                       </a:r>
                     </a:p>
                     <a:p>
@@ -4587,7 +4439,7 @@
                         <a:defRPr/>
                       </a:pPr>
                       <a:r>
-                        <a:rPr lang="ko-KR" altLang="en-US" sz="1200" b="1" kern="0" spc="0" dirty="0">
+                        <a:rPr lang="en-US" altLang="ko-KR" sz="1200" b="1" kern="0" spc="0" dirty="0">
                           <a:solidFill>
                             <a:srgbClr val="000000"/>
                           </a:solidFill>
@@ -4596,7 +4448,7 @@
                           <a:ea typeface="+mn-ea"/>
                           <a:cs typeface="함초롬바탕"/>
                         </a:rPr>
-                        <a:t>팀이 지켜야 할 </a:t>
+                        <a:t>Rules</a:t>
                       </a:r>
                     </a:p>
                     <a:p>
@@ -4622,9 +4474,363 @@
                           <a:ea typeface="+mn-ea"/>
                           <a:cs typeface="함초롬바탕"/>
                         </a:rPr>
-                        <a:t>Rules</a:t>
-                      </a:r>
-                    </a:p>
+                        <a:t>(4~5</a:t>
+                      </a:r>
+                      <a:r>
+                        <a:rPr lang="ko-KR" altLang="en-US" sz="1200" b="1" kern="0" spc="0" dirty="0">
+                          <a:solidFill>
+                            <a:srgbClr val="000000"/>
+                          </a:solidFill>
+                          <a:effectLst/>
+                          <a:latin typeface="+mn-ea"/>
+                          <a:ea typeface="+mn-ea"/>
+                          <a:cs typeface="함초롬바탕"/>
+                        </a:rPr>
+                        <a:t>개</a:t>
+                      </a:r>
+                      <a:r>
+                        <a:rPr lang="en-US" altLang="ko-KR" sz="1200" b="1" kern="0" spc="0" dirty="0">
+                          <a:solidFill>
+                            <a:srgbClr val="000000"/>
+                          </a:solidFill>
+                          <a:effectLst/>
+                          <a:latin typeface="+mn-ea"/>
+                          <a:ea typeface="+mn-ea"/>
+                          <a:cs typeface="함초롬바탕"/>
+                        </a:rPr>
+                        <a:t>)</a:t>
+                      </a:r>
+                      <a:endParaRPr lang="ko-KR" altLang="en-US" sz="1200" kern="0" spc="0" dirty="0">
+                        <a:solidFill>
+                          <a:srgbClr val="000000"/>
+                        </a:solidFill>
+                        <a:effectLst/>
+                        <a:latin typeface="+mn-ea"/>
+                        <a:ea typeface="+mn-ea"/>
+                        <a:cs typeface="함초롬바탕"/>
+                      </a:endParaRPr>
+                    </a:p>
+                  </a:txBody>
+                  <a:tcPr marL="46713" marR="46713" marT="12915" marB="12915" anchor="ctr">
+                    <a:lnL w="7112" cap="flat" cmpd="sng" algn="ctr">
+                      <a:solidFill>
+                        <a:srgbClr val="000000"/>
+                      </a:solidFill>
+                      <a:prstDash val="solid"/>
+                      <a:round/>
+                      <a:headEnd w="med" len="med"/>
+                      <a:tailEnd w="med" len="med"/>
+                    </a:lnL>
+                    <a:lnR w="7112" cap="flat" cmpd="sng" algn="ctr">
+                      <a:solidFill>
+                        <a:srgbClr val="000000"/>
+                      </a:solidFill>
+                      <a:prstDash val="solid"/>
+                      <a:round/>
+                      <a:headEnd w="med" len="med"/>
+                      <a:tailEnd w="med" len="med"/>
+                    </a:lnR>
+                    <a:lnT w="7112" cap="flat" cmpd="sng" algn="ctr">
+                      <a:solidFill>
+                        <a:srgbClr val="000000"/>
+                      </a:solidFill>
+                      <a:prstDash val="solid"/>
+                      <a:round/>
+                      <a:headEnd w="med" len="med"/>
+                      <a:tailEnd w="med" len="med"/>
+                    </a:lnT>
+                    <a:lnB w="12700" cap="flat" cmpd="sng" algn="ctr">
+                      <a:solidFill>
+                        <a:schemeClr val="tx1"/>
+                      </a:solidFill>
+                      <a:prstDash val="solid"/>
+                      <a:round/>
+                      <a:headEnd w="med" len="med"/>
+                      <a:tailEnd w="med" len="med"/>
+                    </a:lnB>
+                  </a:tcPr>
+                </a:tc>
+                <a:tc hMerge="1">
+                  <a:txBody>
+                    <a:bodyPr/>
+                    <a:lstStyle/>
+                    <a:p>
+                      <a:pPr latinLnBrk="1">
+                        <a:defRPr/>
+                      </a:pPr>
+                      <a:endParaRPr lang="ko-KR" altLang="en-US"/>
+                    </a:p>
+                  </a:txBody>
+                  <a:tcPr/>
+                </a:tc>
+                <a:tc gridSpan="4">
+                  <a:txBody>
+                    <a:bodyPr/>
+                    <a:lstStyle/>
+                    <a:p>
+                      <a:pPr marL="0" marR="0" indent="0" algn="l" latinLnBrk="0">
+                        <a:lnSpc>
+                          <a:spcPct val="140000"/>
+                        </a:lnSpc>
+                        <a:spcBef>
+                          <a:spcPts val="0"/>
+                        </a:spcBef>
+                        <a:spcAft>
+                          <a:spcPts val="0"/>
+                        </a:spcAft>
+                        <a:defRPr/>
+                      </a:pPr>
+                      <a:r>
+                        <a:rPr lang="ko-KR" altLang="en-US" sz="1200" b="1" kern="0" spc="0" dirty="0">
+                          <a:solidFill>
+                            <a:srgbClr val="000000"/>
+                          </a:solidFill>
+                          <a:effectLst/>
+                          <a:latin typeface="+mn-ea"/>
+                          <a:ea typeface="+mn-ea"/>
+                          <a:cs typeface="함초롬바탕"/>
+                        </a:rPr>
+                        <a:t>의견 잘 말하기</a:t>
+                      </a:r>
+                    </a:p>
+                    <a:p>
+                      <a:pPr marL="0" marR="0" indent="0" algn="l" latinLnBrk="0">
+                        <a:lnSpc>
+                          <a:spcPct val="140000"/>
+                        </a:lnSpc>
+                        <a:spcBef>
+                          <a:spcPts val="0"/>
+                        </a:spcBef>
+                        <a:spcAft>
+                          <a:spcPts val="0"/>
+                        </a:spcAft>
+                        <a:defRPr/>
+                      </a:pPr>
+                      <a:r>
+                        <a:rPr lang="ko-KR" altLang="en-US" sz="1200" b="1" kern="0" spc="0" dirty="0">
+                          <a:solidFill>
+                            <a:srgbClr val="000000"/>
+                          </a:solidFill>
+                          <a:effectLst/>
+                          <a:latin typeface="+mn-ea"/>
+                          <a:ea typeface="+mn-ea"/>
+                          <a:cs typeface="함초롬바탕"/>
+                        </a:rPr>
+                        <a:t>카톡 </a:t>
+                      </a:r>
+                      <a:r>
+                        <a:rPr lang="ko-KR" altLang="en-US" sz="1200" b="1" kern="0" spc="0" dirty="0" err="1">
+                          <a:solidFill>
+                            <a:srgbClr val="000000"/>
+                          </a:solidFill>
+                          <a:effectLst/>
+                          <a:latin typeface="+mn-ea"/>
+                          <a:ea typeface="+mn-ea"/>
+                          <a:cs typeface="함초롬바탕"/>
+                        </a:rPr>
+                        <a:t>읽씹</a:t>
+                      </a:r>
+                      <a:r>
+                        <a:rPr lang="ko-KR" altLang="en-US" sz="1200" b="1" kern="0" spc="0" dirty="0">
+                          <a:solidFill>
+                            <a:srgbClr val="000000"/>
+                          </a:solidFill>
+                          <a:effectLst/>
+                          <a:latin typeface="+mn-ea"/>
+                          <a:ea typeface="+mn-ea"/>
+                          <a:cs typeface="함초롬바탕"/>
+                        </a:rPr>
+                        <a:t> 금지 </a:t>
+                      </a:r>
+                      <a:r>
+                        <a:rPr lang="en-US" altLang="ko-KR" sz="1200" b="1" kern="0" spc="0" dirty="0">
+                          <a:solidFill>
+                            <a:srgbClr val="000000"/>
+                          </a:solidFill>
+                          <a:effectLst/>
+                          <a:latin typeface="+mn-ea"/>
+                          <a:ea typeface="+mn-ea"/>
+                          <a:cs typeface="함초롬바탕"/>
+                        </a:rPr>
+                        <a:t>(</a:t>
+                      </a:r>
+                      <a:r>
+                        <a:rPr lang="ko-KR" altLang="en-US" sz="1200" b="1" kern="0" spc="0" dirty="0">
+                          <a:solidFill>
+                            <a:srgbClr val="000000"/>
+                          </a:solidFill>
+                          <a:effectLst/>
+                          <a:latin typeface="+mn-ea"/>
+                          <a:ea typeface="+mn-ea"/>
+                          <a:cs typeface="함초롬바탕"/>
+                        </a:rPr>
+                        <a:t>하트라도 찍기</a:t>
+                      </a:r>
+                      <a:r>
+                        <a:rPr lang="en-US" altLang="ko-KR" sz="1200" b="1" kern="0" spc="0" dirty="0">
+                          <a:solidFill>
+                            <a:srgbClr val="000000"/>
+                          </a:solidFill>
+                          <a:effectLst/>
+                          <a:latin typeface="+mn-ea"/>
+                          <a:ea typeface="+mn-ea"/>
+                          <a:cs typeface="함초롬바탕"/>
+                        </a:rPr>
+                        <a:t>)</a:t>
+                      </a:r>
+                    </a:p>
+                    <a:p>
+                      <a:pPr marL="0" marR="0" indent="0" algn="l" latinLnBrk="0">
+                        <a:lnSpc>
+                          <a:spcPct val="140000"/>
+                        </a:lnSpc>
+                        <a:spcBef>
+                          <a:spcPts val="0"/>
+                        </a:spcBef>
+                        <a:spcAft>
+                          <a:spcPts val="0"/>
+                        </a:spcAft>
+                        <a:defRPr/>
+                      </a:pPr>
+                      <a:r>
+                        <a:rPr lang="ko-KR" altLang="en-US" sz="1200" b="1" kern="0" spc="0" dirty="0">
+                          <a:solidFill>
+                            <a:srgbClr val="000000"/>
+                          </a:solidFill>
+                          <a:effectLst/>
+                          <a:latin typeface="+mn-ea"/>
+                          <a:ea typeface="+mn-ea"/>
+                          <a:cs typeface="함초롬바탕"/>
+                        </a:rPr>
+                        <a:t>연락 잘 되기</a:t>
+                      </a:r>
+                    </a:p>
+                    <a:p>
+                      <a:pPr marL="0" marR="0" indent="0" algn="l" latinLnBrk="0">
+                        <a:lnSpc>
+                          <a:spcPct val="140000"/>
+                        </a:lnSpc>
+                        <a:spcBef>
+                          <a:spcPts val="0"/>
+                        </a:spcBef>
+                        <a:spcAft>
+                          <a:spcPts val="0"/>
+                        </a:spcAft>
+                        <a:defRPr/>
+                      </a:pPr>
+                      <a:r>
+                        <a:rPr lang="ko-KR" altLang="en-US" sz="1200" b="1" kern="0" spc="0" dirty="0">
+                          <a:solidFill>
+                            <a:srgbClr val="000000"/>
+                          </a:solidFill>
+                          <a:effectLst/>
+                          <a:latin typeface="+mn-ea"/>
+                          <a:ea typeface="+mn-ea"/>
+                          <a:cs typeface="함초롬바탕"/>
+                        </a:rPr>
+                        <a:t>맡은 바 책임을 다하기</a:t>
+                      </a:r>
+                    </a:p>
+                  </a:txBody>
+                  <a:tcPr marL="46713" marR="46713" marT="12915" marB="12915" anchor="ctr">
+                    <a:lnL w="7112" cap="flat" cmpd="sng" algn="ctr">
+                      <a:solidFill>
+                        <a:srgbClr val="000000"/>
+                      </a:solidFill>
+                      <a:prstDash val="solid"/>
+                      <a:round/>
+                      <a:headEnd w="med" len="med"/>
+                      <a:tailEnd w="med" len="med"/>
+                    </a:lnL>
+                    <a:lnR w="12700" cap="flat" cmpd="sng" algn="ctr">
+                      <a:solidFill>
+                        <a:schemeClr val="tx1"/>
+                      </a:solidFill>
+                      <a:prstDash val="solid"/>
+                      <a:round/>
+                      <a:headEnd type="none" w="med" len="med"/>
+                      <a:tailEnd type="none" w="med" len="med"/>
+                    </a:lnR>
+                    <a:lnT w="7112" cap="flat" cmpd="sng" algn="ctr">
+                      <a:solidFill>
+                        <a:srgbClr val="000000"/>
+                      </a:solidFill>
+                      <a:prstDash val="solid"/>
+                      <a:round/>
+                      <a:headEnd w="med" len="med"/>
+                      <a:tailEnd w="med" len="med"/>
+                    </a:lnT>
+                    <a:lnB w="12700" cap="flat" cmpd="sng" algn="ctr">
+                      <a:solidFill>
+                        <a:schemeClr val="tx1"/>
+                      </a:solidFill>
+                      <a:prstDash val="solid"/>
+                      <a:round/>
+                      <a:headEnd type="none" w="med" len="med"/>
+                      <a:tailEnd type="none" w="med" len="med"/>
+                    </a:lnB>
+                  </a:tcPr>
+                </a:tc>
+                <a:tc hMerge="1">
+                  <a:txBody>
+                    <a:bodyPr/>
+                    <a:lstStyle/>
+                    <a:p>
+                      <a:pPr latinLnBrk="1">
+                        <a:defRPr/>
+                      </a:pPr>
+                      <a:endParaRPr lang="ko-KR" altLang="en-US"/>
+                    </a:p>
+                  </a:txBody>
+                  <a:tcPr/>
+                </a:tc>
+                <a:tc hMerge="1">
+                  <a:txBody>
+                    <a:bodyPr/>
+                    <a:lstStyle/>
+                    <a:p>
+                      <a:pPr latinLnBrk="1">
+                        <a:defRPr/>
+                      </a:pPr>
+                      <a:endParaRPr lang="ko-KR" altLang="en-US"/>
+                    </a:p>
+                  </a:txBody>
+                  <a:tcPr/>
+                </a:tc>
+                <a:tc hMerge="1">
+                  <a:txBody>
+                    <a:bodyPr/>
+                    <a:lstStyle/>
+                    <a:p>
+                      <a:pPr latinLnBrk="1">
+                        <a:defRPr/>
+                      </a:pPr>
+                      <a:endParaRPr lang="ko-KR" altLang="en-US"/>
+                    </a:p>
+                  </a:txBody>
+                  <a:tcPr>
+                    <a:lnL w="3556" cap="flat" cmpd="sng" algn="ctr">
+                      <a:solidFill>
+                        <a:srgbClr val="000000"/>
+                      </a:solidFill>
+                      <a:prstDash val="solid"/>
+                      <a:round/>
+                      <a:headEnd w="med" len="med"/>
+                      <a:tailEnd w="med" len="med"/>
+                    </a:lnL>
+                  </a:tcPr>
+                </a:tc>
+                <a:extLst>
+                  <a:ext uri="{0D108BD9-81ED-4DB2-BD59-A6C34878D82A}">
+                    <a16:rowId xmlns:a16="http://schemas.microsoft.com/office/drawing/2014/main" val="10003"/>
+                  </a:ext>
+                </a:extLst>
+              </a:tr>
+              <a:tr h="534335">
+                <a:tc gridSpan="2">
+                  <a:txBody>
+                    <a:bodyPr/>
+                    <a:lstStyle/>
                     <a:p>
                       <a:pPr marL="0" marR="0" indent="0" algn="ctr" latinLnBrk="0">
                         <a:lnSpc>
@@ -4639,7 +4845,7 @@
                         <a:defRPr/>
                       </a:pPr>
                       <a:r>
-                        <a:rPr lang="en-US" altLang="ko-KR" sz="1200" b="1" kern="0" spc="0" dirty="0">
+                        <a:rPr lang="ko-KR" altLang="en-US" sz="1200" b="1" kern="0" spc="0">
                           <a:solidFill>
                             <a:srgbClr val="000000"/>
                           </a:solidFill>
@@ -4648,37 +4854,12 @@
                           <a:ea typeface="+mn-ea"/>
                           <a:cs typeface="함초롬바탕"/>
                         </a:rPr>
-                        <a:t>(4~5</a:t>
-                      </a:r>
-                      <a:r>
-                        <a:rPr lang="ko-KR" altLang="en-US" sz="1200" b="1" kern="0" spc="0" dirty="0">
-                          <a:solidFill>
-                            <a:srgbClr val="000000"/>
-                          </a:solidFill>
-                          <a:effectLst/>
-                          <a:latin typeface="+mn-ea"/>
-                          <a:ea typeface="+mn-ea"/>
-                          <a:cs typeface="함초롬바탕"/>
-                        </a:rPr>
-                        <a:t>개</a:t>
-                      </a:r>
-                      <a:r>
-                        <a:rPr lang="en-US" altLang="ko-KR" sz="1200" b="1" kern="0" spc="0" dirty="0">
-                          <a:solidFill>
-                            <a:srgbClr val="000000"/>
-                          </a:solidFill>
-                          <a:effectLst/>
-                          <a:latin typeface="+mn-ea"/>
-                          <a:ea typeface="+mn-ea"/>
-                          <a:cs typeface="함초롬바탕"/>
-                        </a:rPr>
-                        <a:t>)</a:t>
-                      </a:r>
-                      <a:endParaRPr lang="ko-KR" altLang="en-US" sz="1200" kern="0" spc="0" dirty="0">
+                        <a:t>이름</a:t>
+                      </a:r>
+                      <a:endParaRPr lang="ko-KR" altLang="en-US" sz="1200" b="1" kern="0" spc="0">
                         <a:solidFill>
                           <a:srgbClr val="000000"/>
                         </a:solidFill>
-                        <a:effectLst/>
                         <a:latin typeface="+mn-ea"/>
                         <a:ea typeface="+mn-ea"/>
                         <a:cs typeface="함초롬바탕"/>
@@ -4686,27 +4867,27 @@
                     </a:p>
                   </a:txBody>
                   <a:tcPr marL="46713" marR="46713" marT="12915" marB="12915" anchor="ctr">
-                    <a:lnL w="7112" cap="flat" cmpd="sng" algn="ctr">
-                      <a:solidFill>
-                        <a:srgbClr val="000000"/>
-                      </a:solidFill>
-                      <a:prstDash val="solid"/>
-                      <a:round/>
-                      <a:headEnd w="med" len="med"/>
-                      <a:tailEnd w="med" len="med"/>
+                    <a:lnL w="12700" cap="flat" cmpd="sng" algn="ctr">
+                      <a:solidFill>
+                        <a:schemeClr val="tx1"/>
+                      </a:solidFill>
+                      <a:prstDash val="solid"/>
+                      <a:round/>
+                      <a:headEnd type="none" w="med" len="med"/>
+                      <a:tailEnd type="none" w="med" len="med"/>
                     </a:lnL>
-                    <a:lnR w="7112" cap="flat" cmpd="sng" algn="ctr">
-                      <a:solidFill>
-                        <a:srgbClr val="000000"/>
+                    <a:lnR w="12700" cap="flat" cmpd="sng" algn="ctr">
+                      <a:solidFill>
+                        <a:schemeClr val="tx1"/>
                       </a:solidFill>
                       <a:prstDash val="solid"/>
                       <a:round/>
                       <a:headEnd w="med" len="med"/>
                       <a:tailEnd w="med" len="med"/>
                     </a:lnR>
-                    <a:lnT w="7112" cap="flat" cmpd="sng" algn="ctr">
-                      <a:solidFill>
-                        <a:srgbClr val="000000"/>
+                    <a:lnT w="12700" cap="flat" cmpd="sng" algn="ctr">
+                      <a:solidFill>
+                        <a:schemeClr val="tx1"/>
                       </a:solidFill>
                       <a:prstDash val="solid"/>
                       <a:round/>
@@ -4722,6 +4903,11 @@
                       <a:headEnd w="med" len="med"/>
                       <a:tailEnd w="med" len="med"/>
                     </a:lnB>
+                    <a:solidFill>
+                      <a:schemeClr val="bg1">
+                        <a:lumMod val="85000"/>
+                      </a:schemeClr>
+                    </a:solidFill>
                   </a:tcPr>
                 </a:tc>
                 <a:tc hMerge="1">
@@ -4737,271 +4923,7 @@
                   </a:txBody>
                   <a:tcPr/>
                 </a:tc>
-                <a:tc gridSpan="4">
-                  <a:txBody>
-                    <a:bodyPr/>
-                    <a:lstStyle/>
-                    <a:p>
-                      <a:pPr marL="0" marR="0" indent="0" algn="l" latinLnBrk="0">
-                        <a:lnSpc>
-                          <a:spcPct val="140000"/>
-                        </a:lnSpc>
-                        <a:spcBef>
-                          <a:spcPts val="0"/>
-                        </a:spcBef>
-                        <a:spcAft>
-                          <a:spcPts val="0"/>
-                        </a:spcAft>
-                        <a:defRPr/>
-                      </a:pPr>
-                      <a:r>
-                        <a:rPr lang="ko-KR" altLang="en-US" sz="1200" b="1" kern="0" spc="0" dirty="0">
-                          <a:solidFill>
-                            <a:srgbClr val="000000"/>
-                          </a:solidFill>
-                          <a:effectLst/>
-                          <a:latin typeface="+mn-ea"/>
-                          <a:ea typeface="+mn-ea"/>
-                          <a:cs typeface="함초롬바탕"/>
-                        </a:rPr>
-                        <a:t>의견 잘 말하기</a:t>
-                      </a:r>
-                    </a:p>
-                    <a:p>
-                      <a:pPr marL="0" marR="0" indent="0" algn="l" latinLnBrk="0">
-                        <a:lnSpc>
-                          <a:spcPct val="140000"/>
-                        </a:lnSpc>
-                        <a:spcBef>
-                          <a:spcPts val="0"/>
-                        </a:spcBef>
-                        <a:spcAft>
-                          <a:spcPts val="0"/>
-                        </a:spcAft>
-                        <a:defRPr/>
-                      </a:pPr>
-                      <a:r>
-                        <a:rPr lang="ko-KR" altLang="en-US" sz="1200" b="1" kern="0" spc="0" dirty="0">
-                          <a:solidFill>
-                            <a:srgbClr val="000000"/>
-                          </a:solidFill>
-                          <a:effectLst/>
-                          <a:latin typeface="+mn-ea"/>
-                          <a:ea typeface="+mn-ea"/>
-                          <a:cs typeface="함초롬바탕"/>
-                        </a:rPr>
-                        <a:t>카톡 </a:t>
-                      </a:r>
-                      <a:r>
-                        <a:rPr lang="ko-KR" altLang="en-US" sz="1200" b="1" kern="0" spc="0" dirty="0" err="1">
-                          <a:solidFill>
-                            <a:srgbClr val="000000"/>
-                          </a:solidFill>
-                          <a:effectLst/>
-                          <a:latin typeface="+mn-ea"/>
-                          <a:ea typeface="+mn-ea"/>
-                          <a:cs typeface="함초롬바탕"/>
-                        </a:rPr>
-                        <a:t>읽씹</a:t>
-                      </a:r>
-                      <a:r>
-                        <a:rPr lang="ko-KR" altLang="en-US" sz="1200" b="1" kern="0" spc="0" dirty="0">
-                          <a:solidFill>
-                            <a:srgbClr val="000000"/>
-                          </a:solidFill>
-                          <a:effectLst/>
-                          <a:latin typeface="+mn-ea"/>
-                          <a:ea typeface="+mn-ea"/>
-                          <a:cs typeface="함초롬바탕"/>
-                        </a:rPr>
-                        <a:t> 금지 </a:t>
-                      </a:r>
-                      <a:r>
-                        <a:rPr lang="en-US" altLang="ko-KR" sz="1200" b="1" kern="0" spc="0" dirty="0">
-                          <a:solidFill>
-                            <a:srgbClr val="000000"/>
-                          </a:solidFill>
-                          <a:effectLst/>
-                          <a:latin typeface="+mn-ea"/>
-                          <a:ea typeface="+mn-ea"/>
-                          <a:cs typeface="함초롬바탕"/>
-                        </a:rPr>
-                        <a:t>(</a:t>
-                      </a:r>
-                      <a:r>
-                        <a:rPr lang="ko-KR" altLang="en-US" sz="1200" b="1" kern="0" spc="0" dirty="0">
-                          <a:solidFill>
-                            <a:srgbClr val="000000"/>
-                          </a:solidFill>
-                          <a:effectLst/>
-                          <a:latin typeface="+mn-ea"/>
-                          <a:ea typeface="+mn-ea"/>
-                          <a:cs typeface="함초롬바탕"/>
-                        </a:rPr>
-                        <a:t>하트 라도 찍기</a:t>
-                      </a:r>
-                      <a:r>
-                        <a:rPr lang="en-US" altLang="ko-KR" sz="1200" b="1" kern="0" spc="0" dirty="0">
-                          <a:solidFill>
-                            <a:srgbClr val="000000"/>
-                          </a:solidFill>
-                          <a:effectLst/>
-                          <a:latin typeface="+mn-ea"/>
-                          <a:ea typeface="+mn-ea"/>
-                          <a:cs typeface="함초롬바탕"/>
-                        </a:rPr>
-                        <a:t>)</a:t>
-                      </a:r>
-                    </a:p>
-                    <a:p>
-                      <a:pPr marL="0" marR="0" indent="0" algn="l" latinLnBrk="0">
-                        <a:lnSpc>
-                          <a:spcPct val="140000"/>
-                        </a:lnSpc>
-                        <a:spcBef>
-                          <a:spcPts val="0"/>
-                        </a:spcBef>
-                        <a:spcAft>
-                          <a:spcPts val="0"/>
-                        </a:spcAft>
-                        <a:defRPr/>
-                      </a:pPr>
-                      <a:r>
-                        <a:rPr lang="ko-KR" altLang="en-US" sz="1200" b="1" kern="0" spc="0" dirty="0">
-                          <a:solidFill>
-                            <a:srgbClr val="000000"/>
-                          </a:solidFill>
-                          <a:effectLst/>
-                          <a:latin typeface="+mn-ea"/>
-                          <a:ea typeface="+mn-ea"/>
-                          <a:cs typeface="함초롬바탕"/>
-                        </a:rPr>
-                        <a:t>연락 잘되기</a:t>
-                      </a:r>
-                    </a:p>
-                    <a:p>
-                      <a:pPr marL="0" marR="0" indent="0" algn="l" latinLnBrk="0">
-                        <a:lnSpc>
-                          <a:spcPct val="140000"/>
-                        </a:lnSpc>
-                        <a:spcBef>
-                          <a:spcPts val="0"/>
-                        </a:spcBef>
-                        <a:spcAft>
-                          <a:spcPts val="0"/>
-                        </a:spcAft>
-                        <a:defRPr/>
-                      </a:pPr>
-                      <a:r>
-                        <a:rPr lang="ko-KR" altLang="en-US" sz="1200" b="1" kern="0" spc="0" dirty="0">
-                          <a:solidFill>
-                            <a:srgbClr val="000000"/>
-                          </a:solidFill>
-                          <a:effectLst/>
-                          <a:latin typeface="+mn-ea"/>
-                          <a:ea typeface="+mn-ea"/>
-                          <a:cs typeface="함초롬바탕"/>
-                        </a:rPr>
-                        <a:t>맡은 바 책임을 다하기</a:t>
-                      </a:r>
-                    </a:p>
-                  </a:txBody>
-                  <a:tcPr marL="46713" marR="46713" marT="12915" marB="12915" anchor="ctr">
-                    <a:lnL w="7112" cap="flat" cmpd="sng" algn="ctr">
-                      <a:solidFill>
-                        <a:srgbClr val="000000"/>
-                      </a:solidFill>
-                      <a:prstDash val="solid"/>
-                      <a:round/>
-                      <a:headEnd w="med" len="med"/>
-                      <a:tailEnd w="med" len="med"/>
-                    </a:lnL>
-                    <a:lnR w="3556" cap="flat" cmpd="sng" algn="ctr">
-                      <a:solidFill>
-                        <a:srgbClr val="000000"/>
-                      </a:solidFill>
-                      <a:prstDash val="solid"/>
-                      <a:round/>
-                      <a:headEnd w="med" len="med"/>
-                      <a:tailEnd w="med" len="med"/>
-                    </a:lnR>
-                    <a:lnT w="7112" cap="flat" cmpd="sng" algn="ctr">
-                      <a:solidFill>
-                        <a:srgbClr val="000000"/>
-                      </a:solidFill>
-                      <a:prstDash val="solid"/>
-                      <a:round/>
-                      <a:headEnd w="med" len="med"/>
-                      <a:tailEnd w="med" len="med"/>
-                    </a:lnT>
-                    <a:lnB w="7112" cap="flat" cmpd="sng" algn="ctr">
-                      <a:solidFill>
-                        <a:srgbClr val="000000"/>
-                      </a:solidFill>
-                      <a:prstDash val="solid"/>
-                      <a:round/>
-                      <a:headEnd w="med" len="med"/>
-                      <a:tailEnd w="med" len="med"/>
-                    </a:lnB>
-                  </a:tcPr>
-                </a:tc>
-                <a:tc hMerge="1">
-                  <a:txBody>
-                    <a:bodyPr/>
-                    <a:lstStyle/>
-                    <a:p>
-                      <a:pPr latinLnBrk="1">
-                        <a:defRPr/>
-                      </a:pPr>
-                      <a:endParaRPr lang="ko-KR" altLang="en-US"/>
-                    </a:p>
-                  </a:txBody>
-                  <a:tcPr/>
-                </a:tc>
-                <a:tc hMerge="1">
-                  <a:txBody>
-                    <a:bodyPr/>
-                    <a:lstStyle/>
-                    <a:p>
-                      <a:pPr latinLnBrk="1">
-                        <a:defRPr/>
-                      </a:pPr>
-                      <a:endParaRPr lang="ko-KR" altLang="en-US"/>
-                    </a:p>
-                  </a:txBody>
-                  <a:tcPr/>
-                </a:tc>
-                <a:tc hMerge="1">
-                  <a:txBody>
-                    <a:bodyPr/>
-                    <a:lstStyle/>
-                    <a:p>
-                      <a:pPr latinLnBrk="1">
-                        <a:defRPr/>
-                      </a:pPr>
-                      <a:endParaRPr lang="ko-KR" altLang="en-US"/>
-                    </a:p>
-                  </a:txBody>
-                  <a:tcPr>
-                    <a:lnL w="3556" cap="flat" cmpd="sng" algn="ctr">
-                      <a:solidFill>
-                        <a:srgbClr val="000000"/>
-                      </a:solidFill>
-                      <a:prstDash val="solid"/>
-                      <a:round/>
-                      <a:headEnd w="med" len="med"/>
-                      <a:tailEnd w="med" len="med"/>
-                    </a:lnL>
-                  </a:tcPr>
-                </a:tc>
-                <a:extLst>
-                  <a:ext uri="{0D108BD9-81ED-4DB2-BD59-A6C34878D82A}">
-                    <a16:rowId xmlns:a16="http://schemas.microsoft.com/office/drawing/2014/main" val="10003"/>
-                  </a:ext>
-                </a:extLst>
-              </a:tr>
-              <a:tr h="534335">
-                <a:tc gridSpan="2">
+                <a:tc>
                   <a:txBody>
                     <a:bodyPr/>
                     <a:lstStyle/>
@@ -5028,7 +4950,7 @@
                           <a:ea typeface="+mn-ea"/>
                           <a:cs typeface="함초롬바탕"/>
                         </a:rPr>
-                        <a:t>이름</a:t>
+                        <a:t>전번</a:t>
                       </a:r>
                       <a:endParaRPr lang="ko-KR" altLang="en-US" sz="1200" b="1" kern="0" spc="0">
                         <a:solidFill>
@@ -5041,18 +4963,18 @@
                     </a:p>
                   </a:txBody>
                   <a:tcPr marL="46713" marR="46713" marT="12915" marB="12915" anchor="ctr">
-                    <a:lnL w="3556" cap="flat" cmpd="sng" algn="ctr">
+                    <a:lnL w="12700" cap="flat" cmpd="sng" algn="ctr">
+                      <a:solidFill>
+                        <a:schemeClr val="tx1"/>
+                      </a:solidFill>
+                      <a:prstDash val="solid"/>
+                      <a:round/>
+                      <a:headEnd w="med" len="med"/>
+                      <a:tailEnd w="med" len="med"/>
+                    </a:lnL>
+                    <a:lnR w="7112" cap="flat" cmpd="sng" algn="ctr">
                       <a:solidFill>
                         <a:srgbClr val="000000"/>
-                      </a:solidFill>
-                      <a:prstDash val="solid"/>
-                      <a:round/>
-                      <a:headEnd w="med" len="med"/>
-                      <a:tailEnd w="med" len="med"/>
-                    </a:lnL>
-                    <a:lnR w="12700" cap="flat" cmpd="sng" algn="ctr">
-                      <a:solidFill>
-                        <a:schemeClr val="tx1"/>
                       </a:solidFill>
                       <a:prstDash val="solid"/>
                       <a:round/>
@@ -5083,19 +5005,6 @@
                       </a:schemeClr>
                     </a:solidFill>
                   </a:tcPr>
-                </a:tc>
-                <a:tc hMerge="1">
-                  <a:txBody>
-                    <a:bodyPr/>
-                    <a:lstStyle/>
-                    <a:p>
-                      <a:pPr latinLnBrk="1">
-                        <a:defRPr/>
-                      </a:pPr>
-                      <a:endParaRPr lang="ko-KR" altLang="en-US"/>
-                    </a:p>
-                  </a:txBody>
-                  <a:tcPr/>
                 </a:tc>
                 <a:tc>
                   <a:txBody>
@@ -5115,7 +5024,7 @@
                         <a:defRPr/>
                       </a:pPr>
                       <a:r>
-                        <a:rPr lang="ko-KR" altLang="en-US" sz="1200" b="1" kern="0" spc="0">
+                        <a:rPr lang="ko-KR" altLang="en-US" sz="1200" b="1" kern="0" spc="0" dirty="0">
                           <a:solidFill>
                             <a:srgbClr val="000000"/>
                           </a:solidFill>
@@ -5124,9 +5033,9 @@
                           <a:ea typeface="+mn-ea"/>
                           <a:cs typeface="함초롬바탕"/>
                         </a:rPr>
-                        <a:t>전번</a:t>
-                      </a:r>
-                      <a:endParaRPr lang="ko-KR" altLang="en-US" sz="1200" b="1" kern="0" spc="0">
+                        <a:t>이메일 주소</a:t>
+                      </a:r>
+                      <a:endParaRPr lang="ko-KR" altLang="en-US" sz="1200" b="1" kern="0" spc="0" dirty="0">
                         <a:solidFill>
                           <a:srgbClr val="000000"/>
                         </a:solidFill>
@@ -5137,23 +5046,23 @@
                     </a:p>
                   </a:txBody>
                   <a:tcPr marL="46713" marR="46713" marT="12915" marB="12915" anchor="ctr">
-                    <a:lnL w="12700" cap="flat" cmpd="sng" algn="ctr">
+                    <a:lnL w="7112" cap="flat" cmpd="sng" algn="ctr">
+                      <a:solidFill>
+                        <a:srgbClr val="000000"/>
+                      </a:solidFill>
+                      <a:prstDash val="solid"/>
+                      <a:round/>
+                      <a:headEnd w="med" len="med"/>
+                      <a:tailEnd w="med" len="med"/>
+                    </a:lnL>
+                    <a:lnR w="12700" cap="flat" cmpd="sng" algn="ctr">
                       <a:solidFill>
                         <a:schemeClr val="tx1"/>
                       </a:solidFill>
                       <a:prstDash val="solid"/>
                       <a:round/>
-                      <a:headEnd w="med" len="med"/>
-                      <a:tailEnd w="med" len="med"/>
-                    </a:lnL>
-                    <a:lnR w="7112" cap="flat" cmpd="sng" algn="ctr">
-                      <a:solidFill>
-                        <a:srgbClr val="000000"/>
-                      </a:solidFill>
-                      <a:prstDash val="solid"/>
-                      <a:round/>
-                      <a:headEnd w="med" len="med"/>
-                      <a:tailEnd w="med" len="med"/>
+                      <a:headEnd type="none" w="med" len="med"/>
+                      <a:tailEnd type="none" w="med" len="med"/>
                     </a:lnR>
                     <a:lnT w="12700" cap="flat" cmpd="sng" algn="ctr">
                       <a:solidFill>
@@ -5170,8 +5079,8 @@
                       </a:solidFill>
                       <a:prstDash val="solid"/>
                       <a:round/>
-                      <a:headEnd w="med" len="med"/>
-                      <a:tailEnd w="med" len="med"/>
+                      <a:headEnd type="none" w="med" len="med"/>
+                      <a:tailEnd type="none" w="med" len="med"/>
                     </a:lnB>
                     <a:solidFill>
                       <a:schemeClr val="bg1">
@@ -5180,7 +5089,7 @@
                     </a:solidFill>
                   </a:tcPr>
                 </a:tc>
-                <a:tc>
+                <a:tc gridSpan="2">
                   <a:txBody>
                     <a:bodyPr/>
                     <a:lstStyle/>
@@ -5198,7 +5107,7 @@
                         <a:defRPr/>
                       </a:pPr>
                       <a:r>
-                        <a:rPr lang="ko-KR" altLang="en-US" sz="1200" b="1" kern="0" spc="0">
+                        <a:rPr lang="ko-KR" altLang="en-US" sz="1200" b="1" kern="0" spc="0" dirty="0">
                           <a:solidFill>
                             <a:srgbClr val="000000"/>
                           </a:solidFill>
@@ -5207,9 +5116,9 @@
                           <a:ea typeface="+mn-ea"/>
                           <a:cs typeface="함초롬바탕"/>
                         </a:rPr>
-                        <a:t>이메일 주소</a:t>
-                      </a:r>
-                      <a:endParaRPr lang="ko-KR" altLang="en-US" sz="1200" b="1" kern="0" spc="0">
+                        <a:t>역할</a:t>
+                      </a:r>
+                      <a:endParaRPr lang="ko-KR" altLang="en-US" sz="1200" b="1" kern="0" spc="0" dirty="0">
                         <a:solidFill>
                           <a:srgbClr val="000000"/>
                         </a:solidFill>
@@ -5220,14 +5129,14 @@
                     </a:p>
                   </a:txBody>
                   <a:tcPr marL="46713" marR="46713" marT="12915" marB="12915" anchor="ctr">
-                    <a:lnL w="7112" cap="flat" cmpd="sng" algn="ctr">
-                      <a:solidFill>
-                        <a:srgbClr val="000000"/>
-                      </a:solidFill>
-                      <a:prstDash val="solid"/>
-                      <a:round/>
-                      <a:headEnd w="med" len="med"/>
-                      <a:tailEnd w="med" len="med"/>
+                    <a:lnL w="12700" cap="flat" cmpd="sng" algn="ctr">
+                      <a:solidFill>
+                        <a:schemeClr val="tx1"/>
+                      </a:solidFill>
+                      <a:prstDash val="solid"/>
+                      <a:round/>
+                      <a:headEnd type="none" w="med" len="med"/>
+                      <a:tailEnd type="none" w="med" len="med"/>
                     </a:lnL>
                     <a:lnR w="12700" cap="flat" cmpd="sng" algn="ctr">
                       <a:solidFill>
@@ -5235,8 +5144,8 @@
                       </a:solidFill>
                       <a:prstDash val="solid"/>
                       <a:round/>
-                      <a:headEnd w="med" len="med"/>
-                      <a:tailEnd w="med" len="med"/>
+                      <a:headEnd type="none" w="med" len="med"/>
+                      <a:tailEnd type="none" w="med" len="med"/>
                     </a:lnR>
                     <a:lnT w="12700" cap="flat" cmpd="sng" algn="ctr">
                       <a:solidFill>
@@ -5244,8 +5153,8 @@
                       </a:solidFill>
                       <a:prstDash val="solid"/>
                       <a:round/>
-                      <a:headEnd w="med" len="med"/>
-                      <a:tailEnd w="med" len="med"/>
+                      <a:headEnd type="none" w="med" len="med"/>
+                      <a:tailEnd type="none" w="med" len="med"/>
                     </a:lnT>
                     <a:lnB w="12700" cap="flat" cmpd="sng" algn="ctr">
                       <a:solidFill>
@@ -5253,8 +5162,8 @@
                       </a:solidFill>
                       <a:prstDash val="solid"/>
                       <a:round/>
-                      <a:headEnd w="med" len="med"/>
-                      <a:tailEnd w="med" len="med"/>
+                      <a:headEnd type="none" w="med" len="med"/>
+                      <a:tailEnd type="none" w="med" len="med"/>
                     </a:lnB>
                     <a:solidFill>
                       <a:schemeClr val="bg1">
@@ -5263,7 +5172,7 @@
                     </a:solidFill>
                   </a:tcPr>
                 </a:tc>
-                <a:tc gridSpan="2">
+                <a:tc hMerge="1">
                   <a:txBody>
                     <a:bodyPr/>
                     <a:lstStyle/>
@@ -5280,32 +5189,19 @@
                         </a:spcAft>
                         <a:defRPr/>
                       </a:pPr>
-                      <a:r>
-                        <a:rPr lang="ko-KR" altLang="en-US" sz="1200" b="1" kern="0" spc="0">
-                          <a:solidFill>
-                            <a:srgbClr val="000000"/>
-                          </a:solidFill>
-                          <a:effectLst/>
-                          <a:latin typeface="+mn-ea"/>
-                          <a:ea typeface="+mn-ea"/>
-                          <a:cs typeface="함초롬바탕"/>
-                        </a:rPr>
-                        <a:t>역할</a:t>
-                      </a:r>
-                      <a:endParaRPr lang="ko-KR" altLang="en-US" sz="1200" b="1" kern="0" spc="0">
+                      <a:endParaRPr lang="ko-KR" altLang="en-US" sz="1200" kern="0" spc="0">
                         <a:solidFill>
                           <a:srgbClr val="000000"/>
                         </a:solidFill>
-                        <a:latin typeface="+mn-ea"/>
-                        <a:ea typeface="+mn-ea"/>
-                        <a:cs typeface="함초롬바탕"/>
+                        <a:effectLst/>
+                        <a:latin typeface="함초롬바탕"/>
                       </a:endParaRPr>
                     </a:p>
                   </a:txBody>
                   <a:tcPr marL="46713" marR="46713" marT="12915" marB="12915" anchor="ctr">
-                    <a:lnL w="12700" cap="flat" cmpd="sng" algn="ctr">
-                      <a:solidFill>
-                        <a:schemeClr val="tx1"/>
+                    <a:lnL w="7112" cap="flat" cmpd="sng" algn="ctr">
+                      <a:solidFill>
+                        <a:srgbClr val="000000"/>
                       </a:solidFill>
                       <a:prstDash val="solid"/>
                       <a:round/>
@@ -5321,9 +5217,9 @@
                       <a:headEnd w="med" len="med"/>
                       <a:tailEnd w="med" len="med"/>
                     </a:lnR>
-                    <a:lnT w="12700" cap="flat" cmpd="sng" algn="ctr">
-                      <a:solidFill>
-                        <a:schemeClr val="tx1"/>
+                    <a:lnT w="7112" cap="flat" cmpd="sng" algn="ctr">
+                      <a:solidFill>
+                        <a:srgbClr val="000000"/>
                       </a:solidFill>
                       <a:prstDash val="solid"/>
                       <a:round/>
@@ -5339,14 +5235,9 @@
                       <a:headEnd w="med" len="med"/>
                       <a:tailEnd w="med" len="med"/>
                     </a:lnB>
-                    <a:solidFill>
-                      <a:schemeClr val="bg1">
-                        <a:lumMod val="85000"/>
-                      </a:schemeClr>
-                    </a:solidFill>
                   </a:tcPr>
                 </a:tc>
-                <a:tc hMerge="1">
+                <a:tc gridSpan="3">
                   <a:txBody>
                     <a:bodyPr/>
                     <a:lstStyle/>
@@ -5363,42 +5254,55 @@
                         </a:spcAft>
                         <a:defRPr/>
                       </a:pPr>
-                      <a:endParaRPr lang="ko-KR" altLang="en-US" sz="1200" kern="0" spc="0">
+                      <a:r>
+                        <a:rPr lang="ko-KR" altLang="en-US" sz="1200" b="1" kern="0" spc="0">
+                          <a:solidFill>
+                            <a:srgbClr val="000000"/>
+                          </a:solidFill>
+                          <a:effectLst/>
+                          <a:latin typeface="+mn-ea"/>
+                          <a:ea typeface="+mn-ea"/>
+                          <a:cs typeface="함초롬바탕"/>
+                        </a:rPr>
+                        <a:t>역할의 구체적 내용</a:t>
+                      </a:r>
+                      <a:endParaRPr lang="ko-KR" altLang="en-US" sz="1200" b="1" kern="0" spc="0">
                         <a:solidFill>
                           <a:srgbClr val="000000"/>
                         </a:solidFill>
-                        <a:effectLst/>
-                        <a:latin typeface="함초롬바탕"/>
+                        <a:latin typeface="+mn-ea"/>
+                        <a:ea typeface="+mn-ea"/>
+                        <a:cs typeface="함초롬바탕"/>
                       </a:endParaRPr>
                     </a:p>
                   </a:txBody>
                   <a:tcPr marL="46713" marR="46713" marT="12915" marB="12915" anchor="ctr">
-                    <a:lnL w="7112" cap="flat" cmpd="sng" algn="ctr">
-                      <a:solidFill>
-                        <a:srgbClr val="000000"/>
-                      </a:solidFill>
-                      <a:prstDash val="solid"/>
-                      <a:round/>
-                      <a:headEnd w="med" len="med"/>
-                      <a:tailEnd w="med" len="med"/>
+                    <a:lnL w="12700" cap="flat" cmpd="sng" algn="ctr">
+                      <a:solidFill>
+                        <a:schemeClr val="tx1"/>
+                      </a:solidFill>
+                      <a:prstDash val="solid"/>
+                      <a:round/>
+                      <a:headEnd type="none" w="med" len="med"/>
+                      <a:tailEnd type="none" w="med" len="med"/>
                     </a:lnL>
-                    <a:lnR w="7112" cap="flat" cmpd="sng" algn="ctr">
-                      <a:solidFill>
-                        <a:srgbClr val="000000"/>
-                      </a:solidFill>
-                      <a:prstDash val="solid"/>
-                      <a:round/>
-                      <a:headEnd w="med" len="med"/>
-                      <a:tailEnd w="med" len="med"/>
+                    <a:lnR w="12700" cap="flat" cmpd="sng" algn="ctr">
+                      <a:solidFill>
+                        <a:schemeClr val="tx1"/>
+                      </a:solidFill>
+                      <a:prstDash val="solid"/>
+                      <a:round/>
+                      <a:headEnd type="none" w="med" len="med"/>
+                      <a:tailEnd type="none" w="med" len="med"/>
                     </a:lnR>
-                    <a:lnT w="7112" cap="flat" cmpd="sng" algn="ctr">
-                      <a:solidFill>
-                        <a:srgbClr val="000000"/>
-                      </a:solidFill>
-                      <a:prstDash val="solid"/>
-                      <a:round/>
-                      <a:headEnd w="med" len="med"/>
-                      <a:tailEnd w="med" len="med"/>
+                    <a:lnT w="12700" cap="flat" cmpd="sng" algn="ctr">
+                      <a:solidFill>
+                        <a:schemeClr val="tx1"/>
+                      </a:solidFill>
+                      <a:prstDash val="solid"/>
+                      <a:round/>
+                      <a:headEnd type="none" w="med" len="med"/>
+                      <a:tailEnd type="none" w="med" len="med"/>
                     </a:lnT>
                     <a:lnB w="12700" cap="flat" cmpd="sng" algn="ctr">
                       <a:solidFill>
@@ -5406,12 +5310,50 @@
                       </a:solidFill>
                       <a:prstDash val="solid"/>
                       <a:round/>
-                      <a:headEnd w="med" len="med"/>
-                      <a:tailEnd w="med" len="med"/>
+                      <a:headEnd type="none" w="med" len="med"/>
+                      <a:tailEnd type="none" w="med" len="med"/>
                     </a:lnB>
+                    <a:solidFill>
+                      <a:schemeClr val="bg1">
+                        <a:lumMod val="85000"/>
+                      </a:schemeClr>
+                    </a:solidFill>
                   </a:tcPr>
                 </a:tc>
-                <a:tc gridSpan="3">
+                <a:tc hMerge="1">
+                  <a:txBody>
+                    <a:bodyPr/>
+                    <a:lstStyle/>
+                    <a:p>
+                      <a:pPr latinLnBrk="1">
+                        <a:defRPr/>
+                      </a:pPr>
+                      <a:endParaRPr lang="ko-KR" altLang="en-US"/>
+                    </a:p>
+                  </a:txBody>
+                  <a:tcPr/>
+                </a:tc>
+                <a:tc hMerge="1">
+                  <a:txBody>
+                    <a:bodyPr/>
+                    <a:lstStyle/>
+                    <a:p>
+                      <a:pPr latinLnBrk="1">
+                        <a:defRPr/>
+                      </a:pPr>
+                      <a:endParaRPr lang="ko-KR" altLang="en-US"/>
+                    </a:p>
+                  </a:txBody>
+                  <a:tcPr/>
+                </a:tc>
+                <a:extLst>
+                  <a:ext uri="{0D108BD9-81ED-4DB2-BD59-A6C34878D82A}">
+                    <a16:rowId xmlns:a16="http://schemas.microsoft.com/office/drawing/2014/main" val="10004"/>
+                  </a:ext>
+                </a:extLst>
+              </a:tr>
+              <a:tr h="410626">
+                <a:tc gridSpan="2">
                   <a:txBody>
                     <a:bodyPr/>
                     <a:lstStyle/>
@@ -5429,7 +5371,7 @@
                         <a:defRPr/>
                       </a:pPr>
                       <a:r>
-                        <a:rPr lang="ko-KR" altLang="en-US" sz="1200" b="1" kern="0" spc="0">
+                        <a:rPr lang="ko-KR" altLang="en-US" sz="1200" kern="0" spc="0">
                           <a:solidFill>
                             <a:srgbClr val="000000"/>
                           </a:solidFill>
@@ -5438,40 +5380,32 @@
                           <a:ea typeface="+mn-ea"/>
                           <a:cs typeface="함초롬바탕"/>
                         </a:rPr>
-                        <a:t>역할의 구체적 내용</a:t>
-                      </a:r>
-                      <a:endParaRPr lang="ko-KR" altLang="en-US" sz="1200" b="1" kern="0" spc="0">
-                        <a:solidFill>
-                          <a:srgbClr val="000000"/>
-                        </a:solidFill>
-                        <a:latin typeface="+mn-ea"/>
-                        <a:ea typeface="+mn-ea"/>
-                        <a:cs typeface="함초롬바탕"/>
-                      </a:endParaRPr>
+                        <a:t>서다현</a:t>
+                      </a:r>
                     </a:p>
                   </a:txBody>
                   <a:tcPr marL="46713" marR="46713" marT="12915" marB="12915" anchor="ctr">
-                    <a:lnL w="7112" cap="flat" cmpd="sng" algn="ctr">
-                      <a:solidFill>
-                        <a:srgbClr val="000000"/>
-                      </a:solidFill>
-                      <a:prstDash val="solid"/>
-                      <a:round/>
-                      <a:headEnd w="med" len="med"/>
-                      <a:tailEnd w="med" len="med"/>
+                    <a:lnL w="12700" cap="flat" cmpd="sng" algn="ctr">
+                      <a:solidFill>
+                        <a:schemeClr val="tx1"/>
+                      </a:solidFill>
+                      <a:prstDash val="solid"/>
+                      <a:round/>
+                      <a:headEnd type="none" w="med" len="med"/>
+                      <a:tailEnd type="none" w="med" len="med"/>
                     </a:lnL>
-                    <a:lnR w="3556" cap="flat" cmpd="sng" algn="ctr">
-                      <a:solidFill>
-                        <a:srgbClr val="000000"/>
+                    <a:lnR w="12700" cap="flat" cmpd="sng" algn="ctr">
+                      <a:solidFill>
+                        <a:schemeClr val="tx1"/>
                       </a:solidFill>
                       <a:prstDash val="solid"/>
                       <a:round/>
                       <a:headEnd w="med" len="med"/>
                       <a:tailEnd w="med" len="med"/>
                     </a:lnR>
-                    <a:lnT w="7112" cap="flat" cmpd="sng" algn="ctr">
-                      <a:solidFill>
-                        <a:srgbClr val="000000"/>
+                    <a:lnT w="12700" cap="flat" cmpd="sng" algn="ctr">
+                      <a:solidFill>
+                        <a:schemeClr val="tx1"/>
                       </a:solidFill>
                       <a:prstDash val="solid"/>
                       <a:round/>
@@ -5487,11 +5421,6 @@
                       <a:headEnd w="med" len="med"/>
                       <a:tailEnd w="med" len="med"/>
                     </a:lnB>
-                    <a:solidFill>
-                      <a:schemeClr val="bg1">
-                        <a:lumMod val="85000"/>
-                      </a:schemeClr>
-                    </a:solidFill>
                   </a:tcPr>
                 </a:tc>
                 <a:tc hMerge="1">
@@ -5507,27 +5436,7 @@
                   </a:txBody>
                   <a:tcPr/>
                 </a:tc>
-                <a:tc hMerge="1">
-                  <a:txBody>
-                    <a:bodyPr/>
-                    <a:lstStyle/>
-                    <a:p>
-                      <a:pPr latinLnBrk="1">
-                        <a:defRPr/>
-                      </a:pPr>
-                      <a:endParaRPr lang="ko-KR" altLang="en-US"/>
-                    </a:p>
-                  </a:txBody>
-                  <a:tcPr/>
-                </a:tc>
-                <a:extLst>
-                  <a:ext uri="{0D108BD9-81ED-4DB2-BD59-A6C34878D82A}">
-                    <a16:rowId xmlns:a16="http://schemas.microsoft.com/office/drawing/2014/main" val="10004"/>
-                  </a:ext>
-                </a:extLst>
-              </a:tr>
-              <a:tr h="410626">
-                <a:tc gridSpan="2">
+                <a:tc>
                   <a:txBody>
                     <a:bodyPr/>
                     <a:lstStyle/>
@@ -5545,23 +5454,15 @@
                         <a:defRPr/>
                       </a:pPr>
                       <a:r>
-                        <a:rPr lang="ko-KR" altLang="en-US" sz="1200" kern="0" spc="0">
-                          <a:solidFill>
-                            <a:srgbClr val="000000"/>
-                          </a:solidFill>
-                          <a:effectLst/>
-                          <a:latin typeface="+mn-ea"/>
-                          <a:ea typeface="+mn-ea"/>
-                          <a:cs typeface="함초롬바탕"/>
-                        </a:rPr>
-                        <a:t>서다현</a:t>
+                        <a:rPr lang="en-US" altLang="ko-KR" sz="1200"/>
+                        <a:t>010-4828-4220</a:t>
                       </a:r>
                     </a:p>
                   </a:txBody>
                   <a:tcPr marL="46713" marR="46713" marT="12915" marB="12915" anchor="ctr">
-                    <a:lnL w="3556" cap="flat" cmpd="sng" algn="ctr">
-                      <a:solidFill>
-                        <a:srgbClr val="000000"/>
+                    <a:lnL w="12700" cap="flat" cmpd="sng" algn="ctr">
+                      <a:solidFill>
+                        <a:schemeClr val="tx1"/>
                       </a:solidFill>
                       <a:prstDash val="solid"/>
                       <a:round/>
@@ -5574,8 +5475,8 @@
                       </a:solidFill>
                       <a:prstDash val="solid"/>
                       <a:round/>
-                      <a:headEnd w="med" len="med"/>
-                      <a:tailEnd w="med" len="med"/>
+                      <a:headEnd type="none" w="med" len="med"/>
+                      <a:tailEnd type="none" w="med" len="med"/>
                     </a:lnR>
                     <a:lnT w="12700" cap="flat" cmpd="sng" algn="ctr">
                       <a:solidFill>
@@ -5597,20 +5498,113 @@
                     </a:lnB>
                   </a:tcPr>
                 </a:tc>
+                <a:tc>
+                  <a:txBody>
+                    <a:bodyPr/>
+                    <a:lstStyle/>
+                    <a:p>
+                      <a:pPr latinLnBrk="1">
+                        <a:defRPr/>
+                      </a:pPr>
+                      <a:r>
+                        <a:rPr lang="en-US" altLang="ko-KR" sz="1200" dirty="0"/>
+                        <a:t>siren199704@gmail.com</a:t>
+                      </a:r>
+                    </a:p>
+                  </a:txBody>
+                  <a:tcPr marL="46713" marR="46713" marT="12915" marB="12915" anchor="ctr">
+                    <a:lnL w="12700" cap="flat" cmpd="sng" algn="ctr">
+                      <a:solidFill>
+                        <a:schemeClr val="tx1"/>
+                      </a:solidFill>
+                      <a:prstDash val="solid"/>
+                      <a:round/>
+                      <a:headEnd type="none" w="med" len="med"/>
+                      <a:tailEnd type="none" w="med" len="med"/>
+                    </a:lnL>
+                    <a:lnR w="12700" cap="flat" cmpd="sng" algn="ctr">
+                      <a:solidFill>
+                        <a:schemeClr val="tx1"/>
+                      </a:solidFill>
+                      <a:prstDash val="solid"/>
+                      <a:round/>
+                      <a:headEnd type="none" w="med" len="med"/>
+                      <a:tailEnd type="none" w="med" len="med"/>
+                    </a:lnR>
+                    <a:lnT w="12700" cap="flat" cmpd="sng" algn="ctr">
+                      <a:solidFill>
+                        <a:schemeClr val="tx1"/>
+                      </a:solidFill>
+                      <a:prstDash val="solid"/>
+                      <a:round/>
+                      <a:headEnd type="none" w="med" len="med"/>
+                      <a:tailEnd type="none" w="med" len="med"/>
+                    </a:lnT>
+                    <a:lnB w="12700" cap="flat" cmpd="sng" algn="ctr">
+                      <a:solidFill>
+                        <a:schemeClr val="tx1"/>
+                      </a:solidFill>
+                      <a:prstDash val="solid"/>
+                      <a:round/>
+                      <a:headEnd type="none" w="med" len="med"/>
+                      <a:tailEnd type="none" w="med" len="med"/>
+                    </a:lnB>
+                  </a:tcPr>
+                </a:tc>
+                <a:tc gridSpan="2">
+                  <a:txBody>
+                    <a:bodyPr/>
+                    <a:lstStyle/>
+                    <a:p>
+                      <a:pPr algn="ctr" latinLnBrk="1">
+                        <a:defRPr/>
+                      </a:pPr>
+                      <a:r>
+                        <a:rPr lang="ko-KR" altLang="en-US" sz="1200" dirty="0"/>
+                        <a:t>팀장</a:t>
+                      </a:r>
+                    </a:p>
+                  </a:txBody>
+                  <a:tcPr marL="46713" marR="46713" marT="12915" marB="12915" anchor="ctr">
+                    <a:lnL w="12700" cap="flat" cmpd="sng" algn="ctr">
+                      <a:solidFill>
+                        <a:schemeClr val="tx1"/>
+                      </a:solidFill>
+                      <a:prstDash val="solid"/>
+                      <a:round/>
+                      <a:headEnd type="none" w="med" len="med"/>
+                      <a:tailEnd type="none" w="med" len="med"/>
+                    </a:lnL>
+                    <a:lnR w="12700" cap="flat" cmpd="sng" algn="ctr">
+                      <a:solidFill>
+                        <a:schemeClr val="tx1"/>
+                      </a:solidFill>
+                      <a:prstDash val="solid"/>
+                      <a:round/>
+                      <a:headEnd type="none" w="med" len="med"/>
+                      <a:tailEnd type="none" w="med" len="med"/>
+                    </a:lnR>
+                    <a:lnT w="12700" cap="flat" cmpd="sng" algn="ctr">
+                      <a:solidFill>
+                        <a:schemeClr val="tx1"/>
+                      </a:solidFill>
+                      <a:prstDash val="solid"/>
+                      <a:round/>
+                      <a:headEnd type="none" w="med" len="med"/>
+                      <a:tailEnd type="none" w="med" len="med"/>
+                    </a:lnT>
+                    <a:lnB w="12700" cap="flat" cmpd="sng" algn="ctr">
+                      <a:solidFill>
+                        <a:schemeClr val="tx1"/>
+                      </a:solidFill>
+                      <a:prstDash val="solid"/>
+                      <a:round/>
+                      <a:headEnd type="none" w="med" len="med"/>
+                      <a:tailEnd type="none" w="med" len="med"/>
+                    </a:lnB>
+                  </a:tcPr>
+                </a:tc>
                 <a:tc hMerge="1">
-                  <a:txBody>
-                    <a:bodyPr/>
-                    <a:lstStyle/>
-                    <a:p>
-                      <a:pPr latinLnBrk="1">
-                        <a:defRPr/>
-                      </a:pPr>
-                      <a:endParaRPr lang="ko-KR" altLang="en-US"/>
-                    </a:p>
-                  </a:txBody>
-                  <a:tcPr/>
-                </a:tc>
-                <a:tc>
                   <a:txBody>
                     <a:bodyPr/>
                     <a:lstStyle/>
@@ -5627,9 +5621,89 @@
                         </a:spcAft>
                         <a:defRPr/>
                       </a:pPr>
-                      <a:r>
-                        <a:rPr lang="en-US" altLang="ko-KR" sz="1200"/>
-                        <a:t>010-4828-4220</a:t>
+                      <a:endParaRPr lang="ko-KR" altLang="en-US" sz="1200" b="1" kern="0" spc="0">
+                        <a:solidFill>
+                          <a:srgbClr val="000000"/>
+                        </a:solidFill>
+                        <a:effectLst/>
+                        <a:latin typeface="함초롬바탕"/>
+                      </a:endParaRPr>
+                    </a:p>
+                  </a:txBody>
+                  <a:tcPr marL="46713" marR="46713" marT="12915" marB="12915" anchor="ctr">
+                    <a:lnL w="7112" cap="flat" cmpd="sng" algn="ctr">
+                      <a:solidFill>
+                        <a:srgbClr val="000000"/>
+                      </a:solidFill>
+                      <a:prstDash val="solid"/>
+                      <a:round/>
+                      <a:headEnd w="med" len="med"/>
+                      <a:tailEnd w="med" len="med"/>
+                    </a:lnL>
+                    <a:lnR w="7112" cap="flat" cmpd="sng" algn="ctr">
+                      <a:solidFill>
+                        <a:srgbClr val="000000"/>
+                      </a:solidFill>
+                      <a:prstDash val="solid"/>
+                      <a:round/>
+                      <a:headEnd w="med" len="med"/>
+                      <a:tailEnd w="med" len="med"/>
+                    </a:lnR>
+                    <a:lnT w="12700" cap="flat" cmpd="sng" algn="ctr">
+                      <a:solidFill>
+                        <a:schemeClr val="tx1"/>
+                      </a:solidFill>
+                      <a:prstDash val="solid"/>
+                      <a:round/>
+                      <a:headEnd w="med" len="med"/>
+                      <a:tailEnd w="med" len="med"/>
+                    </a:lnT>
+                    <a:lnB w="12700" cap="flat" cmpd="sng" algn="ctr">
+                      <a:solidFill>
+                        <a:schemeClr val="tx1"/>
+                      </a:solidFill>
+                      <a:prstDash val="solid"/>
+                      <a:round/>
+                      <a:headEnd w="med" len="med"/>
+                      <a:tailEnd w="med" len="med"/>
+                    </a:lnB>
+                  </a:tcPr>
+                </a:tc>
+                <a:tc gridSpan="3">
+                  <a:txBody>
+                    <a:bodyPr/>
+                    <a:lstStyle/>
+                    <a:p>
+                      <a:pPr latinLnBrk="1">
+                        <a:defRPr/>
+                      </a:pPr>
+                      <a:r>
+                        <a:rPr lang="ko-KR" altLang="en-US" sz="1200" dirty="0"/>
+                        <a:t>깃 허브</a:t>
+                      </a:r>
+                      <a:r>
+                        <a:rPr lang="en-US" altLang="ko-KR" sz="1200" dirty="0"/>
+                        <a:t>,</a:t>
+                      </a:r>
+                      <a:r>
+                        <a:rPr lang="ko-KR" altLang="en-US" sz="1200" dirty="0"/>
+                        <a:t> </a:t>
+                      </a:r>
+                      <a:r>
+                        <a:rPr lang="en-US" altLang="ko-KR" sz="1200" dirty="0"/>
+                        <a:t>DB</a:t>
+                      </a:r>
+                      <a:r>
+                        <a:rPr lang="ko-KR" altLang="en-US" sz="1200" dirty="0"/>
+                        <a:t>관리</a:t>
+                      </a:r>
+                      <a:r>
+                        <a:rPr lang="en-US" altLang="ko-KR" sz="1200" dirty="0"/>
+                        <a:t>,</a:t>
+                      </a:r>
+                      <a:r>
+                        <a:rPr lang="ko-KR" altLang="en-US" sz="1200" dirty="0"/>
+                        <a:t> 회원 시스템 구축</a:t>
                       </a:r>
                     </a:p>
                   </a:txBody>
@@ -5640,17 +5714,17 @@
                       </a:solidFill>
                       <a:prstDash val="solid"/>
                       <a:round/>
-                      <a:headEnd w="med" len="med"/>
-                      <a:tailEnd w="med" len="med"/>
+                      <a:headEnd type="none" w="med" len="med"/>
+                      <a:tailEnd type="none" w="med" len="med"/>
                     </a:lnL>
-                    <a:lnR w="7112" cap="flat" cmpd="sng" algn="ctr">
-                      <a:solidFill>
-                        <a:srgbClr val="000000"/>
-                      </a:solidFill>
-                      <a:prstDash val="solid"/>
-                      <a:round/>
-                      <a:headEnd w="med" len="med"/>
-                      <a:tailEnd w="med" len="med"/>
+                    <a:lnR w="12700" cap="flat" cmpd="sng" algn="ctr">
+                      <a:solidFill>
+                        <a:schemeClr val="tx1"/>
+                      </a:solidFill>
+                      <a:prstDash val="solid"/>
+                      <a:round/>
+                      <a:headEnd type="none" w="med" len="med"/>
+                      <a:tailEnd type="none" w="med" len="med"/>
                     </a:lnR>
                     <a:lnT w="12700" cap="flat" cmpd="sng" algn="ctr">
                       <a:solidFill>
@@ -5658,8 +5732,8 @@
                       </a:solidFill>
                       <a:prstDash val="solid"/>
                       <a:round/>
-                      <a:headEnd w="med" len="med"/>
-                      <a:tailEnd w="med" len="med"/>
+                      <a:headEnd type="none" w="med" len="med"/>
+                      <a:tailEnd type="none" w="med" len="med"/>
                     </a:lnT>
                     <a:lnB w="12700" cap="flat" cmpd="sng" algn="ctr">
                       <a:solidFill>
@@ -5667,12 +5741,12 @@
                       </a:solidFill>
                       <a:prstDash val="solid"/>
                       <a:round/>
-                      <a:headEnd w="med" len="med"/>
-                      <a:tailEnd w="med" len="med"/>
+                      <a:headEnd type="none" w="med" len="med"/>
+                      <a:tailEnd type="none" w="med" len="med"/>
                     </a:lnB>
                   </a:tcPr>
                 </a:tc>
-                <a:tc>
+                <a:tc hMerge="1">
                   <a:txBody>
                     <a:bodyPr/>
                     <a:lstStyle/>
@@ -5680,105 +5754,32 @@
                       <a:pPr latinLnBrk="1">
                         <a:defRPr/>
                       </a:pPr>
-                      <a:r>
-                        <a:rPr lang="en-US" altLang="ko-KR" sz="1200"/>
-                        <a:t>siren199704@gmail.com</a:t>
-                      </a:r>
-                    </a:p>
-                  </a:txBody>
-                  <a:tcPr marL="46713" marR="46713" marT="12915" marB="12915" anchor="ctr">
-                    <a:lnL w="7112" cap="flat" cmpd="sng" algn="ctr">
-                      <a:solidFill>
-                        <a:srgbClr val="000000"/>
-                      </a:solidFill>
-                      <a:prstDash val="solid"/>
-                      <a:round/>
-                      <a:headEnd w="med" len="med"/>
-                      <a:tailEnd w="med" len="med"/>
-                    </a:lnL>
-                    <a:lnR w="12700" cap="flat" cmpd="sng" algn="ctr">
-                      <a:solidFill>
-                        <a:schemeClr val="tx1"/>
-                      </a:solidFill>
-                      <a:prstDash val="solid"/>
-                      <a:round/>
-                      <a:headEnd w="med" len="med"/>
-                      <a:tailEnd w="med" len="med"/>
-                    </a:lnR>
-                    <a:lnT w="12700" cap="flat" cmpd="sng" algn="ctr">
-                      <a:solidFill>
-                        <a:schemeClr val="tx1"/>
-                      </a:solidFill>
-                      <a:prstDash val="solid"/>
-                      <a:round/>
-                      <a:headEnd w="med" len="med"/>
-                      <a:tailEnd w="med" len="med"/>
-                    </a:lnT>
-                    <a:lnB w="12700" cap="flat" cmpd="sng" algn="ctr">
-                      <a:solidFill>
-                        <a:schemeClr val="tx1"/>
-                      </a:solidFill>
-                      <a:prstDash val="solid"/>
-                      <a:round/>
-                      <a:headEnd w="med" len="med"/>
-                      <a:tailEnd w="med" len="med"/>
-                    </a:lnB>
-                  </a:tcPr>
-                </a:tc>
+                      <a:endParaRPr lang="ko-KR" altLang="en-US"/>
+                    </a:p>
+                  </a:txBody>
+                  <a:tcPr/>
+                </a:tc>
+                <a:tc hMerge="1">
+                  <a:txBody>
+                    <a:bodyPr/>
+                    <a:lstStyle/>
+                    <a:p>
+                      <a:pPr latinLnBrk="1">
+                        <a:defRPr/>
+                      </a:pPr>
+                      <a:endParaRPr lang="ko-KR" altLang="en-US"/>
+                    </a:p>
+                  </a:txBody>
+                  <a:tcPr/>
+                </a:tc>
+                <a:extLst>
+                  <a:ext uri="{0D108BD9-81ED-4DB2-BD59-A6C34878D82A}">
+                    <a16:rowId xmlns:a16="http://schemas.microsoft.com/office/drawing/2014/main" val="10005"/>
+                  </a:ext>
+                </a:extLst>
+              </a:tr>
+              <a:tr h="410626">
                 <a:tc gridSpan="2">
-                  <a:txBody>
-                    <a:bodyPr/>
-                    <a:lstStyle/>
-                    <a:p>
-                      <a:pPr algn="ctr" latinLnBrk="1">
-                        <a:defRPr/>
-                      </a:pPr>
-                      <a:r>
-                        <a:rPr lang="ko-KR" altLang="en-US" sz="1200" dirty="0"/>
-                        <a:t>팀원</a:t>
-                      </a:r>
-                    </a:p>
-                  </a:txBody>
-                  <a:tcPr marL="46713" marR="46713" marT="12915" marB="12915" anchor="ctr">
-                    <a:lnL w="12700" cap="flat" cmpd="sng" algn="ctr">
-                      <a:solidFill>
-                        <a:schemeClr val="tx1"/>
-                      </a:solidFill>
-                      <a:prstDash val="solid"/>
-                      <a:round/>
-                      <a:headEnd w="med" len="med"/>
-                      <a:tailEnd w="med" len="med"/>
-                    </a:lnL>
-                    <a:lnR w="7112" cap="flat" cmpd="sng" algn="ctr">
-                      <a:solidFill>
-                        <a:srgbClr val="000000"/>
-                      </a:solidFill>
-                      <a:prstDash val="solid"/>
-                      <a:round/>
-                      <a:headEnd w="med" len="med"/>
-                      <a:tailEnd w="med" len="med"/>
-                    </a:lnR>
-                    <a:lnT w="12700" cap="flat" cmpd="sng" algn="ctr">
-                      <a:solidFill>
-                        <a:schemeClr val="tx1"/>
-                      </a:solidFill>
-                      <a:prstDash val="solid"/>
-                      <a:round/>
-                      <a:headEnd w="med" len="med"/>
-                      <a:tailEnd w="med" len="med"/>
-                    </a:lnT>
-                    <a:lnB w="12700" cap="flat" cmpd="sng" algn="ctr">
-                      <a:solidFill>
-                        <a:schemeClr val="tx1"/>
-                      </a:solidFill>
-                      <a:prstDash val="solid"/>
-                      <a:round/>
-                      <a:headEnd w="med" len="med"/>
-                      <a:tailEnd w="med" len="med"/>
-                    </a:lnB>
-                  </a:tcPr>
-                </a:tc>
-                <a:tc hMerge="1">
                   <a:txBody>
                     <a:bodyPr/>
                     <a:lstStyle/>
@@ -5795,28 +5796,25 @@
                         </a:spcAft>
                         <a:defRPr/>
                       </a:pPr>
-                      <a:endParaRPr lang="ko-KR" altLang="en-US" sz="1200" b="1" kern="0" spc="0">
-                        <a:solidFill>
-                          <a:srgbClr val="000000"/>
-                        </a:solidFill>
-                        <a:effectLst/>
-                        <a:latin typeface="함초롬바탕"/>
-                      </a:endParaRPr>
+                      <a:r>
+                        <a:rPr lang="ko-KR" altLang="en-US" sz="1200"/>
+                        <a:t>박철규</a:t>
+                      </a:r>
                     </a:p>
                   </a:txBody>
                   <a:tcPr marL="46713" marR="46713" marT="12915" marB="12915" anchor="ctr">
-                    <a:lnL w="7112" cap="flat" cmpd="sng" algn="ctr">
-                      <a:solidFill>
-                        <a:srgbClr val="000000"/>
-                      </a:solidFill>
-                      <a:prstDash val="solid"/>
-                      <a:round/>
-                      <a:headEnd w="med" len="med"/>
-                      <a:tailEnd w="med" len="med"/>
+                    <a:lnL w="12700" cap="flat" cmpd="sng" algn="ctr">
+                      <a:solidFill>
+                        <a:schemeClr val="tx1"/>
+                      </a:solidFill>
+                      <a:prstDash val="solid"/>
+                      <a:round/>
+                      <a:headEnd type="none" w="med" len="med"/>
+                      <a:tailEnd type="none" w="med" len="med"/>
                     </a:lnL>
-                    <a:lnR w="7112" cap="flat" cmpd="sng" algn="ctr">
-                      <a:solidFill>
-                        <a:srgbClr val="000000"/>
+                    <a:lnR w="12700" cap="flat" cmpd="sng" algn="ctr">
+                      <a:solidFill>
+                        <a:schemeClr val="tx1"/>
                       </a:solidFill>
                       <a:prstDash val="solid"/>
                       <a:round/>
@@ -5843,7 +5841,7 @@
                     </a:lnB>
                   </a:tcPr>
                 </a:tc>
-                <a:tc gridSpan="3">
+                <a:tc hMerge="1">
                   <a:txBody>
                     <a:bodyPr/>
                     <a:lstStyle/>
@@ -5851,109 +5849,12 @@
                       <a:pPr latinLnBrk="1">
                         <a:defRPr/>
                       </a:pPr>
-                      <a:r>
-                        <a:rPr lang="ko-KR" altLang="en-US" sz="1200" dirty="0"/>
-                        <a:t>깃 허브</a:t>
-                      </a:r>
-                      <a:r>
-                        <a:rPr lang="en-US" altLang="ko-KR" sz="1200" dirty="0"/>
-                        <a:t>,</a:t>
-                      </a:r>
-                      <a:r>
-                        <a:rPr lang="ko-KR" altLang="en-US" sz="1200" dirty="0"/>
-                        <a:t> </a:t>
-                      </a:r>
-                      <a:r>
-                        <a:rPr lang="en-US" altLang="ko-KR" sz="1200" dirty="0"/>
-                        <a:t>DB</a:t>
-                      </a:r>
-                      <a:r>
-                        <a:rPr lang="ko-KR" altLang="en-US" sz="1200" dirty="0"/>
-                        <a:t>관리</a:t>
-                      </a:r>
-                      <a:r>
-                        <a:rPr lang="en-US" altLang="ko-KR" sz="1200" dirty="0"/>
-                        <a:t>,</a:t>
-                      </a:r>
-                      <a:r>
-                        <a:rPr lang="ko-KR" altLang="en-US" sz="1200" dirty="0"/>
-                        <a:t> 회원 시스템 구축</a:t>
-                      </a:r>
-                    </a:p>
-                  </a:txBody>
-                  <a:tcPr marL="46713" marR="46713" marT="12915" marB="12915" anchor="ctr">
-                    <a:lnL w="7112" cap="flat" cmpd="sng" algn="ctr">
-                      <a:solidFill>
-                        <a:srgbClr val="000000"/>
-                      </a:solidFill>
-                      <a:prstDash val="solid"/>
-                      <a:round/>
-                      <a:headEnd w="med" len="med"/>
-                      <a:tailEnd w="med" len="med"/>
-                    </a:lnL>
-                    <a:lnR w="3556" cap="flat" cmpd="sng" algn="ctr">
-                      <a:solidFill>
-                        <a:srgbClr val="000000"/>
-                      </a:solidFill>
-                      <a:prstDash val="solid"/>
-                      <a:round/>
-                      <a:headEnd w="med" len="med"/>
-                      <a:tailEnd w="med" len="med"/>
-                    </a:lnR>
-                    <a:lnT w="12700" cap="flat" cmpd="sng" algn="ctr">
-                      <a:solidFill>
-                        <a:schemeClr val="tx1"/>
-                      </a:solidFill>
-                      <a:prstDash val="solid"/>
-                      <a:round/>
-                      <a:headEnd w="med" len="med"/>
-                      <a:tailEnd w="med" len="med"/>
-                    </a:lnT>
-                    <a:lnB w="12700" cap="flat" cmpd="sng" algn="ctr">
-                      <a:solidFill>
-                        <a:schemeClr val="tx1"/>
-                      </a:solidFill>
-                      <a:prstDash val="solid"/>
-                      <a:round/>
-                      <a:headEnd w="med" len="med"/>
-                      <a:tailEnd w="med" len="med"/>
-                    </a:lnB>
-                  </a:tcPr>
-                </a:tc>
-                <a:tc hMerge="1">
-                  <a:txBody>
-                    <a:bodyPr/>
-                    <a:lstStyle/>
-                    <a:p>
-                      <a:pPr latinLnBrk="1">
-                        <a:defRPr/>
-                      </a:pPr>
                       <a:endParaRPr lang="ko-KR" altLang="en-US"/>
                     </a:p>
                   </a:txBody>
                   <a:tcPr/>
                 </a:tc>
-                <a:tc hMerge="1">
-                  <a:txBody>
-                    <a:bodyPr/>
-                    <a:lstStyle/>
-                    <a:p>
-                      <a:pPr latinLnBrk="1">
-                        <a:defRPr/>
-                      </a:pPr>
-                      <a:endParaRPr lang="ko-KR" altLang="en-US"/>
-                    </a:p>
-                  </a:txBody>
-                  <a:tcPr/>
-                </a:tc>
-                <a:extLst>
-                  <a:ext uri="{0D108BD9-81ED-4DB2-BD59-A6C34878D82A}">
-                    <a16:rowId xmlns:a16="http://schemas.microsoft.com/office/drawing/2014/main" val="10005"/>
-                  </a:ext>
-                </a:extLst>
-              </a:tr>
-              <a:tr h="410626">
-                <a:tc gridSpan="2">
+                <a:tc>
                   <a:txBody>
                     <a:bodyPr/>
                     <a:lstStyle/>
@@ -5971,15 +5872,15 @@
                         <a:defRPr/>
                       </a:pPr>
                       <a:r>
-                        <a:rPr lang="ko-KR" altLang="en-US" sz="1200"/>
-                        <a:t>박철규</a:t>
+                        <a:rPr lang="en-US" altLang="ko-KR" sz="1200" dirty="0"/>
+                        <a:t>010-4120-3620</a:t>
                       </a:r>
                     </a:p>
                   </a:txBody>
                   <a:tcPr marL="46713" marR="46713" marT="12915" marB="12915" anchor="ctr">
-                    <a:lnL w="3556" cap="flat" cmpd="sng" algn="ctr">
-                      <a:solidFill>
-                        <a:srgbClr val="000000"/>
+                    <a:lnL w="12700" cap="flat" cmpd="sng" algn="ctr">
+                      <a:solidFill>
+                        <a:schemeClr val="tx1"/>
                       </a:solidFill>
                       <a:prstDash val="solid"/>
                       <a:round/>
@@ -5992,8 +5893,8 @@
                       </a:solidFill>
                       <a:prstDash val="solid"/>
                       <a:round/>
-                      <a:headEnd w="med" len="med"/>
-                      <a:tailEnd w="med" len="med"/>
+                      <a:headEnd type="none" w="med" len="med"/>
+                      <a:tailEnd type="none" w="med" len="med"/>
                     </a:lnR>
                     <a:lnT w="12700" cap="flat" cmpd="sng" algn="ctr">
                       <a:solidFill>
@@ -6015,20 +5916,113 @@
                     </a:lnB>
                   </a:tcPr>
                 </a:tc>
+                <a:tc>
+                  <a:txBody>
+                    <a:bodyPr/>
+                    <a:lstStyle/>
+                    <a:p>
+                      <a:pPr latinLnBrk="1">
+                        <a:defRPr/>
+                      </a:pPr>
+                      <a:r>
+                        <a:rPr lang="en-US" altLang="ko-KR" sz="1200" dirty="0"/>
+                        <a:t>cjfrb24@naver.com</a:t>
+                      </a:r>
+                    </a:p>
+                  </a:txBody>
+                  <a:tcPr marL="46713" marR="46713" marT="12915" marB="12915" anchor="ctr">
+                    <a:lnL w="12700" cap="flat" cmpd="sng" algn="ctr">
+                      <a:solidFill>
+                        <a:schemeClr val="tx1"/>
+                      </a:solidFill>
+                      <a:prstDash val="solid"/>
+                      <a:round/>
+                      <a:headEnd type="none" w="med" len="med"/>
+                      <a:tailEnd type="none" w="med" len="med"/>
+                    </a:lnL>
+                    <a:lnR w="12700" cap="flat" cmpd="sng" algn="ctr">
+                      <a:solidFill>
+                        <a:schemeClr val="tx1"/>
+                      </a:solidFill>
+                      <a:prstDash val="solid"/>
+                      <a:round/>
+                      <a:headEnd type="none" w="med" len="med"/>
+                      <a:tailEnd type="none" w="med" len="med"/>
+                    </a:lnR>
+                    <a:lnT w="12700" cap="flat" cmpd="sng" algn="ctr">
+                      <a:solidFill>
+                        <a:schemeClr val="tx1"/>
+                      </a:solidFill>
+                      <a:prstDash val="solid"/>
+                      <a:round/>
+                      <a:headEnd type="none" w="med" len="med"/>
+                      <a:tailEnd type="none" w="med" len="med"/>
+                    </a:lnT>
+                    <a:lnB w="12700" cap="flat" cmpd="sng" algn="ctr">
+                      <a:solidFill>
+                        <a:schemeClr val="tx1"/>
+                      </a:solidFill>
+                      <a:prstDash val="solid"/>
+                      <a:round/>
+                      <a:headEnd type="none" w="med" len="med"/>
+                      <a:tailEnd type="none" w="med" len="med"/>
+                    </a:lnB>
+                  </a:tcPr>
+                </a:tc>
+                <a:tc gridSpan="2">
+                  <a:txBody>
+                    <a:bodyPr/>
+                    <a:lstStyle/>
+                    <a:p>
+                      <a:pPr algn="ctr" latinLnBrk="1">
+                        <a:defRPr/>
+                      </a:pPr>
+                      <a:r>
+                        <a:rPr lang="ko-KR" altLang="en-US" sz="1200" dirty="0"/>
+                        <a:t>팀원</a:t>
+                      </a:r>
+                    </a:p>
+                  </a:txBody>
+                  <a:tcPr marL="46713" marR="46713" marT="12915" marB="12915" anchor="ctr">
+                    <a:lnL w="12700" cap="flat" cmpd="sng" algn="ctr">
+                      <a:solidFill>
+                        <a:schemeClr val="tx1"/>
+                      </a:solidFill>
+                      <a:prstDash val="solid"/>
+                      <a:round/>
+                      <a:headEnd type="none" w="med" len="med"/>
+                      <a:tailEnd type="none" w="med" len="med"/>
+                    </a:lnL>
+                    <a:lnR w="12700" cap="flat" cmpd="sng" algn="ctr">
+                      <a:solidFill>
+                        <a:schemeClr val="tx1"/>
+                      </a:solidFill>
+                      <a:prstDash val="solid"/>
+                      <a:round/>
+                      <a:headEnd type="none" w="med" len="med"/>
+                      <a:tailEnd type="none" w="med" len="med"/>
+                    </a:lnR>
+                    <a:lnT w="12700" cap="flat" cmpd="sng" algn="ctr">
+                      <a:solidFill>
+                        <a:schemeClr val="tx1"/>
+                      </a:solidFill>
+                      <a:prstDash val="solid"/>
+                      <a:round/>
+                      <a:headEnd type="none" w="med" len="med"/>
+                      <a:tailEnd type="none" w="med" len="med"/>
+                    </a:lnT>
+                    <a:lnB w="12700" cap="flat" cmpd="sng" algn="ctr">
+                      <a:solidFill>
+                        <a:schemeClr val="tx1"/>
+                      </a:solidFill>
+                      <a:prstDash val="solid"/>
+                      <a:round/>
+                      <a:headEnd type="none" w="med" len="med"/>
+                      <a:tailEnd type="none" w="med" len="med"/>
+                    </a:lnB>
+                  </a:tcPr>
+                </a:tc>
                 <a:tc hMerge="1">
-                  <a:txBody>
-                    <a:bodyPr/>
-                    <a:lstStyle/>
-                    <a:p>
-                      <a:pPr latinLnBrk="1">
-                        <a:defRPr/>
-                      </a:pPr>
-                      <a:endParaRPr lang="ko-KR" altLang="en-US"/>
-                    </a:p>
-                  </a:txBody>
-                  <a:tcPr/>
-                </a:tc>
-                <a:tc>
                   <a:txBody>
                     <a:bodyPr/>
                     <a:lstStyle/>
@@ -6045,9 +6039,65 @@
                         </a:spcAft>
                         <a:defRPr/>
                       </a:pPr>
-                      <a:r>
-                        <a:rPr lang="en-US" altLang="ko-KR" sz="1200"/>
-                        <a:t>010-4120-3620</a:t>
+                      <a:endParaRPr lang="ko-KR" altLang="en-US" sz="1200" b="1" kern="0" spc="0">
+                        <a:solidFill>
+                          <a:srgbClr val="000000"/>
+                        </a:solidFill>
+                        <a:effectLst/>
+                        <a:latin typeface="함초롬바탕"/>
+                      </a:endParaRPr>
+                    </a:p>
+                  </a:txBody>
+                  <a:tcPr marL="46713" marR="46713" marT="12915" marB="12915" anchor="ctr">
+                    <a:lnL w="7112" cap="flat" cmpd="sng" algn="ctr">
+                      <a:solidFill>
+                        <a:srgbClr val="000000"/>
+                      </a:solidFill>
+                      <a:prstDash val="solid"/>
+                      <a:round/>
+                      <a:headEnd w="med" len="med"/>
+                      <a:tailEnd w="med" len="med"/>
+                    </a:lnL>
+                    <a:lnR w="7112" cap="flat" cmpd="sng" algn="ctr">
+                      <a:solidFill>
+                        <a:srgbClr val="000000"/>
+                      </a:solidFill>
+                      <a:prstDash val="solid"/>
+                      <a:round/>
+                      <a:headEnd w="med" len="med"/>
+                      <a:tailEnd w="med" len="med"/>
+                    </a:lnR>
+                    <a:lnT w="12700" cap="flat" cmpd="sng" algn="ctr">
+                      <a:solidFill>
+                        <a:schemeClr val="tx1"/>
+                      </a:solidFill>
+                      <a:prstDash val="solid"/>
+                      <a:round/>
+                      <a:headEnd w="med" len="med"/>
+                      <a:tailEnd w="med" len="med"/>
+                    </a:lnT>
+                    <a:lnB w="12700" cap="flat" cmpd="sng" algn="ctr">
+                      <a:solidFill>
+                        <a:schemeClr val="tx1"/>
+                      </a:solidFill>
+                      <a:prstDash val="solid"/>
+                      <a:round/>
+                      <a:headEnd w="med" len="med"/>
+                      <a:tailEnd w="med" len="med"/>
+                    </a:lnB>
+                  </a:tcPr>
+                </a:tc>
+                <a:tc gridSpan="3">
+                  <a:txBody>
+                    <a:bodyPr/>
+                    <a:lstStyle/>
+                    <a:p>
+                      <a:pPr latinLnBrk="1">
+                        <a:defRPr/>
+                      </a:pPr>
+                      <a:r>
+                        <a:rPr lang="ko-KR" altLang="en-US" sz="1200" dirty="0"/>
+                        <a:t>게시판</a:t>
                       </a:r>
                     </a:p>
                   </a:txBody>
@@ -6058,17 +6108,17 @@
                       </a:solidFill>
                       <a:prstDash val="solid"/>
                       <a:round/>
-                      <a:headEnd w="med" len="med"/>
-                      <a:tailEnd w="med" len="med"/>
+                      <a:headEnd type="none" w="med" len="med"/>
+                      <a:tailEnd type="none" w="med" len="med"/>
                     </a:lnL>
-                    <a:lnR w="7112" cap="flat" cmpd="sng" algn="ctr">
-                      <a:solidFill>
-                        <a:srgbClr val="000000"/>
-                      </a:solidFill>
-                      <a:prstDash val="solid"/>
-                      <a:round/>
-                      <a:headEnd w="med" len="med"/>
-                      <a:tailEnd w="med" len="med"/>
+                    <a:lnR w="12700" cap="flat" cmpd="sng" algn="ctr">
+                      <a:solidFill>
+                        <a:schemeClr val="tx1"/>
+                      </a:solidFill>
+                      <a:prstDash val="solid"/>
+                      <a:round/>
+                      <a:headEnd type="none" w="med" len="med"/>
+                      <a:tailEnd type="none" w="med" len="med"/>
                     </a:lnR>
                     <a:lnT w="12700" cap="flat" cmpd="sng" algn="ctr">
                       <a:solidFill>
@@ -6076,8 +6126,8 @@
                       </a:solidFill>
                       <a:prstDash val="solid"/>
                       <a:round/>
-                      <a:headEnd w="med" len="med"/>
-                      <a:tailEnd w="med" len="med"/>
+                      <a:headEnd type="none" w="med" len="med"/>
+                      <a:tailEnd type="none" w="med" len="med"/>
                     </a:lnT>
                     <a:lnB w="12700" cap="flat" cmpd="sng" algn="ctr">
                       <a:solidFill>
@@ -6085,12 +6135,12 @@
                       </a:solidFill>
                       <a:prstDash val="solid"/>
                       <a:round/>
-                      <a:headEnd w="med" len="med"/>
-                      <a:tailEnd w="med" len="med"/>
+                      <a:headEnd type="none" w="med" len="med"/>
+                      <a:tailEnd type="none" w="med" len="med"/>
                     </a:lnB>
                   </a:tcPr>
                 </a:tc>
-                <a:tc>
+                <a:tc hMerge="1">
                   <a:txBody>
                     <a:bodyPr/>
                     <a:lstStyle/>
@@ -6098,105 +6148,32 @@
                       <a:pPr latinLnBrk="1">
                         <a:defRPr/>
                       </a:pPr>
-                      <a:r>
-                        <a:rPr lang="en-US" altLang="ko-KR" sz="1200"/>
-                        <a:t>cjfrb24@naver.com</a:t>
-                      </a:r>
-                    </a:p>
-                  </a:txBody>
-                  <a:tcPr marL="46713" marR="46713" marT="12915" marB="12915" anchor="ctr">
-                    <a:lnL w="7112" cap="flat" cmpd="sng" algn="ctr">
-                      <a:solidFill>
-                        <a:srgbClr val="000000"/>
-                      </a:solidFill>
-                      <a:prstDash val="solid"/>
-                      <a:round/>
-                      <a:headEnd w="med" len="med"/>
-                      <a:tailEnd w="med" len="med"/>
-                    </a:lnL>
-                    <a:lnR w="12700" cap="flat" cmpd="sng" algn="ctr">
-                      <a:solidFill>
-                        <a:schemeClr val="tx1"/>
-                      </a:solidFill>
-                      <a:prstDash val="solid"/>
-                      <a:round/>
-                      <a:headEnd w="med" len="med"/>
-                      <a:tailEnd w="med" len="med"/>
-                    </a:lnR>
-                    <a:lnT w="12700" cap="flat" cmpd="sng" algn="ctr">
-                      <a:solidFill>
-                        <a:schemeClr val="tx1"/>
-                      </a:solidFill>
-                      <a:prstDash val="solid"/>
-                      <a:round/>
-                      <a:headEnd w="med" len="med"/>
-                      <a:tailEnd w="med" len="med"/>
-                    </a:lnT>
-                    <a:lnB w="12700" cap="flat" cmpd="sng" algn="ctr">
-                      <a:solidFill>
-                        <a:schemeClr val="tx1"/>
-                      </a:solidFill>
-                      <a:prstDash val="solid"/>
-                      <a:round/>
-                      <a:headEnd w="med" len="med"/>
-                      <a:tailEnd w="med" len="med"/>
-                    </a:lnB>
-                  </a:tcPr>
-                </a:tc>
+                      <a:endParaRPr lang="ko-KR" altLang="en-US"/>
+                    </a:p>
+                  </a:txBody>
+                  <a:tcPr/>
+                </a:tc>
+                <a:tc hMerge="1">
+                  <a:txBody>
+                    <a:bodyPr/>
+                    <a:lstStyle/>
+                    <a:p>
+                      <a:pPr latinLnBrk="1">
+                        <a:defRPr/>
+                      </a:pPr>
+                      <a:endParaRPr lang="ko-KR" altLang="en-US"/>
+                    </a:p>
+                  </a:txBody>
+                  <a:tcPr/>
+                </a:tc>
+                <a:extLst>
+                  <a:ext uri="{0D108BD9-81ED-4DB2-BD59-A6C34878D82A}">
+                    <a16:rowId xmlns:a16="http://schemas.microsoft.com/office/drawing/2014/main" val="10006"/>
+                  </a:ext>
+                </a:extLst>
+              </a:tr>
+              <a:tr h="410626">
                 <a:tc gridSpan="2">
-                  <a:txBody>
-                    <a:bodyPr/>
-                    <a:lstStyle/>
-                    <a:p>
-                      <a:pPr algn="ctr" latinLnBrk="1">
-                        <a:defRPr/>
-                      </a:pPr>
-                      <a:r>
-                        <a:rPr lang="ko-KR" altLang="en-US" sz="1200" dirty="0"/>
-                        <a:t>팀원</a:t>
-                      </a:r>
-                    </a:p>
-                  </a:txBody>
-                  <a:tcPr marL="46713" marR="46713" marT="12915" marB="12915" anchor="ctr">
-                    <a:lnL w="12700" cap="flat" cmpd="sng" algn="ctr">
-                      <a:solidFill>
-                        <a:schemeClr val="tx1"/>
-                      </a:solidFill>
-                      <a:prstDash val="solid"/>
-                      <a:round/>
-                      <a:headEnd w="med" len="med"/>
-                      <a:tailEnd w="med" len="med"/>
-                    </a:lnL>
-                    <a:lnR w="7112" cap="flat" cmpd="sng" algn="ctr">
-                      <a:solidFill>
-                        <a:srgbClr val="000000"/>
-                      </a:solidFill>
-                      <a:prstDash val="solid"/>
-                      <a:round/>
-                      <a:headEnd w="med" len="med"/>
-                      <a:tailEnd w="med" len="med"/>
-                    </a:lnR>
-                    <a:lnT w="12700" cap="flat" cmpd="sng" algn="ctr">
-                      <a:solidFill>
-                        <a:schemeClr val="tx1"/>
-                      </a:solidFill>
-                      <a:prstDash val="solid"/>
-                      <a:round/>
-                      <a:headEnd w="med" len="med"/>
-                      <a:tailEnd w="med" len="med"/>
-                    </a:lnT>
-                    <a:lnB w="12700" cap="flat" cmpd="sng" algn="ctr">
-                      <a:solidFill>
-                        <a:schemeClr val="tx1"/>
-                      </a:solidFill>
-                      <a:prstDash val="solid"/>
-                      <a:round/>
-                      <a:headEnd w="med" len="med"/>
-                      <a:tailEnd w="med" len="med"/>
-                    </a:lnB>
-                  </a:tcPr>
-                </a:tc>
-                <a:tc hMerge="1">
                   <a:txBody>
                     <a:bodyPr/>
                     <a:lstStyle/>
@@ -6213,28 +6190,25 @@
                         </a:spcAft>
                         <a:defRPr/>
                       </a:pPr>
-                      <a:endParaRPr lang="ko-KR" altLang="en-US" sz="1200" b="1" kern="0" spc="0">
-                        <a:solidFill>
-                          <a:srgbClr val="000000"/>
-                        </a:solidFill>
-                        <a:effectLst/>
-                        <a:latin typeface="함초롬바탕"/>
-                      </a:endParaRPr>
+                      <a:r>
+                        <a:rPr lang="ko-KR" altLang="en-US" sz="1200"/>
+                        <a:t>황영선</a:t>
+                      </a:r>
                     </a:p>
                   </a:txBody>
                   <a:tcPr marL="46713" marR="46713" marT="12915" marB="12915" anchor="ctr">
-                    <a:lnL w="7112" cap="flat" cmpd="sng" algn="ctr">
-                      <a:solidFill>
-                        <a:srgbClr val="000000"/>
-                      </a:solidFill>
-                      <a:prstDash val="solid"/>
-                      <a:round/>
-                      <a:headEnd w="med" len="med"/>
-                      <a:tailEnd w="med" len="med"/>
+                    <a:lnL w="12700" cap="flat" cmpd="sng" algn="ctr">
+                      <a:solidFill>
+                        <a:schemeClr val="tx1"/>
+                      </a:solidFill>
+                      <a:prstDash val="solid"/>
+                      <a:round/>
+                      <a:headEnd type="none" w="med" len="med"/>
+                      <a:tailEnd type="none" w="med" len="med"/>
                     </a:lnL>
-                    <a:lnR w="7112" cap="flat" cmpd="sng" algn="ctr">
-                      <a:solidFill>
-                        <a:srgbClr val="000000"/>
+                    <a:lnR w="12700" cap="flat" cmpd="sng" algn="ctr">
+                      <a:solidFill>
+                        <a:schemeClr val="tx1"/>
                       </a:solidFill>
                       <a:prstDash val="solid"/>
                       <a:round/>
@@ -6261,7 +6235,7 @@
                     </a:lnB>
                   </a:tcPr>
                 </a:tc>
-                <a:tc gridSpan="3">
+                <a:tc hMerge="1">
                   <a:txBody>
                     <a:bodyPr/>
                     <a:lstStyle/>
@@ -6269,85 +6243,12 @@
                       <a:pPr latinLnBrk="1">
                         <a:defRPr/>
                       </a:pPr>
-                      <a:r>
-                        <a:rPr lang="ko-KR" altLang="en-US" sz="1200"/>
-                        <a:t>게시판</a:t>
-                      </a:r>
-                    </a:p>
-                  </a:txBody>
-                  <a:tcPr marL="46713" marR="46713" marT="12915" marB="12915" anchor="ctr">
-                    <a:lnL w="7112" cap="flat" cmpd="sng" algn="ctr">
-                      <a:solidFill>
-                        <a:srgbClr val="000000"/>
-                      </a:solidFill>
-                      <a:prstDash val="solid"/>
-                      <a:round/>
-                      <a:headEnd w="med" len="med"/>
-                      <a:tailEnd w="med" len="med"/>
-                    </a:lnL>
-                    <a:lnR w="3556" cap="flat" cmpd="sng" algn="ctr">
-                      <a:solidFill>
-                        <a:srgbClr val="000000"/>
-                      </a:solidFill>
-                      <a:prstDash val="solid"/>
-                      <a:round/>
-                      <a:headEnd w="med" len="med"/>
-                      <a:tailEnd w="med" len="med"/>
-                    </a:lnR>
-                    <a:lnT w="12700" cap="flat" cmpd="sng" algn="ctr">
-                      <a:solidFill>
-                        <a:schemeClr val="tx1"/>
-                      </a:solidFill>
-                      <a:prstDash val="solid"/>
-                      <a:round/>
-                      <a:headEnd w="med" len="med"/>
-                      <a:tailEnd w="med" len="med"/>
-                    </a:lnT>
-                    <a:lnB w="12700" cap="flat" cmpd="sng" algn="ctr">
-                      <a:solidFill>
-                        <a:schemeClr val="tx1"/>
-                      </a:solidFill>
-                      <a:prstDash val="solid"/>
-                      <a:round/>
-                      <a:headEnd w="med" len="med"/>
-                      <a:tailEnd w="med" len="med"/>
-                    </a:lnB>
-                  </a:tcPr>
-                </a:tc>
-                <a:tc hMerge="1">
-                  <a:txBody>
-                    <a:bodyPr/>
-                    <a:lstStyle/>
-                    <a:p>
-                      <a:pPr latinLnBrk="1">
-                        <a:defRPr/>
-                      </a:pPr>
                       <a:endParaRPr lang="ko-KR" altLang="en-US"/>
                     </a:p>
                   </a:txBody>
                   <a:tcPr/>
                 </a:tc>
-                <a:tc hMerge="1">
-                  <a:txBody>
-                    <a:bodyPr/>
-                    <a:lstStyle/>
-                    <a:p>
-                      <a:pPr latinLnBrk="1">
-                        <a:defRPr/>
-                      </a:pPr>
-                      <a:endParaRPr lang="ko-KR" altLang="en-US"/>
-                    </a:p>
-                  </a:txBody>
-                  <a:tcPr/>
-                </a:tc>
-                <a:extLst>
-                  <a:ext uri="{0D108BD9-81ED-4DB2-BD59-A6C34878D82A}">
-                    <a16:rowId xmlns:a16="http://schemas.microsoft.com/office/drawing/2014/main" val="10006"/>
-                  </a:ext>
-                </a:extLst>
-              </a:tr>
-              <a:tr h="410626">
-                <a:tc gridSpan="2">
+                <a:tc>
                   <a:txBody>
                     <a:bodyPr/>
                     <a:lstStyle/>
@@ -6365,15 +6266,15 @@
                         <a:defRPr/>
                       </a:pPr>
                       <a:r>
-                        <a:rPr lang="ko-KR" altLang="en-US" sz="1200"/>
-                        <a:t>황영선</a:t>
+                        <a:rPr lang="en-US" altLang="ko-KR" sz="1200"/>
+                        <a:t>010-6695-1079</a:t>
                       </a:r>
                     </a:p>
                   </a:txBody>
                   <a:tcPr marL="46713" marR="46713" marT="12915" marB="12915" anchor="ctr">
-                    <a:lnL w="3556" cap="flat" cmpd="sng" algn="ctr">
-                      <a:solidFill>
-                        <a:srgbClr val="000000"/>
+                    <a:lnL w="12700" cap="flat" cmpd="sng" algn="ctr">
+                      <a:solidFill>
+                        <a:schemeClr val="tx1"/>
                       </a:solidFill>
                       <a:prstDash val="solid"/>
                       <a:round/>
@@ -6386,8 +6287,8 @@
                       </a:solidFill>
                       <a:prstDash val="solid"/>
                       <a:round/>
-                      <a:headEnd w="med" len="med"/>
-                      <a:tailEnd w="med" len="med"/>
+                      <a:headEnd type="none" w="med" len="med"/>
+                      <a:tailEnd type="none" w="med" len="med"/>
                     </a:lnR>
                     <a:lnT w="12700" cap="flat" cmpd="sng" algn="ctr">
                       <a:solidFill>
@@ -6409,7 +6310,7 @@
                     </a:lnB>
                   </a:tcPr>
                 </a:tc>
-                <a:tc hMerge="1">
+                <a:tc>
                   <a:txBody>
                     <a:bodyPr/>
                     <a:lstStyle/>
@@ -6417,31 +6318,9 @@
                       <a:pPr latinLnBrk="1">
                         <a:defRPr/>
                       </a:pPr>
-                      <a:endParaRPr lang="ko-KR" altLang="en-US"/>
-                    </a:p>
-                  </a:txBody>
-                  <a:tcPr/>
-                </a:tc>
-                <a:tc>
-                  <a:txBody>
-                    <a:bodyPr/>
-                    <a:lstStyle/>
-                    <a:p>
-                      <a:pPr marL="0" marR="0" indent="0" algn="ctr" latinLnBrk="0">
-                        <a:lnSpc>
-                          <a:spcPct val="140000"/>
-                        </a:lnSpc>
-                        <a:spcBef>
-                          <a:spcPts val="0"/>
-                        </a:spcBef>
-                        <a:spcAft>
-                          <a:spcPts val="0"/>
-                        </a:spcAft>
-                        <a:defRPr/>
-                      </a:pPr>
-                      <a:r>
-                        <a:rPr lang="en-US" altLang="ko-KR" sz="1200"/>
-                        <a:t>010-6695-1079</a:t>
+                      <a:r>
+                        <a:rPr lang="en-US" altLang="ko-KR" sz="1200" dirty="0"/>
+                        <a:t>us1079@naver.com</a:t>
                       </a:r>
                     </a:p>
                   </a:txBody>
@@ -6452,17 +6331,17 @@
                       </a:solidFill>
                       <a:prstDash val="solid"/>
                       <a:round/>
-                      <a:headEnd w="med" len="med"/>
-                      <a:tailEnd w="med" len="med"/>
+                      <a:headEnd type="none" w="med" len="med"/>
+                      <a:tailEnd type="none" w="med" len="med"/>
                     </a:lnL>
-                    <a:lnR w="7112" cap="flat" cmpd="sng" algn="ctr">
-                      <a:solidFill>
-                        <a:srgbClr val="000000"/>
-                      </a:solidFill>
-                      <a:prstDash val="solid"/>
-                      <a:round/>
-                      <a:headEnd w="med" len="med"/>
-                      <a:tailEnd w="med" len="med"/>
+                    <a:lnR w="12700" cap="flat" cmpd="sng" algn="ctr">
+                      <a:solidFill>
+                        <a:schemeClr val="tx1"/>
+                      </a:solidFill>
+                      <a:prstDash val="solid"/>
+                      <a:round/>
+                      <a:headEnd type="none" w="med" len="med"/>
+                      <a:tailEnd type="none" w="med" len="med"/>
                     </a:lnR>
                     <a:lnT w="12700" cap="flat" cmpd="sng" algn="ctr">
                       <a:solidFill>
@@ -6470,8 +6349,8 @@
                       </a:solidFill>
                       <a:prstDash val="solid"/>
                       <a:round/>
-                      <a:headEnd w="med" len="med"/>
-                      <a:tailEnd w="med" len="med"/>
+                      <a:headEnd type="none" w="med" len="med"/>
+                      <a:tailEnd type="none" w="med" len="med"/>
                     </a:lnT>
                     <a:lnB w="12700" cap="flat" cmpd="sng" algn="ctr">
                       <a:solidFill>
@@ -6479,61 +6358,8 @@
                       </a:solidFill>
                       <a:prstDash val="solid"/>
                       <a:round/>
-                      <a:headEnd w="med" len="med"/>
-                      <a:tailEnd w="med" len="med"/>
-                    </a:lnB>
-                  </a:tcPr>
-                </a:tc>
-                <a:tc>
-                  <a:txBody>
-                    <a:bodyPr/>
-                    <a:lstStyle/>
-                    <a:p>
-                      <a:pPr latinLnBrk="1">
-                        <a:defRPr/>
-                      </a:pPr>
-                      <a:r>
-                        <a:rPr lang="en-US" altLang="ko-KR" sz="1200"/>
-                        <a:t>us1079@naver.com</a:t>
-                      </a:r>
-                    </a:p>
-                  </a:txBody>
-                  <a:tcPr marL="46713" marR="46713" marT="12915" marB="12915" anchor="ctr">
-                    <a:lnL w="7112" cap="flat" cmpd="sng" algn="ctr">
-                      <a:solidFill>
-                        <a:srgbClr val="000000"/>
-                      </a:solidFill>
-                      <a:prstDash val="solid"/>
-                      <a:round/>
-                      <a:headEnd w="med" len="med"/>
-                      <a:tailEnd w="med" len="med"/>
-                    </a:lnL>
-                    <a:lnR w="12700" cap="flat" cmpd="sng" algn="ctr">
-                      <a:solidFill>
-                        <a:schemeClr val="tx1"/>
-                      </a:solidFill>
-                      <a:prstDash val="solid"/>
-                      <a:round/>
-                      <a:headEnd w="med" len="med"/>
-                      <a:tailEnd w="med" len="med"/>
-                    </a:lnR>
-                    <a:lnT w="12700" cap="flat" cmpd="sng" algn="ctr">
-                      <a:solidFill>
-                        <a:schemeClr val="tx1"/>
-                      </a:solidFill>
-                      <a:prstDash val="solid"/>
-                      <a:round/>
-                      <a:headEnd w="med" len="med"/>
-                      <a:tailEnd w="med" len="med"/>
-                    </a:lnT>
-                    <a:lnB w="12700" cap="flat" cmpd="sng" algn="ctr">
-                      <a:solidFill>
-                        <a:schemeClr val="tx1"/>
-                      </a:solidFill>
-                      <a:prstDash val="solid"/>
-                      <a:round/>
-                      <a:headEnd w="med" len="med"/>
-                      <a:tailEnd w="med" len="med"/>
+                      <a:headEnd type="none" w="med" len="med"/>
+                      <a:tailEnd type="none" w="med" len="med"/>
                     </a:lnB>
                   </a:tcPr>
                 </a:tc>
@@ -6572,17 +6398,17 @@
                       </a:solidFill>
                       <a:prstDash val="solid"/>
                       <a:round/>
-                      <a:headEnd w="med" len="med"/>
-                      <a:tailEnd w="med" len="med"/>
+                      <a:headEnd type="none" w="med" len="med"/>
+                      <a:tailEnd type="none" w="med" len="med"/>
                     </a:lnL>
-                    <a:lnR w="7112" cap="flat" cmpd="sng" algn="ctr">
-                      <a:solidFill>
-                        <a:srgbClr val="000000"/>
-                      </a:solidFill>
-                      <a:prstDash val="solid"/>
-                      <a:round/>
-                      <a:headEnd w="med" len="med"/>
-                      <a:tailEnd w="med" len="med"/>
+                    <a:lnR w="12700" cap="flat" cmpd="sng" algn="ctr">
+                      <a:solidFill>
+                        <a:schemeClr val="tx1"/>
+                      </a:solidFill>
+                      <a:prstDash val="solid"/>
+                      <a:round/>
+                      <a:headEnd type="none" w="med" len="med"/>
+                      <a:tailEnd type="none" w="med" len="med"/>
                     </a:lnR>
                     <a:lnT w="12700" cap="flat" cmpd="sng" algn="ctr">
                       <a:solidFill>
@@ -6590,8 +6416,8 @@
                       </a:solidFill>
                       <a:prstDash val="solid"/>
                       <a:round/>
-                      <a:headEnd w="med" len="med"/>
-                      <a:tailEnd w="med" len="med"/>
+                      <a:headEnd type="none" w="med" len="med"/>
+                      <a:tailEnd type="none" w="med" len="med"/>
                     </a:lnT>
                     <a:lnB w="12700" cap="flat" cmpd="sng" algn="ctr">
                       <a:solidFill>
@@ -6599,8 +6425,8 @@
                       </a:solidFill>
                       <a:prstDash val="solid"/>
                       <a:round/>
-                      <a:headEnd w="med" len="med"/>
-                      <a:tailEnd w="med" len="med"/>
+                      <a:headEnd type="none" w="med" len="med"/>
+                      <a:tailEnd type="none" w="med" len="med"/>
                     </a:lnB>
                   </a:tcPr>
                 </a:tc>
@@ -6678,37 +6504,37 @@
                         <a:defRPr/>
                       </a:pPr>
                       <a:r>
-                        <a:rPr lang="ko-KR" altLang="en-US" sz="1200"/>
+                        <a:rPr lang="ko-KR" altLang="en-US" sz="1200" dirty="0" err="1"/>
                         <a:t>깃허브</a:t>
                       </a:r>
                       <a:r>
-                        <a:rPr lang="en-US" altLang="ko-KR" sz="1200"/>
+                        <a:rPr lang="en-US" altLang="ko-KR" sz="1200" dirty="0"/>
                         <a:t>,</a:t>
                       </a:r>
                       <a:r>
-                        <a:rPr lang="ko-KR" altLang="en-US" sz="1200"/>
+                        <a:rPr lang="ko-KR" altLang="en-US" sz="1200" dirty="0"/>
                         <a:t> 게시판</a:t>
                       </a:r>
                     </a:p>
                   </a:txBody>
                   <a:tcPr marL="46713" marR="46713" marT="12915" marB="12915" anchor="ctr">
-                    <a:lnL w="7112" cap="flat" cmpd="sng" algn="ctr">
-                      <a:solidFill>
-                        <a:srgbClr val="000000"/>
-                      </a:solidFill>
-                      <a:prstDash val="solid"/>
-                      <a:round/>
-                      <a:headEnd w="med" len="med"/>
-                      <a:tailEnd w="med" len="med"/>
+                    <a:lnL w="12700" cap="flat" cmpd="sng" algn="ctr">
+                      <a:solidFill>
+                        <a:schemeClr val="tx1"/>
+                      </a:solidFill>
+                      <a:prstDash val="solid"/>
+                      <a:round/>
+                      <a:headEnd type="none" w="med" len="med"/>
+                      <a:tailEnd type="none" w="med" len="med"/>
                     </a:lnL>
-                    <a:lnR w="3556" cap="flat" cmpd="sng" algn="ctr">
-                      <a:solidFill>
-                        <a:srgbClr val="000000"/>
-                      </a:solidFill>
-                      <a:prstDash val="solid"/>
-                      <a:round/>
-                      <a:headEnd w="med" len="med"/>
-                      <a:tailEnd w="med" len="med"/>
+                    <a:lnR w="12700" cap="flat" cmpd="sng" algn="ctr">
+                      <a:solidFill>
+                        <a:schemeClr val="tx1"/>
+                      </a:solidFill>
+                      <a:prstDash val="solid"/>
+                      <a:round/>
+                      <a:headEnd type="none" w="med" len="med"/>
+                      <a:tailEnd type="none" w="med" len="med"/>
                     </a:lnR>
                     <a:lnT w="12700" cap="flat" cmpd="sng" algn="ctr">
                       <a:solidFill>
@@ -6716,8 +6542,8 @@
                       </a:solidFill>
                       <a:prstDash val="solid"/>
                       <a:round/>
-                      <a:headEnd w="med" len="med"/>
-                      <a:tailEnd w="med" len="med"/>
+                      <a:headEnd type="none" w="med" len="med"/>
+                      <a:tailEnd type="none" w="med" len="med"/>
                     </a:lnT>
                     <a:lnB w="12700" cap="flat" cmpd="sng" algn="ctr">
                       <a:solidFill>
@@ -6725,8 +6551,8 @@
                       </a:solidFill>
                       <a:prstDash val="solid"/>
                       <a:round/>
-                      <a:headEnd w="med" len="med"/>
-                      <a:tailEnd w="med" len="med"/>
+                      <a:headEnd type="none" w="med" len="med"/>
+                      <a:tailEnd type="none" w="med" len="med"/>
                     </a:lnB>
                   </a:tcPr>
                 </a:tc>
@@ -6787,14 +6613,14 @@
                     </a:p>
                   </a:txBody>
                   <a:tcPr marL="46713" marR="46713" marT="12915" marB="12915" anchor="ctr">
-                    <a:lnL w="3556" cap="flat" cmpd="sng" algn="ctr">
-                      <a:solidFill>
-                        <a:srgbClr val="000000"/>
-                      </a:solidFill>
-                      <a:prstDash val="solid"/>
-                      <a:round/>
-                      <a:headEnd w="med" len="med"/>
-                      <a:tailEnd w="med" len="med"/>
+                    <a:lnL w="12700" cap="flat" cmpd="sng" algn="ctr">
+                      <a:solidFill>
+                        <a:schemeClr val="tx1"/>
+                      </a:solidFill>
+                      <a:prstDash val="solid"/>
+                      <a:round/>
+                      <a:headEnd type="none" w="med" len="med"/>
+                      <a:tailEnd type="none" w="med" len="med"/>
                     </a:lnL>
                     <a:lnR w="12700" cap="flat" cmpd="sng" algn="ctr">
                       <a:solidFill>
@@ -6871,14 +6697,14 @@
                       <a:headEnd w="med" len="med"/>
                       <a:tailEnd w="med" len="med"/>
                     </a:lnL>
-                    <a:lnR w="7112" cap="flat" cmpd="sng" algn="ctr">
-                      <a:solidFill>
-                        <a:srgbClr val="000000"/>
-                      </a:solidFill>
-                      <a:prstDash val="solid"/>
-                      <a:round/>
-                      <a:headEnd w="med" len="med"/>
-                      <a:tailEnd w="med" len="med"/>
+                    <a:lnR w="12700" cap="flat" cmpd="sng" algn="ctr">
+                      <a:solidFill>
+                        <a:schemeClr val="tx1"/>
+                      </a:solidFill>
+                      <a:prstDash val="solid"/>
+                      <a:round/>
+                      <a:headEnd type="none" w="med" len="med"/>
+                      <a:tailEnd type="none" w="med" len="med"/>
                     </a:lnR>
                     <a:lnT w="12700" cap="flat" cmpd="sng" algn="ctr">
                       <a:solidFill>
@@ -6915,14 +6741,14 @@
                     </a:p>
                   </a:txBody>
                   <a:tcPr marL="46713" marR="46713" marT="12915" marB="12915" anchor="ctr">
-                    <a:lnL w="7112" cap="flat" cmpd="sng" algn="ctr">
-                      <a:solidFill>
-                        <a:srgbClr val="000000"/>
-                      </a:solidFill>
-                      <a:prstDash val="solid"/>
-                      <a:round/>
-                      <a:headEnd w="med" len="med"/>
-                      <a:tailEnd w="med" len="med"/>
+                    <a:lnL w="12700" cap="flat" cmpd="sng" algn="ctr">
+                      <a:solidFill>
+                        <a:schemeClr val="tx1"/>
+                      </a:solidFill>
+                      <a:prstDash val="solid"/>
+                      <a:round/>
+                      <a:headEnd type="none" w="med" len="med"/>
+                      <a:tailEnd type="none" w="med" len="med"/>
                     </a:lnL>
                     <a:lnR w="12700" cap="flat" cmpd="sng" algn="ctr">
                       <a:solidFill>
@@ -6930,8 +6756,8 @@
                       </a:solidFill>
                       <a:prstDash val="solid"/>
                       <a:round/>
-                      <a:headEnd w="med" len="med"/>
-                      <a:tailEnd w="med" len="med"/>
+                      <a:headEnd type="none" w="med" len="med"/>
+                      <a:tailEnd type="none" w="med" len="med"/>
                     </a:lnR>
                     <a:lnT w="12700" cap="flat" cmpd="sng" algn="ctr">
                       <a:solidFill>
@@ -6939,8 +6765,8 @@
                       </a:solidFill>
                       <a:prstDash val="solid"/>
                       <a:round/>
-                      <a:headEnd w="med" len="med"/>
-                      <a:tailEnd w="med" len="med"/>
+                      <a:headEnd type="none" w="med" len="med"/>
+                      <a:tailEnd type="none" w="med" len="med"/>
                     </a:lnT>
                     <a:lnB w="12700" cap="flat" cmpd="sng" algn="ctr">
                       <a:solidFill>
@@ -6948,8 +6774,8 @@
                       </a:solidFill>
                       <a:prstDash val="solid"/>
                       <a:round/>
-                      <a:headEnd w="med" len="med"/>
-                      <a:tailEnd w="med" len="med"/>
+                      <a:headEnd type="none" w="med" len="med"/>
+                      <a:tailEnd type="none" w="med" len="med"/>
                     </a:lnB>
                   </a:tcPr>
                 </a:tc>
@@ -6988,17 +6814,17 @@
                       </a:solidFill>
                       <a:prstDash val="solid"/>
                       <a:round/>
-                      <a:headEnd w="med" len="med"/>
-                      <a:tailEnd w="med" len="med"/>
+                      <a:headEnd type="none" w="med" len="med"/>
+                      <a:tailEnd type="none" w="med" len="med"/>
                     </a:lnL>
-                    <a:lnR w="7112" cap="flat" cmpd="sng" algn="ctr">
-                      <a:solidFill>
-                        <a:srgbClr val="000000"/>
-                      </a:solidFill>
-                      <a:prstDash val="solid"/>
-                      <a:round/>
-                      <a:headEnd w="med" len="med"/>
-                      <a:tailEnd w="med" len="med"/>
+                    <a:lnR w="12700" cap="flat" cmpd="sng" algn="ctr">
+                      <a:solidFill>
+                        <a:schemeClr val="tx1"/>
+                      </a:solidFill>
+                      <a:prstDash val="solid"/>
+                      <a:round/>
+                      <a:headEnd type="none" w="med" len="med"/>
+                      <a:tailEnd type="none" w="med" len="med"/>
                     </a:lnR>
                     <a:lnT w="12700" cap="flat" cmpd="sng" algn="ctr">
                       <a:solidFill>
@@ -7006,8 +6832,8 @@
                       </a:solidFill>
                       <a:prstDash val="solid"/>
                       <a:round/>
-                      <a:headEnd w="med" len="med"/>
-                      <a:tailEnd w="med" len="med"/>
+                      <a:headEnd type="none" w="med" len="med"/>
+                      <a:tailEnd type="none" w="med" len="med"/>
                     </a:lnT>
                     <a:lnB w="12700" cap="flat" cmpd="sng" algn="ctr">
                       <a:solidFill>
@@ -7015,8 +6841,8 @@
                       </a:solidFill>
                       <a:prstDash val="solid"/>
                       <a:round/>
-                      <a:headEnd w="med" len="med"/>
-                      <a:tailEnd w="med" len="med"/>
+                      <a:headEnd type="none" w="med" len="med"/>
+                      <a:tailEnd type="none" w="med" len="med"/>
                     </a:lnB>
                   </a:tcPr>
                 </a:tc>
@@ -7094,29 +6920,29 @@
                         <a:defRPr/>
                       </a:pPr>
                       <a:r>
-                        <a:rPr lang="ko-KR" altLang="en-US" sz="1200"/>
+                        <a:rPr lang="ko-KR" altLang="en-US" sz="1200" dirty="0"/>
                         <a:t>게시판</a:t>
                       </a:r>
                     </a:p>
                   </a:txBody>
                   <a:tcPr marL="46713" marR="46713" marT="12915" marB="12915" anchor="ctr">
-                    <a:lnL w="7112" cap="flat" cmpd="sng" algn="ctr">
-                      <a:solidFill>
-                        <a:srgbClr val="000000"/>
-                      </a:solidFill>
-                      <a:prstDash val="solid"/>
-                      <a:round/>
-                      <a:headEnd w="med" len="med"/>
-                      <a:tailEnd w="med" len="med"/>
+                    <a:lnL w="12700" cap="flat" cmpd="sng" algn="ctr">
+                      <a:solidFill>
+                        <a:schemeClr val="tx1"/>
+                      </a:solidFill>
+                      <a:prstDash val="solid"/>
+                      <a:round/>
+                      <a:headEnd type="none" w="med" len="med"/>
+                      <a:tailEnd type="none" w="med" len="med"/>
                     </a:lnL>
-                    <a:lnR w="3556" cap="flat" cmpd="sng" algn="ctr">
-                      <a:solidFill>
-                        <a:srgbClr val="000000"/>
-                      </a:solidFill>
-                      <a:prstDash val="solid"/>
-                      <a:round/>
-                      <a:headEnd w="med" len="med"/>
-                      <a:tailEnd w="med" len="med"/>
+                    <a:lnR w="12700" cap="flat" cmpd="sng" algn="ctr">
+                      <a:solidFill>
+                        <a:schemeClr val="tx1"/>
+                      </a:solidFill>
+                      <a:prstDash val="solid"/>
+                      <a:round/>
+                      <a:headEnd type="none" w="med" len="med"/>
+                      <a:tailEnd type="none" w="med" len="med"/>
                     </a:lnR>
                     <a:lnT w="12700" cap="flat" cmpd="sng" algn="ctr">
                       <a:solidFill>
@@ -7124,8 +6950,8 @@
                       </a:solidFill>
                       <a:prstDash val="solid"/>
                       <a:round/>
-                      <a:headEnd w="med" len="med"/>
-                      <a:tailEnd w="med" len="med"/>
+                      <a:headEnd type="none" w="med" len="med"/>
+                      <a:tailEnd type="none" w="med" len="med"/>
                     </a:lnT>
                     <a:lnB w="12700" cap="flat" cmpd="sng" algn="ctr">
                       <a:solidFill>
@@ -7133,8 +6959,8 @@
                       </a:solidFill>
                       <a:prstDash val="solid"/>
                       <a:round/>
-                      <a:headEnd w="med" len="med"/>
-                      <a:tailEnd w="med" len="med"/>
+                      <a:headEnd type="none" w="med" len="med"/>
+                      <a:tailEnd type="none" w="med" len="med"/>
                     </a:lnB>
                   </a:tcPr>
                 </a:tc>
@@ -7195,14 +7021,14 @@
                     </a:p>
                   </a:txBody>
                   <a:tcPr marL="46713" marR="46713" marT="12915" marB="12915" anchor="ctr">
-                    <a:lnL w="3556" cap="flat" cmpd="sng" algn="ctr">
-                      <a:solidFill>
-                        <a:srgbClr val="000000"/>
-                      </a:solidFill>
-                      <a:prstDash val="solid"/>
-                      <a:round/>
-                      <a:headEnd w="med" len="med"/>
-                      <a:tailEnd w="med" len="med"/>
+                    <a:lnL w="12700" cap="flat" cmpd="sng" algn="ctr">
+                      <a:solidFill>
+                        <a:schemeClr val="tx1"/>
+                      </a:solidFill>
+                      <a:prstDash val="solid"/>
+                      <a:round/>
+                      <a:headEnd type="none" w="med" len="med"/>
+                      <a:tailEnd type="none" w="med" len="med"/>
                     </a:lnL>
                     <a:lnR w="12700" cap="flat" cmpd="sng" algn="ctr">
                       <a:solidFill>
@@ -7279,14 +7105,14 @@
                       <a:headEnd w="med" len="med"/>
                       <a:tailEnd w="med" len="med"/>
                     </a:lnL>
-                    <a:lnR w="7112" cap="flat" cmpd="sng" algn="ctr">
-                      <a:solidFill>
-                        <a:srgbClr val="000000"/>
-                      </a:solidFill>
-                      <a:prstDash val="solid"/>
-                      <a:round/>
-                      <a:headEnd w="med" len="med"/>
-                      <a:tailEnd w="med" len="med"/>
+                    <a:lnR w="12700" cap="flat" cmpd="sng" algn="ctr">
+                      <a:solidFill>
+                        <a:schemeClr val="tx1"/>
+                      </a:solidFill>
+                      <a:prstDash val="solid"/>
+                      <a:round/>
+                      <a:headEnd type="none" w="med" len="med"/>
+                      <a:tailEnd type="none" w="med" len="med"/>
                     </a:lnR>
                     <a:lnT w="12700" cap="flat" cmpd="sng" algn="ctr">
                       <a:solidFill>
@@ -7317,20 +7143,20 @@
                         <a:defRPr/>
                       </a:pPr>
                       <a:r>
-                        <a:rPr lang="en-US" altLang="ko-KR" sz="1200"/>
+                        <a:rPr lang="en-US" altLang="ko-KR" sz="1000" dirty="0"/>
                         <a:t>jihyunkwon0326@gmail.com</a:t>
                       </a:r>
                     </a:p>
                   </a:txBody>
                   <a:tcPr marL="46713" marR="46713" marT="12915" marB="12915" anchor="ctr">
-                    <a:lnL w="7112" cap="flat" cmpd="sng" algn="ctr">
-                      <a:solidFill>
-                        <a:srgbClr val="000000"/>
-                      </a:solidFill>
-                      <a:prstDash val="solid"/>
-                      <a:round/>
-                      <a:headEnd w="med" len="med"/>
-                      <a:tailEnd w="med" len="med"/>
+                    <a:lnL w="12700" cap="flat" cmpd="sng" algn="ctr">
+                      <a:solidFill>
+                        <a:schemeClr val="tx1"/>
+                      </a:solidFill>
+                      <a:prstDash val="solid"/>
+                      <a:round/>
+                      <a:headEnd type="none" w="med" len="med"/>
+                      <a:tailEnd type="none" w="med" len="med"/>
                     </a:lnL>
                     <a:lnR w="12700" cap="flat" cmpd="sng" algn="ctr">
                       <a:solidFill>
@@ -7338,8 +7164,8 @@
                       </a:solidFill>
                       <a:prstDash val="solid"/>
                       <a:round/>
-                      <a:headEnd w="med" len="med"/>
-                      <a:tailEnd w="med" len="med"/>
+                      <a:headEnd type="none" w="med" len="med"/>
+                      <a:tailEnd type="none" w="med" len="med"/>
                     </a:lnR>
                     <a:lnT w="12700" cap="flat" cmpd="sng" algn="ctr">
                       <a:solidFill>
@@ -7347,17 +7173,17 @@
                       </a:solidFill>
                       <a:prstDash val="solid"/>
                       <a:round/>
-                      <a:headEnd w="med" len="med"/>
-                      <a:tailEnd w="med" len="med"/>
+                      <a:headEnd type="none" w="med" len="med"/>
+                      <a:tailEnd type="none" w="med" len="med"/>
                     </a:lnT>
-                    <a:lnB w="7112" cap="flat" cmpd="sng" algn="ctr">
-                      <a:solidFill>
-                        <a:srgbClr val="000000"/>
-                      </a:solidFill>
-                      <a:prstDash val="solid"/>
-                      <a:round/>
-                      <a:headEnd w="med" len="med"/>
-                      <a:tailEnd w="med" len="med"/>
+                    <a:lnB w="12700" cap="flat" cmpd="sng" algn="ctr">
+                      <a:solidFill>
+                        <a:schemeClr val="tx1"/>
+                      </a:solidFill>
+                      <a:prstDash val="solid"/>
+                      <a:round/>
+                      <a:headEnd type="none" w="med" len="med"/>
+                      <a:tailEnd type="none" w="med" len="med"/>
                     </a:lnB>
                   </a:tcPr>
                 </a:tc>
@@ -7396,17 +7222,17 @@
                       </a:solidFill>
                       <a:prstDash val="solid"/>
                       <a:round/>
-                      <a:headEnd w="med" len="med"/>
-                      <a:tailEnd w="med" len="med"/>
+                      <a:headEnd type="none" w="med" len="med"/>
+                      <a:tailEnd type="none" w="med" len="med"/>
                     </a:lnL>
-                    <a:lnR w="7112" cap="flat" cmpd="sng" algn="ctr">
-                      <a:solidFill>
-                        <a:srgbClr val="000000"/>
-                      </a:solidFill>
-                      <a:prstDash val="solid"/>
-                      <a:round/>
-                      <a:headEnd w="med" len="med"/>
-                      <a:tailEnd w="med" len="med"/>
+                    <a:lnR w="12700" cap="flat" cmpd="sng" algn="ctr">
+                      <a:solidFill>
+                        <a:schemeClr val="tx1"/>
+                      </a:solidFill>
+                      <a:prstDash val="solid"/>
+                      <a:round/>
+                      <a:headEnd type="none" w="med" len="med"/>
+                      <a:tailEnd type="none" w="med" len="med"/>
                     </a:lnR>
                     <a:lnT w="12700" cap="flat" cmpd="sng" algn="ctr">
                       <a:solidFill>
@@ -7414,17 +7240,17 @@
                       </a:solidFill>
                       <a:prstDash val="solid"/>
                       <a:round/>
-                      <a:headEnd w="med" len="med"/>
-                      <a:tailEnd w="med" len="med"/>
+                      <a:headEnd type="none" w="med" len="med"/>
+                      <a:tailEnd type="none" w="med" len="med"/>
                     </a:lnT>
-                    <a:lnB w="7112" cap="flat" cmpd="sng" algn="ctr">
-                      <a:solidFill>
-                        <a:srgbClr val="000000"/>
-                      </a:solidFill>
-                      <a:prstDash val="solid"/>
-                      <a:round/>
-                      <a:headEnd w="med" len="med"/>
-                      <a:tailEnd w="med" len="med"/>
+                    <a:lnB w="12700" cap="flat" cmpd="sng" algn="ctr">
+                      <a:solidFill>
+                        <a:schemeClr val="tx1"/>
+                      </a:solidFill>
+                      <a:prstDash val="solid"/>
+                      <a:round/>
+                      <a:headEnd type="none" w="med" len="med"/>
+                      <a:tailEnd type="none" w="med" len="med"/>
                     </a:lnB>
                   </a:tcPr>
                 </a:tc>
@@ -7502,30 +7328,30 @@
                         <a:defRPr/>
                       </a:pPr>
                       <a:r>
-                        <a:rPr lang="ko-KR" altLang="en-US" sz="1200"/>
+                        <a:rPr lang="ko-KR" altLang="en-US" sz="1200" dirty="0"/>
                         <a:t>게시판</a:t>
                       </a:r>
-                      <a:endParaRPr lang="en-US" altLang="ko-KR" sz="1200"/>
+                      <a:endParaRPr lang="en-US" altLang="ko-KR" sz="1200" dirty="0"/>
                     </a:p>
                   </a:txBody>
                   <a:tcPr marL="46713" marR="46713" marT="12915" marB="12915" anchor="ctr">
-                    <a:lnL w="7112" cap="flat" cmpd="sng" algn="ctr">
-                      <a:solidFill>
-                        <a:srgbClr val="000000"/>
-                      </a:solidFill>
-                      <a:prstDash val="solid"/>
-                      <a:round/>
-                      <a:headEnd w="med" len="med"/>
-                      <a:tailEnd w="med" len="med"/>
+                    <a:lnL w="12700" cap="flat" cmpd="sng" algn="ctr">
+                      <a:solidFill>
+                        <a:schemeClr val="tx1"/>
+                      </a:solidFill>
+                      <a:prstDash val="solid"/>
+                      <a:round/>
+                      <a:headEnd type="none" w="med" len="med"/>
+                      <a:tailEnd type="none" w="med" len="med"/>
                     </a:lnL>
-                    <a:lnR w="3556" cap="flat" cmpd="sng" algn="ctr">
-                      <a:solidFill>
-                        <a:srgbClr val="000000"/>
-                      </a:solidFill>
-                      <a:prstDash val="solid"/>
-                      <a:round/>
-                      <a:headEnd w="med" len="med"/>
-                      <a:tailEnd w="med" len="med"/>
+                    <a:lnR w="12700" cap="flat" cmpd="sng" algn="ctr">
+                      <a:solidFill>
+                        <a:schemeClr val="tx1"/>
+                      </a:solidFill>
+                      <a:prstDash val="solid"/>
+                      <a:round/>
+                      <a:headEnd type="none" w="med" len="med"/>
+                      <a:tailEnd type="none" w="med" len="med"/>
                     </a:lnR>
                     <a:lnT w="12700" cap="flat" cmpd="sng" algn="ctr">
                       <a:solidFill>
@@ -7533,17 +7359,17 @@
                       </a:solidFill>
                       <a:prstDash val="solid"/>
                       <a:round/>
-                      <a:headEnd w="med" len="med"/>
-                      <a:tailEnd w="med" len="med"/>
+                      <a:headEnd type="none" w="med" len="med"/>
+                      <a:tailEnd type="none" w="med" len="med"/>
                     </a:lnT>
-                    <a:lnB w="7112" cap="flat" cmpd="sng" algn="ctr">
-                      <a:solidFill>
-                        <a:srgbClr val="000000"/>
-                      </a:solidFill>
-                      <a:prstDash val="solid"/>
-                      <a:round/>
-                      <a:headEnd w="med" len="med"/>
-                      <a:tailEnd w="med" len="med"/>
+                    <a:lnB w="12700" cap="flat" cmpd="sng" algn="ctr">
+                      <a:solidFill>
+                        <a:schemeClr val="tx1"/>
+                      </a:solidFill>
+                      <a:prstDash val="solid"/>
+                      <a:round/>
+                      <a:headEnd type="none" w="med" len="med"/>
+                      <a:tailEnd type="none" w="med" len="med"/>
                     </a:lnB>
                   </a:tcPr>
                 </a:tc>
@@ -7598,20 +7424,20 @@
                         <a:defRPr/>
                       </a:pPr>
                       <a:r>
-                        <a:rPr lang="ko-KR" altLang="en-US" sz="1200"/>
+                        <a:rPr lang="ko-KR" altLang="en-US" sz="1200" dirty="0"/>
                         <a:t>고훈</a:t>
                       </a:r>
                     </a:p>
                   </a:txBody>
                   <a:tcPr marL="46713" marR="46713" marT="12915" marB="12915" anchor="ctr">
-                    <a:lnL w="3556" cap="flat" cmpd="sng" algn="ctr">
-                      <a:solidFill>
-                        <a:srgbClr val="000000"/>
-                      </a:solidFill>
-                      <a:prstDash val="solid"/>
-                      <a:round/>
-                      <a:headEnd w="med" len="med"/>
-                      <a:tailEnd w="med" len="med"/>
+                    <a:lnL w="12700" cap="flat" cmpd="sng" algn="ctr">
+                      <a:solidFill>
+                        <a:schemeClr val="tx1"/>
+                      </a:solidFill>
+                      <a:prstDash val="solid"/>
+                      <a:round/>
+                      <a:headEnd type="none" w="med" len="med"/>
+                      <a:tailEnd type="none" w="med" len="med"/>
                     </a:lnL>
                     <a:lnR w="12700" cap="flat" cmpd="sng" algn="ctr">
                       <a:solidFill>
@@ -7637,8 +7463,8 @@
                       </a:solidFill>
                       <a:prstDash val="solid"/>
                       <a:round/>
-                      <a:headEnd w="med" len="med"/>
-                      <a:tailEnd w="med" len="med"/>
+                      <a:headEnd type="none" w="med" len="med"/>
+                      <a:tailEnd type="none" w="med" len="med"/>
                     </a:lnB>
                   </a:tcPr>
                 </a:tc>
@@ -7673,7 +7499,7 @@
                         <a:defRPr/>
                       </a:pPr>
                       <a:r>
-                        <a:rPr lang="en-US" altLang="ko-KR" sz="1200"/>
+                        <a:rPr lang="en-US" altLang="ko-KR" sz="1200" dirty="0"/>
                         <a:t>010-2640-1718</a:t>
                       </a:r>
                     </a:p>
@@ -7688,14 +7514,14 @@
                       <a:headEnd w="med" len="med"/>
                       <a:tailEnd w="med" len="med"/>
                     </a:lnL>
-                    <a:lnR w="7112" cap="flat" cmpd="sng" algn="ctr">
-                      <a:solidFill>
-                        <a:srgbClr val="000000"/>
-                      </a:solidFill>
-                      <a:prstDash val="solid"/>
-                      <a:round/>
-                      <a:headEnd w="med" len="med"/>
-                      <a:tailEnd w="med" len="med"/>
+                    <a:lnR w="12700" cap="flat" cmpd="sng" algn="ctr">
+                      <a:solidFill>
+                        <a:schemeClr val="tx1"/>
+                      </a:solidFill>
+                      <a:prstDash val="solid"/>
+                      <a:round/>
+                      <a:headEnd type="none" w="med" len="med"/>
+                      <a:tailEnd type="none" w="med" len="med"/>
                     </a:lnR>
                     <a:lnT w="12700" cap="flat" cmpd="sng" algn="ctr">
                       <a:solidFill>
@@ -7712,8 +7538,8 @@
                       </a:solidFill>
                       <a:prstDash val="solid"/>
                       <a:round/>
-                      <a:headEnd w="med" len="med"/>
-                      <a:tailEnd w="med" len="med"/>
+                      <a:headEnd type="none" w="med" len="med"/>
+                      <a:tailEnd type="none" w="med" len="med"/>
                     </a:lnB>
                   </a:tcPr>
                 </a:tc>
@@ -7726,20 +7552,20 @@
                         <a:defRPr/>
                       </a:pPr>
                       <a:r>
-                        <a:rPr lang="en-US" altLang="ko-KR" sz="1200"/>
+                        <a:rPr lang="en-US" altLang="ko-KR" sz="1200" dirty="0"/>
                         <a:t>briankh1221@gmail.com</a:t>
                       </a:r>
                     </a:p>
                   </a:txBody>
                   <a:tcPr marL="46713" marR="46713" marT="12915" marB="12915" anchor="ctr">
-                    <a:lnL w="7112" cap="flat" cmpd="sng" algn="ctr">
-                      <a:solidFill>
-                        <a:srgbClr val="000000"/>
-                      </a:solidFill>
-                      <a:prstDash val="solid"/>
-                      <a:round/>
-                      <a:headEnd w="med" len="med"/>
-                      <a:tailEnd w="med" len="med"/>
+                    <a:lnL w="12700" cap="flat" cmpd="sng" algn="ctr">
+                      <a:solidFill>
+                        <a:schemeClr val="tx1"/>
+                      </a:solidFill>
+                      <a:prstDash val="solid"/>
+                      <a:round/>
+                      <a:headEnd type="none" w="med" len="med"/>
+                      <a:tailEnd type="none" w="med" len="med"/>
                     </a:lnL>
                     <a:lnR w="12700" cap="flat" cmpd="sng" algn="ctr">
                       <a:solidFill>
@@ -7747,26 +7573,26 @@
                       </a:solidFill>
                       <a:prstDash val="solid"/>
                       <a:round/>
-                      <a:headEnd w="med" len="med"/>
-                      <a:tailEnd w="med" len="med"/>
+                      <a:headEnd type="none" w="med" len="med"/>
+                      <a:tailEnd type="none" w="med" len="med"/>
                     </a:lnR>
-                    <a:lnT w="7112" cap="flat" cmpd="sng" algn="ctr">
-                      <a:solidFill>
-                        <a:srgbClr val="000000"/>
-                      </a:solidFill>
-                      <a:prstDash val="solid"/>
-                      <a:round/>
-                      <a:headEnd w="med" len="med"/>
-                      <a:tailEnd w="med" len="med"/>
+                    <a:lnT w="12700" cap="flat" cmpd="sng" algn="ctr">
+                      <a:solidFill>
+                        <a:schemeClr val="tx1"/>
+                      </a:solidFill>
+                      <a:prstDash val="solid"/>
+                      <a:round/>
+                      <a:headEnd type="none" w="med" len="med"/>
+                      <a:tailEnd type="none" w="med" len="med"/>
                     </a:lnT>
-                    <a:lnB w="7112" cap="flat" cmpd="sng" algn="ctr">
-                      <a:solidFill>
-                        <a:srgbClr val="000000"/>
-                      </a:solidFill>
-                      <a:prstDash val="solid"/>
-                      <a:round/>
-                      <a:headEnd w="med" len="med"/>
-                      <a:tailEnd w="med" len="med"/>
+                    <a:lnB w="12700" cap="flat" cmpd="sng" algn="ctr">
+                      <a:solidFill>
+                        <a:schemeClr val="tx1"/>
+                      </a:solidFill>
+                      <a:prstDash val="solid"/>
+                      <a:round/>
+                      <a:headEnd type="none" w="med" len="med"/>
+                      <a:tailEnd type="none" w="med" len="med"/>
                     </a:lnB>
                   </a:tcPr>
                 </a:tc>
@@ -7805,35 +7631,35 @@
                       </a:solidFill>
                       <a:prstDash val="solid"/>
                       <a:round/>
-                      <a:headEnd w="med" len="med"/>
-                      <a:tailEnd w="med" len="med"/>
+                      <a:headEnd type="none" w="med" len="med"/>
+                      <a:tailEnd type="none" w="med" len="med"/>
                     </a:lnL>
-                    <a:lnR w="7112" cap="flat" cmpd="sng" algn="ctr">
-                      <a:solidFill>
-                        <a:srgbClr val="000000"/>
-                      </a:solidFill>
-                      <a:prstDash val="solid"/>
-                      <a:round/>
-                      <a:headEnd w="med" len="med"/>
-                      <a:tailEnd w="med" len="med"/>
+                    <a:lnR w="12700" cap="flat" cmpd="sng" algn="ctr">
+                      <a:solidFill>
+                        <a:schemeClr val="tx1"/>
+                      </a:solidFill>
+                      <a:prstDash val="solid"/>
+                      <a:round/>
+                      <a:headEnd type="none" w="med" len="med"/>
+                      <a:tailEnd type="none" w="med" len="med"/>
                     </a:lnR>
-                    <a:lnT w="7112" cap="flat" cmpd="sng" algn="ctr">
-                      <a:solidFill>
-                        <a:srgbClr val="000000"/>
-                      </a:solidFill>
-                      <a:prstDash val="solid"/>
-                      <a:round/>
-                      <a:headEnd w="med" len="med"/>
-                      <a:tailEnd w="med" len="med"/>
+                    <a:lnT w="12700" cap="flat" cmpd="sng" algn="ctr">
+                      <a:solidFill>
+                        <a:schemeClr val="tx1"/>
+                      </a:solidFill>
+                      <a:prstDash val="solid"/>
+                      <a:round/>
+                      <a:headEnd type="none" w="med" len="med"/>
+                      <a:tailEnd type="none" w="med" len="med"/>
                     </a:lnT>
-                    <a:lnB w="7112" cap="flat" cmpd="sng" algn="ctr">
-                      <a:solidFill>
-                        <a:srgbClr val="000000"/>
-                      </a:solidFill>
-                      <a:prstDash val="solid"/>
-                      <a:round/>
-                      <a:headEnd w="med" len="med"/>
-                      <a:tailEnd w="med" len="med"/>
+                    <a:lnB w="12700" cap="flat" cmpd="sng" algn="ctr">
+                      <a:solidFill>
+                        <a:schemeClr val="tx1"/>
+                      </a:solidFill>
+                      <a:prstDash val="solid"/>
+                      <a:round/>
+                      <a:headEnd type="none" w="med" len="med"/>
+                      <a:tailEnd type="none" w="med" len="med"/>
                     </a:lnB>
                   </a:tcPr>
                 </a:tc>
@@ -7917,41 +7743,41 @@
                     </a:p>
                   </a:txBody>
                   <a:tcPr marL="46713" marR="46713" marT="12915" marB="12915" anchor="ctr">
-                    <a:lnL w="7112" cap="flat" cmpd="sng" algn="ctr">
-                      <a:solidFill>
-                        <a:srgbClr val="000000"/>
-                      </a:solidFill>
-                      <a:prstDash val="solid"/>
-                      <a:round/>
-                      <a:headEnd w="med" len="med"/>
-                      <a:tailEnd w="med" len="med"/>
+                    <a:lnL w="12700" cap="flat" cmpd="sng" algn="ctr">
+                      <a:solidFill>
+                        <a:schemeClr val="tx1"/>
+                      </a:solidFill>
+                      <a:prstDash val="solid"/>
+                      <a:round/>
+                      <a:headEnd type="none" w="med" len="med"/>
+                      <a:tailEnd type="none" w="med" len="med"/>
                     </a:lnL>
-                    <a:lnR w="3556" cap="flat" cmpd="sng" algn="ctr">
-                      <a:solidFill>
-                        <a:srgbClr val="000000"/>
-                      </a:solidFill>
-                      <a:prstDash val="solid"/>
-                      <a:round/>
-                      <a:headEnd w="med" len="med"/>
-                      <a:tailEnd w="med" len="med"/>
+                    <a:lnR w="12700" cap="flat" cmpd="sng" algn="ctr">
+                      <a:solidFill>
+                        <a:schemeClr val="tx1"/>
+                      </a:solidFill>
+                      <a:prstDash val="solid"/>
+                      <a:round/>
+                      <a:headEnd type="none" w="med" len="med"/>
+                      <a:tailEnd type="none" w="med" len="med"/>
                     </a:lnR>
-                    <a:lnT w="7112" cap="flat" cmpd="sng" algn="ctr">
-                      <a:solidFill>
-                        <a:srgbClr val="000000"/>
-                      </a:solidFill>
-                      <a:prstDash val="solid"/>
-                      <a:round/>
-                      <a:headEnd w="med" len="med"/>
-                      <a:tailEnd w="med" len="med"/>
+                    <a:lnT w="12700" cap="flat" cmpd="sng" algn="ctr">
+                      <a:solidFill>
+                        <a:schemeClr val="tx1"/>
+                      </a:solidFill>
+                      <a:prstDash val="solid"/>
+                      <a:round/>
+                      <a:headEnd type="none" w="med" len="med"/>
+                      <a:tailEnd type="none" w="med" len="med"/>
                     </a:lnT>
-                    <a:lnB w="7112" cap="flat" cmpd="sng" algn="ctr">
-                      <a:solidFill>
-                        <a:srgbClr val="000000"/>
-                      </a:solidFill>
-                      <a:prstDash val="solid"/>
-                      <a:round/>
-                      <a:headEnd w="med" len="med"/>
-                      <a:tailEnd w="med" len="med"/>
+                    <a:lnB w="12700" cap="flat" cmpd="sng" algn="ctr">
+                      <a:solidFill>
+                        <a:schemeClr val="tx1"/>
+                      </a:solidFill>
+                      <a:prstDash val="solid"/>
+                      <a:round/>
+                      <a:headEnd type="none" w="med" len="med"/>
+                      <a:tailEnd type="none" w="med" len="med"/>
                     </a:lnB>
                   </a:tcPr>
                 </a:tc>
@@ -7999,7 +7825,7 @@
         </p:nvSpPr>
         <p:spPr>
           <a:xfrm>
-            <a:off x="1558926" y="66259"/>
+            <a:off x="1558926" y="147114"/>
             <a:ext cx="2844625" cy="338554"/>
           </a:xfrm>
           <a:prstGeom prst="rect">
@@ -8017,24 +7843,24 @@
               <a:defRPr/>
             </a:pPr>
             <a:r>
-              <a:rPr lang="en-US" altLang="ko-KR" sz="1600" b="1">
+              <a:rPr lang="en-US" altLang="ko-KR" sz="1600" b="1" dirty="0">
                 <a:latin typeface="+mn-ea"/>
               </a:rPr>
-              <a:t>1.1  </a:t>
+              <a:t>1.1 </a:t>
             </a:r>
             <a:r>
-              <a:rPr lang="ko-KR" altLang="en-US" sz="1600" b="1">
+              <a:rPr lang="ko-KR" altLang="en-US" sz="1600" b="1" dirty="0">
                 <a:latin typeface="+mn-ea"/>
               </a:rPr>
               <a:t>팀 빌딩 </a:t>
             </a:r>
             <a:r>
-              <a:rPr lang="en-US" altLang="ko-KR" sz="1600" b="1">
+              <a:rPr lang="en-US" altLang="ko-KR" sz="1600" b="1" dirty="0">
                 <a:latin typeface="+mn-ea"/>
               </a:rPr>
               <a:t>(Teambuilding)</a:t>
             </a:r>
-            <a:endParaRPr lang="ko-KR" altLang="en-US" sz="1600" b="1">
+            <a:endParaRPr lang="ko-KR" altLang="en-US" sz="1600" b="1" dirty="0">
               <a:latin typeface="+mn-ea"/>
             </a:endParaRPr>
           </a:p>
@@ -8059,7 +7885,7 @@
               <a:defRPr/>
             </a:pPr>
             <a:fld id="{6FCE2FC3-CE0B-4DDC-91EC-D5FAB4A367BA}" type="slidenum">
-              <a:rPr lang="en-US" altLang="en-US"/>
+              <a:rPr lang="en-US" altLang="en-US" smtClean="0"/>
               <a:pPr lvl="0">
                 <a:defRPr/>
               </a:pPr>
@@ -8067,7 +7893,7 @@
             </a:fld>
             <a:r>
               <a:rPr lang="en-US" altLang="ko-KR" dirty="0"/>
-              <a:t>/30</a:t>
+              <a:t>/3</a:t>
             </a:r>
           </a:p>
         </p:txBody>
@@ -8081,7 +7907,7 @@
     <mc:Choice Requires="p14">
       <p:transition/>
     </mc:Choice>
-    <mc:Fallback xmlns="" xmlns:c="http://schemas.openxmlformats.org/drawingml/2006/chart" xmlns:dgm="http://schemas.openxmlformats.org/drawingml/2006/diagram" xmlns:dsp="http://schemas.microsoft.com/office/drawing/2008/diagram">
+    <mc:Fallback xmlns:dsp="http://schemas.microsoft.com/office/drawing/2008/diagram" xmlns:dgm="http://schemas.openxmlformats.org/drawingml/2006/diagram" xmlns:c="http://schemas.openxmlformats.org/drawingml/2006/chart" xmlns="">
       <p:transition/>
     </mc:Fallback>
   </mc:AlternateContent>
@@ -8113,7 +7939,7 @@
         </p:nvSpPr>
         <p:spPr>
           <a:xfrm>
-            <a:off x="1558926" y="66259"/>
+            <a:off x="1558926" y="103052"/>
             <a:ext cx="1031051" cy="338554"/>
           </a:xfrm>
           <a:prstGeom prst="rect">
@@ -8131,24 +7957,24 @@
               <a:defRPr/>
             </a:pPr>
             <a:r>
-              <a:rPr lang="en-US" altLang="ko-KR" sz="1600" b="1">
+              <a:rPr lang="en-US" altLang="ko-KR" sz="1600" b="1" dirty="0">
                 <a:latin typeface="+mn-ea"/>
               </a:rPr>
               <a:t>1.2 </a:t>
             </a:r>
             <a:r>
-              <a:rPr lang="ko-KR" altLang="en-US" sz="1600" b="1">
+              <a:rPr lang="ko-KR" altLang="en-US" sz="1600" b="1" dirty="0">
                 <a:latin typeface="+mn-ea"/>
               </a:rPr>
               <a:t>일정</a:t>
             </a:r>
             <a:r>
-              <a:rPr lang="en-US" altLang="ko-KR" sz="1600" b="1">
+              <a:rPr lang="en-US" altLang="ko-KR" sz="1600" b="1" dirty="0">
                 <a:latin typeface="+mn-ea"/>
               </a:rPr>
               <a:t> </a:t>
             </a:r>
-            <a:endParaRPr lang="ko-KR" altLang="en-US" sz="1600" b="1">
+            <a:endParaRPr lang="ko-KR" altLang="en-US" sz="1600" b="1" dirty="0">
               <a:latin typeface="+mn-ea"/>
             </a:endParaRPr>
           </a:p>
@@ -8163,13 +7989,13 @@
           <p:nvPr>
             <p:extLst>
               <p:ext uri="{D42A27DB-BD31-4B8C-83A1-F6EECF244321}">
-                <p14:modId xmlns:p14="http://schemas.microsoft.com/office/powerpoint/2010/main" val="3940236508"/>
+                <p14:modId xmlns:p14="http://schemas.microsoft.com/office/powerpoint/2010/main" val="656240338"/>
               </p:ext>
             </p:extLst>
           </p:nvPr>
         </p:nvGraphicFramePr>
         <p:xfrm>
-          <a:off x="1558943" y="404813"/>
+          <a:off x="1558943" y="441606"/>
           <a:ext cx="9074131" cy="6051269"/>
         </p:xfrm>
         <a:graphic>
@@ -8481,7 +8307,7 @@
                         <a:defRPr/>
                       </a:pPr>
                       <a:r>
-                        <a:rPr lang="ko-KR" altLang="en-US" sz="1200">
+                        <a:rPr lang="ko-KR" altLang="en-US" sz="1200" dirty="0">
                           <a:solidFill>
                             <a:srgbClr val="000F2F"/>
                           </a:solidFill>
@@ -8748,7 +8574,7 @@
                         <a:defRPr/>
                       </a:pPr>
                       <a:r>
-                        <a:rPr lang="ko-KR" altLang="en-US" sz="1200" b="1" kern="0" spc="-60">
+                        <a:rPr lang="ko-KR" altLang="en-US" sz="1200" b="1" kern="0" spc="-60" dirty="0">
                           <a:solidFill>
                             <a:srgbClr val="000000"/>
                           </a:solidFill>
@@ -8764,7 +8590,7 @@
                         <a:defRPr/>
                       </a:pPr>
                       <a:r>
-                        <a:rPr lang="ko-KR" altLang="en-US" sz="1200" b="1" kern="0" spc="-60">
+                        <a:rPr lang="ko-KR" altLang="en-US" sz="1200" b="1" kern="0" spc="-60" dirty="0">
                           <a:solidFill>
                             <a:srgbClr val="000000"/>
                           </a:solidFill>
@@ -8774,7 +8600,7 @@
                         </a:rPr>
                         <a:t>형태 결정하기</a:t>
                       </a:r>
-                      <a:endParaRPr lang="ko-KR" altLang="en-US" sz="1200" b="1">
+                      <a:endParaRPr lang="ko-KR" altLang="en-US" sz="1200" b="1" dirty="0">
                         <a:solidFill>
                           <a:srgbClr val="000F2F"/>
                         </a:solidFill>
@@ -8932,7 +8758,7 @@
                             <a:srgbClr val="000F2F"/>
                           </a:solidFill>
                         </a:rPr>
-                        <a:t>,  </a:t>
+                        <a:t> </a:t>
                       </a:r>
                       <a:r>
                         <a:rPr lang="ko-KR" altLang="en-US" sz="1200" dirty="0">
@@ -8940,7 +8766,7 @@
                             <a:srgbClr val="000F2F"/>
                           </a:solidFill>
                         </a:rPr>
-                        <a:t>모델 </a:t>
+                        <a:t>모델</a:t>
                       </a:r>
                       <a:r>
                         <a:rPr lang="en-US" altLang="ko-KR" sz="1200" dirty="0">
@@ -8956,23 +8782,7 @@
                             <a:srgbClr val="000F2F"/>
                           </a:solidFill>
                         </a:rPr>
-                        <a:t>방식의  회원 등록</a:t>
-                      </a:r>
-                      <a:r>
-                        <a:rPr lang="en-US" altLang="ko-KR" sz="1200" dirty="0">
-                          <a:solidFill>
-                            <a:srgbClr val="000F2F"/>
-                          </a:solidFill>
-                        </a:rPr>
-                        <a:t>,  </a:t>
-                      </a:r>
-                      <a:r>
-                        <a:rPr lang="ko-KR" altLang="en-US" sz="1200" dirty="0">
-                          <a:solidFill>
-                            <a:srgbClr val="000F2F"/>
-                          </a:solidFill>
-                        </a:rPr>
-                        <a:t>관리자 설계 </a:t>
+                        <a:t>방식의 회원 등록</a:t>
                       </a:r>
                       <a:r>
                         <a:rPr lang="en-US" altLang="ko-KR" sz="1200" dirty="0">
@@ -8988,7 +8798,7 @@
                             <a:srgbClr val="000F2F"/>
                           </a:solidFill>
                         </a:rPr>
-                        <a:t> 게시판 데이터 </a:t>
+                        <a:t>관리자 설계</a:t>
                       </a:r>
                       <a:r>
                         <a:rPr lang="en-US" altLang="ko-KR" sz="1200" dirty="0">
@@ -9004,6 +8814,22 @@
                             <a:srgbClr val="000F2F"/>
                           </a:solidFill>
                         </a:rPr>
+                        <a:t>게시판 데이터</a:t>
+                      </a:r>
+                      <a:r>
+                        <a:rPr lang="en-US" altLang="ko-KR" sz="1200" dirty="0">
+                          <a:solidFill>
+                            <a:srgbClr val="000F2F"/>
+                          </a:solidFill>
+                        </a:rPr>
+                        <a:t>, </a:t>
+                      </a:r>
+                      <a:r>
+                        <a:rPr lang="ko-KR" altLang="en-US" sz="1200" dirty="0">
+                          <a:solidFill>
+                            <a:srgbClr val="000F2F"/>
+                          </a:solidFill>
+                        </a:rPr>
                         <a:t>파일 업로드 구성 및</a:t>
                       </a:r>
                       <a:r>
@@ -9015,12 +8841,20 @@
                         <a:t> </a:t>
                       </a:r>
                       <a:r>
+                        <a:rPr lang="ko-KR" altLang="en-US" sz="1200" dirty="0" err="1">
+                          <a:solidFill>
+                            <a:srgbClr val="000F2F"/>
+                          </a:solidFill>
+                        </a:rPr>
+                        <a:t>깃허브</a:t>
+                      </a:r>
+                      <a:r>
                         <a:rPr lang="ko-KR" altLang="en-US" sz="1200" dirty="0">
                           <a:solidFill>
                             <a:srgbClr val="000F2F"/>
                           </a:solidFill>
                         </a:rPr>
-                        <a:t>깃 허브 활용</a:t>
+                        <a:t> 활용</a:t>
                       </a:r>
                       <a:endParaRPr lang="en-US" altLang="ko-KR" sz="1200" dirty="0">
                         <a:solidFill>
@@ -9033,7 +8867,23 @@
                         <a:defRPr/>
                       </a:pPr>
                       <a:r>
+                        <a:rPr lang="en-US" altLang="ko-KR" sz="1200" dirty="0">
+                          <a:solidFill>
+                            <a:srgbClr val="000F2F"/>
+                          </a:solidFill>
+                        </a:rPr>
+                        <a:t>[</a:t>
+                      </a:r>
+                      <a:r>
                         <a:rPr lang="ko-KR" altLang="en-US" sz="1200" dirty="0">
+                          <a:solidFill>
+                            <a:srgbClr val="000F2F"/>
+                          </a:solidFill>
+                        </a:rPr>
+                        <a:t>구체적인</a:t>
+                      </a:r>
+                      <a:r>
+                        <a:rPr lang="en-US" altLang="ko-KR" sz="1200" dirty="0">
                           <a:solidFill>
                             <a:srgbClr val="000F2F"/>
                           </a:solidFill>
@@ -9041,36 +8891,12 @@
                         <a:t> </a:t>
                       </a:r>
                       <a:r>
-                        <a:rPr lang="en-US" altLang="ko-KR" sz="1200" dirty="0">
+                        <a:rPr lang="ko-KR" altLang="en-US" sz="1200" dirty="0">
                           <a:solidFill>
                             <a:srgbClr val="000F2F"/>
                           </a:solidFill>
                         </a:rPr>
-                        <a:t>[  </a:t>
-                      </a:r>
-                      <a:r>
-                        <a:rPr lang="ko-KR" altLang="en-US" sz="1200" dirty="0">
-                          <a:solidFill>
-                            <a:srgbClr val="000F2F"/>
-                          </a:solidFill>
-                        </a:rPr>
-                        <a:t>구체적인</a:t>
-                      </a:r>
-                      <a:r>
-                        <a:rPr lang="en-US" altLang="ko-KR" sz="1200" dirty="0">
-                          <a:solidFill>
-                            <a:srgbClr val="000F2F"/>
-                          </a:solidFill>
-                        </a:rPr>
-                        <a:t> </a:t>
-                      </a:r>
-                      <a:r>
-                        <a:rPr lang="ko-KR" altLang="en-US" sz="1200" dirty="0">
-                          <a:solidFill>
-                            <a:srgbClr val="000F2F"/>
-                          </a:solidFill>
-                        </a:rPr>
-                        <a:t>프로젝트 구현 방향 </a:t>
+                        <a:t>프로젝트 구현 방향</a:t>
                       </a:r>
                       <a:r>
                         <a:rPr lang="en-US" altLang="ko-KR" sz="1200" dirty="0">
@@ -9154,7 +8980,7 @@
                             <a:srgbClr val="000F2F"/>
                           </a:solidFill>
                         </a:rPr>
-                        <a:t> – </a:t>
+                        <a:t> - </a:t>
                       </a:r>
                       <a:r>
                         <a:rPr lang="ko-KR" altLang="en-US" sz="1200" dirty="0">
@@ -9162,7 +8988,7 @@
                             <a:srgbClr val="000F2F"/>
                           </a:solidFill>
                         </a:rPr>
-                        <a:t>게시판에 이미지 구현 까지</a:t>
+                        <a:t>게시판에 이미지 구현까지</a:t>
                       </a:r>
                       <a:endParaRPr lang="en-US" altLang="ko-KR" sz="1200" dirty="0">
                         <a:solidFill>
@@ -9175,6 +9001,14 @@
                         <a:defRPr/>
                       </a:pPr>
                       <a:r>
+                        <a:rPr lang="en-US" altLang="ko-KR" sz="1200" dirty="0">
+                          <a:solidFill>
+                            <a:srgbClr val="000F2F"/>
+                          </a:solidFill>
+                        </a:rPr>
+                        <a:t>[</a:t>
+                      </a:r>
+                      <a:r>
                         <a:rPr lang="ko-KR" altLang="en-US" sz="1200" dirty="0">
                           <a:solidFill>
                             <a:srgbClr val="000F2F"/>
@@ -9182,7 +9016,100 @@
                         </a:rPr>
                         <a:t>기타 구현 방향</a:t>
                       </a:r>
-                      <a:endParaRPr lang="en-US" altLang="ko-KR" sz="1200" dirty="0">
+                      <a:r>
+                        <a:rPr lang="en-US" altLang="ko-KR" sz="1200" dirty="0">
+                          <a:solidFill>
+                            <a:srgbClr val="000F2F"/>
+                          </a:solidFill>
+                        </a:rPr>
+                        <a:t>]</a:t>
+                      </a:r>
+                    </a:p>
+                    <a:p>
+                      <a:pPr latinLnBrk="1">
+                        <a:defRPr/>
+                      </a:pPr>
+                      <a:r>
+                        <a:rPr lang="en-US" altLang="ko-KR" sz="1200" dirty="0">
+                          <a:solidFill>
+                            <a:srgbClr val="000F2F"/>
+                          </a:solidFill>
+                        </a:rPr>
+                        <a:t>3. </a:t>
+                      </a:r>
+                      <a:r>
+                        <a:rPr lang="ko-KR" altLang="en-US" sz="1200" dirty="0">
+                          <a:solidFill>
+                            <a:srgbClr val="000F2F"/>
+                          </a:solidFill>
+                        </a:rPr>
+                        <a:t>웹 소켓 </a:t>
+                      </a:r>
+                      <a:r>
+                        <a:rPr lang="en-US" altLang="ko-KR" sz="1200" dirty="0">
+                          <a:solidFill>
+                            <a:srgbClr val="000F2F"/>
+                          </a:solidFill>
+                        </a:rPr>
+                        <a:t>- </a:t>
+                      </a:r>
+                      <a:r>
+                        <a:rPr lang="ko-KR" altLang="en-US" sz="1200" dirty="0" err="1">
+                          <a:solidFill>
+                            <a:srgbClr val="000F2F"/>
+                          </a:solidFill>
+                        </a:rPr>
+                        <a:t>채팅방</a:t>
+                      </a:r>
+                      <a:r>
+                        <a:rPr lang="ko-KR" altLang="en-US" sz="1200" dirty="0">
+                          <a:solidFill>
+                            <a:srgbClr val="000F2F"/>
+                          </a:solidFill>
+                        </a:rPr>
+                        <a:t> 입장</a:t>
+                      </a:r>
+                      <a:r>
+                        <a:rPr lang="en-US" altLang="ko-KR" sz="1200" dirty="0">
+                          <a:solidFill>
+                            <a:srgbClr val="000F2F"/>
+                          </a:solidFill>
+                        </a:rPr>
+                        <a:t>(1:1 </a:t>
+                      </a:r>
+                      <a:r>
+                        <a:rPr lang="ko-KR" altLang="en-US" sz="1200" dirty="0">
+                          <a:solidFill>
+                            <a:srgbClr val="000F2F"/>
+                          </a:solidFill>
+                        </a:rPr>
+                        <a:t>대화 </a:t>
+                      </a:r>
+                      <a:r>
+                        <a:rPr lang="en-US" altLang="ko-KR" sz="1200" dirty="0">
+                          <a:solidFill>
+                            <a:srgbClr val="000F2F"/>
+                          </a:solidFill>
+                        </a:rPr>
+                        <a:t>or 1 : N </a:t>
+                      </a:r>
+                      <a:r>
+                        <a:rPr lang="ko-KR" altLang="en-US" sz="1200" dirty="0">
+                          <a:solidFill>
+                            <a:srgbClr val="000F2F"/>
+                          </a:solidFill>
+                        </a:rPr>
+                        <a:t>대화</a:t>
+                      </a:r>
+                      <a:r>
+                        <a:rPr lang="en-US" altLang="ko-KR" sz="1200" dirty="0">
+                          <a:solidFill>
+                            <a:srgbClr val="000F2F"/>
+                          </a:solidFill>
+                        </a:rPr>
+                        <a:t>)</a:t>
+                      </a:r>
+                      <a:endParaRPr lang="ko-KR" altLang="en-US" sz="1200" dirty="0">
                         <a:solidFill>
                           <a:srgbClr val="000F2F"/>
                         </a:solidFill>
@@ -9198,7 +9125,7 @@
                             <a:srgbClr val="000F2F"/>
                           </a:solidFill>
                         </a:rPr>
-                        <a:t>3. </a:t>
+                        <a:t>4. </a:t>
                       </a:r>
                       <a:r>
                         <a:rPr lang="ko-KR" altLang="en-US" sz="1200" dirty="0">
@@ -9206,7 +9133,7 @@
                             <a:srgbClr val="000F2F"/>
                           </a:solidFill>
                         </a:rPr>
-                        <a:t>웹 소켓</a:t>
+                        <a:t>네이버 오픈 </a:t>
                       </a:r>
                       <a:r>
                         <a:rPr lang="en-US" altLang="ko-KR" sz="1200" dirty="0">
@@ -9214,18 +9141,18 @@
                             <a:srgbClr val="000F2F"/>
                           </a:solidFill>
                         </a:rPr>
-                        <a:t>- </a:t>
-                      </a:r>
-                      <a:r>
-                        <a:rPr lang="ko-KR" altLang="en-US" sz="1200" dirty="0" err="1">
+                        <a:t>API </a:t>
+                      </a:r>
+                      <a:r>
+                        <a:rPr lang="ko-KR" altLang="en-US" sz="1200" dirty="0">
                           <a:solidFill>
                             <a:srgbClr val="000F2F"/>
                           </a:solidFill>
                         </a:rPr>
-                        <a:t>채팅방입장</a:t>
-                      </a:r>
-                      <a:r>
-                        <a:rPr lang="ko-KR" altLang="en-US" sz="1200" dirty="0">
+                        <a:t>를</a:t>
+                      </a:r>
+                      <a:r>
+                        <a:rPr lang="en-US" altLang="ko-KR" sz="1200" dirty="0">
                           <a:solidFill>
                             <a:srgbClr val="000F2F"/>
                           </a:solidFill>
@@ -9233,83 +9160,6 @@
                         <a:t> </a:t>
                       </a:r>
                       <a:r>
-                        <a:rPr lang="en-US" altLang="ko-KR" sz="1200" dirty="0">
-                          <a:solidFill>
-                            <a:srgbClr val="000F2F"/>
-                          </a:solidFill>
-                        </a:rPr>
-                        <a:t>- 1:1 </a:t>
-                      </a:r>
-                      <a:r>
-                        <a:rPr lang="ko-KR" altLang="en-US" sz="1200" dirty="0">
-                          <a:solidFill>
-                            <a:srgbClr val="000F2F"/>
-                          </a:solidFill>
-                        </a:rPr>
-                        <a:t>대화 </a:t>
-                      </a:r>
-                      <a:r>
-                        <a:rPr lang="en-US" altLang="ko-KR" sz="1200" dirty="0">
-                          <a:solidFill>
-                            <a:srgbClr val="000F2F"/>
-                          </a:solidFill>
-                        </a:rPr>
-                        <a:t>or 1 : n </a:t>
-                      </a:r>
-                      <a:r>
-                        <a:rPr lang="ko-KR" altLang="en-US" sz="1200" dirty="0">
-                          <a:solidFill>
-                            <a:srgbClr val="000F2F"/>
-                          </a:solidFill>
-                        </a:rPr>
-                        <a:t>대화</a:t>
-                      </a:r>
-                    </a:p>
-                    <a:p>
-                      <a:pPr latinLnBrk="1">
-                        <a:defRPr/>
-                      </a:pPr>
-                      <a:r>
-                        <a:rPr lang="en-US" altLang="ko-KR" sz="1200" dirty="0">
-                          <a:solidFill>
-                            <a:srgbClr val="000F2F"/>
-                          </a:solidFill>
-                        </a:rPr>
-                        <a:t>4. </a:t>
-                      </a:r>
-                      <a:r>
-                        <a:rPr lang="ko-KR" altLang="en-US" sz="1200" dirty="0">
-                          <a:solidFill>
-                            <a:srgbClr val="000F2F"/>
-                          </a:solidFill>
-                        </a:rPr>
-                        <a:t>네이버 오픈 </a:t>
-                      </a:r>
-                      <a:r>
-                        <a:rPr lang="en-US" altLang="ko-KR" sz="1200" dirty="0">
-                          <a:solidFill>
-                            <a:srgbClr val="000F2F"/>
-                          </a:solidFill>
-                        </a:rPr>
-                        <a:t>API </a:t>
-                      </a:r>
-                      <a:r>
-                        <a:rPr lang="ko-KR" altLang="en-US" sz="1200" dirty="0">
-                          <a:solidFill>
-                            <a:srgbClr val="000F2F"/>
-                          </a:solidFill>
-                        </a:rPr>
-                        <a:t>를</a:t>
-                      </a:r>
-                      <a:r>
-                        <a:rPr lang="en-US" altLang="ko-KR" sz="1200" dirty="0">
-                          <a:solidFill>
-                            <a:srgbClr val="000F2F"/>
-                          </a:solidFill>
-                        </a:rPr>
-                        <a:t> </a:t>
-                      </a:r>
-                      <a:r>
                         <a:rPr lang="ko-KR" altLang="en-US" sz="1200" dirty="0">
                           <a:solidFill>
                             <a:srgbClr val="000F2F"/>
@@ -9323,7 +9173,7 @@
                             <a:srgbClr val="000F2F"/>
                           </a:solidFill>
                         </a:rPr>
-                        <a:t>-  smtp </a:t>
+                        <a:t>SMTP </a:t>
                       </a:r>
                       <a:r>
                         <a:rPr lang="ko-KR" altLang="en-US" sz="1200" dirty="0">
@@ -9339,7 +9189,7 @@
                             <a:srgbClr val="000F2F"/>
                           </a:solidFill>
                         </a:rPr>
-                        <a:t>(e-mail)</a:t>
+                        <a:t>(E-mail)</a:t>
                       </a:r>
                     </a:p>
                   </a:txBody>
@@ -12891,12 +12741,20 @@
                         <a:defRPr/>
                       </a:pPr>
                       <a:r>
-                        <a:rPr lang="ko-KR" altLang="en-US" sz="1100" b="1">
+                        <a:rPr lang="ko-KR" altLang="en-US" sz="1100" b="1" dirty="0" err="1">
                           <a:solidFill>
                             <a:srgbClr val="000F2F"/>
                           </a:solidFill>
                         </a:rPr>
-                        <a:t>프론트 엔드 설계 및 개발</a:t>
+                        <a:t>프론트엔드</a:t>
+                      </a:r>
+                      <a:r>
+                        <a:rPr lang="ko-KR" altLang="en-US" sz="1100" b="1" dirty="0">
+                          <a:solidFill>
+                            <a:srgbClr val="000F2F"/>
+                          </a:solidFill>
+                        </a:rPr>
+                        <a:t> 설계 및 개발</a:t>
                       </a:r>
                     </a:p>
                   </a:txBody>
@@ -16738,7 +16596,7 @@
                             <a:srgbClr val="000F2F"/>
                           </a:solidFill>
                         </a:rPr>
-                        <a:t>기능 </a:t>
+                        <a:t>기능</a:t>
                       </a:r>
                       <a:r>
                         <a:rPr lang="en-US" altLang="ko-KR" sz="1200" dirty="0">
@@ -16746,7 +16604,7 @@
                             <a:srgbClr val="000F2F"/>
                           </a:solidFill>
                         </a:rPr>
-                        <a:t>,</a:t>
+                        <a:t>, </a:t>
                       </a:r>
                       <a:r>
                         <a:rPr lang="ko-KR" altLang="en-US" sz="1200" dirty="0">
@@ -17068,7 +16926,7 @@
                             <a:srgbClr val="000F2F"/>
                           </a:solidFill>
                         </a:rPr>
-                        <a:t> 설계 및 개발 </a:t>
+                        <a:t> 설계 및 개발</a:t>
                       </a:r>
                       <a:r>
                         <a:rPr lang="en-US" altLang="ko-KR" sz="1200" dirty="0">
@@ -17084,7 +16942,7 @@
                             <a:srgbClr val="000F2F"/>
                           </a:solidFill>
                         </a:rPr>
-                        <a:t>기능 </a:t>
+                        <a:t>기능</a:t>
                       </a:r>
                       <a:r>
                         <a:rPr lang="en-US" altLang="ko-KR" sz="1200" dirty="0">
@@ -17092,7 +16950,7 @@
                             <a:srgbClr val="000F2F"/>
                           </a:solidFill>
                         </a:rPr>
-                        <a:t>,</a:t>
+                        <a:t>, </a:t>
                       </a:r>
                       <a:r>
                         <a:rPr lang="ko-KR" altLang="en-US" sz="1200" dirty="0">
@@ -17382,7 +17240,7 @@
                             <a:srgbClr val="000F2F"/>
                           </a:solidFill>
                         </a:rPr>
-                        <a:t> 설계 및 개발 </a:t>
+                        <a:t> 설계 및 개발</a:t>
                       </a:r>
                       <a:r>
                         <a:rPr lang="en-US" altLang="ko-KR" sz="1200" dirty="0">
@@ -17398,7 +17256,7 @@
                             <a:srgbClr val="000F2F"/>
                           </a:solidFill>
                         </a:rPr>
-                        <a:t>기능 </a:t>
+                        <a:t>기능</a:t>
                       </a:r>
                       <a:r>
                         <a:rPr lang="en-US" altLang="ko-KR" sz="1200" dirty="0">
@@ -17710,7 +17568,7 @@
                             <a:srgbClr val="000F2F"/>
                           </a:solidFill>
                         </a:rPr>
-                        <a:t> 설계 및 개발 </a:t>
+                        <a:t> 설계 및 개발</a:t>
                       </a:r>
                       <a:r>
                         <a:rPr lang="en-US" altLang="ko-KR" sz="1200" dirty="0">
@@ -17726,7 +17584,7 @@
                             <a:srgbClr val="000F2F"/>
                           </a:solidFill>
                         </a:rPr>
-                        <a:t>기능 </a:t>
+                        <a:t>기능</a:t>
                       </a:r>
                       <a:r>
                         <a:rPr lang="en-US" altLang="ko-KR" sz="1200" dirty="0">
@@ -18140,19 +17998,6 @@
                         </a:rPr>
                         <a:t>환경</a:t>
                       </a:r>
-                      <a:r>
-                        <a:rPr lang="en-US" altLang="ko-KR" sz="1200" dirty="0">
-                          <a:solidFill>
-                            <a:srgbClr val="000F2F"/>
-                          </a:solidFill>
-                        </a:rPr>
-                        <a:t> </a:t>
-                      </a:r>
-                      <a:endParaRPr lang="ko-KR" altLang="en-US" sz="1200" dirty="0">
-                        <a:solidFill>
-                          <a:srgbClr val="000F2F"/>
-                        </a:solidFill>
-                      </a:endParaRPr>
                     </a:p>
                   </a:txBody>
                   <a:tcPr anchor="ctr">
@@ -18348,7 +18193,7 @@
     <mc:Choice Requires="p14">
       <p:transition/>
     </mc:Choice>
-    <mc:Fallback xmlns="" xmlns:c="http://schemas.openxmlformats.org/drawingml/2006/chart" xmlns:dgm="http://schemas.openxmlformats.org/drawingml/2006/diagram" xmlns:dsp="http://schemas.microsoft.com/office/drawing/2008/diagram">
+    <mc:Fallback xmlns:dsp="http://schemas.microsoft.com/office/drawing/2008/diagram" xmlns:dgm="http://schemas.openxmlformats.org/drawingml/2006/diagram" xmlns:c="http://schemas.openxmlformats.org/drawingml/2006/chart" xmlns="">
       <p:transition/>
     </mc:Fallback>
   </mc:AlternateContent>
@@ -18380,7 +18225,7 @@
         </p:nvSpPr>
         <p:spPr>
           <a:xfrm>
-            <a:off x="1558926" y="66259"/>
+            <a:off x="1558926" y="175538"/>
             <a:ext cx="1018227" cy="338554"/>
           </a:xfrm>
           <a:prstGeom prst="rect">
@@ -18934,7 +18779,7 @@
                 <a:effectLst/>
                 <a:latin typeface="-apple-system"/>
               </a:rPr>
-              <a:t>NUM[</a:t>
+              <a:t>NUM [</a:t>
             </a:r>
             <a:r>
               <a:rPr lang="ko-KR" altLang="en-US" sz="1100" b="1" i="0" dirty="0">
@@ -18963,7 +18808,7 @@
                 <a:effectLst/>
                 <a:latin typeface="-apple-system"/>
               </a:rPr>
-              <a:t> [ </a:t>
+              <a:t> (</a:t>
             </a:r>
             <a:r>
               <a:rPr lang="ko-KR" altLang="en-US" sz="1100" b="1" i="0" dirty="0">
@@ -18973,7 +18818,7 @@
                 <a:effectLst/>
                 <a:latin typeface="-apple-system"/>
               </a:rPr>
-              <a:t>기본 키 </a:t>
+              <a:t>기본 키</a:t>
             </a:r>
             <a:r>
               <a:rPr lang="en-US" altLang="ko-KR" sz="1100" b="1" i="0" dirty="0">
@@ -18983,7 +18828,7 @@
                 <a:effectLst/>
                 <a:latin typeface="-apple-system"/>
               </a:rPr>
-              <a:t>]</a:t>
+              <a:t>)</a:t>
             </a:r>
           </a:p>
           <a:p>
@@ -19043,7 +18888,7 @@
                 <a:effectLst/>
                 <a:latin typeface="-apple-system"/>
               </a:rPr>
-              <a:t>NICNAME[</a:t>
+              <a:t>NICNAME [</a:t>
             </a:r>
             <a:r>
               <a:rPr lang="ko-KR" altLang="en-US" sz="1100" b="1" i="0" dirty="0">
@@ -19053,7 +18898,7 @@
                 <a:effectLst/>
                 <a:latin typeface="-apple-system"/>
               </a:rPr>
-              <a:t>사용자 닉네임</a:t>
+              <a:t>별명</a:t>
             </a:r>
             <a:r>
               <a:rPr lang="en-US" altLang="ko-KR" sz="1100" b="1" i="0" dirty="0">
@@ -19083,7 +18928,7 @@
                 <a:effectLst/>
                 <a:latin typeface="-apple-system"/>
               </a:rPr>
-              <a:t>title[</a:t>
+              <a:t>TITLE [</a:t>
             </a:r>
             <a:r>
               <a:rPr lang="ko-KR" altLang="en-US" sz="1100" b="1" i="0" dirty="0">
@@ -19123,7 +18968,7 @@
                 <a:effectLst/>
                 <a:latin typeface="-apple-system"/>
               </a:rPr>
-              <a:t>Content[</a:t>
+              <a:t>CONTENT [</a:t>
             </a:r>
             <a:r>
               <a:rPr lang="ko-KR" altLang="en-US" sz="1100" b="1" i="0" dirty="0">
@@ -19169,7 +19014,7 @@
                 <a:effectLst/>
                 <a:latin typeface="-apple-system"/>
               </a:rPr>
-              <a:t>cate[</a:t>
+              <a:t>CATEGORY [</a:t>
             </a:r>
             <a:r>
               <a:rPr lang="ko-KR" altLang="en-US" sz="1100" b="1" i="0" dirty="0">
@@ -19179,7 +19024,7 @@
                 <a:effectLst/>
                 <a:latin typeface="-apple-system"/>
               </a:rPr>
-              <a:t>카테고리</a:t>
+              <a:t>카테고리 </a:t>
             </a:r>
             <a:r>
               <a:rPr lang="en-US" altLang="ko-KR" sz="1100" b="1" i="0" dirty="0">
@@ -19229,7 +19074,7 @@
                 <a:effectLst/>
                 <a:latin typeface="-apple-system"/>
               </a:rPr>
-              <a:t>FILE_ID[</a:t>
+              <a:t>FILE_ID [</a:t>
             </a:r>
             <a:r>
               <a:rPr lang="ko-KR" altLang="en-US" sz="1100" b="1" i="0" dirty="0">
@@ -19239,7 +19084,7 @@
                 <a:effectLst/>
                 <a:latin typeface="-apple-system"/>
               </a:rPr>
-              <a:t>원본 파일명</a:t>
+              <a:t>파일 번호</a:t>
             </a:r>
             <a:r>
               <a:rPr lang="en-US" altLang="ko-KR" sz="1100" b="1" i="0" dirty="0">
@@ -19269,7 +19114,7 @@
                 <a:effectLst/>
                 <a:latin typeface="-apple-system"/>
               </a:rPr>
-              <a:t>FILE_NAME[</a:t>
+              <a:t>FILE_NAME [</a:t>
             </a:r>
             <a:r>
               <a:rPr lang="ko-KR" altLang="en-US" sz="1100" b="1" i="0" dirty="0">
@@ -19279,7 +19124,7 @@
                 <a:effectLst/>
                 <a:latin typeface="-apple-system"/>
               </a:rPr>
-              <a:t>저장 파일명</a:t>
+              <a:t>파일 이름</a:t>
             </a:r>
             <a:r>
               <a:rPr lang="en-US" altLang="ko-KR" sz="1100" b="1" i="0" dirty="0">
@@ -19309,7 +19154,7 @@
                 <a:effectLst/>
                 <a:latin typeface="-apple-system"/>
               </a:rPr>
-              <a:t>POSTDATE[</a:t>
+              <a:t>POSTDATE [</a:t>
             </a:r>
             <a:r>
               <a:rPr lang="ko-KR" altLang="en-US" sz="1100" b="1" i="0" dirty="0">
@@ -19319,7 +19164,7 @@
                 <a:effectLst/>
                 <a:latin typeface="-apple-system"/>
               </a:rPr>
-              <a:t>저장된 날짜</a:t>
+              <a:t>작성일자</a:t>
             </a:r>
             <a:r>
               <a:rPr lang="en-US" altLang="ko-KR" sz="1100" b="1" i="0" dirty="0">
@@ -19349,17 +19194,16 @@
                 <a:effectLst/>
                 <a:latin typeface="-apple-system"/>
               </a:rPr>
-              <a:t>VISIT_COUNT[</a:t>
+              <a:t>VISIT_COUNT [</a:t>
             </a:r>
             <a:r>
-              <a:rPr lang="ko-KR" altLang="en-US" sz="1100" b="1" i="0" dirty="0">
+              <a:rPr lang="ko-KR" altLang="en-US" sz="1100" b="1" dirty="0">
                 <a:solidFill>
                   <a:srgbClr val="1F2328"/>
                 </a:solidFill>
-                <a:effectLst/>
                 <a:latin typeface="-apple-system"/>
               </a:rPr>
-              <a:t>글 방문자</a:t>
+              <a:t>방문자 수</a:t>
             </a:r>
             <a:r>
               <a:rPr lang="en-US" altLang="ko-KR" sz="1100" b="1" i="0" dirty="0">
@@ -19423,10 +19267,10 @@
         </p:nvGrpSpPr>
         <p:grpSpPr>
           <a:xfrm>
-            <a:off x="8328248" y="1009136"/>
-            <a:ext cx="2235364" cy="307777"/>
-            <a:chOff x="290482" y="1628800"/>
-            <a:chExt cx="1220792" cy="307777"/>
+            <a:off x="8328248" y="941057"/>
+            <a:ext cx="2235364" cy="329350"/>
+            <a:chOff x="290482" y="1560721"/>
+            <a:chExt cx="1220792" cy="329350"/>
           </a:xfrm>
         </p:grpSpPr>
         <p:sp>
@@ -19443,7 +19287,7 @@
           </p:nvSpPr>
           <p:spPr>
             <a:xfrm>
-              <a:off x="305140" y="1628800"/>
+              <a:off x="305140" y="1560721"/>
               <a:ext cx="1206134" cy="307777"/>
             </a:xfrm>
             <a:prstGeom prst="rect">
@@ -19521,10 +19365,10 @@
         </p:nvGrpSpPr>
         <p:grpSpPr>
           <a:xfrm>
-            <a:off x="1707478" y="1009136"/>
-            <a:ext cx="5972698" cy="307777"/>
-            <a:chOff x="290482" y="1628800"/>
-            <a:chExt cx="1206134" cy="307777"/>
+            <a:off x="1707478" y="936713"/>
+            <a:ext cx="5972698" cy="333694"/>
+            <a:chOff x="290482" y="1556377"/>
+            <a:chExt cx="1206134" cy="333694"/>
           </a:xfrm>
         </p:grpSpPr>
         <p:sp>
@@ -19541,7 +19385,7 @@
           </p:nvSpPr>
           <p:spPr>
             <a:xfrm>
-              <a:off x="290482" y="1628800"/>
+              <a:off x="290482" y="1556377"/>
               <a:ext cx="1206134" cy="307777"/>
             </a:xfrm>
             <a:prstGeom prst="rect">
